--- a/big-data/lecture07.pptx
+++ b/big-data/lecture07.pptx
@@ -14,6 +14,12 @@
     <p:sldId id="263" r:id="rId8"/>
     <p:sldId id="265" r:id="rId9"/>
     <p:sldId id="266" r:id="rId10"/>
+    <p:sldId id="267" r:id="rId11"/>
+    <p:sldId id="269" r:id="rId12"/>
+    <p:sldId id="271" r:id="rId13"/>
+    <p:sldId id="272" r:id="rId14"/>
+    <p:sldId id="270" r:id="rId15"/>
+    <p:sldId id="268" r:id="rId16"/>
   </p:sldIdLst>
   <p:sldSz cx="9144000" cy="6858000" type="screen4x3"/>
   <p:notesSz cx="6858000" cy="9144000"/>
@@ -296,7 +302,7 @@
           <a:p>
             <a:fld id="{62CA7AE2-9C9E-4D81-99B4-5F4F8DAA8296}" type="datetimeFigureOut">
               <a:rPr lang="en-US" smtClean="0"/>
-              <a:t>10/20/2015</a:t>
+              <a:t>10/26/2015</a:t>
             </a:fld>
             <a:endParaRPr lang="en-US"/>
           </a:p>
@@ -466,7 +472,7 @@
           <a:p>
             <a:fld id="{62CA7AE2-9C9E-4D81-99B4-5F4F8DAA8296}" type="datetimeFigureOut">
               <a:rPr lang="en-US" smtClean="0"/>
-              <a:t>10/20/2015</a:t>
+              <a:t>10/26/2015</a:t>
             </a:fld>
             <a:endParaRPr lang="en-US"/>
           </a:p>
@@ -646,7 +652,7 @@
           <a:p>
             <a:fld id="{62CA7AE2-9C9E-4D81-99B4-5F4F8DAA8296}" type="datetimeFigureOut">
               <a:rPr lang="en-US" smtClean="0"/>
-              <a:t>10/20/2015</a:t>
+              <a:t>10/26/2015</a:t>
             </a:fld>
             <a:endParaRPr lang="en-US"/>
           </a:p>
@@ -816,7 +822,7 @@
           <a:p>
             <a:fld id="{62CA7AE2-9C9E-4D81-99B4-5F4F8DAA8296}" type="datetimeFigureOut">
               <a:rPr lang="en-US" smtClean="0"/>
-              <a:t>10/20/2015</a:t>
+              <a:t>10/26/2015</a:t>
             </a:fld>
             <a:endParaRPr lang="en-US"/>
           </a:p>
@@ -1062,7 +1068,7 @@
           <a:p>
             <a:fld id="{62CA7AE2-9C9E-4D81-99B4-5F4F8DAA8296}" type="datetimeFigureOut">
               <a:rPr lang="en-US" smtClean="0"/>
-              <a:t>10/20/2015</a:t>
+              <a:t>10/26/2015</a:t>
             </a:fld>
             <a:endParaRPr lang="en-US"/>
           </a:p>
@@ -1350,7 +1356,7 @@
           <a:p>
             <a:fld id="{62CA7AE2-9C9E-4D81-99B4-5F4F8DAA8296}" type="datetimeFigureOut">
               <a:rPr lang="en-US" smtClean="0"/>
-              <a:t>10/20/2015</a:t>
+              <a:t>10/26/2015</a:t>
             </a:fld>
             <a:endParaRPr lang="en-US"/>
           </a:p>
@@ -1772,7 +1778,7 @@
           <a:p>
             <a:fld id="{62CA7AE2-9C9E-4D81-99B4-5F4F8DAA8296}" type="datetimeFigureOut">
               <a:rPr lang="en-US" smtClean="0"/>
-              <a:t>10/20/2015</a:t>
+              <a:t>10/26/2015</a:t>
             </a:fld>
             <a:endParaRPr lang="en-US"/>
           </a:p>
@@ -1890,7 +1896,7 @@
           <a:p>
             <a:fld id="{62CA7AE2-9C9E-4D81-99B4-5F4F8DAA8296}" type="datetimeFigureOut">
               <a:rPr lang="en-US" smtClean="0"/>
-              <a:t>10/20/2015</a:t>
+              <a:t>10/26/2015</a:t>
             </a:fld>
             <a:endParaRPr lang="en-US"/>
           </a:p>
@@ -1985,7 +1991,7 @@
           <a:p>
             <a:fld id="{62CA7AE2-9C9E-4D81-99B4-5F4F8DAA8296}" type="datetimeFigureOut">
               <a:rPr lang="en-US" smtClean="0"/>
-              <a:t>10/20/2015</a:t>
+              <a:t>10/26/2015</a:t>
             </a:fld>
             <a:endParaRPr lang="en-US"/>
           </a:p>
@@ -2262,7 +2268,7 @@
           <a:p>
             <a:fld id="{62CA7AE2-9C9E-4D81-99B4-5F4F8DAA8296}" type="datetimeFigureOut">
               <a:rPr lang="en-US" smtClean="0"/>
-              <a:t>10/20/2015</a:t>
+              <a:t>10/26/2015</a:t>
             </a:fld>
             <a:endParaRPr lang="en-US"/>
           </a:p>
@@ -2515,7 +2521,7 @@
           <a:p>
             <a:fld id="{62CA7AE2-9C9E-4D81-99B4-5F4F8DAA8296}" type="datetimeFigureOut">
               <a:rPr lang="en-US" smtClean="0"/>
-              <a:t>10/20/2015</a:t>
+              <a:t>10/26/2015</a:t>
             </a:fld>
             <a:endParaRPr lang="en-US"/>
           </a:p>
@@ -2728,7 +2734,7 @@
           <a:p>
             <a:fld id="{62CA7AE2-9C9E-4D81-99B4-5F4F8DAA8296}" type="datetimeFigureOut">
               <a:rPr lang="en-US" smtClean="0"/>
-              <a:t>10/20/2015</a:t>
+              <a:t>10/26/2015</a:t>
             </a:fld>
             <a:endParaRPr lang="en-US"/>
           </a:p>
@@ -3279,22 +3285,14 @@
             <a:pPr algn="ctr"/>
             <a:r>
               <a:rPr lang="en-US" sz="4800" b="1" dirty="0" smtClean="0"/>
-              <a:t>Lecture </a:t>
-            </a:r>
-            <a:r>
-              <a:rPr lang="en-US" sz="4800" b="1" dirty="0" smtClean="0"/>
-              <a:t>7: </a:t>
+              <a:t>Lecture 7: </a:t>
             </a:r>
           </a:p>
           <a:p>
             <a:pPr algn="ctr"/>
             <a:r>
               <a:rPr lang="en-US" sz="4800" b="1" dirty="0" smtClean="0"/>
-              <a:t>Sketching </a:t>
-            </a:r>
-            <a:r>
-              <a:rPr lang="en-US" sz="4800" b="1" dirty="0" smtClean="0"/>
-              <a:t>for Linear Algebra</a:t>
+              <a:t>Sketching for Linear Algebra</a:t>
             </a:r>
             <a:endParaRPr lang="en-US" sz="4800" b="1" dirty="0"/>
           </a:p>
@@ -3357,6 +3355,8564 @@
 </p:sld>
 </file>
 
+<file path=ppt/slides/slide10.xml><?xml version="1.0" encoding="utf-8"?>
+<p:sld xmlns:a="http://schemas.openxmlformats.org/drawingml/2006/main" xmlns:r="http://schemas.openxmlformats.org/officeDocument/2006/relationships" xmlns:p="http://schemas.openxmlformats.org/presentationml/2006/main">
+  <p:cSld>
+    <p:spTree>
+      <p:nvGrpSpPr>
+        <p:cNvPr id="1" name=""/>
+        <p:cNvGrpSpPr/>
+        <p:nvPr/>
+      </p:nvGrpSpPr>
+      <p:grpSpPr>
+        <a:xfrm>
+          <a:off x="0" y="0"/>
+          <a:ext cx="0" cy="0"/>
+          <a:chOff x="0" y="0"/>
+          <a:chExt cx="0" cy="0"/>
+        </a:xfrm>
+      </p:grpSpPr>
+      <p:sp>
+        <p:nvSpPr>
+          <p:cNvPr id="2" name="Title 1"/>
+          <p:cNvSpPr>
+            <a:spLocks noGrp="1"/>
+          </p:cNvSpPr>
+          <p:nvPr>
+            <p:ph type="title"/>
+          </p:nvPr>
+        </p:nvSpPr>
+        <p:spPr/>
+        <p:txBody>
+          <a:bodyPr/>
+          <a:lstStyle/>
+          <a:p>
+            <a:r>
+              <a:rPr lang="en-US" dirty="0" smtClean="0">
+                <a:solidFill>
+                  <a:srgbClr val="0070C0"/>
+                </a:solidFill>
+              </a:rPr>
+              <a:t>Leverage Score Sampling</a:t>
+            </a:r>
+            <a:endParaRPr lang="en-US" dirty="0">
+              <a:solidFill>
+                <a:srgbClr val="0070C0"/>
+              </a:solidFill>
+            </a:endParaRPr>
+          </a:p>
+        </p:txBody>
+      </p:sp>
+      <mc:AlternateContent xmlns:mc="http://schemas.openxmlformats.org/markup-compatibility/2006" xmlns:a14="http://schemas.microsoft.com/office/drawing/2010/main">
+        <mc:Choice Requires="a14">
+          <p:sp>
+            <p:nvSpPr>
+              <p:cNvPr id="3" name="Content Placeholder 2"/>
+              <p:cNvSpPr>
+                <a:spLocks noGrp="1"/>
+              </p:cNvSpPr>
+              <p:nvPr>
+                <p:ph idx="1"/>
+              </p:nvPr>
+            </p:nvSpPr>
+            <p:spPr>
+              <a:xfrm>
+                <a:off x="457200" y="1600200"/>
+                <a:ext cx="8229600" cy="5105400"/>
+              </a:xfrm>
+            </p:spPr>
+            <p:txBody>
+              <a:bodyPr>
+                <a:normAutofit fontScale="92500" lnSpcReduction="10000"/>
+              </a:bodyPr>
+              <a:lstStyle/>
+              <a:p>
+                <a:r>
+                  <a:rPr lang="en-US" b="1" dirty="0" smtClean="0"/>
+                  <a:t>Def (Leverage Score): </a:t>
+                </a:r>
+                <a:r>
+                  <a:rPr lang="en-US" dirty="0" smtClean="0"/>
+                  <a:t>For an </a:t>
+                </a:r>
+                <a14:m>
+                  <m:oMath xmlns:m="http://schemas.openxmlformats.org/officeDocument/2006/math">
+                    <m:r>
+                      <a:rPr lang="en-US" b="0" i="1" smtClean="0">
+                        <a:latin typeface="Cambria Math"/>
+                      </a:rPr>
+                      <m:t>𝑛</m:t>
+                    </m:r>
+                    <m:r>
+                      <a:rPr lang="en-US" b="0" i="1" smtClean="0">
+                        <a:latin typeface="Cambria Math"/>
+                      </a:rPr>
+                      <m:t>×</m:t>
+                    </m:r>
+                    <m:r>
+                      <a:rPr lang="en-US" b="0" i="1" smtClean="0">
+                        <a:latin typeface="Cambria Math"/>
+                      </a:rPr>
+                      <m:t>𝑘</m:t>
+                    </m:r>
+                  </m:oMath>
+                </a14:m>
+                <a:r>
+                  <a:rPr lang="en-US" dirty="0" smtClean="0"/>
+                  <a:t> matrix Z with orthonormal columns let the leverage score </a:t>
+                </a:r>
+                <a14:m>
+                  <m:oMath xmlns:m="http://schemas.openxmlformats.org/officeDocument/2006/math">
+                    <m:sSub>
+                      <m:sSubPr>
+                        <m:ctrlPr>
+                          <a:rPr lang="en-US" b="0" i="1" smtClean="0">
+                            <a:latin typeface="Cambria Math"/>
+                          </a:rPr>
+                        </m:ctrlPr>
+                      </m:sSubPr>
+                      <m:e>
+                        <m:r>
+                          <a:rPr lang="en-US" b="0" i="1" smtClean="0">
+                            <a:latin typeface="Cambria Math"/>
+                          </a:rPr>
+                          <m:t>𝑝</m:t>
+                        </m:r>
+                      </m:e>
+                      <m:sub>
+                        <m:r>
+                          <a:rPr lang="en-US" b="0" i="1" smtClean="0">
+                            <a:latin typeface="Cambria Math"/>
+                          </a:rPr>
+                          <m:t>𝑖</m:t>
+                        </m:r>
+                      </m:sub>
+                    </m:sSub>
+                    <m:r>
+                      <a:rPr lang="en-US" b="0" i="1" smtClean="0">
+                        <a:latin typeface="Cambria Math"/>
+                      </a:rPr>
+                      <m:t>=</m:t>
+                    </m:r>
+                    <m:f>
+                      <m:fPr>
+                        <m:ctrlPr>
+                          <a:rPr lang="en-US" b="0" i="1" smtClean="0">
+                            <a:latin typeface="Cambria Math"/>
+                          </a:rPr>
+                        </m:ctrlPr>
+                      </m:fPr>
+                      <m:num>
+                        <m:sSubSup>
+                          <m:sSubSupPr>
+                            <m:ctrlPr>
+                              <a:rPr lang="en-US" b="0" i="1" smtClean="0">
+                                <a:latin typeface="Cambria Math"/>
+                              </a:rPr>
+                            </m:ctrlPr>
+                          </m:sSubSupPr>
+                          <m:e>
+                            <m:r>
+                              <a:rPr lang="en-US" b="0" i="1" smtClean="0">
+                                <a:latin typeface="Cambria Math"/>
+                              </a:rPr>
+                              <m:t>ℓ</m:t>
+                            </m:r>
+                          </m:e>
+                          <m:sub>
+                            <m:r>
+                              <a:rPr lang="en-US" b="0" i="1" smtClean="0">
+                                <a:latin typeface="Cambria Math"/>
+                              </a:rPr>
+                              <m:t>𝑖</m:t>
+                            </m:r>
+                          </m:sub>
+                          <m:sup>
+                            <m:r>
+                              <a:rPr lang="en-US" b="0" i="1" smtClean="0">
+                                <a:latin typeface="Cambria Math"/>
+                              </a:rPr>
+                              <m:t>2</m:t>
+                            </m:r>
+                          </m:sup>
+                        </m:sSubSup>
+                      </m:num>
+                      <m:den>
+                        <m:r>
+                          <a:rPr lang="en-US" b="0" i="1" smtClean="0">
+                            <a:latin typeface="Cambria Math"/>
+                          </a:rPr>
+                          <m:t>𝑘</m:t>
+                        </m:r>
+                      </m:den>
+                    </m:f>
+                  </m:oMath>
+                </a14:m>
+                <a:r>
+                  <a:rPr lang="en-US" dirty="0" smtClean="0"/>
+                  <a:t> where </a:t>
+                </a:r>
+                <a14:m>
+                  <m:oMath xmlns:m="http://schemas.openxmlformats.org/officeDocument/2006/math">
+                    <m:sSubSup>
+                      <m:sSubSupPr>
+                        <m:ctrlPr>
+                          <a:rPr lang="en-US" b="0" i="1" smtClean="0">
+                            <a:latin typeface="Cambria Math"/>
+                          </a:rPr>
+                        </m:ctrlPr>
+                      </m:sSubSupPr>
+                      <m:e>
+                        <m:r>
+                          <a:rPr lang="en-US" b="0" i="1" smtClean="0">
+                            <a:latin typeface="Cambria Math"/>
+                          </a:rPr>
+                          <m:t>ℓ</m:t>
+                        </m:r>
+                      </m:e>
+                      <m:sub>
+                        <m:r>
+                          <a:rPr lang="en-US" b="0" i="1" smtClean="0">
+                            <a:latin typeface="Cambria Math"/>
+                          </a:rPr>
+                          <m:t>𝑖</m:t>
+                        </m:r>
+                      </m:sub>
+                      <m:sup>
+                        <m:r>
+                          <a:rPr lang="en-US" b="0" i="1" smtClean="0">
+                            <a:latin typeface="Cambria Math"/>
+                          </a:rPr>
+                          <m:t>2</m:t>
+                        </m:r>
+                      </m:sup>
+                    </m:sSubSup>
+                    <m:r>
+                      <a:rPr lang="en-US" b="0" i="1" smtClean="0">
+                        <a:latin typeface="Cambria Math"/>
+                      </a:rPr>
+                      <m:t>=</m:t>
+                    </m:r>
+                    <m:sSubSup>
+                      <m:sSubSupPr>
+                        <m:ctrlPr>
+                          <a:rPr lang="en-US" b="0" i="1" smtClean="0">
+                            <a:latin typeface="Cambria Math"/>
+                          </a:rPr>
+                        </m:ctrlPr>
+                      </m:sSubSupPr>
+                      <m:e>
+                        <m:d>
+                          <m:dPr>
+                            <m:begChr m:val="|"/>
+                            <m:endChr m:val="|"/>
+                            <m:ctrlPr>
+                              <a:rPr lang="en-US" b="0" i="1" smtClean="0">
+                                <a:latin typeface="Cambria Math"/>
+                              </a:rPr>
+                            </m:ctrlPr>
+                          </m:dPr>
+                          <m:e>
+                            <m:d>
+                              <m:dPr>
+                                <m:begChr m:val="|"/>
+                                <m:endChr m:val="|"/>
+                                <m:ctrlPr>
+                                  <a:rPr lang="en-US" b="0" i="1" smtClean="0">
+                                    <a:latin typeface="Cambria Math"/>
+                                  </a:rPr>
+                                </m:ctrlPr>
+                              </m:dPr>
+                              <m:e>
+                                <m:sSubSup>
+                                  <m:sSubSupPr>
+                                    <m:ctrlPr>
+                                      <a:rPr lang="en-US" b="0" i="1" smtClean="0">
+                                        <a:latin typeface="Cambria Math"/>
+                                      </a:rPr>
+                                    </m:ctrlPr>
+                                  </m:sSubSupPr>
+                                  <m:e>
+                                    <m:r>
+                                      <a:rPr lang="en-US" b="0" i="1" smtClean="0">
+                                        <a:latin typeface="Cambria Math"/>
+                                      </a:rPr>
+                                      <m:t>𝑒</m:t>
+                                    </m:r>
+                                  </m:e>
+                                  <m:sub>
+                                    <m:r>
+                                      <a:rPr lang="en-US" b="0" i="1" smtClean="0">
+                                        <a:latin typeface="Cambria Math"/>
+                                      </a:rPr>
+                                      <m:t>𝑖</m:t>
+                                    </m:r>
+                                  </m:sub>
+                                  <m:sup>
+                                    <m:r>
+                                      <a:rPr lang="en-US" b="0" i="1" smtClean="0">
+                                        <a:latin typeface="Cambria Math"/>
+                                      </a:rPr>
+                                      <m:t>𝑇</m:t>
+                                    </m:r>
+                                  </m:sup>
+                                </m:sSubSup>
+                                <m:r>
+                                  <a:rPr lang="en-US" b="0" i="1" smtClean="0">
+                                    <a:latin typeface="Cambria Math"/>
+                                  </a:rPr>
+                                  <m:t>𝑍</m:t>
+                                </m:r>
+                              </m:e>
+                            </m:d>
+                          </m:e>
+                        </m:d>
+                      </m:e>
+                      <m:sub>
+                        <m:r>
+                          <a:rPr lang="en-US" b="0" i="1" smtClean="0">
+                            <a:latin typeface="Cambria Math"/>
+                          </a:rPr>
+                          <m:t>2</m:t>
+                        </m:r>
+                      </m:sub>
+                      <m:sup>
+                        <m:r>
+                          <a:rPr lang="en-US" b="0" i="1" smtClean="0">
+                            <a:latin typeface="Cambria Math"/>
+                          </a:rPr>
+                          <m:t>2</m:t>
+                        </m:r>
+                      </m:sup>
+                    </m:sSubSup>
+                    <m:r>
+                      <a:rPr lang="en-US" b="0" i="1" smtClean="0">
+                        <a:latin typeface="Cambria Math"/>
+                      </a:rPr>
+                      <m:t>=</m:t>
+                    </m:r>
+                    <m:sSubSup>
+                      <m:sSubSupPr>
+                        <m:ctrlPr>
+                          <a:rPr lang="en-US" b="0" i="1" smtClean="0">
+                            <a:latin typeface="Cambria Math"/>
+                          </a:rPr>
+                        </m:ctrlPr>
+                      </m:sSubSupPr>
+                      <m:e>
+                        <m:d>
+                          <m:dPr>
+                            <m:begChr m:val="|"/>
+                            <m:endChr m:val="|"/>
+                            <m:ctrlPr>
+                              <a:rPr lang="en-US" b="0" i="1" smtClean="0">
+                                <a:latin typeface="Cambria Math"/>
+                              </a:rPr>
+                            </m:ctrlPr>
+                          </m:dPr>
+                          <m:e>
+                            <m:d>
+                              <m:dPr>
+                                <m:begChr m:val="|"/>
+                                <m:endChr m:val="|"/>
+                                <m:ctrlPr>
+                                  <a:rPr lang="en-US" b="0" i="1" smtClean="0">
+                                    <a:latin typeface="Cambria Math"/>
+                                  </a:rPr>
+                                </m:ctrlPr>
+                              </m:dPr>
+                              <m:e>
+                                <m:sSub>
+                                  <m:sSubPr>
+                                    <m:ctrlPr>
+                                      <a:rPr lang="en-US" b="0" i="1" smtClean="0">
+                                        <a:latin typeface="Cambria Math"/>
+                                      </a:rPr>
+                                    </m:ctrlPr>
+                                  </m:sSubPr>
+                                  <m:e>
+                                    <m:r>
+                                      <a:rPr lang="en-US" b="0" i="1" smtClean="0">
+                                        <a:latin typeface="Cambria Math"/>
+                                      </a:rPr>
+                                      <m:t>𝑍</m:t>
+                                    </m:r>
+                                  </m:e>
+                                  <m:sub>
+                                    <m:r>
+                                      <a:rPr lang="en-US" b="0" i="1" smtClean="0">
+                                        <a:latin typeface="Cambria Math"/>
+                                      </a:rPr>
+                                      <m:t>𝑖</m:t>
+                                    </m:r>
+                                  </m:sub>
+                                </m:sSub>
+                              </m:e>
+                            </m:d>
+                          </m:e>
+                        </m:d>
+                      </m:e>
+                      <m:sub>
+                        <m:r>
+                          <a:rPr lang="en-US" b="0" i="1" smtClean="0">
+                            <a:latin typeface="Cambria Math"/>
+                          </a:rPr>
+                          <m:t>2</m:t>
+                        </m:r>
+                      </m:sub>
+                      <m:sup>
+                        <m:r>
+                          <a:rPr lang="en-US" b="0" i="1" smtClean="0">
+                            <a:latin typeface="Cambria Math"/>
+                          </a:rPr>
+                          <m:t>2</m:t>
+                        </m:r>
+                      </m:sup>
+                    </m:sSubSup>
+                  </m:oMath>
+                </a14:m>
+                <a:endParaRPr lang="en-US" dirty="0" smtClean="0"/>
+              </a:p>
+              <a:p>
+                <a:r>
+                  <a:rPr lang="en-US" dirty="0" smtClean="0"/>
+                  <a:t>Note: leverage scores form a distribution</a:t>
+                </a:r>
+              </a:p>
+              <a:p>
+                <a:r>
+                  <a:rPr lang="en-US" dirty="0" smtClean="0"/>
+                  <a:t>If </a:t>
+                </a:r>
+                <a14:m>
+                  <m:oMath xmlns:m="http://schemas.openxmlformats.org/officeDocument/2006/math">
+                    <m:r>
+                      <a:rPr lang="en-US" b="0" i="1" smtClean="0">
+                        <a:latin typeface="Cambria Math"/>
+                      </a:rPr>
+                      <m:t>𝐴</m:t>
+                    </m:r>
+                  </m:oMath>
+                </a14:m>
+                <a:r>
+                  <a:rPr lang="en-US" dirty="0" smtClean="0"/>
+                  <a:t> doesn’t have orthonormal columns we can still pick an orthonormal basis </a:t>
+                </a:r>
+                <a14:m>
+                  <m:oMath xmlns:m="http://schemas.openxmlformats.org/officeDocument/2006/math">
+                    <m:r>
+                      <a:rPr lang="en-US" b="0" i="1" smtClean="0">
+                        <a:latin typeface="Cambria Math"/>
+                      </a:rPr>
+                      <m:t>𝑍</m:t>
+                    </m:r>
+                  </m:oMath>
+                </a14:m>
+                <a:r>
+                  <a:rPr lang="en-US" dirty="0" smtClean="0"/>
+                  <a:t> for it</a:t>
+                </a:r>
+              </a:p>
+              <a:p>
+                <a:r>
+                  <a:rPr lang="en-US" dirty="0" smtClean="0"/>
+                  <a:t>Choice of </a:t>
+                </a:r>
+                <a14:m>
+                  <m:oMath xmlns:m="http://schemas.openxmlformats.org/officeDocument/2006/math">
+                    <m:r>
+                      <a:rPr lang="en-US" b="0" i="1" smtClean="0">
+                        <a:latin typeface="Cambria Math"/>
+                      </a:rPr>
+                      <m:t>𝑍</m:t>
+                    </m:r>
+                  </m:oMath>
+                </a14:m>
+                <a:r>
+                  <a:rPr lang="en-US" dirty="0" smtClean="0"/>
+                  <a:t> doesn’t matter (</a:t>
+                </a:r>
+                <a14:m>
+                  <m:oMath xmlns:m="http://schemas.openxmlformats.org/officeDocument/2006/math">
+                    <m:sSup>
+                      <m:sSupPr>
+                        <m:ctrlPr>
+                          <a:rPr lang="en-US" b="0" i="1" smtClean="0">
+                            <a:latin typeface="Cambria Math"/>
+                          </a:rPr>
+                        </m:ctrlPr>
+                      </m:sSupPr>
+                      <m:e>
+                        <m:r>
+                          <a:rPr lang="en-US" b="0" i="1" smtClean="0">
+                            <a:latin typeface="Cambria Math"/>
+                          </a:rPr>
+                          <m:t>𝑍</m:t>
+                        </m:r>
+                      </m:e>
+                      <m:sup>
+                        <m:r>
+                          <a:rPr lang="en-US" b="0" i="1" smtClean="0">
+                            <a:latin typeface="Cambria Math"/>
+                          </a:rPr>
+                          <m:t>′</m:t>
+                        </m:r>
+                      </m:sup>
+                    </m:sSup>
+                    <m:r>
+                      <a:rPr lang="en-US" b="0" i="1" smtClean="0">
+                        <a:latin typeface="Cambria Math"/>
+                      </a:rPr>
+                      <m:t>=</m:t>
+                    </m:r>
+                    <m:r>
+                      <a:rPr lang="en-US" b="0" i="1" smtClean="0">
+                        <a:latin typeface="Cambria Math"/>
+                      </a:rPr>
+                      <m:t>𝑍𝑅</m:t>
+                    </m:r>
+                  </m:oMath>
+                </a14:m>
+                <a:r>
+                  <a:rPr lang="en-US" dirty="0" smtClean="0"/>
+                  <a:t>) where </a:t>
+                </a:r>
+                <a14:m>
+                  <m:oMath xmlns:m="http://schemas.openxmlformats.org/officeDocument/2006/math">
+                    <m:r>
+                      <a:rPr lang="en-US" b="0" i="1" smtClean="0">
+                        <a:latin typeface="Cambria Math"/>
+                      </a:rPr>
+                      <m:t>𝑅</m:t>
+                    </m:r>
+                  </m:oMath>
+                </a14:m>
+                <a:r>
+                  <a:rPr lang="en-US" dirty="0" smtClean="0"/>
+                  <a:t> is orthonormal gives same leverage scores</a:t>
+                </a:r>
+              </a:p>
+              <a:p>
+                <a:r>
+                  <a:rPr lang="en-US" dirty="0" smtClean="0"/>
+                  <a:t>All </a:t>
+                </a:r>
+                <a14:m>
+                  <m:oMath xmlns:m="http://schemas.openxmlformats.org/officeDocument/2006/math">
+                    <m:sSubSup>
+                      <m:sSubSupPr>
+                        <m:ctrlPr>
+                          <a:rPr lang="en-US" b="0" i="1" smtClean="0">
+                            <a:latin typeface="Cambria Math"/>
+                          </a:rPr>
+                        </m:ctrlPr>
+                      </m:sSubSupPr>
+                      <m:e>
+                        <m:r>
+                          <a:rPr lang="en-US" b="0" i="1" smtClean="0">
+                            <a:latin typeface="Cambria Math"/>
+                          </a:rPr>
+                          <m:t>ℓ</m:t>
+                        </m:r>
+                      </m:e>
+                      <m:sub>
+                        <m:r>
+                          <a:rPr lang="en-US" b="0" i="1" smtClean="0">
+                            <a:latin typeface="Cambria Math"/>
+                          </a:rPr>
+                          <m:t>𝑖</m:t>
+                        </m:r>
+                      </m:sub>
+                      <m:sup>
+                        <m:r>
+                          <a:rPr lang="en-US" b="0" i="1" smtClean="0">
+                            <a:latin typeface="Cambria Math"/>
+                          </a:rPr>
+                          <m:t>2</m:t>
+                        </m:r>
+                      </m:sup>
+                    </m:sSubSup>
+                  </m:oMath>
+                </a14:m>
+                <a:r>
+                  <a:rPr lang="en-US" dirty="0" smtClean="0"/>
+                  <a:t> are at most 1</a:t>
+                </a:r>
+              </a:p>
+              <a:p>
+                <a:pPr marL="0" indent="0" algn="ctr">
+                  <a:buNone/>
+                </a:pPr>
+                <a:r>
+                  <a:rPr lang="en-US" dirty="0" smtClean="0"/>
+                  <a:t> </a:t>
+                </a:r>
+              </a:p>
+              <a:p>
+                <a:pPr lvl="1"/>
+                <a:endParaRPr lang="en-US" dirty="0"/>
+              </a:p>
+            </p:txBody>
+          </p:sp>
+        </mc:Choice>
+        <mc:Fallback xmlns="">
+          <p:sp>
+            <p:nvSpPr>
+              <p:cNvPr id="3" name="Content Placeholder 2"/>
+              <p:cNvSpPr>
+                <a:spLocks noGrp="1" noRot="1" noChangeAspect="1" noMove="1" noResize="1" noEditPoints="1" noAdjustHandles="1" noChangeArrowheads="1" noChangeShapeType="1" noTextEdit="1"/>
+              </p:cNvSpPr>
+              <p:nvPr>
+                <p:ph idx="1"/>
+              </p:nvPr>
+            </p:nvSpPr>
+            <p:spPr>
+              <a:xfrm>
+                <a:off x="457200" y="1600200"/>
+                <a:ext cx="8229600" cy="5105400"/>
+              </a:xfrm>
+              <a:blipFill rotWithShape="1">
+                <a:blip r:embed="rId2"/>
+                <a:stretch>
+                  <a:fillRect l="-1481" t="-2389" r="-593"/>
+                </a:stretch>
+              </a:blipFill>
+            </p:spPr>
+            <p:txBody>
+              <a:bodyPr/>
+              <a:lstStyle/>
+              <a:p>
+                <a:r>
+                  <a:rPr lang="en-US">
+                    <a:noFill/>
+                  </a:rPr>
+                  <a:t> </a:t>
+                </a:r>
+              </a:p>
+            </p:txBody>
+          </p:sp>
+        </mc:Fallback>
+      </mc:AlternateContent>
+    </p:spTree>
+    <p:extLst>
+      <p:ext uri="{BB962C8B-B14F-4D97-AF65-F5344CB8AC3E}">
+        <p14:creationId xmlns:p14="http://schemas.microsoft.com/office/powerpoint/2010/main" val="4199690900"/>
+      </p:ext>
+    </p:extLst>
+  </p:cSld>
+  <p:clrMapOvr>
+    <a:masterClrMapping/>
+  </p:clrMapOvr>
+  <p:timing>
+    <p:tnLst>
+      <p:par>
+        <p:cTn id="1" dur="indefinite" restart="never" nodeType="tmRoot">
+          <p:childTnLst>
+            <p:seq concurrent="1" nextAc="seek">
+              <p:cTn id="2" dur="indefinite" nodeType="mainSeq">
+                <p:childTnLst>
+                  <p:par>
+                    <p:cTn id="3" fill="hold">
+                      <p:stCondLst>
+                        <p:cond delay="indefinite"/>
+                      </p:stCondLst>
+                      <p:childTnLst>
+                        <p:par>
+                          <p:cTn id="4" fill="hold">
+                            <p:stCondLst>
+                              <p:cond delay="0"/>
+                            </p:stCondLst>
+                            <p:childTnLst>
+                              <p:par>
+                                <p:cTn id="5" presetID="1" presetClass="entr" presetSubtype="0" fill="hold" grpId="0" nodeType="clickEffect">
+                                  <p:stCondLst>
+                                    <p:cond delay="0"/>
+                                  </p:stCondLst>
+                                  <p:childTnLst>
+                                    <p:set>
+                                      <p:cBhvr>
+                                        <p:cTn id="6" dur="1" fill="hold">
+                                          <p:stCondLst>
+                                            <p:cond delay="0"/>
+                                          </p:stCondLst>
+                                        </p:cTn>
+                                        <p:tgtEl>
+                                          <p:spTgt spid="3">
+                                            <p:txEl>
+                                              <p:pRg st="0" end="0"/>
+                                            </p:txEl>
+                                          </p:spTgt>
+                                        </p:tgtEl>
+                                        <p:attrNameLst>
+                                          <p:attrName>style.visibility</p:attrName>
+                                        </p:attrNameLst>
+                                      </p:cBhvr>
+                                      <p:to>
+                                        <p:strVal val="visible"/>
+                                      </p:to>
+                                    </p:set>
+                                  </p:childTnLst>
+                                </p:cTn>
+                              </p:par>
+                            </p:childTnLst>
+                          </p:cTn>
+                        </p:par>
+                      </p:childTnLst>
+                    </p:cTn>
+                  </p:par>
+                  <p:par>
+                    <p:cTn id="7" fill="hold">
+                      <p:stCondLst>
+                        <p:cond delay="indefinite"/>
+                      </p:stCondLst>
+                      <p:childTnLst>
+                        <p:par>
+                          <p:cTn id="8" fill="hold">
+                            <p:stCondLst>
+                              <p:cond delay="0"/>
+                            </p:stCondLst>
+                            <p:childTnLst>
+                              <p:par>
+                                <p:cTn id="9" presetID="1" presetClass="entr" presetSubtype="0" fill="hold" grpId="0" nodeType="clickEffect">
+                                  <p:stCondLst>
+                                    <p:cond delay="0"/>
+                                  </p:stCondLst>
+                                  <p:childTnLst>
+                                    <p:set>
+                                      <p:cBhvr>
+                                        <p:cTn id="10" dur="1" fill="hold">
+                                          <p:stCondLst>
+                                            <p:cond delay="0"/>
+                                          </p:stCondLst>
+                                        </p:cTn>
+                                        <p:tgtEl>
+                                          <p:spTgt spid="3">
+                                            <p:txEl>
+                                              <p:pRg st="1" end="1"/>
+                                            </p:txEl>
+                                          </p:spTgt>
+                                        </p:tgtEl>
+                                        <p:attrNameLst>
+                                          <p:attrName>style.visibility</p:attrName>
+                                        </p:attrNameLst>
+                                      </p:cBhvr>
+                                      <p:to>
+                                        <p:strVal val="visible"/>
+                                      </p:to>
+                                    </p:set>
+                                  </p:childTnLst>
+                                </p:cTn>
+                              </p:par>
+                            </p:childTnLst>
+                          </p:cTn>
+                        </p:par>
+                      </p:childTnLst>
+                    </p:cTn>
+                  </p:par>
+                  <p:par>
+                    <p:cTn id="11" fill="hold">
+                      <p:stCondLst>
+                        <p:cond delay="indefinite"/>
+                      </p:stCondLst>
+                      <p:childTnLst>
+                        <p:par>
+                          <p:cTn id="12" fill="hold">
+                            <p:stCondLst>
+                              <p:cond delay="0"/>
+                            </p:stCondLst>
+                            <p:childTnLst>
+                              <p:par>
+                                <p:cTn id="13" presetID="1" presetClass="entr" presetSubtype="0" fill="hold" grpId="0" nodeType="clickEffect">
+                                  <p:stCondLst>
+                                    <p:cond delay="0"/>
+                                  </p:stCondLst>
+                                  <p:childTnLst>
+                                    <p:set>
+                                      <p:cBhvr>
+                                        <p:cTn id="14" dur="1" fill="hold">
+                                          <p:stCondLst>
+                                            <p:cond delay="0"/>
+                                          </p:stCondLst>
+                                        </p:cTn>
+                                        <p:tgtEl>
+                                          <p:spTgt spid="3">
+                                            <p:txEl>
+                                              <p:pRg st="2" end="2"/>
+                                            </p:txEl>
+                                          </p:spTgt>
+                                        </p:tgtEl>
+                                        <p:attrNameLst>
+                                          <p:attrName>style.visibility</p:attrName>
+                                        </p:attrNameLst>
+                                      </p:cBhvr>
+                                      <p:to>
+                                        <p:strVal val="visible"/>
+                                      </p:to>
+                                    </p:set>
+                                  </p:childTnLst>
+                                </p:cTn>
+                              </p:par>
+                            </p:childTnLst>
+                          </p:cTn>
+                        </p:par>
+                      </p:childTnLst>
+                    </p:cTn>
+                  </p:par>
+                  <p:par>
+                    <p:cTn id="15" fill="hold">
+                      <p:stCondLst>
+                        <p:cond delay="indefinite"/>
+                      </p:stCondLst>
+                      <p:childTnLst>
+                        <p:par>
+                          <p:cTn id="16" fill="hold">
+                            <p:stCondLst>
+                              <p:cond delay="0"/>
+                            </p:stCondLst>
+                            <p:childTnLst>
+                              <p:par>
+                                <p:cTn id="17" presetID="1" presetClass="entr" presetSubtype="0" fill="hold" grpId="0" nodeType="clickEffect">
+                                  <p:stCondLst>
+                                    <p:cond delay="0"/>
+                                  </p:stCondLst>
+                                  <p:childTnLst>
+                                    <p:set>
+                                      <p:cBhvr>
+                                        <p:cTn id="18" dur="1" fill="hold">
+                                          <p:stCondLst>
+                                            <p:cond delay="0"/>
+                                          </p:stCondLst>
+                                        </p:cTn>
+                                        <p:tgtEl>
+                                          <p:spTgt spid="3">
+                                            <p:txEl>
+                                              <p:pRg st="3" end="3"/>
+                                            </p:txEl>
+                                          </p:spTgt>
+                                        </p:tgtEl>
+                                        <p:attrNameLst>
+                                          <p:attrName>style.visibility</p:attrName>
+                                        </p:attrNameLst>
+                                      </p:cBhvr>
+                                      <p:to>
+                                        <p:strVal val="visible"/>
+                                      </p:to>
+                                    </p:set>
+                                  </p:childTnLst>
+                                </p:cTn>
+                              </p:par>
+                            </p:childTnLst>
+                          </p:cTn>
+                        </p:par>
+                      </p:childTnLst>
+                    </p:cTn>
+                  </p:par>
+                  <p:par>
+                    <p:cTn id="19" fill="hold">
+                      <p:stCondLst>
+                        <p:cond delay="indefinite"/>
+                      </p:stCondLst>
+                      <p:childTnLst>
+                        <p:par>
+                          <p:cTn id="20" fill="hold">
+                            <p:stCondLst>
+                              <p:cond delay="0"/>
+                            </p:stCondLst>
+                            <p:childTnLst>
+                              <p:par>
+                                <p:cTn id="21" presetID="1" presetClass="entr" presetSubtype="0" fill="hold" grpId="0" nodeType="clickEffect">
+                                  <p:stCondLst>
+                                    <p:cond delay="0"/>
+                                  </p:stCondLst>
+                                  <p:childTnLst>
+                                    <p:set>
+                                      <p:cBhvr>
+                                        <p:cTn id="22" dur="1" fill="hold">
+                                          <p:stCondLst>
+                                            <p:cond delay="0"/>
+                                          </p:stCondLst>
+                                        </p:cTn>
+                                        <p:tgtEl>
+                                          <p:spTgt spid="3">
+                                            <p:txEl>
+                                              <p:pRg st="4" end="4"/>
+                                            </p:txEl>
+                                          </p:spTgt>
+                                        </p:tgtEl>
+                                        <p:attrNameLst>
+                                          <p:attrName>style.visibility</p:attrName>
+                                        </p:attrNameLst>
+                                      </p:cBhvr>
+                                      <p:to>
+                                        <p:strVal val="visible"/>
+                                      </p:to>
+                                    </p:set>
+                                  </p:childTnLst>
+                                </p:cTn>
+                              </p:par>
+                            </p:childTnLst>
+                          </p:cTn>
+                        </p:par>
+                      </p:childTnLst>
+                    </p:cTn>
+                  </p:par>
+                  <p:par>
+                    <p:cTn id="23" fill="hold">
+                      <p:stCondLst>
+                        <p:cond delay="indefinite"/>
+                      </p:stCondLst>
+                      <p:childTnLst>
+                        <p:par>
+                          <p:cTn id="24" fill="hold">
+                            <p:stCondLst>
+                              <p:cond delay="0"/>
+                            </p:stCondLst>
+                            <p:childTnLst>
+                              <p:par>
+                                <p:cTn id="25" presetID="1" presetClass="entr" presetSubtype="0" fill="hold" grpId="0" nodeType="clickEffect">
+                                  <p:stCondLst>
+                                    <p:cond delay="0"/>
+                                  </p:stCondLst>
+                                  <p:childTnLst>
+                                    <p:set>
+                                      <p:cBhvr>
+                                        <p:cTn id="26" dur="1" fill="hold">
+                                          <p:stCondLst>
+                                            <p:cond delay="0"/>
+                                          </p:stCondLst>
+                                        </p:cTn>
+                                        <p:tgtEl>
+                                          <p:spTgt spid="3">
+                                            <p:txEl>
+                                              <p:pRg st="5" end="5"/>
+                                            </p:txEl>
+                                          </p:spTgt>
+                                        </p:tgtEl>
+                                        <p:attrNameLst>
+                                          <p:attrName>style.visibility</p:attrName>
+                                        </p:attrNameLst>
+                                      </p:cBhvr>
+                                      <p:to>
+                                        <p:strVal val="visible"/>
+                                      </p:to>
+                                    </p:set>
+                                  </p:childTnLst>
+                                </p:cTn>
+                              </p:par>
+                            </p:childTnLst>
+                          </p:cTn>
+                        </p:par>
+                      </p:childTnLst>
+                    </p:cTn>
+                  </p:par>
+                </p:childTnLst>
+              </p:cTn>
+              <p:prevCondLst>
+                <p:cond evt="onPrev" delay="0">
+                  <p:tgtEl>
+                    <p:sldTgt/>
+                  </p:tgtEl>
+                </p:cond>
+              </p:prevCondLst>
+              <p:nextCondLst>
+                <p:cond evt="onNext" delay="0">
+                  <p:tgtEl>
+                    <p:sldTgt/>
+                  </p:tgtEl>
+                </p:cond>
+              </p:nextCondLst>
+            </p:seq>
+          </p:childTnLst>
+        </p:cTn>
+      </p:par>
+    </p:tnLst>
+    <p:bldLst>
+      <p:bldP spid="3" grpId="0" build="p"/>
+    </p:bldLst>
+  </p:timing>
+</p:sld>
+</file>
+
+<file path=ppt/slides/slide11.xml><?xml version="1.0" encoding="utf-8"?>
+<p:sld xmlns:a="http://schemas.openxmlformats.org/drawingml/2006/main" xmlns:r="http://schemas.openxmlformats.org/officeDocument/2006/relationships" xmlns:p="http://schemas.openxmlformats.org/presentationml/2006/main">
+  <p:cSld>
+    <p:spTree>
+      <p:nvGrpSpPr>
+        <p:cNvPr id="1" name=""/>
+        <p:cNvGrpSpPr/>
+        <p:nvPr/>
+      </p:nvGrpSpPr>
+      <p:grpSpPr>
+        <a:xfrm>
+          <a:off x="0" y="0"/>
+          <a:ext cx="0" cy="0"/>
+          <a:chOff x="0" y="0"/>
+          <a:chExt cx="0" cy="0"/>
+        </a:xfrm>
+      </p:grpSpPr>
+      <p:sp>
+        <p:nvSpPr>
+          <p:cNvPr id="2" name="Title 1"/>
+          <p:cNvSpPr>
+            <a:spLocks noGrp="1"/>
+          </p:cNvSpPr>
+          <p:nvPr>
+            <p:ph type="title"/>
+          </p:nvPr>
+        </p:nvSpPr>
+        <p:spPr/>
+        <p:txBody>
+          <a:bodyPr/>
+          <a:lstStyle/>
+          <a:p>
+            <a:r>
+              <a:rPr lang="en-US" dirty="0" smtClean="0">
+                <a:solidFill>
+                  <a:srgbClr val="0070C0"/>
+                </a:solidFill>
+              </a:rPr>
+              <a:t>Leverage Score Sampling</a:t>
+            </a:r>
+            <a:endParaRPr lang="en-US" dirty="0">
+              <a:solidFill>
+                <a:srgbClr val="0070C0"/>
+              </a:solidFill>
+            </a:endParaRPr>
+          </a:p>
+        </p:txBody>
+      </p:sp>
+      <mc:AlternateContent xmlns:mc="http://schemas.openxmlformats.org/markup-compatibility/2006" xmlns:a14="http://schemas.microsoft.com/office/drawing/2010/main">
+        <mc:Choice Requires="a14">
+          <p:sp>
+            <p:nvSpPr>
+              <p:cNvPr id="3" name="Content Placeholder 2"/>
+              <p:cNvSpPr>
+                <a:spLocks noGrp="1"/>
+              </p:cNvSpPr>
+              <p:nvPr>
+                <p:ph idx="1"/>
+              </p:nvPr>
+            </p:nvSpPr>
+            <p:spPr/>
+            <p:txBody>
+              <a:bodyPr/>
+              <a:lstStyle/>
+              <a:p>
+                <a:r>
+                  <a:rPr lang="en-US" dirty="0" smtClean="0"/>
+                  <a:t>Given: </a:t>
+                </a:r>
+                <a14:m>
+                  <m:oMath xmlns:m="http://schemas.openxmlformats.org/officeDocument/2006/math">
+                    <m:r>
+                      <a:rPr lang="en-US" b="0" i="1" smtClean="0">
+                        <a:latin typeface="Cambria Math"/>
+                      </a:rPr>
+                      <m:t>𝛽</m:t>
+                    </m:r>
+                    <m:r>
+                      <a:rPr lang="en-US" b="0" i="1" smtClean="0">
+                        <a:latin typeface="Cambria Math"/>
+                      </a:rPr>
+                      <m:t>&gt;0</m:t>
+                    </m:r>
+                  </m:oMath>
+                </a14:m>
+                <a:r>
+                  <a:rPr lang="en-US" dirty="0" smtClean="0"/>
+                  <a:t> distribution </a:t>
+                </a:r>
+                <a14:m>
+                  <m:oMath xmlns:m="http://schemas.openxmlformats.org/officeDocument/2006/math">
+                    <m:r>
+                      <a:rPr lang="en-US" b="0" i="1" smtClean="0">
+                        <a:latin typeface="Cambria Math"/>
+                      </a:rPr>
+                      <m:t>(</m:t>
+                    </m:r>
+                    <m:sSub>
+                      <m:sSubPr>
+                        <m:ctrlPr>
+                          <a:rPr lang="en-US" b="0" i="1" smtClean="0">
+                            <a:latin typeface="Cambria Math"/>
+                          </a:rPr>
+                        </m:ctrlPr>
+                      </m:sSubPr>
+                      <m:e>
+                        <m:r>
+                          <a:rPr lang="en-US" b="0" i="1" smtClean="0">
+                            <a:latin typeface="Cambria Math"/>
+                          </a:rPr>
+                          <m:t>𝑞</m:t>
+                        </m:r>
+                      </m:e>
+                      <m:sub>
+                        <m:r>
+                          <a:rPr lang="en-US" b="0" i="1" smtClean="0">
+                            <a:latin typeface="Cambria Math"/>
+                          </a:rPr>
+                          <m:t>1</m:t>
+                        </m:r>
+                      </m:sub>
+                    </m:sSub>
+                    <m:r>
+                      <a:rPr lang="en-US" b="0" i="1" smtClean="0">
+                        <a:latin typeface="Cambria Math"/>
+                      </a:rPr>
+                      <m:t>, …,</m:t>
+                    </m:r>
+                    <m:sSub>
+                      <m:sSubPr>
+                        <m:ctrlPr>
+                          <a:rPr lang="en-US" b="0" i="1" smtClean="0">
+                            <a:latin typeface="Cambria Math"/>
+                          </a:rPr>
+                        </m:ctrlPr>
+                      </m:sSubPr>
+                      <m:e>
+                        <m:r>
+                          <a:rPr lang="en-US" b="0" i="1" smtClean="0">
+                            <a:latin typeface="Cambria Math"/>
+                          </a:rPr>
+                          <m:t>𝑞</m:t>
+                        </m:r>
+                      </m:e>
+                      <m:sub>
+                        <m:r>
+                          <a:rPr lang="en-US" b="0" i="1" smtClean="0">
+                            <a:latin typeface="Cambria Math"/>
+                          </a:rPr>
+                          <m:t>𝑛</m:t>
+                        </m:r>
+                      </m:sub>
+                    </m:sSub>
+                    <m:r>
+                      <a:rPr lang="en-US" b="0" i="1" smtClean="0">
+                        <a:latin typeface="Cambria Math"/>
+                      </a:rPr>
+                      <m:t>)</m:t>
+                    </m:r>
+                  </m:oMath>
+                </a14:m>
+                <a:r>
+                  <a:rPr lang="en-US" dirty="0" smtClean="0"/>
+                  <a:t> with </a:t>
+                </a:r>
+                <a14:m>
+                  <m:oMath xmlns:m="http://schemas.openxmlformats.org/officeDocument/2006/math">
+                    <m:sSub>
+                      <m:sSubPr>
+                        <m:ctrlPr>
+                          <a:rPr lang="en-US" b="0" i="1" smtClean="0">
+                            <a:latin typeface="Cambria Math"/>
+                          </a:rPr>
+                        </m:ctrlPr>
+                      </m:sSubPr>
+                      <m:e>
+                        <m:r>
+                          <a:rPr lang="en-US" b="0" i="1" smtClean="0">
+                            <a:latin typeface="Cambria Math"/>
+                          </a:rPr>
+                          <m:t>𝑞</m:t>
+                        </m:r>
+                      </m:e>
+                      <m:sub>
+                        <m:r>
+                          <a:rPr lang="en-US" b="0" i="1" smtClean="0">
+                            <a:latin typeface="Cambria Math"/>
+                          </a:rPr>
+                          <m:t>𝑖</m:t>
+                        </m:r>
+                      </m:sub>
+                    </m:sSub>
+                    <m:r>
+                      <a:rPr lang="en-US" b="0" i="1" smtClean="0">
+                        <a:latin typeface="Cambria Math"/>
+                      </a:rPr>
+                      <m:t>≥</m:t>
+                    </m:r>
+                    <m:r>
+                      <a:rPr lang="en-US" b="0" i="1" smtClean="0">
+                        <a:latin typeface="Cambria Math"/>
+                      </a:rPr>
+                      <m:t>𝛽</m:t>
+                    </m:r>
+                    <m:sSub>
+                      <m:sSubPr>
+                        <m:ctrlPr>
+                          <a:rPr lang="en-US" b="0" i="1" smtClean="0">
+                            <a:latin typeface="Cambria Math"/>
+                          </a:rPr>
+                        </m:ctrlPr>
+                      </m:sSubPr>
+                      <m:e>
+                        <m:r>
+                          <a:rPr lang="en-US" b="0" i="1" smtClean="0">
+                            <a:latin typeface="Cambria Math"/>
+                          </a:rPr>
+                          <m:t>𝑝</m:t>
+                        </m:r>
+                      </m:e>
+                      <m:sub>
+                        <m:r>
+                          <a:rPr lang="en-US" b="0" i="1" smtClean="0">
+                            <a:latin typeface="Cambria Math"/>
+                          </a:rPr>
+                          <m:t>𝑖</m:t>
+                        </m:r>
+                      </m:sub>
+                    </m:sSub>
+                  </m:oMath>
+                </a14:m>
+                <a:endParaRPr lang="en-US" dirty="0" smtClean="0"/>
+              </a:p>
+              <a:p>
+                <a:r>
+                  <a:rPr lang="en-US" b="1" dirty="0" smtClean="0"/>
+                  <a:t>Leverage Score Sampling</a:t>
+                </a:r>
+                <a:r>
+                  <a:rPr lang="en-US" dirty="0" smtClean="0"/>
+                  <a:t> </a:t>
+                </a:r>
+                <a14:m>
+                  <m:oMath xmlns:m="http://schemas.openxmlformats.org/officeDocument/2006/math">
+                    <m:r>
+                      <a:rPr lang="en-US" i="1" dirty="0" smtClean="0">
+                        <a:latin typeface="Cambria Math"/>
+                      </a:rPr>
+                      <m:t>(</m:t>
+                    </m:r>
+                    <m:r>
+                      <a:rPr lang="en-US" i="1" dirty="0" err="1" smtClean="0">
+                        <a:latin typeface="Cambria Math"/>
+                      </a:rPr>
+                      <m:t>𝑍</m:t>
+                    </m:r>
+                    <m:r>
+                      <a:rPr lang="en-US" i="1" dirty="0" err="1" smtClean="0">
+                        <a:latin typeface="Cambria Math"/>
+                      </a:rPr>
+                      <m:t>,</m:t>
+                    </m:r>
+                    <m:r>
+                      <a:rPr lang="en-US" i="1" dirty="0" err="1" smtClean="0">
+                        <a:latin typeface="Cambria Math"/>
+                      </a:rPr>
+                      <m:t>𝑠</m:t>
+                    </m:r>
+                    <m:r>
+                      <a:rPr lang="en-US" i="1" dirty="0" err="1" smtClean="0">
+                        <a:latin typeface="Cambria Math"/>
+                      </a:rPr>
+                      <m:t>,</m:t>
+                    </m:r>
+                    <m:r>
+                      <a:rPr lang="en-US" i="1" dirty="0" err="1" smtClean="0">
+                        <a:latin typeface="Cambria Math"/>
+                      </a:rPr>
+                      <m:t>𝑞</m:t>
+                    </m:r>
+                    <m:r>
+                      <a:rPr lang="en-US" i="1" dirty="0" smtClean="0">
+                        <a:latin typeface="Cambria Math"/>
+                      </a:rPr>
+                      <m:t>)</m:t>
+                    </m:r>
+                  </m:oMath>
+                </a14:m>
+                <a:r>
+                  <a:rPr lang="en-US" dirty="0" smtClean="0"/>
+                  <a:t>:</a:t>
+                </a:r>
+              </a:p>
+              <a:p>
+                <a:pPr lvl="1"/>
+                <a:r>
+                  <a:rPr lang="en-US" dirty="0" smtClean="0"/>
+                  <a:t>Constructs matrices </a:t>
+                </a:r>
+                <a14:m>
+                  <m:oMath xmlns:m="http://schemas.openxmlformats.org/officeDocument/2006/math">
+                    <m:r>
+                      <m:rPr>
+                        <m:sty m:val="p"/>
+                      </m:rPr>
+                      <a:rPr lang="en-US" b="0" i="0" smtClean="0">
+                        <a:latin typeface="Cambria Math"/>
+                      </a:rPr>
+                      <m:t>Ω</m:t>
+                    </m:r>
+                    <m:r>
+                      <a:rPr lang="en-US" b="0" i="1" smtClean="0">
+                        <a:latin typeface="Cambria Math"/>
+                      </a:rPr>
+                      <m:t>∈</m:t>
+                    </m:r>
+                    <m:sSup>
+                      <m:sSupPr>
+                        <m:ctrlPr>
+                          <a:rPr lang="en-US" b="0" i="1" smtClean="0">
+                            <a:latin typeface="Cambria Math"/>
+                            <a:ea typeface="Cambria Math"/>
+                          </a:rPr>
+                        </m:ctrlPr>
+                      </m:sSupPr>
+                      <m:e>
+                        <m:r>
+                          <a:rPr lang="en-US" b="0" i="1" smtClean="0">
+                            <a:latin typeface="Cambria Math"/>
+                            <a:ea typeface="Cambria Math"/>
+                          </a:rPr>
+                          <m:t>ℝ</m:t>
+                        </m:r>
+                      </m:e>
+                      <m:sup>
+                        <m:r>
+                          <a:rPr lang="en-US" b="0" i="1" smtClean="0">
+                            <a:latin typeface="Cambria Math"/>
+                            <a:ea typeface="Cambria Math"/>
+                          </a:rPr>
+                          <m:t>𝑛</m:t>
+                        </m:r>
+                        <m:r>
+                          <a:rPr lang="en-US" b="0" i="1" smtClean="0">
+                            <a:latin typeface="Cambria Math"/>
+                            <a:ea typeface="Cambria Math"/>
+                          </a:rPr>
+                          <m:t>×</m:t>
+                        </m:r>
+                        <m:r>
+                          <a:rPr lang="en-US" b="0" i="1" smtClean="0">
+                            <a:latin typeface="Cambria Math"/>
+                            <a:ea typeface="Cambria Math"/>
+                          </a:rPr>
+                          <m:t>𝑠</m:t>
+                        </m:r>
+                      </m:sup>
+                    </m:sSup>
+                  </m:oMath>
+                </a14:m>
+                <a:r>
+                  <a:rPr lang="en-US" dirty="0" smtClean="0"/>
+                  <a:t> and </a:t>
+                </a:r>
+                <a14:m>
+                  <m:oMath xmlns:m="http://schemas.openxmlformats.org/officeDocument/2006/math">
+                    <m:r>
+                      <a:rPr lang="en-US" b="0" i="1" smtClean="0">
+                        <a:latin typeface="Cambria Math"/>
+                      </a:rPr>
+                      <m:t>𝐷</m:t>
+                    </m:r>
+                    <m:r>
+                      <a:rPr lang="en-US" b="0" i="1" smtClean="0">
+                        <a:latin typeface="Cambria Math"/>
+                      </a:rPr>
+                      <m:t>∈ </m:t>
+                    </m:r>
+                    <m:sSup>
+                      <m:sSupPr>
+                        <m:ctrlPr>
+                          <a:rPr lang="en-US" b="0" i="1" smtClean="0">
+                            <a:latin typeface="Cambria Math"/>
+                            <a:ea typeface="Cambria Math"/>
+                          </a:rPr>
+                        </m:ctrlPr>
+                      </m:sSupPr>
+                      <m:e>
+                        <m:r>
+                          <a:rPr lang="en-US" b="0" i="1" smtClean="0">
+                            <a:latin typeface="Cambria Math"/>
+                            <a:ea typeface="Cambria Math"/>
+                          </a:rPr>
+                          <m:t>ℝ</m:t>
+                        </m:r>
+                      </m:e>
+                      <m:sup>
+                        <m:r>
+                          <a:rPr lang="en-US" b="0" i="1" smtClean="0">
+                            <a:latin typeface="Cambria Math"/>
+                            <a:ea typeface="Cambria Math"/>
+                          </a:rPr>
+                          <m:t>𝑠</m:t>
+                        </m:r>
+                        <m:r>
+                          <a:rPr lang="en-US" b="0" i="1" smtClean="0">
+                            <a:latin typeface="Cambria Math"/>
+                            <a:ea typeface="Cambria Math"/>
+                          </a:rPr>
+                          <m:t>×</m:t>
+                        </m:r>
+                        <m:r>
+                          <a:rPr lang="en-US" b="0" i="1" smtClean="0">
+                            <a:latin typeface="Cambria Math"/>
+                            <a:ea typeface="Cambria Math"/>
+                          </a:rPr>
+                          <m:t>𝑠</m:t>
+                        </m:r>
+                      </m:sup>
+                    </m:sSup>
+                  </m:oMath>
+                </a14:m>
+                <a:endParaRPr lang="en-US" dirty="0" smtClean="0"/>
+              </a:p>
+              <a:p>
+                <a:pPr lvl="1"/>
+                <a:r>
+                  <a:rPr lang="en-US" dirty="0" smtClean="0"/>
+                  <a:t>For each column </a:t>
+                </a:r>
+                <a:r>
+                  <a:rPr lang="en-US" dirty="0" err="1" smtClean="0"/>
+                  <a:t>indep</a:t>
+                </a:r>
+                <a:r>
+                  <a:rPr lang="en-US" dirty="0" smtClean="0"/>
+                  <a:t>. with replacement pick row </a:t>
+                </a:r>
+                <a14:m>
+                  <m:oMath xmlns:m="http://schemas.openxmlformats.org/officeDocument/2006/math">
+                    <m:r>
+                      <a:rPr lang="en-US" b="0" i="1" smtClean="0">
+                        <a:latin typeface="Cambria Math"/>
+                      </a:rPr>
+                      <m:t>𝑖</m:t>
+                    </m:r>
+                  </m:oMath>
+                </a14:m>
+                <a:r>
+                  <a:rPr lang="en-US" dirty="0" smtClean="0"/>
+                  <a:t> </a:t>
+                </a:r>
+                <a:r>
+                  <a:rPr lang="en-US" dirty="0" err="1" smtClean="0"/>
+                  <a:t>w.p</a:t>
+                </a:r>
+                <a:r>
+                  <a:rPr lang="en-US" dirty="0" smtClean="0"/>
+                  <a:t>. </a:t>
+                </a:r>
+                <a14:m>
+                  <m:oMath xmlns:m="http://schemas.openxmlformats.org/officeDocument/2006/math">
+                    <m:sSub>
+                      <m:sSubPr>
+                        <m:ctrlPr>
+                          <a:rPr lang="en-US" b="0" i="1" smtClean="0">
+                            <a:latin typeface="Cambria Math"/>
+                          </a:rPr>
+                        </m:ctrlPr>
+                      </m:sSubPr>
+                      <m:e>
+                        <m:r>
+                          <a:rPr lang="en-US" b="0" i="1" smtClean="0">
+                            <a:latin typeface="Cambria Math"/>
+                          </a:rPr>
+                          <m:t>𝑞</m:t>
+                        </m:r>
+                      </m:e>
+                      <m:sub>
+                        <m:r>
+                          <a:rPr lang="en-US" b="0" i="1" smtClean="0">
+                            <a:latin typeface="Cambria Math"/>
+                          </a:rPr>
+                          <m:t>𝑖</m:t>
+                        </m:r>
+                      </m:sub>
+                    </m:sSub>
+                  </m:oMath>
+                </a14:m>
+                <a:endParaRPr lang="en-US" dirty="0" smtClean="0"/>
+              </a:p>
+              <a:p>
+                <a:pPr lvl="1"/>
+                <a:r>
+                  <a:rPr lang="en-US" dirty="0" smtClean="0"/>
+                  <a:t>Set </a:t>
+                </a:r>
+                <a14:m>
+                  <m:oMath xmlns:m="http://schemas.openxmlformats.org/officeDocument/2006/math">
+                    <m:sSub>
+                      <m:sSubPr>
+                        <m:ctrlPr>
+                          <a:rPr lang="en-US" b="0" i="1" smtClean="0">
+                            <a:latin typeface="Cambria Math"/>
+                          </a:rPr>
+                        </m:ctrlPr>
+                      </m:sSubPr>
+                      <m:e>
+                        <m:r>
+                          <m:rPr>
+                            <m:sty m:val="p"/>
+                          </m:rPr>
+                          <a:rPr lang="en-US" b="0" i="0" smtClean="0">
+                            <a:latin typeface="Cambria Math"/>
+                          </a:rPr>
+                          <m:t>Ω</m:t>
+                        </m:r>
+                      </m:e>
+                      <m:sub>
+                        <m:r>
+                          <a:rPr lang="en-US" b="0" i="1" smtClean="0">
+                            <a:latin typeface="Cambria Math"/>
+                          </a:rPr>
+                          <m:t>𝑖</m:t>
+                        </m:r>
+                        <m:r>
+                          <a:rPr lang="en-US" b="0" i="1" smtClean="0">
+                            <a:latin typeface="Cambria Math"/>
+                          </a:rPr>
+                          <m:t>,</m:t>
+                        </m:r>
+                        <m:r>
+                          <a:rPr lang="en-US" b="0" i="1" smtClean="0">
+                            <a:latin typeface="Cambria Math"/>
+                          </a:rPr>
+                          <m:t>𝑗</m:t>
+                        </m:r>
+                      </m:sub>
+                    </m:sSub>
+                    <m:r>
+                      <a:rPr lang="en-US" b="0" i="1" smtClean="0">
+                        <a:latin typeface="Cambria Math"/>
+                      </a:rPr>
+                      <m:t>=1</m:t>
+                    </m:r>
+                  </m:oMath>
+                </a14:m>
+                <a:r>
+                  <a:rPr lang="en-US" dirty="0" smtClean="0"/>
+                  <a:t> and </a:t>
+                </a:r>
+                <a14:m>
+                  <m:oMath xmlns:m="http://schemas.openxmlformats.org/officeDocument/2006/math">
+                    <m:sSub>
+                      <m:sSubPr>
+                        <m:ctrlPr>
+                          <a:rPr lang="en-US" b="0" i="1" smtClean="0">
+                            <a:latin typeface="Cambria Math"/>
+                          </a:rPr>
+                        </m:ctrlPr>
+                      </m:sSubPr>
+                      <m:e>
+                        <m:r>
+                          <a:rPr lang="en-US" b="0" i="1" smtClean="0">
+                            <a:latin typeface="Cambria Math"/>
+                          </a:rPr>
+                          <m:t>𝐷</m:t>
+                        </m:r>
+                      </m:e>
+                      <m:sub>
+                        <m:r>
+                          <a:rPr lang="en-US" b="0" i="1" smtClean="0">
+                            <a:latin typeface="Cambria Math"/>
+                          </a:rPr>
+                          <m:t>𝑗𝑗</m:t>
+                        </m:r>
+                      </m:sub>
+                    </m:sSub>
+                    <m:r>
+                      <a:rPr lang="en-US" b="0" i="1" smtClean="0">
+                        <a:latin typeface="Cambria Math"/>
+                      </a:rPr>
+                      <m:t>=1/</m:t>
+                    </m:r>
+                    <m:rad>
+                      <m:radPr>
+                        <m:degHide m:val="on"/>
+                        <m:ctrlPr>
+                          <a:rPr lang="en-US" b="0" i="1" smtClean="0">
+                            <a:latin typeface="Cambria Math"/>
+                          </a:rPr>
+                        </m:ctrlPr>
+                      </m:radPr>
+                      <m:deg/>
+                      <m:e>
+                        <m:sSub>
+                          <m:sSubPr>
+                            <m:ctrlPr>
+                              <a:rPr lang="en-US" b="0" i="1" smtClean="0">
+                                <a:latin typeface="Cambria Math"/>
+                              </a:rPr>
+                            </m:ctrlPr>
+                          </m:sSubPr>
+                          <m:e>
+                            <m:r>
+                              <a:rPr lang="en-US" b="0" i="1" smtClean="0">
+                                <a:latin typeface="Cambria Math"/>
+                              </a:rPr>
+                              <m:t>𝑞</m:t>
+                            </m:r>
+                          </m:e>
+                          <m:sub>
+                            <m:r>
+                              <a:rPr lang="en-US" b="0" i="1" smtClean="0">
+                                <a:latin typeface="Cambria Math"/>
+                              </a:rPr>
+                              <m:t>𝑖</m:t>
+                            </m:r>
+                          </m:sub>
+                        </m:sSub>
+                        <m:r>
+                          <a:rPr lang="en-US" b="0" i="1" smtClean="0">
+                            <a:latin typeface="Cambria Math"/>
+                          </a:rPr>
+                          <m:t>𝑠</m:t>
+                        </m:r>
+                      </m:e>
+                    </m:rad>
+                  </m:oMath>
+                </a14:m>
+                <a:endParaRPr lang="en-US" dirty="0" smtClean="0"/>
+              </a:p>
+              <a:p>
+                <a:endParaRPr lang="en-US" dirty="0"/>
+              </a:p>
+            </p:txBody>
+          </p:sp>
+        </mc:Choice>
+        <mc:Fallback xmlns="">
+          <p:sp>
+            <p:nvSpPr>
+              <p:cNvPr id="3" name="Content Placeholder 2"/>
+              <p:cNvSpPr>
+                <a:spLocks noGrp="1" noRot="1" noChangeAspect="1" noMove="1" noResize="1" noEditPoints="1" noAdjustHandles="1" noChangeArrowheads="1" noChangeShapeType="1" noTextEdit="1"/>
+              </p:cNvSpPr>
+              <p:nvPr>
+                <p:ph idx="1"/>
+              </p:nvPr>
+            </p:nvSpPr>
+            <p:spPr>
+              <a:blipFill rotWithShape="1">
+                <a:blip r:embed="rId2"/>
+                <a:stretch>
+                  <a:fillRect l="-1630" t="-1617"/>
+                </a:stretch>
+              </a:blipFill>
+            </p:spPr>
+            <p:txBody>
+              <a:bodyPr/>
+              <a:lstStyle/>
+              <a:p>
+                <a:r>
+                  <a:rPr lang="en-US">
+                    <a:noFill/>
+                  </a:rPr>
+                  <a:t> </a:t>
+                </a:r>
+              </a:p>
+            </p:txBody>
+          </p:sp>
+        </mc:Fallback>
+      </mc:AlternateContent>
+    </p:spTree>
+    <p:extLst>
+      <p:ext uri="{BB962C8B-B14F-4D97-AF65-F5344CB8AC3E}">
+        <p14:creationId xmlns:p14="http://schemas.microsoft.com/office/powerpoint/2010/main" val="3846347944"/>
+      </p:ext>
+    </p:extLst>
+  </p:cSld>
+  <p:clrMapOvr>
+    <a:masterClrMapping/>
+  </p:clrMapOvr>
+  <p:timing>
+    <p:tnLst>
+      <p:par>
+        <p:cTn id="1" dur="indefinite" restart="never" nodeType="tmRoot">
+          <p:childTnLst>
+            <p:seq concurrent="1" nextAc="seek">
+              <p:cTn id="2" dur="indefinite" nodeType="mainSeq">
+                <p:childTnLst>
+                  <p:par>
+                    <p:cTn id="3" fill="hold">
+                      <p:stCondLst>
+                        <p:cond delay="indefinite"/>
+                      </p:stCondLst>
+                      <p:childTnLst>
+                        <p:par>
+                          <p:cTn id="4" fill="hold">
+                            <p:stCondLst>
+                              <p:cond delay="0"/>
+                            </p:stCondLst>
+                            <p:childTnLst>
+                              <p:par>
+                                <p:cTn id="5" presetID="1" presetClass="entr" presetSubtype="0" fill="hold" grpId="0" nodeType="clickEffect">
+                                  <p:stCondLst>
+                                    <p:cond delay="0"/>
+                                  </p:stCondLst>
+                                  <p:childTnLst>
+                                    <p:set>
+                                      <p:cBhvr>
+                                        <p:cTn id="6" dur="1" fill="hold">
+                                          <p:stCondLst>
+                                            <p:cond delay="0"/>
+                                          </p:stCondLst>
+                                        </p:cTn>
+                                        <p:tgtEl>
+                                          <p:spTgt spid="3">
+                                            <p:txEl>
+                                              <p:pRg st="0" end="0"/>
+                                            </p:txEl>
+                                          </p:spTgt>
+                                        </p:tgtEl>
+                                        <p:attrNameLst>
+                                          <p:attrName>style.visibility</p:attrName>
+                                        </p:attrNameLst>
+                                      </p:cBhvr>
+                                      <p:to>
+                                        <p:strVal val="visible"/>
+                                      </p:to>
+                                    </p:set>
+                                  </p:childTnLst>
+                                </p:cTn>
+                              </p:par>
+                            </p:childTnLst>
+                          </p:cTn>
+                        </p:par>
+                      </p:childTnLst>
+                    </p:cTn>
+                  </p:par>
+                  <p:par>
+                    <p:cTn id="7" fill="hold">
+                      <p:stCondLst>
+                        <p:cond delay="indefinite"/>
+                      </p:stCondLst>
+                      <p:childTnLst>
+                        <p:par>
+                          <p:cTn id="8" fill="hold">
+                            <p:stCondLst>
+                              <p:cond delay="0"/>
+                            </p:stCondLst>
+                            <p:childTnLst>
+                              <p:par>
+                                <p:cTn id="9" presetID="1" presetClass="entr" presetSubtype="0" fill="hold" grpId="0" nodeType="clickEffect">
+                                  <p:stCondLst>
+                                    <p:cond delay="0"/>
+                                  </p:stCondLst>
+                                  <p:childTnLst>
+                                    <p:set>
+                                      <p:cBhvr>
+                                        <p:cTn id="10" dur="1" fill="hold">
+                                          <p:stCondLst>
+                                            <p:cond delay="0"/>
+                                          </p:stCondLst>
+                                        </p:cTn>
+                                        <p:tgtEl>
+                                          <p:spTgt spid="3">
+                                            <p:txEl>
+                                              <p:pRg st="1" end="1"/>
+                                            </p:txEl>
+                                          </p:spTgt>
+                                        </p:tgtEl>
+                                        <p:attrNameLst>
+                                          <p:attrName>style.visibility</p:attrName>
+                                        </p:attrNameLst>
+                                      </p:cBhvr>
+                                      <p:to>
+                                        <p:strVal val="visible"/>
+                                      </p:to>
+                                    </p:set>
+                                  </p:childTnLst>
+                                </p:cTn>
+                              </p:par>
+                              <p:par>
+                                <p:cTn id="11" presetID="1" presetClass="entr" presetSubtype="0" fill="hold" grpId="0" nodeType="withEffect">
+                                  <p:stCondLst>
+                                    <p:cond delay="0"/>
+                                  </p:stCondLst>
+                                  <p:childTnLst>
+                                    <p:set>
+                                      <p:cBhvr>
+                                        <p:cTn id="12" dur="1" fill="hold">
+                                          <p:stCondLst>
+                                            <p:cond delay="0"/>
+                                          </p:stCondLst>
+                                        </p:cTn>
+                                        <p:tgtEl>
+                                          <p:spTgt spid="3">
+                                            <p:txEl>
+                                              <p:pRg st="2" end="2"/>
+                                            </p:txEl>
+                                          </p:spTgt>
+                                        </p:tgtEl>
+                                        <p:attrNameLst>
+                                          <p:attrName>style.visibility</p:attrName>
+                                        </p:attrNameLst>
+                                      </p:cBhvr>
+                                      <p:to>
+                                        <p:strVal val="visible"/>
+                                      </p:to>
+                                    </p:set>
+                                  </p:childTnLst>
+                                </p:cTn>
+                              </p:par>
+                              <p:par>
+                                <p:cTn id="13" presetID="1" presetClass="entr" presetSubtype="0" fill="hold" grpId="0" nodeType="withEffect">
+                                  <p:stCondLst>
+                                    <p:cond delay="0"/>
+                                  </p:stCondLst>
+                                  <p:childTnLst>
+                                    <p:set>
+                                      <p:cBhvr>
+                                        <p:cTn id="14" dur="1" fill="hold">
+                                          <p:stCondLst>
+                                            <p:cond delay="0"/>
+                                          </p:stCondLst>
+                                        </p:cTn>
+                                        <p:tgtEl>
+                                          <p:spTgt spid="3">
+                                            <p:txEl>
+                                              <p:pRg st="3" end="3"/>
+                                            </p:txEl>
+                                          </p:spTgt>
+                                        </p:tgtEl>
+                                        <p:attrNameLst>
+                                          <p:attrName>style.visibility</p:attrName>
+                                        </p:attrNameLst>
+                                      </p:cBhvr>
+                                      <p:to>
+                                        <p:strVal val="visible"/>
+                                      </p:to>
+                                    </p:set>
+                                  </p:childTnLst>
+                                </p:cTn>
+                              </p:par>
+                              <p:par>
+                                <p:cTn id="15" presetID="1" presetClass="entr" presetSubtype="0" fill="hold" grpId="0" nodeType="withEffect">
+                                  <p:stCondLst>
+                                    <p:cond delay="0"/>
+                                  </p:stCondLst>
+                                  <p:childTnLst>
+                                    <p:set>
+                                      <p:cBhvr>
+                                        <p:cTn id="16" dur="1" fill="hold">
+                                          <p:stCondLst>
+                                            <p:cond delay="0"/>
+                                          </p:stCondLst>
+                                        </p:cTn>
+                                        <p:tgtEl>
+                                          <p:spTgt spid="3">
+                                            <p:txEl>
+                                              <p:pRg st="4" end="4"/>
+                                            </p:txEl>
+                                          </p:spTgt>
+                                        </p:tgtEl>
+                                        <p:attrNameLst>
+                                          <p:attrName>style.visibility</p:attrName>
+                                        </p:attrNameLst>
+                                      </p:cBhvr>
+                                      <p:to>
+                                        <p:strVal val="visible"/>
+                                      </p:to>
+                                    </p:set>
+                                  </p:childTnLst>
+                                </p:cTn>
+                              </p:par>
+                            </p:childTnLst>
+                          </p:cTn>
+                        </p:par>
+                      </p:childTnLst>
+                    </p:cTn>
+                  </p:par>
+                </p:childTnLst>
+              </p:cTn>
+              <p:prevCondLst>
+                <p:cond evt="onPrev" delay="0">
+                  <p:tgtEl>
+                    <p:sldTgt/>
+                  </p:tgtEl>
+                </p:cond>
+              </p:prevCondLst>
+              <p:nextCondLst>
+                <p:cond evt="onNext" delay="0">
+                  <p:tgtEl>
+                    <p:sldTgt/>
+                  </p:tgtEl>
+                </p:cond>
+              </p:nextCondLst>
+            </p:seq>
+          </p:childTnLst>
+        </p:cTn>
+      </p:par>
+    </p:tnLst>
+    <p:bldLst>
+      <p:bldP spid="3" grpId="0" build="p"/>
+    </p:bldLst>
+  </p:timing>
+</p:sld>
+</file>
+
+<file path=ppt/slides/slide12.xml><?xml version="1.0" encoding="utf-8"?>
+<p:sld xmlns:a="http://schemas.openxmlformats.org/drawingml/2006/main" xmlns:r="http://schemas.openxmlformats.org/officeDocument/2006/relationships" xmlns:p="http://schemas.openxmlformats.org/presentationml/2006/main">
+  <p:cSld>
+    <p:spTree>
+      <p:nvGrpSpPr>
+        <p:cNvPr id="1" name=""/>
+        <p:cNvGrpSpPr/>
+        <p:nvPr/>
+      </p:nvGrpSpPr>
+      <p:grpSpPr>
+        <a:xfrm>
+          <a:off x="0" y="0"/>
+          <a:ext cx="0" cy="0"/>
+          <a:chOff x="0" y="0"/>
+          <a:chExt cx="0" cy="0"/>
+        </a:xfrm>
+      </p:grpSpPr>
+      <p:sp>
+        <p:nvSpPr>
+          <p:cNvPr id="2" name="Title 1"/>
+          <p:cNvSpPr>
+            <a:spLocks noGrp="1"/>
+          </p:cNvSpPr>
+          <p:nvPr>
+            <p:ph type="title"/>
+          </p:nvPr>
+        </p:nvSpPr>
+        <p:spPr/>
+        <p:txBody>
+          <a:bodyPr/>
+          <a:lstStyle/>
+          <a:p>
+            <a:r>
+              <a:rPr lang="en-US" dirty="0" smtClean="0">
+                <a:solidFill>
+                  <a:srgbClr val="0070C0"/>
+                </a:solidFill>
+              </a:rPr>
+              <a:t>LSS as a Subspace Embedding</a:t>
+            </a:r>
+            <a:endParaRPr lang="en-US" dirty="0"/>
+          </a:p>
+        </p:txBody>
+      </p:sp>
+      <mc:AlternateContent xmlns:mc="http://schemas.openxmlformats.org/markup-compatibility/2006" xmlns:a14="http://schemas.microsoft.com/office/drawing/2010/main">
+        <mc:Choice Requires="a14">
+          <p:sp>
+            <p:nvSpPr>
+              <p:cNvPr id="3" name="Content Placeholder 2"/>
+              <p:cNvSpPr>
+                <a:spLocks noGrp="1"/>
+              </p:cNvSpPr>
+              <p:nvPr>
+                <p:ph idx="1"/>
+              </p:nvPr>
+            </p:nvSpPr>
+            <p:spPr>
+              <a:xfrm>
+                <a:off x="457200" y="1600200"/>
+                <a:ext cx="8229600" cy="5029200"/>
+              </a:xfrm>
+            </p:spPr>
+            <p:txBody>
+              <a:bodyPr>
+                <a:normAutofit fontScale="85000" lnSpcReduction="20000"/>
+              </a:bodyPr>
+              <a:lstStyle/>
+              <a:p>
+                <a:r>
+                  <a:rPr lang="en-US" b="1" dirty="0" err="1" smtClean="0"/>
+                  <a:t>Thm</a:t>
+                </a:r>
+                <a:r>
+                  <a:rPr lang="en-US" b="1" dirty="0" smtClean="0"/>
+                  <a:t>.:</a:t>
+                </a:r>
+                <a:r>
+                  <a:rPr lang="en-US" dirty="0" smtClean="0"/>
+                  <a:t> If </a:t>
+                </a:r>
+                <a14:m>
+                  <m:oMath xmlns:m="http://schemas.openxmlformats.org/officeDocument/2006/math">
+                    <m:r>
+                      <a:rPr lang="en-US" b="0" i="1" smtClean="0">
+                        <a:latin typeface="Cambria Math"/>
+                      </a:rPr>
+                      <m:t>𝑍</m:t>
+                    </m:r>
+                    <m:r>
+                      <a:rPr lang="en-US" b="0" i="1" smtClean="0">
+                        <a:latin typeface="Cambria Math"/>
+                      </a:rPr>
+                      <m:t>∈</m:t>
+                    </m:r>
+                    <m:sSup>
+                      <m:sSupPr>
+                        <m:ctrlPr>
+                          <a:rPr lang="en-US" b="0" i="1" smtClean="0">
+                            <a:latin typeface="Cambria Math"/>
+                            <a:ea typeface="Cambria Math"/>
+                          </a:rPr>
+                        </m:ctrlPr>
+                      </m:sSupPr>
+                      <m:e>
+                        <m:r>
+                          <a:rPr lang="en-US" b="0" i="1" smtClean="0">
+                            <a:latin typeface="Cambria Math"/>
+                            <a:ea typeface="Cambria Math"/>
+                          </a:rPr>
+                          <m:t>ℝ</m:t>
+                        </m:r>
+                      </m:e>
+                      <m:sup>
+                        <m:r>
+                          <a:rPr lang="en-US" b="0" i="1" smtClean="0">
+                            <a:latin typeface="Cambria Math"/>
+                            <a:ea typeface="Cambria Math"/>
+                          </a:rPr>
+                          <m:t>𝑛</m:t>
+                        </m:r>
+                        <m:r>
+                          <a:rPr lang="en-US" b="0" i="1" smtClean="0">
+                            <a:latin typeface="Cambria Math"/>
+                            <a:ea typeface="Cambria Math"/>
+                          </a:rPr>
+                          <m:t>×</m:t>
+                        </m:r>
+                        <m:r>
+                          <a:rPr lang="en-US" b="0" i="1" smtClean="0">
+                            <a:latin typeface="Cambria Math"/>
+                            <a:ea typeface="Cambria Math"/>
+                          </a:rPr>
+                          <m:t>𝑘</m:t>
+                        </m:r>
+                      </m:sup>
+                    </m:sSup>
+                  </m:oMath>
+                </a14:m>
+                <a:r>
+                  <a:rPr lang="en-US" dirty="0" smtClean="0"/>
+                  <a:t> has orthonormal columns then for </a:t>
+                </a:r>
+                <a14:m>
+                  <m:oMath xmlns:m="http://schemas.openxmlformats.org/officeDocument/2006/math">
+                    <m:r>
+                      <a:rPr lang="en-US" b="0" i="1" smtClean="0">
+                        <a:latin typeface="Cambria Math"/>
+                      </a:rPr>
+                      <m:t>𝑠</m:t>
+                    </m:r>
+                    <m:r>
+                      <a:rPr lang="en-US" b="0" i="1" smtClean="0">
+                        <a:latin typeface="Cambria Math"/>
+                      </a:rPr>
+                      <m:t>&gt;144</m:t>
+                    </m:r>
+                    <m:r>
+                      <a:rPr lang="en-US" b="0" i="1" smtClean="0">
+                        <a:latin typeface="Cambria Math"/>
+                      </a:rPr>
+                      <m:t>𝑘</m:t>
+                    </m:r>
+                    <m:func>
+                      <m:funcPr>
+                        <m:ctrlPr>
+                          <a:rPr lang="en-US" b="0" i="1" smtClean="0">
+                            <a:latin typeface="Cambria Math"/>
+                          </a:rPr>
+                        </m:ctrlPr>
+                      </m:funcPr>
+                      <m:fName>
+                        <m:r>
+                          <m:rPr>
+                            <m:sty m:val="p"/>
+                          </m:rPr>
+                          <a:rPr lang="en-US" b="0" i="0" smtClean="0">
+                            <a:latin typeface="Cambria Math"/>
+                          </a:rPr>
+                          <m:t>log</m:t>
+                        </m:r>
+                      </m:fName>
+                      <m:e>
+                        <m:d>
+                          <m:dPr>
+                            <m:ctrlPr>
+                              <a:rPr lang="en-US" b="0" i="1" smtClean="0">
+                                <a:latin typeface="Cambria Math"/>
+                              </a:rPr>
+                            </m:ctrlPr>
+                          </m:dPr>
+                          <m:e>
+                            <m:f>
+                              <m:fPr>
+                                <m:ctrlPr>
+                                  <a:rPr lang="en-US" b="0" i="1" smtClean="0">
+                                    <a:latin typeface="Cambria Math"/>
+                                  </a:rPr>
+                                </m:ctrlPr>
+                              </m:fPr>
+                              <m:num>
+                                <m:r>
+                                  <a:rPr lang="en-US" b="0" i="1" smtClean="0">
+                                    <a:latin typeface="Cambria Math"/>
+                                  </a:rPr>
+                                  <m:t>2</m:t>
+                                </m:r>
+                                <m:r>
+                                  <a:rPr lang="en-US" b="0" i="1" smtClean="0">
+                                    <a:latin typeface="Cambria Math"/>
+                                  </a:rPr>
+                                  <m:t>𝑘</m:t>
+                                </m:r>
+                              </m:num>
+                              <m:den>
+                                <m:r>
+                                  <a:rPr lang="en-US" b="0" i="1" smtClean="0">
+                                    <a:latin typeface="Cambria Math"/>
+                                  </a:rPr>
+                                  <m:t>𝛿</m:t>
+                                </m:r>
+                              </m:den>
+                            </m:f>
+                          </m:e>
+                        </m:d>
+                        <m:r>
+                          <a:rPr lang="en-US" b="0" i="1" smtClean="0">
+                            <a:latin typeface="Cambria Math"/>
+                          </a:rPr>
+                          <m:t>/</m:t>
+                        </m:r>
+                        <m:r>
+                          <a:rPr lang="en-US" b="0" i="1" smtClean="0">
+                            <a:latin typeface="Cambria Math"/>
+                          </a:rPr>
+                          <m:t>𝛽</m:t>
+                        </m:r>
+                        <m:sSup>
+                          <m:sSupPr>
+                            <m:ctrlPr>
+                              <a:rPr lang="en-US" b="0" i="1" smtClean="0">
+                                <a:latin typeface="Cambria Math"/>
+                              </a:rPr>
+                            </m:ctrlPr>
+                          </m:sSupPr>
+                          <m:e>
+                            <m:r>
+                              <a:rPr lang="en-US" b="0" i="1" smtClean="0">
+                                <a:latin typeface="Cambria Math"/>
+                              </a:rPr>
+                              <m:t>𝜖</m:t>
+                            </m:r>
+                          </m:e>
+                          <m:sup>
+                            <m:r>
+                              <a:rPr lang="en-US" b="0" i="1" smtClean="0">
+                                <a:latin typeface="Cambria Math"/>
+                              </a:rPr>
+                              <m:t>2</m:t>
+                            </m:r>
+                          </m:sup>
+                        </m:sSup>
+                      </m:e>
+                    </m:func>
+                  </m:oMath>
+                </a14:m>
+                <a:r>
+                  <a:rPr lang="en-US" dirty="0" smtClean="0"/>
+                  <a:t> if </a:t>
+                </a:r>
+                <a14:m>
+                  <m:oMath xmlns:m="http://schemas.openxmlformats.org/officeDocument/2006/math">
+                    <m:r>
+                      <m:rPr>
+                        <m:sty m:val="p"/>
+                      </m:rPr>
+                      <a:rPr lang="en-US" b="0" i="0" smtClean="0">
+                        <a:latin typeface="Cambria Math"/>
+                      </a:rPr>
+                      <m:t>Ω</m:t>
+                    </m:r>
+                  </m:oMath>
+                </a14:m>
+                <a:r>
+                  <a:rPr lang="en-US" dirty="0" smtClean="0"/>
+                  <a:t> and </a:t>
+                </a:r>
+                <a14:m>
+                  <m:oMath xmlns:m="http://schemas.openxmlformats.org/officeDocument/2006/math">
+                    <m:r>
+                      <a:rPr lang="en-US" b="0" i="1" smtClean="0">
+                        <a:latin typeface="Cambria Math"/>
+                      </a:rPr>
+                      <m:t>𝐷</m:t>
+                    </m:r>
+                  </m:oMath>
+                </a14:m>
+                <a:r>
+                  <a:rPr lang="en-US" dirty="0" smtClean="0"/>
+                  <a:t> are constructed via LSS</a:t>
+                </a:r>
+                <a14:m>
+                  <m:oMath xmlns:m="http://schemas.openxmlformats.org/officeDocument/2006/math">
+                    <m:r>
+                      <a:rPr lang="en-US" i="1" dirty="0" smtClean="0">
+                        <a:latin typeface="Cambria Math"/>
+                      </a:rPr>
+                      <m:t>(</m:t>
+                    </m:r>
+                    <m:r>
+                      <a:rPr lang="en-US" b="0" i="1" dirty="0" smtClean="0">
+                        <a:latin typeface="Cambria Math"/>
+                      </a:rPr>
+                      <m:t>𝑍</m:t>
+                    </m:r>
+                    <m:r>
+                      <a:rPr lang="en-US" b="0" i="1" dirty="0" smtClean="0">
+                        <a:latin typeface="Cambria Math"/>
+                      </a:rPr>
+                      <m:t>,</m:t>
+                    </m:r>
+                    <m:r>
+                      <a:rPr lang="en-US" b="0" i="1" dirty="0" smtClean="0">
+                        <a:latin typeface="Cambria Math"/>
+                      </a:rPr>
+                      <m:t>𝑠</m:t>
+                    </m:r>
+                    <m:r>
+                      <a:rPr lang="en-US" b="0" i="1" dirty="0" smtClean="0">
+                        <a:latin typeface="Cambria Math"/>
+                      </a:rPr>
+                      <m:t>,</m:t>
+                    </m:r>
+                    <m:r>
+                      <a:rPr lang="en-US" b="0" i="1" dirty="0" smtClean="0">
+                        <a:latin typeface="Cambria Math"/>
+                      </a:rPr>
+                      <m:t>𝑞</m:t>
+                    </m:r>
+                    <m:r>
+                      <a:rPr lang="en-US" i="1" dirty="0" smtClean="0">
+                        <a:latin typeface="Cambria Math"/>
+                      </a:rPr>
+                      <m:t>)</m:t>
+                    </m:r>
+                  </m:oMath>
+                </a14:m>
+                <a:r>
+                  <a:rPr lang="en-US" dirty="0" smtClean="0"/>
+                  <a:t> then for all </a:t>
+                </a:r>
+                <a14:m>
+                  <m:oMath xmlns:m="http://schemas.openxmlformats.org/officeDocument/2006/math">
+                    <m:r>
+                      <a:rPr lang="en-US" b="0" i="1" smtClean="0">
+                        <a:latin typeface="Cambria Math"/>
+                      </a:rPr>
+                      <m:t>𝑖</m:t>
+                    </m:r>
+                  </m:oMath>
+                </a14:m>
+                <a:r>
+                  <a:rPr lang="en-US" dirty="0" smtClean="0"/>
+                  <a:t> </a:t>
+                </a:r>
+                <a:r>
+                  <a:rPr lang="en-US" dirty="0" err="1" smtClean="0"/>
+                  <a:t>w.p</a:t>
+                </a:r>
+                <a:r>
+                  <a:rPr lang="en-US" dirty="0" smtClean="0"/>
+                  <a:t>. </a:t>
+                </a:r>
+                <a14:m>
+                  <m:oMath xmlns:m="http://schemas.openxmlformats.org/officeDocument/2006/math">
+                    <m:r>
+                      <a:rPr lang="en-US" b="0" i="1" smtClean="0">
+                        <a:latin typeface="Cambria Math"/>
+                      </a:rPr>
+                      <m:t>1−</m:t>
+                    </m:r>
+                    <m:r>
+                      <a:rPr lang="en-US" b="0" i="1" smtClean="0">
+                        <a:latin typeface="Cambria Math"/>
+                      </a:rPr>
+                      <m:t>𝛿</m:t>
+                    </m:r>
+                    <m:r>
+                      <a:rPr lang="en-US" b="0" i="0" smtClean="0">
+                        <a:latin typeface="Cambria Math"/>
+                      </a:rPr>
+                      <m:t>:</m:t>
+                    </m:r>
+                  </m:oMath>
+                </a14:m>
+                <a:endParaRPr lang="en-US" dirty="0" smtClean="0"/>
+              </a:p>
+              <a:p>
+                <a:pPr marL="0" indent="0">
+                  <a:buNone/>
+                </a:pPr>
+                <a14:m>
+                  <m:oMathPara xmlns:m="http://schemas.openxmlformats.org/officeDocument/2006/math">
+                    <m:oMathParaPr>
+                      <m:jc m:val="centerGroup"/>
+                    </m:oMathParaPr>
+                    <m:oMath xmlns:m="http://schemas.openxmlformats.org/officeDocument/2006/math">
+                      <m:r>
+                        <a:rPr lang="en-US" b="0" i="1" smtClean="0">
+                          <a:latin typeface="Cambria Math"/>
+                        </a:rPr>
+                        <m:t>1−</m:t>
+                      </m:r>
+                      <m:r>
+                        <a:rPr lang="en-US" b="0" i="1" smtClean="0">
+                          <a:latin typeface="Cambria Math"/>
+                        </a:rPr>
+                        <m:t>𝜖</m:t>
+                      </m:r>
+                      <m:r>
+                        <a:rPr lang="en-US" b="0" i="1" smtClean="0">
+                          <a:latin typeface="Cambria Math"/>
+                        </a:rPr>
+                        <m:t>≤</m:t>
+                      </m:r>
+                      <m:sSubSup>
+                        <m:sSubSupPr>
+                          <m:ctrlPr>
+                            <a:rPr lang="en-US" b="0" i="1" smtClean="0">
+                              <a:latin typeface="Cambria Math"/>
+                            </a:rPr>
+                          </m:ctrlPr>
+                        </m:sSubSupPr>
+                        <m:e>
+                          <m:r>
+                            <a:rPr lang="en-US" b="0" i="1" smtClean="0">
+                              <a:latin typeface="Cambria Math"/>
+                            </a:rPr>
+                            <m:t>𝜎</m:t>
+                          </m:r>
+                        </m:e>
+                        <m:sub>
+                          <m:r>
+                            <a:rPr lang="en-US" b="0" i="1" smtClean="0">
+                              <a:latin typeface="Cambria Math"/>
+                            </a:rPr>
+                            <m:t>𝑖</m:t>
+                          </m:r>
+                        </m:sub>
+                        <m:sup>
+                          <m:r>
+                            <a:rPr lang="en-US" b="0" i="1" smtClean="0">
+                              <a:latin typeface="Cambria Math"/>
+                            </a:rPr>
+                            <m:t>2</m:t>
+                          </m:r>
+                        </m:sup>
+                      </m:sSubSup>
+                      <m:d>
+                        <m:dPr>
+                          <m:ctrlPr>
+                            <a:rPr lang="en-US" b="0" i="1" smtClean="0">
+                              <a:latin typeface="Cambria Math"/>
+                            </a:rPr>
+                          </m:ctrlPr>
+                        </m:dPr>
+                        <m:e>
+                          <m:sSup>
+                            <m:sSupPr>
+                              <m:ctrlPr>
+                                <a:rPr lang="en-US" b="0" i="1" smtClean="0">
+                                  <a:latin typeface="Cambria Math"/>
+                                </a:rPr>
+                              </m:ctrlPr>
+                            </m:sSupPr>
+                            <m:e>
+                              <m:r>
+                                <a:rPr lang="en-US" b="0" i="1" smtClean="0">
+                                  <a:latin typeface="Cambria Math"/>
+                                </a:rPr>
+                                <m:t>𝐷</m:t>
+                              </m:r>
+                            </m:e>
+                            <m:sup>
+                              <m:r>
+                                <a:rPr lang="en-US" b="0" i="1" smtClean="0">
+                                  <a:latin typeface="Cambria Math"/>
+                                </a:rPr>
+                                <m:t>𝑇</m:t>
+                              </m:r>
+                            </m:sup>
+                          </m:sSup>
+                          <m:sSup>
+                            <m:sSupPr>
+                              <m:ctrlPr>
+                                <a:rPr lang="en-US" b="0" i="1" smtClean="0">
+                                  <a:latin typeface="Cambria Math"/>
+                                </a:rPr>
+                              </m:ctrlPr>
+                            </m:sSupPr>
+                            <m:e>
+                              <m:r>
+                                <m:rPr>
+                                  <m:sty m:val="p"/>
+                                </m:rPr>
+                                <a:rPr lang="en-US" b="0" i="0" smtClean="0">
+                                  <a:latin typeface="Cambria Math"/>
+                                </a:rPr>
+                                <m:t>Ω</m:t>
+                              </m:r>
+                            </m:e>
+                            <m:sup>
+                              <m:r>
+                                <a:rPr lang="en-US" b="0" i="1" smtClean="0">
+                                  <a:latin typeface="Cambria Math"/>
+                                </a:rPr>
+                                <m:t>𝑇</m:t>
+                              </m:r>
+                            </m:sup>
+                          </m:sSup>
+                          <m:r>
+                            <a:rPr lang="en-US" b="0" i="1" smtClean="0">
+                              <a:latin typeface="Cambria Math"/>
+                            </a:rPr>
+                            <m:t>𝑍</m:t>
+                          </m:r>
+                        </m:e>
+                      </m:d>
+                      <m:r>
+                        <a:rPr lang="en-US" b="0" i="1" smtClean="0">
+                          <a:latin typeface="Cambria Math"/>
+                        </a:rPr>
+                        <m:t>≤1+</m:t>
+                      </m:r>
+                      <m:r>
+                        <a:rPr lang="en-US" b="0" i="1" smtClean="0">
+                          <a:latin typeface="Cambria Math"/>
+                        </a:rPr>
+                        <m:t>𝜖</m:t>
+                      </m:r>
+                    </m:oMath>
+                  </m:oMathPara>
+                </a14:m>
+                <a:endParaRPr lang="en-US" dirty="0" smtClean="0"/>
+              </a:p>
+              <a:p>
+                <a:endParaRPr lang="en-US" dirty="0" smtClean="0"/>
+              </a:p>
+              <a:p>
+                <a:r>
+                  <a:rPr lang="en-US" dirty="0" smtClean="0"/>
+                  <a:t>(</a:t>
+                </a:r>
+                <a:r>
+                  <a:rPr lang="en-US" b="1" dirty="0" smtClean="0"/>
+                  <a:t>Matrix </a:t>
+                </a:r>
+                <a:r>
+                  <a:rPr lang="en-US" b="1" dirty="0" err="1" smtClean="0"/>
+                  <a:t>Chernoff</a:t>
+                </a:r>
+                <a:r>
+                  <a:rPr lang="en-US" dirty="0" smtClean="0"/>
+                  <a:t>): If </a:t>
+                </a:r>
+                <a14:m>
+                  <m:oMath xmlns:m="http://schemas.openxmlformats.org/officeDocument/2006/math">
+                    <m:sSub>
+                      <m:sSubPr>
+                        <m:ctrlPr>
+                          <a:rPr lang="en-US" b="0" i="1" smtClean="0">
+                            <a:latin typeface="Cambria Math"/>
+                          </a:rPr>
+                        </m:ctrlPr>
+                      </m:sSubPr>
+                      <m:e>
+                        <m:r>
+                          <a:rPr lang="en-US" b="0" i="1" smtClean="0">
+                            <a:latin typeface="Cambria Math"/>
+                          </a:rPr>
+                          <m:t>𝑋</m:t>
+                        </m:r>
+                      </m:e>
+                      <m:sub>
+                        <m:r>
+                          <a:rPr lang="en-US" b="0" i="1" smtClean="0">
+                            <a:latin typeface="Cambria Math"/>
+                          </a:rPr>
+                          <m:t>1</m:t>
+                        </m:r>
+                      </m:sub>
+                    </m:sSub>
+                    <m:r>
+                      <a:rPr lang="en-US" b="0" i="1" smtClean="0">
+                        <a:latin typeface="Cambria Math"/>
+                      </a:rPr>
+                      <m:t>,…</m:t>
+                    </m:r>
+                    <m:sSub>
+                      <m:sSubPr>
+                        <m:ctrlPr>
+                          <a:rPr lang="en-US" b="0" i="1" smtClean="0">
+                            <a:latin typeface="Cambria Math"/>
+                          </a:rPr>
+                        </m:ctrlPr>
+                      </m:sSubPr>
+                      <m:e>
+                        <m:r>
+                          <a:rPr lang="en-US" b="0" i="1" smtClean="0">
+                            <a:latin typeface="Cambria Math"/>
+                          </a:rPr>
+                          <m:t>𝑋</m:t>
+                        </m:r>
+                      </m:e>
+                      <m:sub>
+                        <m:r>
+                          <a:rPr lang="en-US" b="0" i="1" smtClean="0">
+                            <a:latin typeface="Cambria Math"/>
+                          </a:rPr>
+                          <m:t>𝑠</m:t>
+                        </m:r>
+                      </m:sub>
+                    </m:sSub>
+                  </m:oMath>
+                </a14:m>
+                <a:r>
+                  <a:rPr lang="en-US" dirty="0" smtClean="0"/>
+                  <a:t> are </a:t>
+                </a:r>
+                <a:r>
+                  <a:rPr lang="en-US" dirty="0" err="1" smtClean="0"/>
+                  <a:t>i.i.d</a:t>
+                </a:r>
+                <a:r>
+                  <a:rPr lang="en-US" dirty="0" smtClean="0"/>
+                  <a:t> copies of a symmetric random matrix </a:t>
+                </a:r>
+                <a14:m>
+                  <m:oMath xmlns:m="http://schemas.openxmlformats.org/officeDocument/2006/math">
+                    <m:r>
+                      <a:rPr lang="en-US" b="0" i="1" smtClean="0">
+                        <a:latin typeface="Cambria Math"/>
+                      </a:rPr>
+                      <m:t>𝑋</m:t>
+                    </m:r>
+                    <m:r>
+                      <a:rPr lang="en-US" b="0" i="1" smtClean="0">
+                        <a:latin typeface="Cambria Math"/>
+                      </a:rPr>
+                      <m:t>∈</m:t>
+                    </m:r>
+                    <m:sSup>
+                      <m:sSupPr>
+                        <m:ctrlPr>
+                          <a:rPr lang="en-US" b="0" i="1" smtClean="0">
+                            <a:latin typeface="Cambria Math"/>
+                            <a:ea typeface="Cambria Math"/>
+                          </a:rPr>
+                        </m:ctrlPr>
+                      </m:sSupPr>
+                      <m:e>
+                        <m:r>
+                          <a:rPr lang="en-US" b="0" i="1" smtClean="0">
+                            <a:latin typeface="Cambria Math"/>
+                            <a:ea typeface="Cambria Math"/>
+                          </a:rPr>
+                          <m:t>ℝ</m:t>
+                        </m:r>
+                      </m:e>
+                      <m:sup>
+                        <m:r>
+                          <a:rPr lang="en-US" b="0" i="1" smtClean="0">
+                            <a:latin typeface="Cambria Math"/>
+                            <a:ea typeface="Cambria Math"/>
+                          </a:rPr>
+                          <m:t>𝑘</m:t>
+                        </m:r>
+                        <m:r>
+                          <a:rPr lang="en-US" b="0" i="1" smtClean="0">
+                            <a:latin typeface="Cambria Math"/>
+                            <a:ea typeface="Cambria Math"/>
+                          </a:rPr>
+                          <m:t>×</m:t>
+                        </m:r>
+                        <m:r>
+                          <a:rPr lang="en-US" b="0" i="1" smtClean="0">
+                            <a:latin typeface="Cambria Math"/>
+                            <a:ea typeface="Cambria Math"/>
+                          </a:rPr>
+                          <m:t>𝑘</m:t>
+                        </m:r>
+                      </m:sup>
+                    </m:sSup>
+                  </m:oMath>
+                </a14:m>
+                <a:r>
+                  <a:rPr lang="en-US" dirty="0" smtClean="0"/>
+                  <a:t> with </a:t>
+                </a:r>
+                <a14:m>
+                  <m:oMath xmlns:m="http://schemas.openxmlformats.org/officeDocument/2006/math">
+                    <m:r>
+                      <a:rPr lang="en-US" b="0" i="1" smtClean="0">
+                        <a:latin typeface="Cambria Math"/>
+                      </a:rPr>
+                      <m:t>𝐸</m:t>
+                    </m:r>
+                    <m:d>
+                      <m:dPr>
+                        <m:begChr m:val="["/>
+                        <m:endChr m:val="]"/>
+                        <m:ctrlPr>
+                          <a:rPr lang="en-US" b="0" i="1" smtClean="0">
+                            <a:latin typeface="Cambria Math"/>
+                          </a:rPr>
+                        </m:ctrlPr>
+                      </m:dPr>
+                      <m:e>
+                        <m:r>
+                          <a:rPr lang="en-US" b="0" i="1" smtClean="0">
+                            <a:latin typeface="Cambria Math"/>
+                          </a:rPr>
+                          <m:t>𝑋</m:t>
+                        </m:r>
+                      </m:e>
+                    </m:d>
+                    <m:r>
+                      <a:rPr lang="en-US" b="0" i="1" smtClean="0">
+                        <a:latin typeface="Cambria Math"/>
+                      </a:rPr>
+                      <m:t>=0, </m:t>
+                    </m:r>
+                    <m:sSub>
+                      <m:sSubPr>
+                        <m:ctrlPr>
+                          <a:rPr lang="en-US" b="0" i="1" smtClean="0">
+                            <a:latin typeface="Cambria Math"/>
+                          </a:rPr>
+                        </m:ctrlPr>
+                      </m:sSubPr>
+                      <m:e>
+                        <m:d>
+                          <m:dPr>
+                            <m:begChr m:val="|"/>
+                            <m:endChr m:val="|"/>
+                            <m:ctrlPr>
+                              <a:rPr lang="en-US" b="0" i="1" smtClean="0">
+                                <a:latin typeface="Cambria Math"/>
+                              </a:rPr>
+                            </m:ctrlPr>
+                          </m:dPr>
+                          <m:e>
+                            <m:d>
+                              <m:dPr>
+                                <m:begChr m:val="|"/>
+                                <m:endChr m:val="|"/>
+                                <m:ctrlPr>
+                                  <a:rPr lang="en-US" b="0" i="1" smtClean="0">
+                                    <a:latin typeface="Cambria Math"/>
+                                  </a:rPr>
+                                </m:ctrlPr>
+                              </m:dPr>
+                              <m:e>
+                                <m:r>
+                                  <a:rPr lang="en-US" b="0" i="1" smtClean="0">
+                                    <a:latin typeface="Cambria Math"/>
+                                  </a:rPr>
+                                  <m:t>𝑋</m:t>
+                                </m:r>
+                              </m:e>
+                            </m:d>
+                          </m:e>
+                        </m:d>
+                      </m:e>
+                      <m:sub>
+                        <m:r>
+                          <a:rPr lang="en-US" b="0" i="1" smtClean="0">
+                            <a:latin typeface="Cambria Math"/>
+                          </a:rPr>
+                          <m:t>2</m:t>
+                        </m:r>
+                      </m:sub>
+                    </m:sSub>
+                    <m:r>
+                      <a:rPr lang="en-US" b="0" i="1" smtClean="0">
+                        <a:latin typeface="Cambria Math"/>
+                      </a:rPr>
+                      <m:t>≤</m:t>
+                    </m:r>
+                    <m:r>
+                      <a:rPr lang="en-US" b="0" i="1" smtClean="0">
+                        <a:latin typeface="Cambria Math"/>
+                      </a:rPr>
+                      <m:t>𝛾</m:t>
+                    </m:r>
+                  </m:oMath>
+                </a14:m>
+                <a:r>
+                  <a:rPr lang="en-US" dirty="0" smtClean="0"/>
+                  <a:t> and </a:t>
+                </a:r>
+                <a14:m>
+                  <m:oMath xmlns:m="http://schemas.openxmlformats.org/officeDocument/2006/math">
+                    <m:sSub>
+                      <m:sSubPr>
+                        <m:ctrlPr>
+                          <a:rPr lang="en-US" b="0" i="1" smtClean="0">
+                            <a:latin typeface="Cambria Math"/>
+                          </a:rPr>
+                        </m:ctrlPr>
+                      </m:sSubPr>
+                      <m:e>
+                        <m:d>
+                          <m:dPr>
+                            <m:begChr m:val="|"/>
+                            <m:endChr m:val="|"/>
+                            <m:ctrlPr>
+                              <a:rPr lang="en-US" b="0" i="1" smtClean="0">
+                                <a:latin typeface="Cambria Math"/>
+                              </a:rPr>
+                            </m:ctrlPr>
+                          </m:dPr>
+                          <m:e>
+                            <m:d>
+                              <m:dPr>
+                                <m:begChr m:val="|"/>
+                                <m:endChr m:val="|"/>
+                                <m:ctrlPr>
+                                  <a:rPr lang="en-US" b="0" i="1" smtClean="0">
+                                    <a:latin typeface="Cambria Math"/>
+                                  </a:rPr>
+                                </m:ctrlPr>
+                              </m:dPr>
+                              <m:e>
+                                <m:r>
+                                  <a:rPr lang="en-US" b="0" i="1" smtClean="0">
+                                    <a:latin typeface="Cambria Math"/>
+                                  </a:rPr>
+                                  <m:t>𝐸</m:t>
+                                </m:r>
+                                <m:d>
+                                  <m:dPr>
+                                    <m:begChr m:val="["/>
+                                    <m:endChr m:val="]"/>
+                                    <m:ctrlPr>
+                                      <a:rPr lang="en-US" b="0" i="1" smtClean="0">
+                                        <a:latin typeface="Cambria Math"/>
+                                      </a:rPr>
+                                    </m:ctrlPr>
+                                  </m:dPr>
+                                  <m:e>
+                                    <m:sSup>
+                                      <m:sSupPr>
+                                        <m:ctrlPr>
+                                          <a:rPr lang="en-US" b="0" i="1" smtClean="0">
+                                            <a:latin typeface="Cambria Math"/>
+                                          </a:rPr>
+                                        </m:ctrlPr>
+                                      </m:sSupPr>
+                                      <m:e>
+                                        <m:r>
+                                          <a:rPr lang="en-US" b="0" i="1" smtClean="0">
+                                            <a:latin typeface="Cambria Math"/>
+                                          </a:rPr>
+                                          <m:t>𝑋</m:t>
+                                        </m:r>
+                                      </m:e>
+                                      <m:sup>
+                                        <m:r>
+                                          <a:rPr lang="en-US" b="0" i="1" smtClean="0">
+                                            <a:latin typeface="Cambria Math"/>
+                                          </a:rPr>
+                                          <m:t>𝑇</m:t>
+                                        </m:r>
+                                      </m:sup>
+                                    </m:sSup>
+                                    <m:r>
+                                      <a:rPr lang="en-US" b="0" i="1" smtClean="0">
+                                        <a:latin typeface="Cambria Math"/>
+                                      </a:rPr>
+                                      <m:t>𝑋</m:t>
+                                    </m:r>
+                                  </m:e>
+                                </m:d>
+                              </m:e>
+                            </m:d>
+                          </m:e>
+                        </m:d>
+                      </m:e>
+                      <m:sub>
+                        <m:r>
+                          <a:rPr lang="en-US" b="0" i="1" smtClean="0">
+                            <a:latin typeface="Cambria Math"/>
+                          </a:rPr>
+                          <m:t>2</m:t>
+                        </m:r>
+                      </m:sub>
+                    </m:sSub>
+                    <m:r>
+                      <a:rPr lang="en-US" b="0" i="1" smtClean="0">
+                        <a:latin typeface="Cambria Math"/>
+                      </a:rPr>
+                      <m:t>≤</m:t>
+                    </m:r>
+                    <m:sSup>
+                      <m:sSupPr>
+                        <m:ctrlPr>
+                          <a:rPr lang="en-US" b="0" i="1" smtClean="0">
+                            <a:latin typeface="Cambria Math"/>
+                          </a:rPr>
+                        </m:ctrlPr>
+                      </m:sSupPr>
+                      <m:e>
+                        <m:r>
+                          <a:rPr lang="en-US" b="0" i="1" smtClean="0">
+                            <a:latin typeface="Cambria Math"/>
+                          </a:rPr>
+                          <m:t>𝑠</m:t>
+                        </m:r>
+                      </m:e>
+                      <m:sup>
+                        <m:r>
+                          <a:rPr lang="en-US" b="0" i="1" smtClean="0">
+                            <a:latin typeface="Cambria Math"/>
+                          </a:rPr>
+                          <m:t>2</m:t>
+                        </m:r>
+                      </m:sup>
+                    </m:sSup>
+                  </m:oMath>
+                </a14:m>
+                <a:r>
+                  <a:rPr lang="en-US" dirty="0" smtClean="0"/>
+                  <a:t> then for </a:t>
+                </a:r>
+                <a14:m>
+                  <m:oMath xmlns:m="http://schemas.openxmlformats.org/officeDocument/2006/math">
+                    <m:r>
+                      <a:rPr lang="en-US" b="0" i="1" smtClean="0">
+                        <a:latin typeface="Cambria Math"/>
+                      </a:rPr>
+                      <m:t>𝑊</m:t>
+                    </m:r>
+                    <m:r>
+                      <a:rPr lang="en-US" b="0" i="1" smtClean="0">
+                        <a:latin typeface="Cambria Math"/>
+                      </a:rPr>
+                      <m:t>=</m:t>
+                    </m:r>
+                    <m:f>
+                      <m:fPr>
+                        <m:ctrlPr>
+                          <a:rPr lang="en-US" b="0" i="1" smtClean="0">
+                            <a:latin typeface="Cambria Math"/>
+                          </a:rPr>
+                        </m:ctrlPr>
+                      </m:fPr>
+                      <m:num>
+                        <m:r>
+                          <a:rPr lang="en-US" b="0" i="1" smtClean="0">
+                            <a:latin typeface="Cambria Math"/>
+                          </a:rPr>
+                          <m:t>1</m:t>
+                        </m:r>
+                      </m:num>
+                      <m:den>
+                        <m:r>
+                          <a:rPr lang="en-US" b="0" i="1" smtClean="0">
+                            <a:latin typeface="Cambria Math"/>
+                          </a:rPr>
+                          <m:t>𝑠</m:t>
+                        </m:r>
+                      </m:den>
+                    </m:f>
+                    <m:nary>
+                      <m:naryPr>
+                        <m:chr m:val="∑"/>
+                        <m:ctrlPr>
+                          <a:rPr lang="en-US" b="0" i="1" smtClean="0">
+                            <a:latin typeface="Cambria Math"/>
+                          </a:rPr>
+                        </m:ctrlPr>
+                      </m:naryPr>
+                      <m:sub>
+                        <m:r>
+                          <a:rPr lang="en-US" b="0" i="1" smtClean="0">
+                            <a:latin typeface="Cambria Math"/>
+                          </a:rPr>
+                          <m:t>𝑖</m:t>
+                        </m:r>
+                        <m:r>
+                          <a:rPr lang="en-US" b="0" i="1" smtClean="0">
+                            <a:latin typeface="Cambria Math"/>
+                          </a:rPr>
+                          <m:t>=1</m:t>
+                        </m:r>
+                      </m:sub>
+                      <m:sup>
+                        <m:r>
+                          <a:rPr lang="en-US" b="0" i="1" smtClean="0">
+                            <a:latin typeface="Cambria Math"/>
+                          </a:rPr>
+                          <m:t>𝑠</m:t>
+                        </m:r>
+                      </m:sup>
+                      <m:e>
+                        <m:sSub>
+                          <m:sSubPr>
+                            <m:ctrlPr>
+                              <a:rPr lang="en-US" b="0" i="1" smtClean="0">
+                                <a:latin typeface="Cambria Math"/>
+                              </a:rPr>
+                            </m:ctrlPr>
+                          </m:sSubPr>
+                          <m:e>
+                            <m:r>
+                              <a:rPr lang="en-US" b="0" i="1" smtClean="0">
+                                <a:latin typeface="Cambria Math"/>
+                              </a:rPr>
+                              <m:t>𝑋</m:t>
+                            </m:r>
+                          </m:e>
+                          <m:sub>
+                            <m:r>
+                              <a:rPr lang="en-US" b="0" i="1" smtClean="0">
+                                <a:latin typeface="Cambria Math"/>
+                              </a:rPr>
+                              <m:t>𝑖</m:t>
+                            </m:r>
+                          </m:sub>
+                        </m:sSub>
+                      </m:e>
+                    </m:nary>
+                  </m:oMath>
+                </a14:m>
+                <a:r>
+                  <a:rPr lang="en-US" dirty="0" smtClean="0"/>
+                  <a:t> and </a:t>
+                </a:r>
+                <a14:m>
+                  <m:oMath xmlns:m="http://schemas.openxmlformats.org/officeDocument/2006/math">
+                    <m:r>
+                      <a:rPr lang="en-US" b="0" i="1" smtClean="0">
+                        <a:latin typeface="Cambria Math"/>
+                      </a:rPr>
+                      <m:t>𝜖</m:t>
+                    </m:r>
+                    <m:r>
+                      <a:rPr lang="en-US" b="0" i="1" smtClean="0">
+                        <a:latin typeface="Cambria Math"/>
+                      </a:rPr>
+                      <m:t>&gt;0:</m:t>
+                    </m:r>
+                  </m:oMath>
+                </a14:m>
+                <a:endParaRPr lang="en-US" dirty="0" smtClean="0"/>
+              </a:p>
+              <a:p>
+                <a:pPr marL="0" indent="0">
+                  <a:buNone/>
+                </a:pPr>
+                <a14:m>
+                  <m:oMathPara xmlns:m="http://schemas.openxmlformats.org/officeDocument/2006/math">
+                    <m:oMathParaPr>
+                      <m:jc m:val="centerGroup"/>
+                    </m:oMathParaPr>
+                    <m:oMath xmlns:m="http://schemas.openxmlformats.org/officeDocument/2006/math">
+                      <m:func>
+                        <m:funcPr>
+                          <m:ctrlPr>
+                            <a:rPr lang="en-US" b="0" i="1" smtClean="0">
+                              <a:latin typeface="Cambria Math"/>
+                            </a:rPr>
+                          </m:ctrlPr>
+                        </m:funcPr>
+                        <m:fName>
+                          <m:r>
+                            <m:rPr>
+                              <m:sty m:val="p"/>
+                            </m:rPr>
+                            <a:rPr lang="en-US" b="0" i="0" smtClean="0">
+                              <a:latin typeface="Cambria Math"/>
+                            </a:rPr>
+                            <m:t>Pr</m:t>
+                          </m:r>
+                        </m:fName>
+                        <m:e>
+                          <m:d>
+                            <m:dPr>
+                              <m:begChr m:val="["/>
+                              <m:endChr m:val="]"/>
+                              <m:ctrlPr>
+                                <a:rPr lang="en-US" b="0" i="1" smtClean="0">
+                                  <a:latin typeface="Cambria Math"/>
+                                </a:rPr>
+                              </m:ctrlPr>
+                            </m:dPr>
+                            <m:e>
+                              <m:sSub>
+                                <m:sSubPr>
+                                  <m:ctrlPr>
+                                    <a:rPr lang="en-US" b="0" i="1" smtClean="0">
+                                      <a:latin typeface="Cambria Math"/>
+                                    </a:rPr>
+                                  </m:ctrlPr>
+                                </m:sSubPr>
+                                <m:e>
+                                  <m:d>
+                                    <m:dPr>
+                                      <m:begChr m:val="|"/>
+                                      <m:endChr m:val="|"/>
+                                      <m:ctrlPr>
+                                        <a:rPr lang="en-US" b="0" i="1" smtClean="0">
+                                          <a:latin typeface="Cambria Math"/>
+                                        </a:rPr>
+                                      </m:ctrlPr>
+                                    </m:dPr>
+                                    <m:e>
+                                      <m:d>
+                                        <m:dPr>
+                                          <m:begChr m:val="|"/>
+                                          <m:endChr m:val="|"/>
+                                          <m:ctrlPr>
+                                            <a:rPr lang="en-US" b="0" i="1" smtClean="0">
+                                              <a:latin typeface="Cambria Math"/>
+                                            </a:rPr>
+                                          </m:ctrlPr>
+                                        </m:dPr>
+                                        <m:e>
+                                          <m:r>
+                                            <a:rPr lang="en-US" b="0" i="1" smtClean="0">
+                                              <a:latin typeface="Cambria Math"/>
+                                            </a:rPr>
+                                            <m:t>𝑊</m:t>
+                                          </m:r>
+                                        </m:e>
+                                      </m:d>
+                                    </m:e>
+                                  </m:d>
+                                </m:e>
+                                <m:sub>
+                                  <m:r>
+                                    <a:rPr lang="en-US" b="0" i="1" smtClean="0">
+                                      <a:latin typeface="Cambria Math"/>
+                                    </a:rPr>
+                                    <m:t>2</m:t>
+                                  </m:r>
+                                </m:sub>
+                              </m:sSub>
+                              <m:r>
+                                <a:rPr lang="en-US" b="0" i="1" smtClean="0">
+                                  <a:latin typeface="Cambria Math"/>
+                                </a:rPr>
+                                <m:t>&gt;</m:t>
+                              </m:r>
+                              <m:r>
+                                <a:rPr lang="en-US" b="0" i="1" smtClean="0">
+                                  <a:latin typeface="Cambria Math"/>
+                                </a:rPr>
+                                <m:t>𝜖</m:t>
+                              </m:r>
+                            </m:e>
+                          </m:d>
+                        </m:e>
+                      </m:func>
+                      <m:r>
+                        <a:rPr lang="en-US" b="0" i="1" smtClean="0">
+                          <a:latin typeface="Cambria Math"/>
+                        </a:rPr>
+                        <m:t>≤2</m:t>
+                      </m:r>
+                      <m:r>
+                        <a:rPr lang="en-US" b="0" i="1" smtClean="0">
+                          <a:latin typeface="Cambria Math"/>
+                        </a:rPr>
+                        <m:t>𝑘</m:t>
+                      </m:r>
+                      <m:func>
+                        <m:funcPr>
+                          <m:ctrlPr>
+                            <a:rPr lang="en-US" b="0" i="1" smtClean="0">
+                              <a:latin typeface="Cambria Math"/>
+                            </a:rPr>
+                          </m:ctrlPr>
+                        </m:funcPr>
+                        <m:fName>
+                          <m:r>
+                            <m:rPr>
+                              <m:sty m:val="p"/>
+                            </m:rPr>
+                            <a:rPr lang="en-US" b="0" i="0" smtClean="0">
+                              <a:latin typeface="Cambria Math"/>
+                            </a:rPr>
+                            <m:t>exp</m:t>
+                          </m:r>
+                        </m:fName>
+                        <m:e>
+                          <m:d>
+                            <m:dPr>
+                              <m:ctrlPr>
+                                <a:rPr lang="en-US" b="0" i="1" smtClean="0">
+                                  <a:latin typeface="Cambria Math"/>
+                                </a:rPr>
+                              </m:ctrlPr>
+                            </m:dPr>
+                            <m:e>
+                              <m:r>
+                                <a:rPr lang="en-US" b="0" i="1" smtClean="0">
+                                  <a:latin typeface="Cambria Math"/>
+                                </a:rPr>
+                                <m:t>−</m:t>
+                              </m:r>
+                              <m:f>
+                                <m:fPr>
+                                  <m:ctrlPr>
+                                    <a:rPr lang="en-US" b="0" i="1" smtClean="0">
+                                      <a:latin typeface="Cambria Math"/>
+                                    </a:rPr>
+                                  </m:ctrlPr>
+                                </m:fPr>
+                                <m:num>
+                                  <m:r>
+                                    <a:rPr lang="en-US" b="0" i="1" smtClean="0">
+                                      <a:latin typeface="Cambria Math"/>
+                                    </a:rPr>
+                                    <m:t>𝑠</m:t>
+                                  </m:r>
+                                  <m:sSup>
+                                    <m:sSupPr>
+                                      <m:ctrlPr>
+                                        <a:rPr lang="en-US" b="0" i="1" smtClean="0">
+                                          <a:latin typeface="Cambria Math"/>
+                                        </a:rPr>
+                                      </m:ctrlPr>
+                                    </m:sSupPr>
+                                    <m:e>
+                                      <m:r>
+                                        <a:rPr lang="en-US" b="0" i="1" smtClean="0">
+                                          <a:latin typeface="Cambria Math"/>
+                                        </a:rPr>
+                                        <m:t>𝜖</m:t>
+                                      </m:r>
+                                    </m:e>
+                                    <m:sup>
+                                      <m:r>
+                                        <a:rPr lang="en-US" b="0" i="1" smtClean="0">
+                                          <a:latin typeface="Cambria Math"/>
+                                        </a:rPr>
+                                        <m:t>2</m:t>
+                                      </m:r>
+                                    </m:sup>
+                                  </m:sSup>
+                                </m:num>
+                                <m:den>
+                                  <m:r>
+                                    <a:rPr lang="en-US" b="0" i="1" smtClean="0">
+                                      <a:latin typeface="Cambria Math"/>
+                                    </a:rPr>
+                                    <m:t>2</m:t>
+                                  </m:r>
+                                  <m:sSup>
+                                    <m:sSupPr>
+                                      <m:ctrlPr>
+                                        <a:rPr lang="en-US" b="0" i="1" smtClean="0">
+                                          <a:latin typeface="Cambria Math"/>
+                                        </a:rPr>
+                                      </m:ctrlPr>
+                                    </m:sSupPr>
+                                    <m:e>
+                                      <m:r>
+                                        <a:rPr lang="en-US" b="0" i="1" smtClean="0">
+                                          <a:latin typeface="Cambria Math"/>
+                                        </a:rPr>
+                                        <m:t>𝑠</m:t>
+                                      </m:r>
+                                    </m:e>
+                                    <m:sup>
+                                      <m:r>
+                                        <a:rPr lang="en-US" b="0" i="1" smtClean="0">
+                                          <a:latin typeface="Cambria Math"/>
+                                        </a:rPr>
+                                        <m:t>2</m:t>
+                                      </m:r>
+                                    </m:sup>
+                                  </m:sSup>
+                                  <m:r>
+                                    <a:rPr lang="en-US" b="0" i="1" smtClean="0">
+                                      <a:latin typeface="Cambria Math"/>
+                                    </a:rPr>
+                                    <m:t>+</m:t>
+                                  </m:r>
+                                  <m:f>
+                                    <m:fPr>
+                                      <m:ctrlPr>
+                                        <a:rPr lang="en-US" b="0" i="1" smtClean="0">
+                                          <a:latin typeface="Cambria Math"/>
+                                        </a:rPr>
+                                      </m:ctrlPr>
+                                    </m:fPr>
+                                    <m:num>
+                                      <m:r>
+                                        <a:rPr lang="en-US" b="0" i="1" smtClean="0">
+                                          <a:latin typeface="Cambria Math"/>
+                                        </a:rPr>
+                                        <m:t>2</m:t>
+                                      </m:r>
+                                      <m:r>
+                                        <a:rPr lang="en-US" b="0" i="1" smtClean="0">
+                                          <a:latin typeface="Cambria Math"/>
+                                        </a:rPr>
+                                        <m:t>𝛾𝜖</m:t>
+                                      </m:r>
+                                    </m:num>
+                                    <m:den>
+                                      <m:r>
+                                        <a:rPr lang="en-US" b="0" i="1" smtClean="0">
+                                          <a:latin typeface="Cambria Math"/>
+                                        </a:rPr>
+                                        <m:t>3</m:t>
+                                      </m:r>
+                                    </m:den>
+                                  </m:f>
+                                </m:den>
+                              </m:f>
+                            </m:e>
+                          </m:d>
+                        </m:e>
+                      </m:func>
+                    </m:oMath>
+                  </m:oMathPara>
+                </a14:m>
+                <a:endParaRPr lang="en-US" dirty="0" smtClean="0"/>
+              </a:p>
+              <a:p>
+                <a:pPr marL="0" indent="0">
+                  <a:buNone/>
+                </a:pPr>
+                <a:endParaRPr lang="en-US" dirty="0" smtClean="0"/>
+              </a:p>
+            </p:txBody>
+          </p:sp>
+        </mc:Choice>
+        <mc:Fallback xmlns="">
+          <p:sp>
+            <p:nvSpPr>
+              <p:cNvPr id="3" name="Content Placeholder 2"/>
+              <p:cNvSpPr>
+                <a:spLocks noGrp="1" noRot="1" noChangeAspect="1" noMove="1" noResize="1" noEditPoints="1" noAdjustHandles="1" noChangeArrowheads="1" noChangeShapeType="1" noTextEdit="1"/>
+              </p:cNvSpPr>
+              <p:nvPr>
+                <p:ph idx="1"/>
+              </p:nvPr>
+            </p:nvSpPr>
+            <p:spPr>
+              <a:xfrm>
+                <a:off x="457200" y="1600200"/>
+                <a:ext cx="8229600" cy="5029200"/>
+              </a:xfrm>
+              <a:blipFill rotWithShape="1">
+                <a:blip r:embed="rId2"/>
+                <a:stretch>
+                  <a:fillRect l="-1185" t="-2424" r="-963"/>
+                </a:stretch>
+              </a:blipFill>
+            </p:spPr>
+            <p:txBody>
+              <a:bodyPr/>
+              <a:lstStyle/>
+              <a:p>
+                <a:r>
+                  <a:rPr lang="en-US">
+                    <a:noFill/>
+                  </a:rPr>
+                  <a:t> </a:t>
+                </a:r>
+              </a:p>
+            </p:txBody>
+          </p:sp>
+        </mc:Fallback>
+      </mc:AlternateContent>
+    </p:spTree>
+    <p:extLst>
+      <p:ext uri="{BB962C8B-B14F-4D97-AF65-F5344CB8AC3E}">
+        <p14:creationId xmlns:p14="http://schemas.microsoft.com/office/powerpoint/2010/main" val="4210592475"/>
+      </p:ext>
+    </p:extLst>
+  </p:cSld>
+  <p:clrMapOvr>
+    <a:masterClrMapping/>
+  </p:clrMapOvr>
+  <p:timing>
+    <p:tnLst>
+      <p:par>
+        <p:cTn id="1" dur="indefinite" restart="never" nodeType="tmRoot">
+          <p:childTnLst>
+            <p:seq concurrent="1" nextAc="seek">
+              <p:cTn id="2" dur="indefinite" nodeType="mainSeq">
+                <p:childTnLst>
+                  <p:par>
+                    <p:cTn id="3" fill="hold">
+                      <p:stCondLst>
+                        <p:cond delay="indefinite"/>
+                      </p:stCondLst>
+                      <p:childTnLst>
+                        <p:par>
+                          <p:cTn id="4" fill="hold">
+                            <p:stCondLst>
+                              <p:cond delay="0"/>
+                            </p:stCondLst>
+                            <p:childTnLst>
+                              <p:par>
+                                <p:cTn id="5" presetID="1" presetClass="entr" presetSubtype="0" fill="hold" grpId="0" nodeType="clickEffect">
+                                  <p:stCondLst>
+                                    <p:cond delay="0"/>
+                                  </p:stCondLst>
+                                  <p:childTnLst>
+                                    <p:set>
+                                      <p:cBhvr>
+                                        <p:cTn id="6" dur="1" fill="hold">
+                                          <p:stCondLst>
+                                            <p:cond delay="0"/>
+                                          </p:stCondLst>
+                                        </p:cTn>
+                                        <p:tgtEl>
+                                          <p:spTgt spid="3">
+                                            <p:txEl>
+                                              <p:pRg st="0" end="0"/>
+                                            </p:txEl>
+                                          </p:spTgt>
+                                        </p:tgtEl>
+                                        <p:attrNameLst>
+                                          <p:attrName>style.visibility</p:attrName>
+                                        </p:attrNameLst>
+                                      </p:cBhvr>
+                                      <p:to>
+                                        <p:strVal val="visible"/>
+                                      </p:to>
+                                    </p:set>
+                                  </p:childTnLst>
+                                </p:cTn>
+                              </p:par>
+                            </p:childTnLst>
+                          </p:cTn>
+                        </p:par>
+                      </p:childTnLst>
+                    </p:cTn>
+                  </p:par>
+                  <p:par>
+                    <p:cTn id="7" fill="hold">
+                      <p:stCondLst>
+                        <p:cond delay="indefinite"/>
+                      </p:stCondLst>
+                      <p:childTnLst>
+                        <p:par>
+                          <p:cTn id="8" fill="hold">
+                            <p:stCondLst>
+                              <p:cond delay="0"/>
+                            </p:stCondLst>
+                            <p:childTnLst>
+                              <p:par>
+                                <p:cTn id="9" presetID="1" presetClass="entr" presetSubtype="0" fill="hold" grpId="0" nodeType="clickEffect">
+                                  <p:stCondLst>
+                                    <p:cond delay="0"/>
+                                  </p:stCondLst>
+                                  <p:childTnLst>
+                                    <p:set>
+                                      <p:cBhvr>
+                                        <p:cTn id="10" dur="1" fill="hold">
+                                          <p:stCondLst>
+                                            <p:cond delay="0"/>
+                                          </p:stCondLst>
+                                        </p:cTn>
+                                        <p:tgtEl>
+                                          <p:spTgt spid="3">
+                                            <p:txEl>
+                                              <p:pRg st="1" end="1"/>
+                                            </p:txEl>
+                                          </p:spTgt>
+                                        </p:tgtEl>
+                                        <p:attrNameLst>
+                                          <p:attrName>style.visibility</p:attrName>
+                                        </p:attrNameLst>
+                                      </p:cBhvr>
+                                      <p:to>
+                                        <p:strVal val="visible"/>
+                                      </p:to>
+                                    </p:set>
+                                  </p:childTnLst>
+                                </p:cTn>
+                              </p:par>
+                            </p:childTnLst>
+                          </p:cTn>
+                        </p:par>
+                      </p:childTnLst>
+                    </p:cTn>
+                  </p:par>
+                  <p:par>
+                    <p:cTn id="11" fill="hold">
+                      <p:stCondLst>
+                        <p:cond delay="indefinite"/>
+                      </p:stCondLst>
+                      <p:childTnLst>
+                        <p:par>
+                          <p:cTn id="12" fill="hold">
+                            <p:stCondLst>
+                              <p:cond delay="0"/>
+                            </p:stCondLst>
+                            <p:childTnLst>
+                              <p:par>
+                                <p:cTn id="13" presetID="1" presetClass="entr" presetSubtype="0" fill="hold" grpId="0" nodeType="clickEffect">
+                                  <p:stCondLst>
+                                    <p:cond delay="0"/>
+                                  </p:stCondLst>
+                                  <p:childTnLst>
+                                    <p:set>
+                                      <p:cBhvr>
+                                        <p:cTn id="14" dur="1" fill="hold">
+                                          <p:stCondLst>
+                                            <p:cond delay="0"/>
+                                          </p:stCondLst>
+                                        </p:cTn>
+                                        <p:tgtEl>
+                                          <p:spTgt spid="3">
+                                            <p:txEl>
+                                              <p:pRg st="3" end="3"/>
+                                            </p:txEl>
+                                          </p:spTgt>
+                                        </p:tgtEl>
+                                        <p:attrNameLst>
+                                          <p:attrName>style.visibility</p:attrName>
+                                        </p:attrNameLst>
+                                      </p:cBhvr>
+                                      <p:to>
+                                        <p:strVal val="visible"/>
+                                      </p:to>
+                                    </p:set>
+                                  </p:childTnLst>
+                                </p:cTn>
+                              </p:par>
+                            </p:childTnLst>
+                          </p:cTn>
+                        </p:par>
+                      </p:childTnLst>
+                    </p:cTn>
+                  </p:par>
+                  <p:par>
+                    <p:cTn id="15" fill="hold">
+                      <p:stCondLst>
+                        <p:cond delay="indefinite"/>
+                      </p:stCondLst>
+                      <p:childTnLst>
+                        <p:par>
+                          <p:cTn id="16" fill="hold">
+                            <p:stCondLst>
+                              <p:cond delay="0"/>
+                            </p:stCondLst>
+                            <p:childTnLst>
+                              <p:par>
+                                <p:cTn id="17" presetID="1" presetClass="entr" presetSubtype="0" fill="hold" grpId="0" nodeType="clickEffect">
+                                  <p:stCondLst>
+                                    <p:cond delay="0"/>
+                                  </p:stCondLst>
+                                  <p:childTnLst>
+                                    <p:set>
+                                      <p:cBhvr>
+                                        <p:cTn id="18" dur="1" fill="hold">
+                                          <p:stCondLst>
+                                            <p:cond delay="0"/>
+                                          </p:stCondLst>
+                                        </p:cTn>
+                                        <p:tgtEl>
+                                          <p:spTgt spid="3">
+                                            <p:txEl>
+                                              <p:pRg st="4" end="4"/>
+                                            </p:txEl>
+                                          </p:spTgt>
+                                        </p:tgtEl>
+                                        <p:attrNameLst>
+                                          <p:attrName>style.visibility</p:attrName>
+                                        </p:attrNameLst>
+                                      </p:cBhvr>
+                                      <p:to>
+                                        <p:strVal val="visible"/>
+                                      </p:to>
+                                    </p:set>
+                                  </p:childTnLst>
+                                </p:cTn>
+                              </p:par>
+                            </p:childTnLst>
+                          </p:cTn>
+                        </p:par>
+                      </p:childTnLst>
+                    </p:cTn>
+                  </p:par>
+                </p:childTnLst>
+              </p:cTn>
+              <p:prevCondLst>
+                <p:cond evt="onPrev" delay="0">
+                  <p:tgtEl>
+                    <p:sldTgt/>
+                  </p:tgtEl>
+                </p:cond>
+              </p:prevCondLst>
+              <p:nextCondLst>
+                <p:cond evt="onNext" delay="0">
+                  <p:tgtEl>
+                    <p:sldTgt/>
+                  </p:tgtEl>
+                </p:cond>
+              </p:nextCondLst>
+            </p:seq>
+          </p:childTnLst>
+        </p:cTn>
+      </p:par>
+    </p:tnLst>
+    <p:bldLst>
+      <p:bldP spid="3" grpId="0" build="p"/>
+    </p:bldLst>
+  </p:timing>
+</p:sld>
+</file>
+
+<file path=ppt/slides/slide13.xml><?xml version="1.0" encoding="utf-8"?>
+<p:sld xmlns:a="http://schemas.openxmlformats.org/drawingml/2006/main" xmlns:r="http://schemas.openxmlformats.org/officeDocument/2006/relationships" xmlns:p="http://schemas.openxmlformats.org/presentationml/2006/main">
+  <p:cSld>
+    <p:spTree>
+      <p:nvGrpSpPr>
+        <p:cNvPr id="1" name=""/>
+        <p:cNvGrpSpPr/>
+        <p:nvPr/>
+      </p:nvGrpSpPr>
+      <p:grpSpPr>
+        <a:xfrm>
+          <a:off x="0" y="0"/>
+          <a:ext cx="0" cy="0"/>
+          <a:chOff x="0" y="0"/>
+          <a:chExt cx="0" cy="0"/>
+        </a:xfrm>
+      </p:grpSpPr>
+      <p:sp>
+        <p:nvSpPr>
+          <p:cNvPr id="2" name="Title 1"/>
+          <p:cNvSpPr>
+            <a:spLocks noGrp="1"/>
+          </p:cNvSpPr>
+          <p:nvPr>
+            <p:ph type="title"/>
+          </p:nvPr>
+        </p:nvSpPr>
+        <p:spPr/>
+        <p:txBody>
+          <a:bodyPr>
+            <a:normAutofit fontScale="90000"/>
+          </a:bodyPr>
+          <a:lstStyle/>
+          <a:p>
+            <a:r>
+              <a:rPr lang="en-US" dirty="0" smtClean="0">
+                <a:solidFill>
+                  <a:srgbClr val="0070C0"/>
+                </a:solidFill>
+              </a:rPr>
+              <a:t>Proof: LSS as a Subspace Embedding</a:t>
+            </a:r>
+            <a:endParaRPr lang="en-US" dirty="0"/>
+          </a:p>
+        </p:txBody>
+      </p:sp>
+      <mc:AlternateContent xmlns:mc="http://schemas.openxmlformats.org/markup-compatibility/2006">
+        <mc:Choice xmlns:a14="http://schemas.microsoft.com/office/drawing/2010/main" Requires="a14">
+          <p:sp>
+            <p:nvSpPr>
+              <p:cNvPr id="3" name="Content Placeholder 2"/>
+              <p:cNvSpPr>
+                <a:spLocks noGrp="1"/>
+              </p:cNvSpPr>
+              <p:nvPr>
+                <p:ph idx="1"/>
+              </p:nvPr>
+            </p:nvSpPr>
+            <p:spPr>
+              <a:xfrm>
+                <a:off x="381000" y="1600200"/>
+                <a:ext cx="8534400" cy="4876800"/>
+              </a:xfrm>
+            </p:spPr>
+            <p:txBody>
+              <a:bodyPr>
+                <a:normAutofit fontScale="85000" lnSpcReduction="10000"/>
+              </a:bodyPr>
+              <a:lstStyle/>
+              <a:p>
+                <a14:m>
+                  <m:oMath xmlns:m="http://schemas.openxmlformats.org/officeDocument/2006/math">
+                    <m:sSub>
+                      <m:sSubPr>
+                        <m:ctrlPr>
+                          <a:rPr lang="en-US" b="0" i="1" smtClean="0">
+                            <a:latin typeface="Cambria Math"/>
+                          </a:rPr>
+                        </m:ctrlPr>
+                      </m:sSubPr>
+                      <m:e>
+                        <m:r>
+                          <a:rPr lang="en-US" b="0" i="1" smtClean="0">
+                            <a:latin typeface="Cambria Math"/>
+                          </a:rPr>
+                          <m:t>𝑈</m:t>
+                        </m:r>
+                      </m:e>
+                      <m:sub>
+                        <m:r>
+                          <a:rPr lang="en-US" b="0" i="1" smtClean="0">
+                            <a:latin typeface="Cambria Math"/>
+                          </a:rPr>
+                          <m:t>𝑖</m:t>
+                        </m:r>
+                      </m:sub>
+                    </m:sSub>
+                    <m:r>
+                      <a:rPr lang="en-US" b="0" i="1" smtClean="0">
+                        <a:latin typeface="Cambria Math"/>
+                      </a:rPr>
+                      <m:t>=</m:t>
+                    </m:r>
+                    <m:r>
+                      <a:rPr lang="en-US" b="0" i="1" smtClean="0">
+                        <a:latin typeface="Cambria Math"/>
+                      </a:rPr>
+                      <m:t>𝑖</m:t>
+                    </m:r>
+                  </m:oMath>
+                </a14:m>
+                <a:r>
+                  <a:rPr lang="en-US" dirty="0" smtClean="0"/>
+                  <a:t>-</a:t>
+                </a:r>
+                <a:r>
+                  <a:rPr lang="en-US" dirty="0" err="1" smtClean="0"/>
+                  <a:t>th</a:t>
+                </a:r>
+                <a:r>
+                  <a:rPr lang="en-US" dirty="0" smtClean="0"/>
+                  <a:t> sampled row of </a:t>
+                </a:r>
+                <a14:m>
+                  <m:oMath xmlns:m="http://schemas.openxmlformats.org/officeDocument/2006/math">
+                    <m:r>
+                      <a:rPr lang="en-US" b="0" i="1" smtClean="0">
+                        <a:latin typeface="Cambria Math"/>
+                      </a:rPr>
+                      <m:t>𝑍</m:t>
+                    </m:r>
+                  </m:oMath>
+                </a14:m>
+                <a:r>
+                  <a:rPr lang="en-US" dirty="0" smtClean="0"/>
+                  <a:t> in LSS</a:t>
+                </a:r>
+                <a14:m>
+                  <m:oMath xmlns:m="http://schemas.openxmlformats.org/officeDocument/2006/math">
+                    <m:d>
+                      <m:dPr>
+                        <m:ctrlPr>
+                          <a:rPr lang="en-US" b="0" i="1" dirty="0" smtClean="0">
+                            <a:latin typeface="Cambria Math"/>
+                          </a:rPr>
+                        </m:ctrlPr>
+                      </m:dPr>
+                      <m:e>
+                        <m:r>
+                          <a:rPr lang="en-US" b="0" i="1" dirty="0" smtClean="0">
+                            <a:latin typeface="Cambria Math"/>
+                          </a:rPr>
+                          <m:t>𝑍</m:t>
+                        </m:r>
+                        <m:r>
+                          <a:rPr lang="en-US" b="0" i="1" dirty="0" smtClean="0">
+                            <a:latin typeface="Cambria Math"/>
+                          </a:rPr>
+                          <m:t>,</m:t>
+                        </m:r>
+                        <m:r>
+                          <a:rPr lang="en-US" b="0" i="1" dirty="0" smtClean="0">
+                            <a:latin typeface="Cambria Math"/>
+                          </a:rPr>
+                          <m:t>𝑠</m:t>
+                        </m:r>
+                        <m:r>
+                          <a:rPr lang="en-US" b="0" i="1" dirty="0" smtClean="0">
+                            <a:latin typeface="Cambria Math"/>
+                          </a:rPr>
+                          <m:t>,</m:t>
+                        </m:r>
+                        <m:r>
+                          <a:rPr lang="en-US" b="0" i="1" dirty="0" smtClean="0">
+                            <a:latin typeface="Cambria Math"/>
+                          </a:rPr>
+                          <m:t>𝑞</m:t>
+                        </m:r>
+                      </m:e>
+                    </m:d>
+                  </m:oMath>
+                </a14:m>
+                <a:endParaRPr lang="en-US" b="0" dirty="0" smtClean="0"/>
+              </a:p>
+              <a:p>
+                <a14:m>
+                  <m:oMath xmlns:m="http://schemas.openxmlformats.org/officeDocument/2006/math">
+                    <m:sSub>
+                      <m:sSubPr>
+                        <m:ctrlPr>
+                          <a:rPr lang="en-US" b="0" i="1" smtClean="0">
+                            <a:latin typeface="Cambria Math"/>
+                          </a:rPr>
+                        </m:ctrlPr>
+                      </m:sSubPr>
+                      <m:e>
+                        <m:r>
+                          <a:rPr lang="en-US" b="0" i="1" smtClean="0">
+                            <a:latin typeface="Cambria Math"/>
+                          </a:rPr>
+                          <m:t>𝑧</m:t>
+                        </m:r>
+                      </m:e>
+                      <m:sub>
+                        <m:r>
+                          <a:rPr lang="en-US" b="0" i="1" smtClean="0">
+                            <a:latin typeface="Cambria Math"/>
+                          </a:rPr>
+                          <m:t>𝑗</m:t>
+                        </m:r>
+                      </m:sub>
+                    </m:sSub>
+                    <m:r>
+                      <a:rPr lang="en-US" b="0" i="1" smtClean="0">
+                        <a:latin typeface="Cambria Math"/>
+                      </a:rPr>
+                      <m:t>=</m:t>
+                    </m:r>
+                  </m:oMath>
+                </a14:m>
+                <a:r>
+                  <a:rPr lang="en-US" dirty="0" smtClean="0"/>
+                  <a:t> j-</a:t>
+                </a:r>
+                <a:r>
+                  <a:rPr lang="en-US" dirty="0" err="1" smtClean="0"/>
+                  <a:t>th</a:t>
+                </a:r>
+                <a:r>
+                  <a:rPr lang="en-US" dirty="0" smtClean="0"/>
+                  <a:t> row of </a:t>
+                </a:r>
+                <a14:m>
+                  <m:oMath xmlns:m="http://schemas.openxmlformats.org/officeDocument/2006/math">
+                    <m:r>
+                      <a:rPr lang="en-US" b="0" i="1" smtClean="0">
+                        <a:latin typeface="Cambria Math"/>
+                      </a:rPr>
+                      <m:t>𝑍</m:t>
+                    </m:r>
+                  </m:oMath>
+                </a14:m>
+                <a:endParaRPr lang="en-US" dirty="0" smtClean="0"/>
+              </a:p>
+              <a:p>
+                <a14:m>
+                  <m:oMath xmlns:m="http://schemas.openxmlformats.org/officeDocument/2006/math">
+                    <m:sSub>
+                      <m:sSubPr>
+                        <m:ctrlPr>
+                          <a:rPr lang="en-US" b="0" i="1" smtClean="0">
+                            <a:latin typeface="Cambria Math"/>
+                          </a:rPr>
+                        </m:ctrlPr>
+                      </m:sSubPr>
+                      <m:e>
+                        <m:r>
+                          <a:rPr lang="en-US" b="0" i="1" smtClean="0">
+                            <a:latin typeface="Cambria Math"/>
+                          </a:rPr>
+                          <m:t>𝑋</m:t>
+                        </m:r>
+                      </m:e>
+                      <m:sub>
+                        <m:r>
+                          <a:rPr lang="en-US" b="0" i="1" smtClean="0">
+                            <a:latin typeface="Cambria Math"/>
+                          </a:rPr>
+                          <m:t>𝑖</m:t>
+                        </m:r>
+                      </m:sub>
+                    </m:sSub>
+                    <m:r>
+                      <a:rPr lang="en-US" b="0" i="1" smtClean="0">
+                        <a:latin typeface="Cambria Math"/>
+                      </a:rPr>
+                      <m:t>=</m:t>
+                    </m:r>
+                    <m:sSub>
+                      <m:sSubPr>
+                        <m:ctrlPr>
+                          <a:rPr lang="en-US" b="0" i="1" smtClean="0">
+                            <a:latin typeface="Cambria Math"/>
+                          </a:rPr>
+                        </m:ctrlPr>
+                      </m:sSubPr>
+                      <m:e>
+                        <m:r>
+                          <a:rPr lang="en-US" b="0" i="1" smtClean="0">
+                            <a:latin typeface="Cambria Math"/>
+                          </a:rPr>
+                          <m:t>𝐼</m:t>
+                        </m:r>
+                      </m:e>
+                      <m:sub>
+                        <m:r>
+                          <a:rPr lang="en-US" b="0" i="1" smtClean="0">
+                            <a:latin typeface="Cambria Math"/>
+                          </a:rPr>
+                          <m:t>𝑘</m:t>
+                        </m:r>
+                      </m:sub>
+                    </m:sSub>
+                    <m:r>
+                      <a:rPr lang="en-US" b="0" i="1" smtClean="0">
+                        <a:latin typeface="Cambria Math"/>
+                      </a:rPr>
+                      <m:t>−</m:t>
+                    </m:r>
+                    <m:sSubSup>
+                      <m:sSubSupPr>
+                        <m:ctrlPr>
+                          <a:rPr lang="en-US" b="0" i="1" smtClean="0">
+                            <a:latin typeface="Cambria Math"/>
+                          </a:rPr>
+                        </m:ctrlPr>
+                      </m:sSubSupPr>
+                      <m:e>
+                        <m:r>
+                          <a:rPr lang="en-US" b="0" i="1" smtClean="0">
+                            <a:latin typeface="Cambria Math"/>
+                          </a:rPr>
+                          <m:t>𝑈</m:t>
+                        </m:r>
+                      </m:e>
+                      <m:sub>
+                        <m:r>
+                          <a:rPr lang="en-US" b="0" i="1" smtClean="0">
+                            <a:latin typeface="Cambria Math"/>
+                          </a:rPr>
+                          <m:t>𝑖</m:t>
+                        </m:r>
+                      </m:sub>
+                      <m:sup>
+                        <m:r>
+                          <a:rPr lang="en-US" b="0" i="1" smtClean="0">
+                            <a:latin typeface="Cambria Math"/>
+                          </a:rPr>
+                          <m:t>𝑇</m:t>
+                        </m:r>
+                      </m:sup>
+                    </m:sSubSup>
+                    <m:sSub>
+                      <m:sSubPr>
+                        <m:ctrlPr>
+                          <a:rPr lang="en-US" b="0" i="1" smtClean="0">
+                            <a:latin typeface="Cambria Math"/>
+                          </a:rPr>
+                        </m:ctrlPr>
+                      </m:sSubPr>
+                      <m:e>
+                        <m:r>
+                          <a:rPr lang="en-US" b="0" i="1" smtClean="0">
+                            <a:latin typeface="Cambria Math"/>
+                          </a:rPr>
+                          <m:t>𝑈</m:t>
+                        </m:r>
+                      </m:e>
+                      <m:sub>
+                        <m:r>
+                          <a:rPr lang="en-US" b="0" i="1" smtClean="0">
+                            <a:latin typeface="Cambria Math"/>
+                          </a:rPr>
+                          <m:t>𝑖</m:t>
+                        </m:r>
+                      </m:sub>
+                    </m:sSub>
+                    <m:r>
+                      <a:rPr lang="en-US" b="0" i="1" smtClean="0">
+                        <a:latin typeface="Cambria Math"/>
+                      </a:rPr>
+                      <m:t>/</m:t>
+                    </m:r>
+                    <m:sSub>
+                      <m:sSubPr>
+                        <m:ctrlPr>
+                          <a:rPr lang="en-US" b="0" i="1" smtClean="0">
+                            <a:latin typeface="Cambria Math"/>
+                          </a:rPr>
+                        </m:ctrlPr>
+                      </m:sSubPr>
+                      <m:e>
+                        <m:r>
+                          <a:rPr lang="en-US" b="0" i="1" smtClean="0">
+                            <a:latin typeface="Cambria Math"/>
+                          </a:rPr>
+                          <m:t>𝑞</m:t>
+                        </m:r>
+                      </m:e>
+                      <m:sub>
+                        <m:r>
+                          <a:rPr lang="en-US" b="0" i="1" smtClean="0">
+                            <a:latin typeface="Cambria Math"/>
+                          </a:rPr>
+                          <m:t>𝑖</m:t>
+                        </m:r>
+                      </m:sub>
+                    </m:sSub>
+                  </m:oMath>
+                </a14:m>
+                <a:endParaRPr lang="en-US" dirty="0" smtClean="0"/>
+              </a:p>
+              <a:p>
+                <a14:m>
+                  <m:oMath xmlns:m="http://schemas.openxmlformats.org/officeDocument/2006/math">
+                    <m:r>
+                      <a:rPr lang="en-US" b="0" i="1" smtClean="0">
+                        <a:latin typeface="Cambria Math"/>
+                      </a:rPr>
+                      <m:t>𝐸</m:t>
+                    </m:r>
+                    <m:d>
+                      <m:dPr>
+                        <m:begChr m:val="["/>
+                        <m:endChr m:val="]"/>
+                        <m:ctrlPr>
+                          <a:rPr lang="en-US" b="0" i="1" smtClean="0">
+                            <a:latin typeface="Cambria Math"/>
+                          </a:rPr>
+                        </m:ctrlPr>
+                      </m:dPr>
+                      <m:e>
+                        <m:sSub>
+                          <m:sSubPr>
+                            <m:ctrlPr>
+                              <a:rPr lang="en-US" b="0" i="1" smtClean="0">
+                                <a:latin typeface="Cambria Math"/>
+                              </a:rPr>
+                            </m:ctrlPr>
+                          </m:sSubPr>
+                          <m:e>
+                            <m:r>
+                              <a:rPr lang="en-US" b="0" i="1" smtClean="0">
+                                <a:latin typeface="Cambria Math"/>
+                              </a:rPr>
+                              <m:t>𝑋</m:t>
+                            </m:r>
+                          </m:e>
+                          <m:sub>
+                            <m:r>
+                              <a:rPr lang="en-US" b="0" i="1" smtClean="0">
+                                <a:latin typeface="Cambria Math"/>
+                              </a:rPr>
+                              <m:t>𝑖</m:t>
+                            </m:r>
+                          </m:sub>
+                        </m:sSub>
+                      </m:e>
+                    </m:d>
+                    <m:r>
+                      <a:rPr lang="en-US" b="0" i="1" smtClean="0">
+                        <a:latin typeface="Cambria Math"/>
+                      </a:rPr>
+                      <m:t>=</m:t>
+                    </m:r>
+                    <m:sSub>
+                      <m:sSubPr>
+                        <m:ctrlPr>
+                          <a:rPr lang="en-US" b="0" i="1" smtClean="0">
+                            <a:latin typeface="Cambria Math"/>
+                          </a:rPr>
+                        </m:ctrlPr>
+                      </m:sSubPr>
+                      <m:e>
+                        <m:r>
+                          <a:rPr lang="en-US" b="0" i="1" smtClean="0">
+                            <a:latin typeface="Cambria Math"/>
+                          </a:rPr>
+                          <m:t>𝐼</m:t>
+                        </m:r>
+                      </m:e>
+                      <m:sub>
+                        <m:r>
+                          <a:rPr lang="en-US" b="0" i="1" smtClean="0">
+                            <a:latin typeface="Cambria Math"/>
+                          </a:rPr>
+                          <m:t>𝑘</m:t>
+                        </m:r>
+                      </m:sub>
+                    </m:sSub>
+                    <m:r>
+                      <a:rPr lang="en-US" b="0" i="1" smtClean="0">
+                        <a:latin typeface="Cambria Math"/>
+                      </a:rPr>
+                      <m:t>−</m:t>
+                    </m:r>
+                    <m:nary>
+                      <m:naryPr>
+                        <m:chr m:val="∑"/>
+                        <m:ctrlPr>
+                          <a:rPr lang="en-US" b="0" i="1" smtClean="0">
+                            <a:latin typeface="Cambria Math"/>
+                          </a:rPr>
+                        </m:ctrlPr>
+                      </m:naryPr>
+                      <m:sub>
+                        <m:r>
+                          <a:rPr lang="en-US" b="0" i="1" smtClean="0">
+                            <a:latin typeface="Cambria Math"/>
+                          </a:rPr>
+                          <m:t>𝑗</m:t>
+                        </m:r>
+                        <m:r>
+                          <a:rPr lang="en-US" b="0" i="1" smtClean="0">
+                            <a:latin typeface="Cambria Math"/>
+                          </a:rPr>
+                          <m:t>=1</m:t>
+                        </m:r>
+                      </m:sub>
+                      <m:sup>
+                        <m:r>
+                          <a:rPr lang="en-US" b="0" i="1" smtClean="0">
+                            <a:latin typeface="Cambria Math"/>
+                          </a:rPr>
+                          <m:t>𝑛</m:t>
+                        </m:r>
+                      </m:sup>
+                      <m:e>
+                        <m:f>
+                          <m:fPr>
+                            <m:ctrlPr>
+                              <a:rPr lang="en-US" b="0" i="1" smtClean="0">
+                                <a:latin typeface="Cambria Math"/>
+                              </a:rPr>
+                            </m:ctrlPr>
+                          </m:fPr>
+                          <m:num>
+                            <m:sSub>
+                              <m:sSubPr>
+                                <m:ctrlPr>
+                                  <a:rPr lang="en-US" b="0" i="1" smtClean="0">
+                                    <a:latin typeface="Cambria Math"/>
+                                  </a:rPr>
+                                </m:ctrlPr>
+                              </m:sSubPr>
+                              <m:e>
+                                <m:r>
+                                  <a:rPr lang="en-US" b="0" i="1" smtClean="0">
+                                    <a:latin typeface="Cambria Math"/>
+                                  </a:rPr>
+                                  <m:t>𝑞</m:t>
+                                </m:r>
+                              </m:e>
+                              <m:sub>
+                                <m:r>
+                                  <a:rPr lang="en-US" b="0" i="1" smtClean="0">
+                                    <a:latin typeface="Cambria Math"/>
+                                  </a:rPr>
+                                  <m:t>𝑗</m:t>
+                                </m:r>
+                              </m:sub>
+                            </m:sSub>
+                            <m:sSubSup>
+                              <m:sSubSupPr>
+                                <m:ctrlPr>
+                                  <a:rPr lang="en-US" b="0" i="1" smtClean="0">
+                                    <a:latin typeface="Cambria Math"/>
+                                  </a:rPr>
+                                </m:ctrlPr>
+                              </m:sSubSupPr>
+                              <m:e>
+                                <m:r>
+                                  <a:rPr lang="en-US" b="0" i="1" smtClean="0">
+                                    <a:latin typeface="Cambria Math"/>
+                                  </a:rPr>
+                                  <m:t>𝑧</m:t>
+                                </m:r>
+                              </m:e>
+                              <m:sub>
+                                <m:r>
+                                  <a:rPr lang="en-US" b="0" i="1" smtClean="0">
+                                    <a:latin typeface="Cambria Math"/>
+                                  </a:rPr>
+                                  <m:t>𝑗</m:t>
+                                </m:r>
+                              </m:sub>
+                              <m:sup>
+                                <m:r>
+                                  <a:rPr lang="en-US" b="0" i="1" smtClean="0">
+                                    <a:latin typeface="Cambria Math"/>
+                                  </a:rPr>
+                                  <m:t>𝑇</m:t>
+                                </m:r>
+                              </m:sup>
+                            </m:sSubSup>
+                            <m:sSub>
+                              <m:sSubPr>
+                                <m:ctrlPr>
+                                  <a:rPr lang="en-US" b="0" i="1" smtClean="0">
+                                    <a:latin typeface="Cambria Math"/>
+                                  </a:rPr>
+                                </m:ctrlPr>
+                              </m:sSubPr>
+                              <m:e>
+                                <m:r>
+                                  <a:rPr lang="en-US" b="0" i="1" smtClean="0">
+                                    <a:latin typeface="Cambria Math"/>
+                                  </a:rPr>
+                                  <m:t>𝑧</m:t>
+                                </m:r>
+                              </m:e>
+                              <m:sub>
+                                <m:r>
+                                  <a:rPr lang="en-US" b="0" i="1" smtClean="0">
+                                    <a:latin typeface="Cambria Math"/>
+                                  </a:rPr>
+                                  <m:t>𝑗</m:t>
+                                </m:r>
+                              </m:sub>
+                            </m:sSub>
+                          </m:num>
+                          <m:den>
+                            <m:sSub>
+                              <m:sSubPr>
+                                <m:ctrlPr>
+                                  <a:rPr lang="en-US" b="0" i="1" smtClean="0">
+                                    <a:latin typeface="Cambria Math"/>
+                                  </a:rPr>
+                                </m:ctrlPr>
+                              </m:sSubPr>
+                              <m:e>
+                                <m:r>
+                                  <a:rPr lang="en-US" b="0" i="1" smtClean="0">
+                                    <a:latin typeface="Cambria Math"/>
+                                  </a:rPr>
+                                  <m:t>𝑞</m:t>
+                                </m:r>
+                              </m:e>
+                              <m:sub>
+                                <m:r>
+                                  <a:rPr lang="en-US" b="0" i="1" smtClean="0">
+                                    <a:latin typeface="Cambria Math"/>
+                                  </a:rPr>
+                                  <m:t>𝑗</m:t>
+                                </m:r>
+                              </m:sub>
+                            </m:sSub>
+                          </m:den>
+                        </m:f>
+                        <m:r>
+                          <a:rPr lang="en-US" b="0" i="1" smtClean="0">
+                            <a:latin typeface="Cambria Math"/>
+                          </a:rPr>
+                          <m:t>=</m:t>
+                        </m:r>
+                        <m:sSub>
+                          <m:sSubPr>
+                            <m:ctrlPr>
+                              <a:rPr lang="en-US" b="0" i="1" smtClean="0">
+                                <a:latin typeface="Cambria Math"/>
+                              </a:rPr>
+                            </m:ctrlPr>
+                          </m:sSubPr>
+                          <m:e>
+                            <m:r>
+                              <a:rPr lang="en-US" b="0" i="1" smtClean="0">
+                                <a:latin typeface="Cambria Math"/>
+                              </a:rPr>
+                              <m:t>𝐼</m:t>
+                            </m:r>
+                          </m:e>
+                          <m:sub>
+                            <m:r>
+                              <a:rPr lang="en-US" b="0" i="1" smtClean="0">
+                                <a:latin typeface="Cambria Math"/>
+                              </a:rPr>
+                              <m:t>𝑘</m:t>
+                            </m:r>
+                          </m:sub>
+                        </m:sSub>
+                        <m:r>
+                          <a:rPr lang="en-US" b="0" i="1" smtClean="0">
+                            <a:latin typeface="Cambria Math"/>
+                          </a:rPr>
+                          <m:t>−</m:t>
+                        </m:r>
+                        <m:sSup>
+                          <m:sSupPr>
+                            <m:ctrlPr>
+                              <a:rPr lang="en-US" b="0" i="1" smtClean="0">
+                                <a:latin typeface="Cambria Math"/>
+                              </a:rPr>
+                            </m:ctrlPr>
+                          </m:sSupPr>
+                          <m:e>
+                            <m:r>
+                              <a:rPr lang="en-US" b="0" i="1" smtClean="0">
+                                <a:latin typeface="Cambria Math"/>
+                              </a:rPr>
+                              <m:t>𝑍</m:t>
+                            </m:r>
+                          </m:e>
+                          <m:sup>
+                            <m:r>
+                              <a:rPr lang="en-US" b="0" i="1" smtClean="0">
+                                <a:latin typeface="Cambria Math"/>
+                              </a:rPr>
+                              <m:t>𝑇</m:t>
+                            </m:r>
+                          </m:sup>
+                        </m:sSup>
+                        <m:r>
+                          <a:rPr lang="en-US" b="0" i="1" smtClean="0">
+                            <a:latin typeface="Cambria Math"/>
+                          </a:rPr>
+                          <m:t>𝑍</m:t>
+                        </m:r>
+                        <m:r>
+                          <a:rPr lang="en-US" b="0" i="1" smtClean="0">
+                            <a:latin typeface="Cambria Math"/>
+                          </a:rPr>
+                          <m:t>=</m:t>
+                        </m:r>
+                        <m:sSub>
+                          <m:sSubPr>
+                            <m:ctrlPr>
+                              <a:rPr lang="en-US" b="0" i="1" smtClean="0">
+                                <a:latin typeface="Cambria Math"/>
+                              </a:rPr>
+                            </m:ctrlPr>
+                          </m:sSubPr>
+                          <m:e>
+                            <m:r>
+                              <a:rPr lang="en-US" b="0" i="1" smtClean="0">
+                                <a:latin typeface="Cambria Math"/>
+                              </a:rPr>
+                              <m:t>0</m:t>
+                            </m:r>
+                          </m:e>
+                          <m:sub>
+                            <m:r>
+                              <a:rPr lang="en-US" b="0" i="1" smtClean="0">
+                                <a:latin typeface="Cambria Math"/>
+                              </a:rPr>
+                              <m:t>𝑘</m:t>
+                            </m:r>
+                            <m:r>
+                              <a:rPr lang="en-US" b="0" i="1" smtClean="0">
+                                <a:latin typeface="Cambria Math"/>
+                              </a:rPr>
+                              <m:t>×</m:t>
+                            </m:r>
+                            <m:r>
+                              <a:rPr lang="en-US" b="0" i="1" smtClean="0">
+                                <a:latin typeface="Cambria Math"/>
+                              </a:rPr>
+                              <m:t>𝑘</m:t>
+                            </m:r>
+                          </m:sub>
+                        </m:sSub>
+                      </m:e>
+                    </m:nary>
+                  </m:oMath>
+                </a14:m>
+                <a:endParaRPr lang="en-US" dirty="0" smtClean="0"/>
+              </a:p>
+              <a:p>
+                <a14:m>
+                  <m:oMath xmlns:m="http://schemas.openxmlformats.org/officeDocument/2006/math">
+                    <m:f>
+                      <m:fPr>
+                        <m:ctrlPr>
+                          <a:rPr lang="en-US" b="0" i="1" smtClean="0">
+                            <a:latin typeface="Cambria Math"/>
+                          </a:rPr>
+                        </m:ctrlPr>
+                      </m:fPr>
+                      <m:num>
+                        <m:sSubSup>
+                          <m:sSubSupPr>
+                            <m:ctrlPr>
+                              <a:rPr lang="en-US" b="0" i="1" smtClean="0">
+                                <a:latin typeface="Cambria Math"/>
+                              </a:rPr>
+                            </m:ctrlPr>
+                          </m:sSubSupPr>
+                          <m:e>
+                            <m:r>
+                              <a:rPr lang="en-US" b="0" i="1" smtClean="0">
+                                <a:latin typeface="Cambria Math"/>
+                              </a:rPr>
+                              <m:t>𝑧</m:t>
+                            </m:r>
+                          </m:e>
+                          <m:sub>
+                            <m:r>
+                              <a:rPr lang="en-US" b="0" i="1" smtClean="0">
+                                <a:latin typeface="Cambria Math"/>
+                              </a:rPr>
+                              <m:t>𝑗</m:t>
+                            </m:r>
+                          </m:sub>
+                          <m:sup>
+                            <m:r>
+                              <a:rPr lang="en-US" b="0" i="1" smtClean="0">
+                                <a:latin typeface="Cambria Math"/>
+                              </a:rPr>
+                              <m:t>𝑇</m:t>
+                            </m:r>
+                          </m:sup>
+                        </m:sSubSup>
+                        <m:sSub>
+                          <m:sSubPr>
+                            <m:ctrlPr>
+                              <a:rPr lang="en-US" b="0" i="1" smtClean="0">
+                                <a:latin typeface="Cambria Math"/>
+                              </a:rPr>
+                            </m:ctrlPr>
+                          </m:sSubPr>
+                          <m:e>
+                            <m:r>
+                              <a:rPr lang="en-US" b="0" i="1" smtClean="0">
+                                <a:latin typeface="Cambria Math"/>
+                              </a:rPr>
+                              <m:t>𝑧</m:t>
+                            </m:r>
+                          </m:e>
+                          <m:sub>
+                            <m:r>
+                              <a:rPr lang="en-US" b="0" i="1" smtClean="0">
+                                <a:latin typeface="Cambria Math"/>
+                              </a:rPr>
+                              <m:t>𝑗</m:t>
+                            </m:r>
+                          </m:sub>
+                        </m:sSub>
+                      </m:num>
+                      <m:den>
+                        <m:sSub>
+                          <m:sSubPr>
+                            <m:ctrlPr>
+                              <a:rPr lang="en-US" b="0" i="1" smtClean="0">
+                                <a:latin typeface="Cambria Math"/>
+                              </a:rPr>
+                            </m:ctrlPr>
+                          </m:sSubPr>
+                          <m:e>
+                            <m:r>
+                              <a:rPr lang="en-US" b="0" i="1" smtClean="0">
+                                <a:latin typeface="Cambria Math"/>
+                              </a:rPr>
+                              <m:t>𝑞</m:t>
+                            </m:r>
+                          </m:e>
+                          <m:sub>
+                            <m:r>
+                              <a:rPr lang="en-US" b="0" i="1" smtClean="0">
+                                <a:latin typeface="Cambria Math"/>
+                              </a:rPr>
+                              <m:t>𝑗</m:t>
+                            </m:r>
+                          </m:sub>
+                        </m:sSub>
+                      </m:den>
+                    </m:f>
+                  </m:oMath>
+                </a14:m>
+                <a:r>
+                  <a:rPr lang="en-US" dirty="0" smtClean="0"/>
+                  <a:t> is a rank-1 matrix with operator norm </a:t>
+                </a:r>
+                <a14:m>
+                  <m:oMath xmlns:m="http://schemas.openxmlformats.org/officeDocument/2006/math">
+                    <m:r>
+                      <a:rPr lang="en-US" b="0" i="1" smtClean="0">
+                        <a:latin typeface="Cambria Math"/>
+                      </a:rPr>
+                      <m:t>≤ </m:t>
+                    </m:r>
+                    <m:f>
+                      <m:fPr>
+                        <m:ctrlPr>
+                          <a:rPr lang="en-US" b="0" i="1" smtClean="0">
+                            <a:latin typeface="Cambria Math"/>
+                          </a:rPr>
+                        </m:ctrlPr>
+                      </m:fPr>
+                      <m:num>
+                        <m:sSub>
+                          <m:sSubPr>
+                            <m:ctrlPr>
+                              <a:rPr lang="en-US" b="0" i="1" smtClean="0">
+                                <a:latin typeface="Cambria Math"/>
+                              </a:rPr>
+                            </m:ctrlPr>
+                          </m:sSubPr>
+                          <m:e>
+                            <m:r>
+                              <a:rPr lang="en-US" b="0" i="1" smtClean="0">
+                                <a:latin typeface="Cambria Math"/>
+                              </a:rPr>
+                              <m:t>||</m:t>
+                            </m:r>
+                            <m:r>
+                              <a:rPr lang="en-US" b="0" i="1" smtClean="0">
+                                <a:latin typeface="Cambria Math"/>
+                              </a:rPr>
+                              <m:t>𝑧</m:t>
+                            </m:r>
+                          </m:e>
+                          <m:sub>
+                            <m:r>
+                              <a:rPr lang="en-US" b="0" i="1" smtClean="0">
+                                <a:latin typeface="Cambria Math"/>
+                              </a:rPr>
+                              <m:t>𝑗</m:t>
+                            </m:r>
+                          </m:sub>
+                        </m:sSub>
+                        <m:r>
+                          <a:rPr lang="en-US" b="0" i="1" smtClean="0">
+                            <a:latin typeface="Cambria Math"/>
+                          </a:rPr>
+                          <m:t>|</m:t>
+                        </m:r>
+                        <m:sSubSup>
+                          <m:sSubSupPr>
+                            <m:ctrlPr>
+                              <a:rPr lang="en-US" b="0" i="1" smtClean="0">
+                                <a:latin typeface="Cambria Math"/>
+                              </a:rPr>
+                            </m:ctrlPr>
+                          </m:sSubSupPr>
+                          <m:e>
+                            <m:d>
+                              <m:dPr>
+                                <m:begChr m:val=""/>
+                                <m:endChr m:val="|"/>
+                                <m:ctrlPr>
+                                  <a:rPr lang="en-US" b="0" i="1" smtClean="0">
+                                    <a:latin typeface="Cambria Math"/>
+                                  </a:rPr>
+                                </m:ctrlPr>
+                              </m:dPr>
+                              <m:e>
+                                <m:r>
+                                  <a:rPr lang="en-US" b="0" i="1" smtClean="0">
+                                    <a:latin typeface="Cambria Math"/>
+                                  </a:rPr>
+                                  <m:t>​</m:t>
+                                </m:r>
+                              </m:e>
+                            </m:d>
+                          </m:e>
+                          <m:sub>
+                            <m:r>
+                              <a:rPr lang="en-US" b="0" i="1" smtClean="0">
+                                <a:latin typeface="Cambria Math"/>
+                              </a:rPr>
+                              <m:t>2</m:t>
+                            </m:r>
+                          </m:sub>
+                          <m:sup>
+                            <m:r>
+                              <a:rPr lang="en-US" b="0" i="1" smtClean="0">
+                                <a:latin typeface="Cambria Math"/>
+                              </a:rPr>
+                              <m:t>2</m:t>
+                            </m:r>
+                          </m:sup>
+                        </m:sSubSup>
+                      </m:num>
+                      <m:den>
+                        <m:sSub>
+                          <m:sSubPr>
+                            <m:ctrlPr>
+                              <a:rPr lang="en-US" b="0" i="1" smtClean="0">
+                                <a:latin typeface="Cambria Math"/>
+                              </a:rPr>
+                            </m:ctrlPr>
+                          </m:sSubPr>
+                          <m:e>
+                            <m:r>
+                              <a:rPr lang="en-US" b="0" i="1" smtClean="0">
+                                <a:latin typeface="Cambria Math"/>
+                              </a:rPr>
+                              <m:t>𝑞</m:t>
+                            </m:r>
+                          </m:e>
+                          <m:sub>
+                            <m:r>
+                              <a:rPr lang="en-US" b="0" i="1" smtClean="0">
+                                <a:latin typeface="Cambria Math"/>
+                              </a:rPr>
+                              <m:t>𝑗</m:t>
+                            </m:r>
+                          </m:sub>
+                        </m:sSub>
+                      </m:den>
+                    </m:f>
+                    <m:r>
+                      <a:rPr lang="en-US" b="0" i="1" smtClean="0">
+                        <a:latin typeface="Cambria Math"/>
+                      </a:rPr>
+                      <m:t>≤</m:t>
+                    </m:r>
+                    <m:f>
+                      <m:fPr>
+                        <m:ctrlPr>
+                          <a:rPr lang="en-US" b="0" i="1" smtClean="0">
+                            <a:latin typeface="Cambria Math"/>
+                          </a:rPr>
+                        </m:ctrlPr>
+                      </m:fPr>
+                      <m:num>
+                        <m:r>
+                          <a:rPr lang="en-US" b="0" i="1" smtClean="0">
+                            <a:latin typeface="Cambria Math"/>
+                          </a:rPr>
+                          <m:t>𝑘</m:t>
+                        </m:r>
+                      </m:num>
+                      <m:den>
+                        <m:r>
+                          <a:rPr lang="en-US" b="0" i="1" smtClean="0">
+                            <a:latin typeface="Cambria Math"/>
+                          </a:rPr>
+                          <m:t>𝛽</m:t>
+                        </m:r>
+                      </m:den>
+                    </m:f>
+                    <m:r>
+                      <a:rPr lang="en-US" b="0" i="0" smtClean="0">
+                        <a:latin typeface="Cambria Math"/>
+                      </a:rPr>
+                      <m:t>:</m:t>
+                    </m:r>
+                  </m:oMath>
+                </a14:m>
+                <a:endParaRPr lang="en-US" dirty="0" smtClean="0"/>
+              </a:p>
+              <a:p>
+                <a:pPr marL="0" indent="0">
+                  <a:buNone/>
+                </a:pPr>
+                <a14:m>
+                  <m:oMathPara xmlns:m="http://schemas.openxmlformats.org/officeDocument/2006/math">
+                    <m:oMathParaPr>
+                      <m:jc m:val="centerGroup"/>
+                    </m:oMathParaPr>
+                    <m:oMath xmlns:m="http://schemas.openxmlformats.org/officeDocument/2006/math">
+                      <m:sSub>
+                        <m:sSubPr>
+                          <m:ctrlPr>
+                            <a:rPr lang="en-US" i="1">
+                              <a:latin typeface="Cambria Math"/>
+                            </a:rPr>
+                          </m:ctrlPr>
+                        </m:sSubPr>
+                        <m:e>
+                          <m:d>
+                            <m:dPr>
+                              <m:begChr m:val="|"/>
+                              <m:endChr m:val="|"/>
+                              <m:ctrlPr>
+                                <a:rPr lang="en-US" i="1">
+                                  <a:latin typeface="Cambria Math"/>
+                                </a:rPr>
+                              </m:ctrlPr>
+                            </m:dPr>
+                            <m:e>
+                              <m:d>
+                                <m:dPr>
+                                  <m:begChr m:val="|"/>
+                                  <m:endChr m:val="|"/>
+                                  <m:ctrlPr>
+                                    <a:rPr lang="en-US" i="1">
+                                      <a:latin typeface="Cambria Math"/>
+                                    </a:rPr>
+                                  </m:ctrlPr>
+                                </m:dPr>
+                                <m:e>
+                                  <m:sSub>
+                                    <m:sSubPr>
+                                      <m:ctrlPr>
+                                        <a:rPr lang="en-US" i="1">
+                                          <a:latin typeface="Cambria Math"/>
+                                        </a:rPr>
+                                      </m:ctrlPr>
+                                    </m:sSubPr>
+                                    <m:e>
+                                      <m:r>
+                                        <a:rPr lang="en-US" i="1">
+                                          <a:latin typeface="Cambria Math"/>
+                                        </a:rPr>
+                                        <m:t>𝑋</m:t>
+                                      </m:r>
+                                    </m:e>
+                                    <m:sub>
+                                      <m:r>
+                                        <a:rPr lang="en-US" i="1">
+                                          <a:latin typeface="Cambria Math"/>
+                                        </a:rPr>
+                                        <m:t>𝑖</m:t>
+                                      </m:r>
+                                    </m:sub>
+                                  </m:sSub>
+                                </m:e>
+                              </m:d>
+                            </m:e>
+                          </m:d>
+                        </m:e>
+                        <m:sub>
+                          <m:r>
+                            <a:rPr lang="en-US" i="1">
+                              <a:latin typeface="Cambria Math"/>
+                            </a:rPr>
+                            <m:t>2</m:t>
+                          </m:r>
+                        </m:sub>
+                      </m:sSub>
+                      <m:r>
+                        <a:rPr lang="en-US" b="0" i="1" smtClean="0">
+                          <a:latin typeface="Cambria Math"/>
+                        </a:rPr>
+                        <m:t>≤</m:t>
+                      </m:r>
+                      <m:sSub>
+                        <m:sSubPr>
+                          <m:ctrlPr>
+                            <a:rPr lang="en-US" b="0" i="1" smtClean="0">
+                              <a:latin typeface="Cambria Math"/>
+                            </a:rPr>
+                          </m:ctrlPr>
+                        </m:sSubPr>
+                        <m:e>
+                          <m:d>
+                            <m:dPr>
+                              <m:begChr m:val="|"/>
+                              <m:endChr m:val="|"/>
+                              <m:ctrlPr>
+                                <a:rPr lang="en-US" b="0" i="1" smtClean="0">
+                                  <a:latin typeface="Cambria Math"/>
+                                </a:rPr>
+                              </m:ctrlPr>
+                            </m:dPr>
+                            <m:e>
+                              <m:d>
+                                <m:dPr>
+                                  <m:begChr m:val="|"/>
+                                  <m:endChr m:val="|"/>
+                                  <m:ctrlPr>
+                                    <a:rPr lang="en-US" b="0" i="1" smtClean="0">
+                                      <a:latin typeface="Cambria Math"/>
+                                    </a:rPr>
+                                  </m:ctrlPr>
+                                </m:dPr>
+                                <m:e>
+                                  <m:sSub>
+                                    <m:sSubPr>
+                                      <m:ctrlPr>
+                                        <a:rPr lang="en-US" b="0" i="1" smtClean="0">
+                                          <a:latin typeface="Cambria Math"/>
+                                        </a:rPr>
+                                      </m:ctrlPr>
+                                    </m:sSubPr>
+                                    <m:e>
+                                      <m:r>
+                                        <a:rPr lang="en-US" b="0" i="1" smtClean="0">
+                                          <a:latin typeface="Cambria Math"/>
+                                        </a:rPr>
+                                        <m:t>𝐼</m:t>
+                                      </m:r>
+                                    </m:e>
+                                    <m:sub>
+                                      <m:r>
+                                        <a:rPr lang="en-US" b="0" i="1" smtClean="0">
+                                          <a:latin typeface="Cambria Math"/>
+                                        </a:rPr>
+                                        <m:t>𝑘</m:t>
+                                      </m:r>
+                                    </m:sub>
+                                  </m:sSub>
+                                </m:e>
+                              </m:d>
+                            </m:e>
+                          </m:d>
+                        </m:e>
+                        <m:sub>
+                          <m:r>
+                            <a:rPr lang="en-US" b="0" i="1" smtClean="0">
+                              <a:latin typeface="Cambria Math"/>
+                            </a:rPr>
+                            <m:t>2</m:t>
+                          </m:r>
+                        </m:sub>
+                      </m:sSub>
+                      <m:r>
+                        <a:rPr lang="en-US" b="0" i="1" smtClean="0">
+                          <a:latin typeface="Cambria Math"/>
+                        </a:rPr>
+                        <m:t>+</m:t>
+                      </m:r>
+                      <m:sSub>
+                        <m:sSubPr>
+                          <m:ctrlPr>
+                            <a:rPr lang="en-US" b="0" i="1" smtClean="0">
+                              <a:latin typeface="Cambria Math"/>
+                            </a:rPr>
+                          </m:ctrlPr>
+                        </m:sSubPr>
+                        <m:e>
+                          <m:d>
+                            <m:dPr>
+                              <m:begChr m:val="|"/>
+                              <m:endChr m:val="|"/>
+                              <m:ctrlPr>
+                                <a:rPr lang="en-US" b="0" i="1" smtClean="0">
+                                  <a:latin typeface="Cambria Math"/>
+                                </a:rPr>
+                              </m:ctrlPr>
+                            </m:dPr>
+                            <m:e>
+                              <m:d>
+                                <m:dPr>
+                                  <m:begChr m:val="|"/>
+                                  <m:endChr m:val="|"/>
+                                  <m:ctrlPr>
+                                    <a:rPr lang="en-US" b="0" i="1" smtClean="0">
+                                      <a:latin typeface="Cambria Math"/>
+                                    </a:rPr>
+                                  </m:ctrlPr>
+                                </m:dPr>
+                                <m:e>
+                                  <m:f>
+                                    <m:fPr>
+                                      <m:ctrlPr>
+                                        <a:rPr lang="en-US" b="0" i="1" smtClean="0">
+                                          <a:latin typeface="Cambria Math"/>
+                                        </a:rPr>
+                                      </m:ctrlPr>
+                                    </m:fPr>
+                                    <m:num>
+                                      <m:sSubSup>
+                                        <m:sSubSupPr>
+                                          <m:ctrlPr>
+                                            <a:rPr lang="en-US" b="0" i="1" smtClean="0">
+                                              <a:latin typeface="Cambria Math"/>
+                                            </a:rPr>
+                                          </m:ctrlPr>
+                                        </m:sSubSupPr>
+                                        <m:e>
+                                          <m:r>
+                                            <a:rPr lang="en-US" b="0" i="1" smtClean="0">
+                                              <a:latin typeface="Cambria Math"/>
+                                            </a:rPr>
+                                            <m:t>𝑈</m:t>
+                                          </m:r>
+                                        </m:e>
+                                        <m:sub>
+                                          <m:r>
+                                            <a:rPr lang="en-US" b="0" i="1" smtClean="0">
+                                              <a:latin typeface="Cambria Math"/>
+                                            </a:rPr>
+                                            <m:t>𝑖</m:t>
+                                          </m:r>
+                                        </m:sub>
+                                        <m:sup>
+                                          <m:r>
+                                            <a:rPr lang="en-US" b="0" i="1" smtClean="0">
+                                              <a:latin typeface="Cambria Math"/>
+                                            </a:rPr>
+                                            <m:t>𝑇</m:t>
+                                          </m:r>
+                                        </m:sup>
+                                      </m:sSubSup>
+                                      <m:sSub>
+                                        <m:sSubPr>
+                                          <m:ctrlPr>
+                                            <a:rPr lang="en-US" b="0" i="1" smtClean="0">
+                                              <a:latin typeface="Cambria Math"/>
+                                            </a:rPr>
+                                          </m:ctrlPr>
+                                        </m:sSubPr>
+                                        <m:e>
+                                          <m:r>
+                                            <a:rPr lang="en-US" b="0" i="1" smtClean="0">
+                                              <a:latin typeface="Cambria Math"/>
+                                            </a:rPr>
+                                            <m:t>𝑈</m:t>
+                                          </m:r>
+                                        </m:e>
+                                        <m:sub>
+                                          <m:r>
+                                            <a:rPr lang="en-US" b="0" i="1" smtClean="0">
+                                              <a:latin typeface="Cambria Math"/>
+                                            </a:rPr>
+                                            <m:t>𝑖</m:t>
+                                          </m:r>
+                                        </m:sub>
+                                      </m:sSub>
+                                    </m:num>
+                                    <m:den>
+                                      <m:sSub>
+                                        <m:sSubPr>
+                                          <m:ctrlPr>
+                                            <a:rPr lang="en-US" b="0" i="1" smtClean="0">
+                                              <a:latin typeface="Cambria Math"/>
+                                            </a:rPr>
+                                          </m:ctrlPr>
+                                        </m:sSubPr>
+                                        <m:e>
+                                          <m:r>
+                                            <a:rPr lang="en-US" b="0" i="1" smtClean="0">
+                                              <a:latin typeface="Cambria Math"/>
+                                            </a:rPr>
+                                            <m:t>𝑞</m:t>
+                                          </m:r>
+                                        </m:e>
+                                        <m:sub>
+                                          <m:r>
+                                            <a:rPr lang="en-US" b="0" i="1" smtClean="0">
+                                              <a:latin typeface="Cambria Math"/>
+                                            </a:rPr>
+                                            <m:t>𝑖</m:t>
+                                          </m:r>
+                                        </m:sub>
+                                      </m:sSub>
+                                    </m:den>
+                                  </m:f>
+                                </m:e>
+                              </m:d>
+                            </m:e>
+                          </m:d>
+                        </m:e>
+                        <m:sub>
+                          <m:r>
+                            <a:rPr lang="en-US" b="0" i="1" smtClean="0">
+                              <a:latin typeface="Cambria Math"/>
+                            </a:rPr>
+                            <m:t>2</m:t>
+                          </m:r>
+                        </m:sub>
+                      </m:sSub>
+                      <m:r>
+                        <a:rPr lang="en-US" b="0" i="1" smtClean="0">
+                          <a:latin typeface="Cambria Math"/>
+                        </a:rPr>
+                        <m:t>≤1+</m:t>
+                      </m:r>
+                      <m:r>
+                        <a:rPr lang="en-US" b="0" i="1" smtClean="0">
+                          <a:latin typeface="Cambria Math"/>
+                        </a:rPr>
+                        <m:t>𝑘</m:t>
+                      </m:r>
+                      <m:r>
+                        <a:rPr lang="en-US" b="0" i="1" smtClean="0">
+                          <a:latin typeface="Cambria Math"/>
+                        </a:rPr>
+                        <m:t>/</m:t>
+                      </m:r>
+                      <m:r>
+                        <a:rPr lang="en-US" b="0" i="1" smtClean="0">
+                          <a:latin typeface="Cambria Math"/>
+                        </a:rPr>
+                        <m:t>𝛽</m:t>
+                      </m:r>
+                    </m:oMath>
+                  </m:oMathPara>
+                </a14:m>
+                <a:endParaRPr lang="en-US" dirty="0" smtClean="0"/>
+              </a:p>
+            </p:txBody>
+          </p:sp>
+        </mc:Choice>
+        <mc:Fallback>
+          <p:sp>
+            <p:nvSpPr>
+              <p:cNvPr id="3" name="Content Placeholder 2"/>
+              <p:cNvSpPr>
+                <a:spLocks noGrp="1" noRot="1" noChangeAspect="1" noMove="1" noResize="1" noEditPoints="1" noAdjustHandles="1" noChangeArrowheads="1" noChangeShapeType="1" noTextEdit="1"/>
+              </p:cNvSpPr>
+              <p:nvPr>
+                <p:ph idx="1"/>
+              </p:nvPr>
+            </p:nvSpPr>
+            <p:spPr>
+              <a:xfrm>
+                <a:off x="381000" y="1600200"/>
+                <a:ext cx="8534400" cy="4876800"/>
+              </a:xfrm>
+              <a:blipFill rotWithShape="1">
+                <a:blip r:embed="rId2"/>
+                <a:stretch>
+                  <a:fillRect t="-1875"/>
+                </a:stretch>
+              </a:blipFill>
+            </p:spPr>
+            <p:txBody>
+              <a:bodyPr/>
+              <a:lstStyle/>
+              <a:p>
+                <a:r>
+                  <a:rPr lang="en-US">
+                    <a:noFill/>
+                  </a:rPr>
+                  <a:t> </a:t>
+                </a:r>
+              </a:p>
+            </p:txBody>
+          </p:sp>
+        </mc:Fallback>
+      </mc:AlternateContent>
+    </p:spTree>
+    <p:extLst>
+      <p:ext uri="{BB962C8B-B14F-4D97-AF65-F5344CB8AC3E}">
+        <p14:creationId xmlns:p14="http://schemas.microsoft.com/office/powerpoint/2010/main" val="957572115"/>
+      </p:ext>
+    </p:extLst>
+  </p:cSld>
+  <p:clrMapOvr>
+    <a:masterClrMapping/>
+  </p:clrMapOvr>
+  <p:timing>
+    <p:tnLst>
+      <p:par>
+        <p:cTn id="1" dur="indefinite" restart="never" nodeType="tmRoot">
+          <p:childTnLst>
+            <p:seq concurrent="1" nextAc="seek">
+              <p:cTn id="2" dur="indefinite" nodeType="mainSeq">
+                <p:childTnLst>
+                  <p:par>
+                    <p:cTn id="3" fill="hold">
+                      <p:stCondLst>
+                        <p:cond delay="indefinite"/>
+                      </p:stCondLst>
+                      <p:childTnLst>
+                        <p:par>
+                          <p:cTn id="4" fill="hold">
+                            <p:stCondLst>
+                              <p:cond delay="0"/>
+                            </p:stCondLst>
+                            <p:childTnLst>
+                              <p:par>
+                                <p:cTn id="5" presetID="1" presetClass="entr" presetSubtype="0" fill="hold" grpId="0" nodeType="clickEffect">
+                                  <p:stCondLst>
+                                    <p:cond delay="0"/>
+                                  </p:stCondLst>
+                                  <p:childTnLst>
+                                    <p:set>
+                                      <p:cBhvr>
+                                        <p:cTn id="6" dur="1" fill="hold">
+                                          <p:stCondLst>
+                                            <p:cond delay="0"/>
+                                          </p:stCondLst>
+                                        </p:cTn>
+                                        <p:tgtEl>
+                                          <p:spTgt spid="3">
+                                            <p:txEl>
+                                              <p:pRg st="0" end="0"/>
+                                            </p:txEl>
+                                          </p:spTgt>
+                                        </p:tgtEl>
+                                        <p:attrNameLst>
+                                          <p:attrName>style.visibility</p:attrName>
+                                        </p:attrNameLst>
+                                      </p:cBhvr>
+                                      <p:to>
+                                        <p:strVal val="visible"/>
+                                      </p:to>
+                                    </p:set>
+                                  </p:childTnLst>
+                                </p:cTn>
+                              </p:par>
+                            </p:childTnLst>
+                          </p:cTn>
+                        </p:par>
+                      </p:childTnLst>
+                    </p:cTn>
+                  </p:par>
+                  <p:par>
+                    <p:cTn id="7" fill="hold">
+                      <p:stCondLst>
+                        <p:cond delay="indefinite"/>
+                      </p:stCondLst>
+                      <p:childTnLst>
+                        <p:par>
+                          <p:cTn id="8" fill="hold">
+                            <p:stCondLst>
+                              <p:cond delay="0"/>
+                            </p:stCondLst>
+                            <p:childTnLst>
+                              <p:par>
+                                <p:cTn id="9" presetID="1" presetClass="entr" presetSubtype="0" fill="hold" grpId="0" nodeType="clickEffect">
+                                  <p:stCondLst>
+                                    <p:cond delay="0"/>
+                                  </p:stCondLst>
+                                  <p:childTnLst>
+                                    <p:set>
+                                      <p:cBhvr>
+                                        <p:cTn id="10" dur="1" fill="hold">
+                                          <p:stCondLst>
+                                            <p:cond delay="0"/>
+                                          </p:stCondLst>
+                                        </p:cTn>
+                                        <p:tgtEl>
+                                          <p:spTgt spid="3">
+                                            <p:txEl>
+                                              <p:pRg st="1" end="1"/>
+                                            </p:txEl>
+                                          </p:spTgt>
+                                        </p:tgtEl>
+                                        <p:attrNameLst>
+                                          <p:attrName>style.visibility</p:attrName>
+                                        </p:attrNameLst>
+                                      </p:cBhvr>
+                                      <p:to>
+                                        <p:strVal val="visible"/>
+                                      </p:to>
+                                    </p:set>
+                                  </p:childTnLst>
+                                </p:cTn>
+                              </p:par>
+                            </p:childTnLst>
+                          </p:cTn>
+                        </p:par>
+                      </p:childTnLst>
+                    </p:cTn>
+                  </p:par>
+                  <p:par>
+                    <p:cTn id="11" fill="hold">
+                      <p:stCondLst>
+                        <p:cond delay="indefinite"/>
+                      </p:stCondLst>
+                      <p:childTnLst>
+                        <p:par>
+                          <p:cTn id="12" fill="hold">
+                            <p:stCondLst>
+                              <p:cond delay="0"/>
+                            </p:stCondLst>
+                            <p:childTnLst>
+                              <p:par>
+                                <p:cTn id="13" presetID="1" presetClass="entr" presetSubtype="0" fill="hold" grpId="0" nodeType="clickEffect">
+                                  <p:stCondLst>
+                                    <p:cond delay="0"/>
+                                  </p:stCondLst>
+                                  <p:childTnLst>
+                                    <p:set>
+                                      <p:cBhvr>
+                                        <p:cTn id="14" dur="1" fill="hold">
+                                          <p:stCondLst>
+                                            <p:cond delay="0"/>
+                                          </p:stCondLst>
+                                        </p:cTn>
+                                        <p:tgtEl>
+                                          <p:spTgt spid="3">
+                                            <p:txEl>
+                                              <p:pRg st="2" end="2"/>
+                                            </p:txEl>
+                                          </p:spTgt>
+                                        </p:tgtEl>
+                                        <p:attrNameLst>
+                                          <p:attrName>style.visibility</p:attrName>
+                                        </p:attrNameLst>
+                                      </p:cBhvr>
+                                      <p:to>
+                                        <p:strVal val="visible"/>
+                                      </p:to>
+                                    </p:set>
+                                  </p:childTnLst>
+                                </p:cTn>
+                              </p:par>
+                            </p:childTnLst>
+                          </p:cTn>
+                        </p:par>
+                      </p:childTnLst>
+                    </p:cTn>
+                  </p:par>
+                  <p:par>
+                    <p:cTn id="15" fill="hold">
+                      <p:stCondLst>
+                        <p:cond delay="indefinite"/>
+                      </p:stCondLst>
+                      <p:childTnLst>
+                        <p:par>
+                          <p:cTn id="16" fill="hold">
+                            <p:stCondLst>
+                              <p:cond delay="0"/>
+                            </p:stCondLst>
+                            <p:childTnLst>
+                              <p:par>
+                                <p:cTn id="17" presetID="1" presetClass="entr" presetSubtype="0" fill="hold" grpId="0" nodeType="clickEffect">
+                                  <p:stCondLst>
+                                    <p:cond delay="0"/>
+                                  </p:stCondLst>
+                                  <p:childTnLst>
+                                    <p:set>
+                                      <p:cBhvr>
+                                        <p:cTn id="18" dur="1" fill="hold">
+                                          <p:stCondLst>
+                                            <p:cond delay="0"/>
+                                          </p:stCondLst>
+                                        </p:cTn>
+                                        <p:tgtEl>
+                                          <p:spTgt spid="3">
+                                            <p:txEl>
+                                              <p:pRg st="3" end="3"/>
+                                            </p:txEl>
+                                          </p:spTgt>
+                                        </p:tgtEl>
+                                        <p:attrNameLst>
+                                          <p:attrName>style.visibility</p:attrName>
+                                        </p:attrNameLst>
+                                      </p:cBhvr>
+                                      <p:to>
+                                        <p:strVal val="visible"/>
+                                      </p:to>
+                                    </p:set>
+                                  </p:childTnLst>
+                                </p:cTn>
+                              </p:par>
+                            </p:childTnLst>
+                          </p:cTn>
+                        </p:par>
+                      </p:childTnLst>
+                    </p:cTn>
+                  </p:par>
+                  <p:par>
+                    <p:cTn id="19" fill="hold">
+                      <p:stCondLst>
+                        <p:cond delay="indefinite"/>
+                      </p:stCondLst>
+                      <p:childTnLst>
+                        <p:par>
+                          <p:cTn id="20" fill="hold">
+                            <p:stCondLst>
+                              <p:cond delay="0"/>
+                            </p:stCondLst>
+                            <p:childTnLst>
+                              <p:par>
+                                <p:cTn id="21" presetID="1" presetClass="entr" presetSubtype="0" fill="hold" grpId="0" nodeType="clickEffect">
+                                  <p:stCondLst>
+                                    <p:cond delay="0"/>
+                                  </p:stCondLst>
+                                  <p:childTnLst>
+                                    <p:set>
+                                      <p:cBhvr>
+                                        <p:cTn id="22" dur="1" fill="hold">
+                                          <p:stCondLst>
+                                            <p:cond delay="0"/>
+                                          </p:stCondLst>
+                                        </p:cTn>
+                                        <p:tgtEl>
+                                          <p:spTgt spid="3">
+                                            <p:txEl>
+                                              <p:pRg st="4" end="4"/>
+                                            </p:txEl>
+                                          </p:spTgt>
+                                        </p:tgtEl>
+                                        <p:attrNameLst>
+                                          <p:attrName>style.visibility</p:attrName>
+                                        </p:attrNameLst>
+                                      </p:cBhvr>
+                                      <p:to>
+                                        <p:strVal val="visible"/>
+                                      </p:to>
+                                    </p:set>
+                                  </p:childTnLst>
+                                </p:cTn>
+                              </p:par>
+                            </p:childTnLst>
+                          </p:cTn>
+                        </p:par>
+                      </p:childTnLst>
+                    </p:cTn>
+                  </p:par>
+                  <p:par>
+                    <p:cTn id="23" fill="hold">
+                      <p:stCondLst>
+                        <p:cond delay="indefinite"/>
+                      </p:stCondLst>
+                      <p:childTnLst>
+                        <p:par>
+                          <p:cTn id="24" fill="hold">
+                            <p:stCondLst>
+                              <p:cond delay="0"/>
+                            </p:stCondLst>
+                            <p:childTnLst>
+                              <p:par>
+                                <p:cTn id="25" presetID="1" presetClass="entr" presetSubtype="0" fill="hold" grpId="0" nodeType="clickEffect">
+                                  <p:stCondLst>
+                                    <p:cond delay="0"/>
+                                  </p:stCondLst>
+                                  <p:childTnLst>
+                                    <p:set>
+                                      <p:cBhvr>
+                                        <p:cTn id="26" dur="1" fill="hold">
+                                          <p:stCondLst>
+                                            <p:cond delay="0"/>
+                                          </p:stCondLst>
+                                        </p:cTn>
+                                        <p:tgtEl>
+                                          <p:spTgt spid="3">
+                                            <p:txEl>
+                                              <p:pRg st="5" end="5"/>
+                                            </p:txEl>
+                                          </p:spTgt>
+                                        </p:tgtEl>
+                                        <p:attrNameLst>
+                                          <p:attrName>style.visibility</p:attrName>
+                                        </p:attrNameLst>
+                                      </p:cBhvr>
+                                      <p:to>
+                                        <p:strVal val="visible"/>
+                                      </p:to>
+                                    </p:set>
+                                  </p:childTnLst>
+                                </p:cTn>
+                              </p:par>
+                            </p:childTnLst>
+                          </p:cTn>
+                        </p:par>
+                      </p:childTnLst>
+                    </p:cTn>
+                  </p:par>
+                </p:childTnLst>
+              </p:cTn>
+              <p:prevCondLst>
+                <p:cond evt="onPrev" delay="0">
+                  <p:tgtEl>
+                    <p:sldTgt/>
+                  </p:tgtEl>
+                </p:cond>
+              </p:prevCondLst>
+              <p:nextCondLst>
+                <p:cond evt="onNext" delay="0">
+                  <p:tgtEl>
+                    <p:sldTgt/>
+                  </p:tgtEl>
+                </p:cond>
+              </p:nextCondLst>
+            </p:seq>
+          </p:childTnLst>
+        </p:cTn>
+      </p:par>
+    </p:tnLst>
+    <p:bldLst>
+      <p:bldP spid="3" grpId="0" build="p"/>
+    </p:bldLst>
+  </p:timing>
+</p:sld>
+</file>
+
+<file path=ppt/slides/slide14.xml><?xml version="1.0" encoding="utf-8"?>
+<p:sld xmlns:a="http://schemas.openxmlformats.org/drawingml/2006/main" xmlns:r="http://schemas.openxmlformats.org/officeDocument/2006/relationships" xmlns:p="http://schemas.openxmlformats.org/presentationml/2006/main">
+  <p:cSld>
+    <p:spTree>
+      <p:nvGrpSpPr>
+        <p:cNvPr id="1" name=""/>
+        <p:cNvGrpSpPr/>
+        <p:nvPr/>
+      </p:nvGrpSpPr>
+      <p:grpSpPr>
+        <a:xfrm>
+          <a:off x="0" y="0"/>
+          <a:ext cx="0" cy="0"/>
+          <a:chOff x="0" y="0"/>
+          <a:chExt cx="0" cy="0"/>
+        </a:xfrm>
+      </p:grpSpPr>
+      <p:sp>
+        <p:nvSpPr>
+          <p:cNvPr id="2" name="Title 1"/>
+          <p:cNvSpPr>
+            <a:spLocks noGrp="1"/>
+          </p:cNvSpPr>
+          <p:nvPr>
+            <p:ph type="title"/>
+          </p:nvPr>
+        </p:nvSpPr>
+        <p:spPr/>
+        <p:txBody>
+          <a:bodyPr>
+            <a:normAutofit fontScale="90000"/>
+          </a:bodyPr>
+          <a:lstStyle/>
+          <a:p>
+            <a:r>
+              <a:rPr lang="en-US" dirty="0" smtClean="0">
+                <a:solidFill>
+                  <a:srgbClr val="0070C0"/>
+                </a:solidFill>
+              </a:rPr>
+              <a:t>Proof: LSS as a Subspace Embedding</a:t>
+            </a:r>
+            <a:endParaRPr lang="en-US" dirty="0"/>
+          </a:p>
+        </p:txBody>
+      </p:sp>
+      <mc:AlternateContent xmlns:mc="http://schemas.openxmlformats.org/markup-compatibility/2006" xmlns:a14="http://schemas.microsoft.com/office/drawing/2010/main">
+        <mc:Choice Requires="a14">
+          <p:sp>
+            <p:nvSpPr>
+              <p:cNvPr id="3" name="Content Placeholder 2"/>
+              <p:cNvSpPr>
+                <a:spLocks noGrp="1"/>
+              </p:cNvSpPr>
+              <p:nvPr>
+                <p:ph idx="1"/>
+              </p:nvPr>
+            </p:nvSpPr>
+            <p:spPr>
+              <a:xfrm>
+                <a:off x="457200" y="1371600"/>
+                <a:ext cx="8229600" cy="5486400"/>
+              </a:xfrm>
+            </p:spPr>
+            <p:txBody>
+              <a:bodyPr>
+                <a:normAutofit fontScale="70000" lnSpcReduction="20000"/>
+              </a:bodyPr>
+              <a:lstStyle/>
+              <a:p>
+                <a14:m>
+                  <m:oMath xmlns:m="http://schemas.openxmlformats.org/officeDocument/2006/math">
+                    <m:r>
+                      <a:rPr lang="en-US" i="1" dirty="0" smtClean="0">
+                        <a:latin typeface="Cambria Math"/>
+                      </a:rPr>
+                      <m:t>𝐸</m:t>
+                    </m:r>
+                    <m:d>
+                      <m:dPr>
+                        <m:begChr m:val="["/>
+                        <m:endChr m:val="]"/>
+                        <m:ctrlPr>
+                          <a:rPr lang="en-US" b="0" i="1" dirty="0" smtClean="0">
+                            <a:latin typeface="Cambria Math"/>
+                          </a:rPr>
+                        </m:ctrlPr>
+                      </m:dPr>
+                      <m:e>
+                        <m:sSup>
+                          <m:sSupPr>
+                            <m:ctrlPr>
+                              <a:rPr lang="en-US" b="0" i="1" dirty="0" smtClean="0">
+                                <a:latin typeface="Cambria Math"/>
+                              </a:rPr>
+                            </m:ctrlPr>
+                          </m:sSupPr>
+                          <m:e>
+                            <m:r>
+                              <a:rPr lang="en-US" b="0" i="1" dirty="0" smtClean="0">
+                                <a:latin typeface="Cambria Math"/>
+                              </a:rPr>
+                              <m:t>𝑋</m:t>
+                            </m:r>
+                          </m:e>
+                          <m:sup>
+                            <m:r>
+                              <a:rPr lang="en-US" b="0" i="1" dirty="0" smtClean="0">
+                                <a:latin typeface="Cambria Math"/>
+                              </a:rPr>
+                              <m:t>𝑇</m:t>
+                            </m:r>
+                          </m:sup>
+                        </m:sSup>
+                        <m:r>
+                          <a:rPr lang="en-US" b="0" i="1" dirty="0" smtClean="0">
+                            <a:latin typeface="Cambria Math"/>
+                          </a:rPr>
+                          <m:t>𝑋</m:t>
+                        </m:r>
+                      </m:e>
+                    </m:d>
+                    <m:r>
+                      <a:rPr lang="en-US" b="0" i="1" dirty="0" smtClean="0">
+                        <a:latin typeface="Cambria Math"/>
+                      </a:rPr>
+                      <m:t>=</m:t>
+                    </m:r>
+                    <m:sSub>
+                      <m:sSubPr>
+                        <m:ctrlPr>
+                          <a:rPr lang="en-US" b="0" i="1" dirty="0" smtClean="0">
+                            <a:latin typeface="Cambria Math"/>
+                          </a:rPr>
+                        </m:ctrlPr>
+                      </m:sSubPr>
+                      <m:e>
+                        <m:r>
+                          <a:rPr lang="en-US" b="0" i="1" dirty="0" smtClean="0">
+                            <a:latin typeface="Cambria Math"/>
+                          </a:rPr>
+                          <m:t>𝐼</m:t>
+                        </m:r>
+                      </m:e>
+                      <m:sub>
+                        <m:r>
+                          <a:rPr lang="en-US" b="0" i="1" dirty="0" smtClean="0">
+                            <a:latin typeface="Cambria Math"/>
+                          </a:rPr>
+                          <m:t>𝑘</m:t>
+                        </m:r>
+                      </m:sub>
+                    </m:sSub>
+                    <m:r>
+                      <a:rPr lang="en-US" b="0" i="1" dirty="0" smtClean="0">
+                        <a:latin typeface="Cambria Math"/>
+                      </a:rPr>
+                      <m:t>−2</m:t>
+                    </m:r>
+                    <m:r>
+                      <a:rPr lang="en-US" b="0" i="1" dirty="0" smtClean="0">
+                        <a:latin typeface="Cambria Math"/>
+                      </a:rPr>
+                      <m:t>𝐸</m:t>
+                    </m:r>
+                    <m:d>
+                      <m:dPr>
+                        <m:begChr m:val="["/>
+                        <m:endChr m:val="]"/>
+                        <m:ctrlPr>
+                          <a:rPr lang="en-US" b="0" i="1" dirty="0" smtClean="0">
+                            <a:latin typeface="Cambria Math"/>
+                          </a:rPr>
+                        </m:ctrlPr>
+                      </m:dPr>
+                      <m:e>
+                        <m:f>
+                          <m:fPr>
+                            <m:ctrlPr>
+                              <a:rPr lang="en-US" b="0" i="1" dirty="0" smtClean="0">
+                                <a:latin typeface="Cambria Math"/>
+                              </a:rPr>
+                            </m:ctrlPr>
+                          </m:fPr>
+                          <m:num>
+                            <m:sSubSup>
+                              <m:sSubSupPr>
+                                <m:ctrlPr>
+                                  <a:rPr lang="en-US" b="0" i="1" dirty="0" smtClean="0">
+                                    <a:latin typeface="Cambria Math"/>
+                                  </a:rPr>
+                                </m:ctrlPr>
+                              </m:sSubSupPr>
+                              <m:e>
+                                <m:r>
+                                  <a:rPr lang="en-US" b="0" i="1" dirty="0" smtClean="0">
+                                    <a:latin typeface="Cambria Math"/>
+                                  </a:rPr>
+                                  <m:t>𝑈</m:t>
+                                </m:r>
+                              </m:e>
+                              <m:sub>
+                                <m:r>
+                                  <a:rPr lang="en-US" b="0" i="1" dirty="0" smtClean="0">
+                                    <a:latin typeface="Cambria Math"/>
+                                  </a:rPr>
+                                  <m:t>𝑖</m:t>
+                                </m:r>
+                              </m:sub>
+                              <m:sup>
+                                <m:r>
+                                  <a:rPr lang="en-US" b="0" i="1" dirty="0" smtClean="0">
+                                    <a:latin typeface="Cambria Math"/>
+                                  </a:rPr>
+                                  <m:t>𝑇</m:t>
+                                </m:r>
+                              </m:sup>
+                            </m:sSubSup>
+                            <m:sSub>
+                              <m:sSubPr>
+                                <m:ctrlPr>
+                                  <a:rPr lang="en-US" b="0" i="1" dirty="0" smtClean="0">
+                                    <a:latin typeface="Cambria Math"/>
+                                  </a:rPr>
+                                </m:ctrlPr>
+                              </m:sSubPr>
+                              <m:e>
+                                <m:r>
+                                  <a:rPr lang="en-US" b="0" i="1" dirty="0" smtClean="0">
+                                    <a:latin typeface="Cambria Math"/>
+                                  </a:rPr>
+                                  <m:t>𝑈</m:t>
+                                </m:r>
+                              </m:e>
+                              <m:sub>
+                                <m:r>
+                                  <a:rPr lang="en-US" b="0" i="1" dirty="0" smtClean="0">
+                                    <a:latin typeface="Cambria Math"/>
+                                  </a:rPr>
+                                  <m:t>𝑖</m:t>
+                                </m:r>
+                              </m:sub>
+                            </m:sSub>
+                          </m:num>
+                          <m:den>
+                            <m:sSub>
+                              <m:sSubPr>
+                                <m:ctrlPr>
+                                  <a:rPr lang="en-US" b="0" i="1" dirty="0" smtClean="0">
+                                    <a:latin typeface="Cambria Math"/>
+                                  </a:rPr>
+                                </m:ctrlPr>
+                              </m:sSubPr>
+                              <m:e>
+                                <m:r>
+                                  <a:rPr lang="en-US" b="0" i="1" dirty="0" smtClean="0">
+                                    <a:latin typeface="Cambria Math"/>
+                                  </a:rPr>
+                                  <m:t>𝑞</m:t>
+                                </m:r>
+                              </m:e>
+                              <m:sub>
+                                <m:r>
+                                  <a:rPr lang="en-US" b="0" i="1" dirty="0" smtClean="0">
+                                    <a:latin typeface="Cambria Math"/>
+                                  </a:rPr>
+                                  <m:t>𝑖</m:t>
+                                </m:r>
+                              </m:sub>
+                            </m:sSub>
+                          </m:den>
+                        </m:f>
+                      </m:e>
+                    </m:d>
+                    <m:r>
+                      <a:rPr lang="en-US" b="0" i="1" dirty="0" smtClean="0">
+                        <a:latin typeface="Cambria Math"/>
+                      </a:rPr>
+                      <m:t>+</m:t>
+                    </m:r>
+                    <m:r>
+                      <a:rPr lang="en-US" b="0" i="1" dirty="0" smtClean="0">
+                        <a:latin typeface="Cambria Math"/>
+                      </a:rPr>
+                      <m:t>𝐸</m:t>
+                    </m:r>
+                    <m:d>
+                      <m:dPr>
+                        <m:begChr m:val="["/>
+                        <m:endChr m:val="]"/>
+                        <m:ctrlPr>
+                          <a:rPr lang="en-US" b="0" i="1" dirty="0" smtClean="0">
+                            <a:latin typeface="Cambria Math"/>
+                          </a:rPr>
+                        </m:ctrlPr>
+                      </m:dPr>
+                      <m:e>
+                        <m:f>
+                          <m:fPr>
+                            <m:ctrlPr>
+                              <a:rPr lang="en-US" b="0" i="1" dirty="0" smtClean="0">
+                                <a:latin typeface="Cambria Math"/>
+                              </a:rPr>
+                            </m:ctrlPr>
+                          </m:fPr>
+                          <m:num>
+                            <m:sSubSup>
+                              <m:sSubSupPr>
+                                <m:ctrlPr>
+                                  <a:rPr lang="en-US" b="0" i="1" dirty="0" smtClean="0">
+                                    <a:latin typeface="Cambria Math"/>
+                                  </a:rPr>
+                                </m:ctrlPr>
+                              </m:sSubSupPr>
+                              <m:e>
+                                <m:r>
+                                  <a:rPr lang="en-US" b="0" i="1" dirty="0" smtClean="0">
+                                    <a:latin typeface="Cambria Math"/>
+                                  </a:rPr>
+                                  <m:t>𝑈</m:t>
+                                </m:r>
+                              </m:e>
+                              <m:sub>
+                                <m:r>
+                                  <a:rPr lang="en-US" b="0" i="1" dirty="0" smtClean="0">
+                                    <a:latin typeface="Cambria Math"/>
+                                  </a:rPr>
+                                  <m:t>𝑖</m:t>
+                                </m:r>
+                              </m:sub>
+                              <m:sup>
+                                <m:r>
+                                  <a:rPr lang="en-US" b="0" i="1" dirty="0" smtClean="0">
+                                    <a:latin typeface="Cambria Math"/>
+                                  </a:rPr>
+                                  <m:t>𝑇</m:t>
+                                </m:r>
+                              </m:sup>
+                            </m:sSubSup>
+                            <m:sSub>
+                              <m:sSubPr>
+                                <m:ctrlPr>
+                                  <a:rPr lang="en-US" b="0" i="1" dirty="0" smtClean="0">
+                                    <a:latin typeface="Cambria Math"/>
+                                  </a:rPr>
+                                </m:ctrlPr>
+                              </m:sSubPr>
+                              <m:e>
+                                <m:r>
+                                  <a:rPr lang="en-US" b="0" i="1" dirty="0" smtClean="0">
+                                    <a:latin typeface="Cambria Math"/>
+                                  </a:rPr>
+                                  <m:t>𝑈</m:t>
+                                </m:r>
+                              </m:e>
+                              <m:sub>
+                                <m:r>
+                                  <a:rPr lang="en-US" b="0" i="1" dirty="0" smtClean="0">
+                                    <a:latin typeface="Cambria Math"/>
+                                  </a:rPr>
+                                  <m:t>𝑖</m:t>
+                                </m:r>
+                              </m:sub>
+                            </m:sSub>
+                            <m:sSubSup>
+                              <m:sSubSupPr>
+                                <m:ctrlPr>
+                                  <a:rPr lang="en-US" b="0" i="1" dirty="0" smtClean="0">
+                                    <a:latin typeface="Cambria Math"/>
+                                  </a:rPr>
+                                </m:ctrlPr>
+                              </m:sSubSupPr>
+                              <m:e>
+                                <m:r>
+                                  <a:rPr lang="en-US" b="0" i="1" dirty="0" smtClean="0">
+                                    <a:latin typeface="Cambria Math"/>
+                                  </a:rPr>
+                                  <m:t>𝑈</m:t>
+                                </m:r>
+                              </m:e>
+                              <m:sub>
+                                <m:r>
+                                  <a:rPr lang="en-US" b="0" i="1" dirty="0" smtClean="0">
+                                    <a:latin typeface="Cambria Math"/>
+                                  </a:rPr>
+                                  <m:t>𝑖</m:t>
+                                </m:r>
+                              </m:sub>
+                              <m:sup>
+                                <m:r>
+                                  <a:rPr lang="en-US" b="0" i="1" dirty="0" smtClean="0">
+                                    <a:latin typeface="Cambria Math"/>
+                                  </a:rPr>
+                                  <m:t>𝑇</m:t>
+                                </m:r>
+                              </m:sup>
+                            </m:sSubSup>
+                            <m:sSub>
+                              <m:sSubPr>
+                                <m:ctrlPr>
+                                  <a:rPr lang="en-US" b="0" i="1" dirty="0" smtClean="0">
+                                    <a:latin typeface="Cambria Math"/>
+                                  </a:rPr>
+                                </m:ctrlPr>
+                              </m:sSubPr>
+                              <m:e>
+                                <m:r>
+                                  <a:rPr lang="en-US" b="0" i="1" dirty="0" smtClean="0">
+                                    <a:latin typeface="Cambria Math"/>
+                                  </a:rPr>
+                                  <m:t>𝑈</m:t>
+                                </m:r>
+                              </m:e>
+                              <m:sub>
+                                <m:r>
+                                  <a:rPr lang="en-US" b="0" i="1" dirty="0" smtClean="0">
+                                    <a:latin typeface="Cambria Math"/>
+                                  </a:rPr>
+                                  <m:t>𝑖</m:t>
+                                </m:r>
+                              </m:sub>
+                            </m:sSub>
+                          </m:num>
+                          <m:den>
+                            <m:sSubSup>
+                              <m:sSubSupPr>
+                                <m:ctrlPr>
+                                  <a:rPr lang="en-US" b="0" i="1" dirty="0" smtClean="0">
+                                    <a:latin typeface="Cambria Math"/>
+                                  </a:rPr>
+                                </m:ctrlPr>
+                              </m:sSubSupPr>
+                              <m:e>
+                                <m:r>
+                                  <a:rPr lang="en-US" b="0" i="1" dirty="0" smtClean="0">
+                                    <a:latin typeface="Cambria Math"/>
+                                  </a:rPr>
+                                  <m:t>𝑞</m:t>
+                                </m:r>
+                              </m:e>
+                              <m:sub>
+                                <m:r>
+                                  <a:rPr lang="en-US" b="0" i="1" dirty="0" smtClean="0">
+                                    <a:latin typeface="Cambria Math"/>
+                                  </a:rPr>
+                                  <m:t>𝑖</m:t>
+                                </m:r>
+                              </m:sub>
+                              <m:sup>
+                                <m:r>
+                                  <a:rPr lang="en-US" b="0" i="1" dirty="0" smtClean="0">
+                                    <a:latin typeface="Cambria Math"/>
+                                  </a:rPr>
+                                  <m:t>2</m:t>
+                                </m:r>
+                              </m:sup>
+                            </m:sSubSup>
+                          </m:den>
+                        </m:f>
+                      </m:e>
+                    </m:d>
+                  </m:oMath>
+                </a14:m>
+                <a:endParaRPr lang="en-US" b="0" dirty="0" smtClean="0"/>
+              </a:p>
+              <a:p>
+                <a:pPr marL="0" indent="0">
+                  <a:buNone/>
+                </a:pPr>
+                <a14:m>
+                  <m:oMathPara xmlns:m="http://schemas.openxmlformats.org/officeDocument/2006/math">
+                    <m:oMathParaPr>
+                      <m:jc m:val="centerGroup"/>
+                    </m:oMathParaPr>
+                    <m:oMath xmlns:m="http://schemas.openxmlformats.org/officeDocument/2006/math">
+                      <m:r>
+                        <a:rPr lang="en-US" b="0" i="1" smtClean="0">
+                          <a:latin typeface="Cambria Math"/>
+                        </a:rPr>
+                        <m:t>=</m:t>
+                      </m:r>
+                      <m:nary>
+                        <m:naryPr>
+                          <m:chr m:val="∑"/>
+                          <m:ctrlPr>
+                            <a:rPr lang="en-US" b="0" i="1" smtClean="0">
+                              <a:latin typeface="Cambria Math"/>
+                            </a:rPr>
+                          </m:ctrlPr>
+                        </m:naryPr>
+                        <m:sub>
+                          <m:r>
+                            <a:rPr lang="en-US" b="0" i="1" smtClean="0">
+                              <a:latin typeface="Cambria Math"/>
+                            </a:rPr>
+                            <m:t>𝑗</m:t>
+                          </m:r>
+                          <m:r>
+                            <a:rPr lang="en-US" b="0" i="1" smtClean="0">
+                              <a:latin typeface="Cambria Math"/>
+                            </a:rPr>
+                            <m:t>=1</m:t>
+                          </m:r>
+                        </m:sub>
+                        <m:sup>
+                          <m:r>
+                            <a:rPr lang="en-US" b="0" i="1" smtClean="0">
+                              <a:latin typeface="Cambria Math"/>
+                            </a:rPr>
+                            <m:t>𝑛</m:t>
+                          </m:r>
+                        </m:sup>
+                        <m:e>
+                          <m:f>
+                            <m:fPr>
+                              <m:ctrlPr>
+                                <a:rPr lang="en-US" b="0" i="1" smtClean="0">
+                                  <a:latin typeface="Cambria Math"/>
+                                </a:rPr>
+                              </m:ctrlPr>
+                            </m:fPr>
+                            <m:num>
+                              <m:sSubSup>
+                                <m:sSubSupPr>
+                                  <m:ctrlPr>
+                                    <a:rPr lang="en-US" b="0" i="1" smtClean="0">
+                                      <a:latin typeface="Cambria Math"/>
+                                    </a:rPr>
+                                  </m:ctrlPr>
+                                </m:sSubSupPr>
+                                <m:e>
+                                  <m:r>
+                                    <a:rPr lang="en-US" b="0" i="1" smtClean="0">
+                                      <a:latin typeface="Cambria Math"/>
+                                    </a:rPr>
+                                    <m:t>𝑧</m:t>
+                                  </m:r>
+                                </m:e>
+                                <m:sub>
+                                  <m:r>
+                                    <a:rPr lang="en-US" b="0" i="1" smtClean="0">
+                                      <a:latin typeface="Cambria Math"/>
+                                    </a:rPr>
+                                    <m:t>𝑗</m:t>
+                                  </m:r>
+                                </m:sub>
+                                <m:sup>
+                                  <m:r>
+                                    <a:rPr lang="en-US" b="0" i="1" smtClean="0">
+                                      <a:latin typeface="Cambria Math"/>
+                                    </a:rPr>
+                                    <m:t>𝑇</m:t>
+                                  </m:r>
+                                </m:sup>
+                              </m:sSubSup>
+                              <m:sSub>
+                                <m:sSubPr>
+                                  <m:ctrlPr>
+                                    <a:rPr lang="en-US" b="0" i="1" smtClean="0">
+                                      <a:latin typeface="Cambria Math"/>
+                                    </a:rPr>
+                                  </m:ctrlPr>
+                                </m:sSubPr>
+                                <m:e>
+                                  <m:r>
+                                    <a:rPr lang="en-US" b="0" i="1" smtClean="0">
+                                      <a:latin typeface="Cambria Math"/>
+                                    </a:rPr>
+                                    <m:t>𝑧</m:t>
+                                  </m:r>
+                                </m:e>
+                                <m:sub>
+                                  <m:r>
+                                    <a:rPr lang="en-US" b="0" i="1" smtClean="0">
+                                      <a:latin typeface="Cambria Math"/>
+                                    </a:rPr>
+                                    <m:t>𝑗</m:t>
+                                  </m:r>
+                                </m:sub>
+                              </m:sSub>
+                              <m:sSubSup>
+                                <m:sSubSupPr>
+                                  <m:ctrlPr>
+                                    <a:rPr lang="en-US" b="0" i="1" smtClean="0">
+                                      <a:latin typeface="Cambria Math"/>
+                                    </a:rPr>
+                                  </m:ctrlPr>
+                                </m:sSubSupPr>
+                                <m:e>
+                                  <m:r>
+                                    <a:rPr lang="en-US" b="0" i="1" smtClean="0">
+                                      <a:latin typeface="Cambria Math"/>
+                                    </a:rPr>
+                                    <m:t>𝑧</m:t>
+                                  </m:r>
+                                </m:e>
+                                <m:sub>
+                                  <m:r>
+                                    <a:rPr lang="en-US" b="0" i="1" smtClean="0">
+                                      <a:latin typeface="Cambria Math"/>
+                                    </a:rPr>
+                                    <m:t>𝑗</m:t>
+                                  </m:r>
+                                </m:sub>
+                                <m:sup>
+                                  <m:r>
+                                    <a:rPr lang="en-US" b="0" i="1" smtClean="0">
+                                      <a:latin typeface="Cambria Math"/>
+                                    </a:rPr>
+                                    <m:t>𝑇</m:t>
+                                  </m:r>
+                                </m:sup>
+                              </m:sSubSup>
+                              <m:sSub>
+                                <m:sSubPr>
+                                  <m:ctrlPr>
+                                    <a:rPr lang="en-US" b="0" i="1" smtClean="0">
+                                      <a:latin typeface="Cambria Math"/>
+                                    </a:rPr>
+                                  </m:ctrlPr>
+                                </m:sSubPr>
+                                <m:e>
+                                  <m:r>
+                                    <a:rPr lang="en-US" b="0" i="1" smtClean="0">
+                                      <a:latin typeface="Cambria Math"/>
+                                    </a:rPr>
+                                    <m:t>𝑧</m:t>
+                                  </m:r>
+                                </m:e>
+                                <m:sub>
+                                  <m:r>
+                                    <a:rPr lang="en-US" b="0" i="1" smtClean="0">
+                                      <a:latin typeface="Cambria Math"/>
+                                    </a:rPr>
+                                    <m:t>𝑗</m:t>
+                                  </m:r>
+                                </m:sub>
+                              </m:sSub>
+                            </m:num>
+                            <m:den>
+                              <m:sSub>
+                                <m:sSubPr>
+                                  <m:ctrlPr>
+                                    <a:rPr lang="en-US" b="0" i="1" smtClean="0">
+                                      <a:latin typeface="Cambria Math"/>
+                                    </a:rPr>
+                                  </m:ctrlPr>
+                                </m:sSubPr>
+                                <m:e>
+                                  <m:r>
+                                    <a:rPr lang="en-US" b="0" i="1" smtClean="0">
+                                      <a:latin typeface="Cambria Math"/>
+                                    </a:rPr>
+                                    <m:t>𝑞</m:t>
+                                  </m:r>
+                                </m:e>
+                                <m:sub>
+                                  <m:r>
+                                    <a:rPr lang="en-US" b="0" i="1" smtClean="0">
+                                      <a:latin typeface="Cambria Math"/>
+                                    </a:rPr>
+                                    <m:t>𝑗</m:t>
+                                  </m:r>
+                                </m:sub>
+                              </m:sSub>
+                            </m:den>
+                          </m:f>
+                          <m:r>
+                            <a:rPr lang="en-US" b="0" i="1" smtClean="0">
+                              <a:latin typeface="Cambria Math"/>
+                            </a:rPr>
+                            <m:t>−</m:t>
+                          </m:r>
+                          <m:sSub>
+                            <m:sSubPr>
+                              <m:ctrlPr>
+                                <a:rPr lang="en-US" b="0" i="1" smtClean="0">
+                                  <a:latin typeface="Cambria Math"/>
+                                </a:rPr>
+                              </m:ctrlPr>
+                            </m:sSubPr>
+                            <m:e>
+                              <m:r>
+                                <a:rPr lang="en-US" b="0" i="1" smtClean="0">
+                                  <a:latin typeface="Cambria Math"/>
+                                </a:rPr>
+                                <m:t>𝐼</m:t>
+                              </m:r>
+                            </m:e>
+                            <m:sub>
+                              <m:r>
+                                <a:rPr lang="en-US" b="0" i="1" smtClean="0">
+                                  <a:latin typeface="Cambria Math"/>
+                                </a:rPr>
+                                <m:t>𝑘</m:t>
+                              </m:r>
+                            </m:sub>
+                          </m:sSub>
+                        </m:e>
+                      </m:nary>
+                    </m:oMath>
+                  </m:oMathPara>
+                </a14:m>
+                <a:endParaRPr lang="en-US" b="0" dirty="0" smtClean="0"/>
+              </a:p>
+              <a:p>
+                <a:pPr marL="0" indent="0">
+                  <a:buNone/>
+                </a:pPr>
+                <a14:m>
+                  <m:oMathPara xmlns:m="http://schemas.openxmlformats.org/officeDocument/2006/math">
+                    <m:oMathParaPr>
+                      <m:jc m:val="centerGroup"/>
+                    </m:oMathParaPr>
+                    <m:oMath xmlns:m="http://schemas.openxmlformats.org/officeDocument/2006/math">
+                      <m:r>
+                        <a:rPr lang="en-US" b="0" i="1" smtClean="0">
+                          <a:latin typeface="Cambria Math"/>
+                        </a:rPr>
+                        <m:t>≤</m:t>
+                      </m:r>
+                      <m:d>
+                        <m:dPr>
+                          <m:ctrlPr>
+                            <a:rPr lang="en-US" b="0" i="1" smtClean="0">
+                              <a:latin typeface="Cambria Math"/>
+                            </a:rPr>
+                          </m:ctrlPr>
+                        </m:dPr>
+                        <m:e>
+                          <m:f>
+                            <m:fPr>
+                              <m:ctrlPr>
+                                <a:rPr lang="en-US" b="0" i="1" smtClean="0">
+                                  <a:latin typeface="Cambria Math"/>
+                                </a:rPr>
+                              </m:ctrlPr>
+                            </m:fPr>
+                            <m:num>
+                              <m:r>
+                                <a:rPr lang="en-US" b="0" i="1" smtClean="0">
+                                  <a:latin typeface="Cambria Math"/>
+                                </a:rPr>
+                                <m:t>𝑘</m:t>
+                              </m:r>
+                            </m:num>
+                            <m:den>
+                              <m:r>
+                                <a:rPr lang="en-US" b="0" i="1" smtClean="0">
+                                  <a:latin typeface="Cambria Math"/>
+                                </a:rPr>
+                                <m:t>𝛽</m:t>
+                              </m:r>
+                            </m:den>
+                          </m:f>
+                        </m:e>
+                      </m:d>
+                      <m:nary>
+                        <m:naryPr>
+                          <m:chr m:val="∑"/>
+                          <m:ctrlPr>
+                            <a:rPr lang="en-US" b="0" i="1" smtClean="0">
+                              <a:latin typeface="Cambria Math"/>
+                            </a:rPr>
+                          </m:ctrlPr>
+                        </m:naryPr>
+                        <m:sub>
+                          <m:r>
+                            <a:rPr lang="en-US" b="0" i="1" smtClean="0">
+                              <a:latin typeface="Cambria Math"/>
+                            </a:rPr>
+                            <m:t>𝑗</m:t>
+                          </m:r>
+                          <m:r>
+                            <a:rPr lang="en-US" b="0" i="1" smtClean="0">
+                              <a:latin typeface="Cambria Math"/>
+                            </a:rPr>
+                            <m:t>=1</m:t>
+                          </m:r>
+                        </m:sub>
+                        <m:sup>
+                          <m:r>
+                            <a:rPr lang="en-US" b="0" i="1" smtClean="0">
+                              <a:latin typeface="Cambria Math"/>
+                            </a:rPr>
+                            <m:t>𝑛</m:t>
+                          </m:r>
+                        </m:sup>
+                        <m:e>
+                          <m:sSubSup>
+                            <m:sSubSupPr>
+                              <m:ctrlPr>
+                                <a:rPr lang="en-US" b="0" i="1" smtClean="0">
+                                  <a:latin typeface="Cambria Math"/>
+                                </a:rPr>
+                              </m:ctrlPr>
+                            </m:sSubSupPr>
+                            <m:e>
+                              <m:r>
+                                <a:rPr lang="en-US" b="0" i="1" smtClean="0">
+                                  <a:latin typeface="Cambria Math"/>
+                                </a:rPr>
+                                <m:t>𝑧</m:t>
+                              </m:r>
+                            </m:e>
+                            <m:sub>
+                              <m:r>
+                                <a:rPr lang="en-US" b="0" i="1" smtClean="0">
+                                  <a:latin typeface="Cambria Math"/>
+                                </a:rPr>
+                                <m:t>𝑗</m:t>
+                              </m:r>
+                            </m:sub>
+                            <m:sup>
+                              <m:r>
+                                <a:rPr lang="en-US" b="0" i="1" smtClean="0">
+                                  <a:latin typeface="Cambria Math"/>
+                                </a:rPr>
+                                <m:t>𝑇</m:t>
+                              </m:r>
+                            </m:sup>
+                          </m:sSubSup>
+                          <m:sSub>
+                            <m:sSubPr>
+                              <m:ctrlPr>
+                                <a:rPr lang="en-US" b="0" i="1" smtClean="0">
+                                  <a:latin typeface="Cambria Math"/>
+                                </a:rPr>
+                              </m:ctrlPr>
+                            </m:sSubPr>
+                            <m:e>
+                              <m:r>
+                                <a:rPr lang="en-US" b="0" i="1" smtClean="0">
+                                  <a:latin typeface="Cambria Math"/>
+                                </a:rPr>
+                                <m:t>𝑧</m:t>
+                              </m:r>
+                            </m:e>
+                            <m:sub>
+                              <m:r>
+                                <a:rPr lang="en-US" b="0" i="1" smtClean="0">
+                                  <a:latin typeface="Cambria Math"/>
+                                </a:rPr>
+                                <m:t>𝑗</m:t>
+                              </m:r>
+                            </m:sub>
+                          </m:sSub>
+                          <m:r>
+                            <a:rPr lang="en-US" b="0" i="1" smtClean="0">
+                              <a:latin typeface="Cambria Math"/>
+                            </a:rPr>
+                            <m:t>−</m:t>
+                          </m:r>
+                          <m:sSub>
+                            <m:sSubPr>
+                              <m:ctrlPr>
+                                <a:rPr lang="en-US" b="0" i="1" smtClean="0">
+                                  <a:latin typeface="Cambria Math"/>
+                                </a:rPr>
+                              </m:ctrlPr>
+                            </m:sSubPr>
+                            <m:e>
+                              <m:r>
+                                <a:rPr lang="en-US" b="0" i="1" smtClean="0">
+                                  <a:latin typeface="Cambria Math"/>
+                                </a:rPr>
+                                <m:t>𝐼</m:t>
+                              </m:r>
+                            </m:e>
+                            <m:sub>
+                              <m:r>
+                                <a:rPr lang="en-US" b="0" i="1" smtClean="0">
+                                  <a:latin typeface="Cambria Math"/>
+                                </a:rPr>
+                                <m:t>𝑘</m:t>
+                              </m:r>
+                            </m:sub>
+                          </m:sSub>
+                        </m:e>
+                      </m:nary>
+                    </m:oMath>
+                  </m:oMathPara>
+                </a14:m>
+                <a:endParaRPr lang="en-US" dirty="0" smtClean="0"/>
+              </a:p>
+              <a:p>
+                <a:pPr marL="0" indent="0">
+                  <a:buNone/>
+                </a:pPr>
+                <a14:m>
+                  <m:oMathPara xmlns:m="http://schemas.openxmlformats.org/officeDocument/2006/math">
+                    <m:oMathParaPr>
+                      <m:jc m:val="centerGroup"/>
+                    </m:oMathParaPr>
+                    <m:oMath xmlns:m="http://schemas.openxmlformats.org/officeDocument/2006/math">
+                      <m:r>
+                        <a:rPr lang="en-US" b="0" i="1" smtClean="0">
+                          <a:latin typeface="Cambria Math"/>
+                        </a:rPr>
+                        <m:t>=</m:t>
+                      </m:r>
+                      <m:d>
+                        <m:dPr>
+                          <m:ctrlPr>
+                            <a:rPr lang="en-US" b="0" i="1" smtClean="0">
+                              <a:latin typeface="Cambria Math"/>
+                            </a:rPr>
+                          </m:ctrlPr>
+                        </m:dPr>
+                        <m:e>
+                          <m:f>
+                            <m:fPr>
+                              <m:ctrlPr>
+                                <a:rPr lang="en-US" b="0" i="1" smtClean="0">
+                                  <a:latin typeface="Cambria Math"/>
+                                </a:rPr>
+                              </m:ctrlPr>
+                            </m:fPr>
+                            <m:num>
+                              <m:r>
+                                <a:rPr lang="en-US" b="0" i="1" smtClean="0">
+                                  <a:latin typeface="Cambria Math"/>
+                                </a:rPr>
+                                <m:t>𝑘</m:t>
+                              </m:r>
+                            </m:num>
+                            <m:den>
+                              <m:r>
+                                <a:rPr lang="en-US" b="0" i="1" smtClean="0">
+                                  <a:latin typeface="Cambria Math"/>
+                                </a:rPr>
+                                <m:t>𝛽</m:t>
+                              </m:r>
+                            </m:den>
+                          </m:f>
+                          <m:r>
+                            <a:rPr lang="en-US" b="0" i="1" smtClean="0">
+                              <a:latin typeface="Cambria Math"/>
+                            </a:rPr>
+                            <m:t>−1</m:t>
+                          </m:r>
+                        </m:e>
+                      </m:d>
+                      <m:r>
+                        <a:rPr lang="en-US" b="0" i="1" smtClean="0">
+                          <a:latin typeface="Cambria Math"/>
+                        </a:rPr>
+                        <m:t> </m:t>
+                      </m:r>
+                      <m:sSub>
+                        <m:sSubPr>
+                          <m:ctrlPr>
+                            <a:rPr lang="en-US" b="0" i="1" smtClean="0">
+                              <a:latin typeface="Cambria Math"/>
+                            </a:rPr>
+                          </m:ctrlPr>
+                        </m:sSubPr>
+                        <m:e>
+                          <m:r>
+                            <a:rPr lang="en-US" b="0" i="1" smtClean="0">
+                              <a:latin typeface="Cambria Math"/>
+                            </a:rPr>
+                            <m:t>𝐼</m:t>
+                          </m:r>
+                        </m:e>
+                        <m:sub>
+                          <m:r>
+                            <a:rPr lang="en-US" b="0" i="1" smtClean="0">
+                              <a:latin typeface="Cambria Math"/>
+                            </a:rPr>
+                            <m:t>𝑘</m:t>
+                          </m:r>
+                        </m:sub>
+                      </m:sSub>
+                    </m:oMath>
+                  </m:oMathPara>
+                </a14:m>
+                <a:endParaRPr lang="en-US" b="0" dirty="0" smtClean="0"/>
+              </a:p>
+              <a:p>
+                <a:r>
+                  <a:rPr lang="en-US" dirty="0" smtClean="0"/>
+                  <a:t> </a:t>
+                </a:r>
+                <a14:m>
+                  <m:oMath xmlns:m="http://schemas.openxmlformats.org/officeDocument/2006/math">
+                    <m:sSub>
+                      <m:sSubPr>
+                        <m:ctrlPr>
+                          <a:rPr lang="en-US" b="0" i="1" dirty="0" smtClean="0">
+                            <a:latin typeface="Cambria Math"/>
+                          </a:rPr>
+                        </m:ctrlPr>
+                      </m:sSubPr>
+                      <m:e>
+                        <m:d>
+                          <m:dPr>
+                            <m:begChr m:val="|"/>
+                            <m:endChr m:val="|"/>
+                            <m:ctrlPr>
+                              <a:rPr lang="en-US" b="0" i="1" dirty="0" smtClean="0">
+                                <a:latin typeface="Cambria Math"/>
+                              </a:rPr>
+                            </m:ctrlPr>
+                          </m:dPr>
+                          <m:e>
+                            <m:d>
+                              <m:dPr>
+                                <m:begChr m:val="|"/>
+                                <m:endChr m:val="|"/>
+                                <m:ctrlPr>
+                                  <a:rPr lang="en-US" b="0" i="1" dirty="0" smtClean="0">
+                                    <a:latin typeface="Cambria Math"/>
+                                  </a:rPr>
+                                </m:ctrlPr>
+                              </m:dPr>
+                              <m:e>
+                                <m:r>
+                                  <a:rPr lang="en-US" i="1" dirty="0" smtClean="0">
+                                    <a:latin typeface="Cambria Math"/>
+                                  </a:rPr>
+                                  <m:t>𝐸</m:t>
+                                </m:r>
+                                <m:d>
+                                  <m:dPr>
+                                    <m:begChr m:val="["/>
+                                    <m:endChr m:val="]"/>
+                                    <m:ctrlPr>
+                                      <a:rPr lang="en-US" b="0" i="1" dirty="0" smtClean="0">
+                                        <a:latin typeface="Cambria Math"/>
+                                      </a:rPr>
+                                    </m:ctrlPr>
+                                  </m:dPr>
+                                  <m:e>
+                                    <m:sSup>
+                                      <m:sSupPr>
+                                        <m:ctrlPr>
+                                          <a:rPr lang="en-US" b="0" i="1" dirty="0" smtClean="0">
+                                            <a:latin typeface="Cambria Math"/>
+                                          </a:rPr>
+                                        </m:ctrlPr>
+                                      </m:sSupPr>
+                                      <m:e>
+                                        <m:r>
+                                          <a:rPr lang="en-US" b="0" i="1" dirty="0" smtClean="0">
+                                            <a:latin typeface="Cambria Math"/>
+                                          </a:rPr>
+                                          <m:t>𝑋</m:t>
+                                        </m:r>
+                                      </m:e>
+                                      <m:sup>
+                                        <m:r>
+                                          <a:rPr lang="en-US" b="0" i="1" dirty="0" smtClean="0">
+                                            <a:latin typeface="Cambria Math"/>
+                                          </a:rPr>
+                                          <m:t>𝑇</m:t>
+                                        </m:r>
+                                      </m:sup>
+                                    </m:sSup>
+                                    <m:r>
+                                      <a:rPr lang="en-US" b="0" i="1" dirty="0" smtClean="0">
+                                        <a:latin typeface="Cambria Math"/>
+                                      </a:rPr>
+                                      <m:t>𝑋</m:t>
+                                    </m:r>
+                                  </m:e>
+                                </m:d>
+                              </m:e>
+                            </m:d>
+                          </m:e>
+                        </m:d>
+                      </m:e>
+                      <m:sub>
+                        <m:r>
+                          <a:rPr lang="en-US" b="0" i="1" dirty="0" smtClean="0">
+                            <a:latin typeface="Cambria Math"/>
+                          </a:rPr>
+                          <m:t>2</m:t>
+                        </m:r>
+                      </m:sub>
+                    </m:sSub>
+                    <m:r>
+                      <a:rPr lang="en-US" b="0" i="1" dirty="0" smtClean="0">
+                        <a:latin typeface="Cambria Math"/>
+                      </a:rPr>
+                      <m:t>≤</m:t>
+                    </m:r>
+                    <m:d>
+                      <m:dPr>
+                        <m:ctrlPr>
+                          <a:rPr lang="en-US" b="0" i="1" dirty="0" smtClean="0">
+                            <a:latin typeface="Cambria Math"/>
+                          </a:rPr>
+                        </m:ctrlPr>
+                      </m:dPr>
+                      <m:e>
+                        <m:f>
+                          <m:fPr>
+                            <m:ctrlPr>
+                              <a:rPr lang="en-US" b="0" i="1" dirty="0" smtClean="0">
+                                <a:latin typeface="Cambria Math"/>
+                              </a:rPr>
+                            </m:ctrlPr>
+                          </m:fPr>
+                          <m:num>
+                            <m:r>
+                              <a:rPr lang="en-US" b="0" i="1" dirty="0" smtClean="0">
+                                <a:latin typeface="Cambria Math"/>
+                              </a:rPr>
+                              <m:t>𝑘</m:t>
+                            </m:r>
+                          </m:num>
+                          <m:den>
+                            <m:r>
+                              <a:rPr lang="en-US" b="0" i="1" dirty="0" smtClean="0">
+                                <a:latin typeface="Cambria Math"/>
+                              </a:rPr>
+                              <m:t>𝛽</m:t>
+                            </m:r>
+                          </m:den>
+                        </m:f>
+                        <m:r>
+                          <a:rPr lang="en-US" b="0" i="1" dirty="0" smtClean="0">
+                            <a:latin typeface="Cambria Math"/>
+                          </a:rPr>
+                          <m:t>−1</m:t>
+                        </m:r>
+                      </m:e>
+                    </m:d>
+                  </m:oMath>
+                </a14:m>
+                <a:endParaRPr lang="en-US" dirty="0" smtClean="0"/>
+              </a:p>
+              <a:p>
+                <a:r>
+                  <a:rPr lang="en-US" dirty="0" smtClean="0"/>
+                  <a:t>Take </a:t>
+                </a:r>
+                <a14:m>
+                  <m:oMath xmlns:m="http://schemas.openxmlformats.org/officeDocument/2006/math">
+                    <m:r>
+                      <a:rPr lang="en-US" b="0" i="1" smtClean="0">
+                        <a:latin typeface="Cambria Math"/>
+                      </a:rPr>
+                      <m:t>𝑊</m:t>
+                    </m:r>
+                    <m:r>
+                      <a:rPr lang="en-US" b="0" i="1" smtClean="0">
+                        <a:latin typeface="Cambria Math"/>
+                      </a:rPr>
+                      <m:t>=</m:t>
+                    </m:r>
+                    <m:f>
+                      <m:fPr>
+                        <m:ctrlPr>
+                          <a:rPr lang="en-US" b="0" i="1" smtClean="0">
+                            <a:latin typeface="Cambria Math"/>
+                          </a:rPr>
+                        </m:ctrlPr>
+                      </m:fPr>
+                      <m:num>
+                        <m:r>
+                          <a:rPr lang="en-US" b="0" i="1" smtClean="0">
+                            <a:latin typeface="Cambria Math"/>
+                          </a:rPr>
+                          <m:t>1</m:t>
+                        </m:r>
+                      </m:num>
+                      <m:den>
+                        <m:r>
+                          <a:rPr lang="en-US" b="0" i="1" smtClean="0">
+                            <a:latin typeface="Cambria Math"/>
+                          </a:rPr>
+                          <m:t>𝑘</m:t>
+                        </m:r>
+                      </m:den>
+                    </m:f>
+                    <m:nary>
+                      <m:naryPr>
+                        <m:chr m:val="∑"/>
+                        <m:ctrlPr>
+                          <a:rPr lang="en-US" b="0" i="1" smtClean="0">
+                            <a:latin typeface="Cambria Math"/>
+                          </a:rPr>
+                        </m:ctrlPr>
+                      </m:naryPr>
+                      <m:sub>
+                        <m:r>
+                          <a:rPr lang="en-US" b="0" i="1" smtClean="0">
+                            <a:latin typeface="Cambria Math"/>
+                          </a:rPr>
+                          <m:t>𝑖</m:t>
+                        </m:r>
+                        <m:r>
+                          <a:rPr lang="en-US" b="0" i="1" smtClean="0">
+                            <a:latin typeface="Cambria Math"/>
+                          </a:rPr>
+                          <m:t>=1</m:t>
+                        </m:r>
+                      </m:sub>
+                      <m:sup>
+                        <m:r>
+                          <a:rPr lang="en-US" b="0" i="1" smtClean="0">
+                            <a:latin typeface="Cambria Math"/>
+                          </a:rPr>
+                          <m:t>𝑠</m:t>
+                        </m:r>
+                      </m:sup>
+                      <m:e>
+                        <m:sSub>
+                          <m:sSubPr>
+                            <m:ctrlPr>
+                              <a:rPr lang="en-US" b="0" i="1" smtClean="0">
+                                <a:latin typeface="Cambria Math"/>
+                              </a:rPr>
+                            </m:ctrlPr>
+                          </m:sSubPr>
+                          <m:e>
+                            <m:r>
+                              <a:rPr lang="en-US" b="0" i="1" smtClean="0">
+                                <a:latin typeface="Cambria Math"/>
+                              </a:rPr>
+                              <m:t>𝑋</m:t>
+                            </m:r>
+                          </m:e>
+                          <m:sub>
+                            <m:r>
+                              <a:rPr lang="en-US" b="0" i="1" smtClean="0">
+                                <a:latin typeface="Cambria Math"/>
+                              </a:rPr>
+                              <m:t>𝑖</m:t>
+                            </m:r>
+                          </m:sub>
+                        </m:sSub>
+                      </m:e>
+                    </m:nary>
+                    <m:r>
+                      <a:rPr lang="en-US" b="0" i="1" smtClean="0">
+                        <a:latin typeface="Cambria Math"/>
+                      </a:rPr>
+                      <m:t>=</m:t>
+                    </m:r>
+                    <m:sSub>
+                      <m:sSubPr>
+                        <m:ctrlPr>
+                          <a:rPr lang="en-US" b="0" i="1" smtClean="0">
+                            <a:latin typeface="Cambria Math"/>
+                          </a:rPr>
+                        </m:ctrlPr>
+                      </m:sSubPr>
+                      <m:e>
+                        <m:r>
+                          <a:rPr lang="en-US" b="0" i="1" smtClean="0">
+                            <a:latin typeface="Cambria Math"/>
+                          </a:rPr>
+                          <m:t>𝐼</m:t>
+                        </m:r>
+                      </m:e>
+                      <m:sub>
+                        <m:r>
+                          <a:rPr lang="en-US" b="0" i="1" smtClean="0">
+                            <a:latin typeface="Cambria Math"/>
+                          </a:rPr>
+                          <m:t>𝑘</m:t>
+                        </m:r>
+                      </m:sub>
+                    </m:sSub>
+                    <m:r>
+                      <a:rPr lang="en-US" b="0" i="1" smtClean="0">
+                        <a:latin typeface="Cambria Math"/>
+                      </a:rPr>
+                      <m:t>−</m:t>
+                    </m:r>
+                    <m:sSup>
+                      <m:sSupPr>
+                        <m:ctrlPr>
+                          <a:rPr lang="en-US" b="0" i="1" smtClean="0">
+                            <a:latin typeface="Cambria Math"/>
+                          </a:rPr>
+                        </m:ctrlPr>
+                      </m:sSupPr>
+                      <m:e>
+                        <m:r>
+                          <a:rPr lang="en-US" b="0" i="1" smtClean="0">
+                            <a:latin typeface="Cambria Math"/>
+                          </a:rPr>
+                          <m:t>𝑍</m:t>
+                        </m:r>
+                      </m:e>
+                      <m:sup>
+                        <m:r>
+                          <a:rPr lang="en-US" b="0" i="1" smtClean="0">
+                            <a:latin typeface="Cambria Math"/>
+                          </a:rPr>
+                          <m:t>𝑇</m:t>
+                        </m:r>
+                      </m:sup>
+                    </m:sSup>
+                    <m:r>
+                      <m:rPr>
+                        <m:sty m:val="p"/>
+                      </m:rPr>
+                      <a:rPr lang="en-US" b="0" i="0" smtClean="0">
+                        <a:latin typeface="Cambria Math"/>
+                      </a:rPr>
+                      <m:t>Ω</m:t>
+                    </m:r>
+                    <m:r>
+                      <a:rPr lang="en-US" b="0" i="1" smtClean="0">
+                        <a:latin typeface="Cambria Math"/>
+                      </a:rPr>
+                      <m:t>𝐷</m:t>
+                    </m:r>
+                    <m:sSup>
+                      <m:sSupPr>
+                        <m:ctrlPr>
+                          <a:rPr lang="en-US" b="0" i="1" smtClean="0">
+                            <a:latin typeface="Cambria Math"/>
+                          </a:rPr>
+                        </m:ctrlPr>
+                      </m:sSupPr>
+                      <m:e>
+                        <m:r>
+                          <a:rPr lang="en-US" b="0" i="1" smtClean="0">
+                            <a:latin typeface="Cambria Math"/>
+                          </a:rPr>
+                          <m:t>𝐷</m:t>
+                        </m:r>
+                      </m:e>
+                      <m:sup>
+                        <m:r>
+                          <a:rPr lang="en-US" b="0" i="1" smtClean="0">
+                            <a:latin typeface="Cambria Math"/>
+                          </a:rPr>
+                          <m:t>𝑇</m:t>
+                        </m:r>
+                      </m:sup>
+                    </m:sSup>
+                    <m:sSup>
+                      <m:sSupPr>
+                        <m:ctrlPr>
+                          <a:rPr lang="en-US" b="0" i="1" smtClean="0">
+                            <a:latin typeface="Cambria Math"/>
+                          </a:rPr>
+                        </m:ctrlPr>
+                      </m:sSupPr>
+                      <m:e>
+                        <m:r>
+                          <m:rPr>
+                            <m:sty m:val="p"/>
+                          </m:rPr>
+                          <a:rPr lang="en-US" b="0" i="0" smtClean="0">
+                            <a:latin typeface="Cambria Math"/>
+                          </a:rPr>
+                          <m:t>Ω</m:t>
+                        </m:r>
+                      </m:e>
+                      <m:sup>
+                        <m:r>
+                          <a:rPr lang="en-US" b="0" i="1" smtClean="0">
+                            <a:latin typeface="Cambria Math"/>
+                          </a:rPr>
+                          <m:t>𝑇</m:t>
+                        </m:r>
+                      </m:sup>
+                    </m:sSup>
+                    <m:r>
+                      <a:rPr lang="en-US" b="0" i="1" smtClean="0">
+                        <a:latin typeface="Cambria Math"/>
+                      </a:rPr>
+                      <m:t>𝑍</m:t>
+                    </m:r>
+                  </m:oMath>
+                </a14:m>
+                <a:endParaRPr lang="en-US" dirty="0" smtClean="0"/>
+              </a:p>
+              <a:p>
+                <a:r>
+                  <a:rPr lang="en-US" dirty="0" smtClean="0"/>
+                  <a:t>By Matrix </a:t>
+                </a:r>
+                <a:r>
+                  <a:rPr lang="en-US" dirty="0" err="1" smtClean="0"/>
+                  <a:t>Chernoff</a:t>
+                </a:r>
+                <a:r>
+                  <a:rPr lang="en-US" dirty="0" smtClean="0"/>
+                  <a:t> for </a:t>
+                </a:r>
+                <a14:m>
+                  <m:oMath xmlns:m="http://schemas.openxmlformats.org/officeDocument/2006/math">
+                    <m:r>
+                      <a:rPr lang="en-US" b="0" i="1" smtClean="0">
+                        <a:latin typeface="Cambria Math"/>
+                      </a:rPr>
+                      <m:t>𝑠</m:t>
+                    </m:r>
+                    <m:r>
+                      <a:rPr lang="en-US" b="0" i="1" smtClean="0">
+                        <a:latin typeface="Cambria Math"/>
+                      </a:rPr>
+                      <m:t>=</m:t>
+                    </m:r>
+                    <m:r>
+                      <m:rPr>
+                        <m:sty m:val="p"/>
+                      </m:rPr>
+                      <a:rPr lang="en-US" b="0" i="0" smtClean="0">
+                        <a:latin typeface="Cambria Math"/>
+                      </a:rPr>
+                      <m:t>Θ</m:t>
+                    </m:r>
+                    <m:r>
+                      <a:rPr lang="en-US" b="0" i="1" smtClean="0">
+                        <a:latin typeface="Cambria Math"/>
+                      </a:rPr>
+                      <m:t>(</m:t>
+                    </m:r>
+                    <m:r>
+                      <a:rPr lang="en-US" b="0" i="1" smtClean="0">
+                        <a:latin typeface="Cambria Math"/>
+                      </a:rPr>
+                      <m:t>𝑘</m:t>
+                    </m:r>
+                    <m:func>
+                      <m:funcPr>
+                        <m:ctrlPr>
+                          <a:rPr lang="en-US" b="0" i="1" smtClean="0">
+                            <a:latin typeface="Cambria Math"/>
+                          </a:rPr>
+                        </m:ctrlPr>
+                      </m:funcPr>
+                      <m:fName>
+                        <m:r>
+                          <m:rPr>
+                            <m:sty m:val="p"/>
+                          </m:rPr>
+                          <a:rPr lang="en-US" b="0" i="0" smtClean="0">
+                            <a:latin typeface="Cambria Math"/>
+                          </a:rPr>
+                          <m:t>log</m:t>
+                        </m:r>
+                      </m:fName>
+                      <m:e>
+                        <m:f>
+                          <m:fPr>
+                            <m:ctrlPr>
+                              <a:rPr lang="en-US" b="0" i="1" smtClean="0">
+                                <a:latin typeface="Cambria Math"/>
+                              </a:rPr>
+                            </m:ctrlPr>
+                          </m:fPr>
+                          <m:num>
+                            <m:r>
+                              <a:rPr lang="en-US" b="0" i="1" smtClean="0">
+                                <a:latin typeface="Cambria Math"/>
+                              </a:rPr>
+                              <m:t>𝑘</m:t>
+                            </m:r>
+                          </m:num>
+                          <m:den>
+                            <m:r>
+                              <a:rPr lang="en-US" b="0" i="1" smtClean="0">
+                                <a:latin typeface="Cambria Math"/>
+                              </a:rPr>
+                              <m:t>𝛿</m:t>
+                            </m:r>
+                          </m:den>
+                        </m:f>
+                      </m:e>
+                    </m:func>
+                    <m:r>
+                      <a:rPr lang="en-US" b="0" i="1" smtClean="0">
+                        <a:latin typeface="Cambria Math"/>
+                      </a:rPr>
+                      <m:t>/(</m:t>
+                    </m:r>
+                    <m:r>
+                      <a:rPr lang="en-US" b="0" i="1" smtClean="0">
+                        <a:latin typeface="Cambria Math"/>
+                      </a:rPr>
+                      <m:t>𝛽</m:t>
+                    </m:r>
+                    <m:sSup>
+                      <m:sSupPr>
+                        <m:ctrlPr>
+                          <a:rPr lang="en-US" b="0" i="1" smtClean="0">
+                            <a:latin typeface="Cambria Math"/>
+                          </a:rPr>
+                        </m:ctrlPr>
+                      </m:sSupPr>
+                      <m:e>
+                        <m:r>
+                          <a:rPr lang="en-US" b="0" i="1" smtClean="0">
+                            <a:latin typeface="Cambria Math"/>
+                          </a:rPr>
+                          <m:t>𝜖</m:t>
+                        </m:r>
+                      </m:e>
+                      <m:sup>
+                        <m:r>
+                          <a:rPr lang="en-US" b="0" i="1" smtClean="0">
+                            <a:latin typeface="Cambria Math"/>
+                          </a:rPr>
+                          <m:t>2</m:t>
+                        </m:r>
+                      </m:sup>
+                    </m:sSup>
+                    <m:r>
+                      <a:rPr lang="en-US" b="0" i="1" smtClean="0">
+                        <a:latin typeface="Cambria Math"/>
+                      </a:rPr>
+                      <m:t>))</m:t>
+                    </m:r>
+                  </m:oMath>
+                </a14:m>
+                <a:r>
+                  <a:rPr lang="en-US" dirty="0" smtClean="0"/>
+                  <a:t>: </a:t>
+                </a:r>
+              </a:p>
+              <a:p>
+                <a:pPr marL="0" indent="0">
+                  <a:buNone/>
+                </a:pPr>
+                <a14:m>
+                  <m:oMathPara xmlns:m="http://schemas.openxmlformats.org/officeDocument/2006/math">
+                    <m:oMathParaPr>
+                      <m:jc m:val="centerGroup"/>
+                    </m:oMathParaPr>
+                    <m:oMath xmlns:m="http://schemas.openxmlformats.org/officeDocument/2006/math">
+                      <m:func>
+                        <m:funcPr>
+                          <m:ctrlPr>
+                            <a:rPr lang="en-US" b="0" i="1" smtClean="0">
+                              <a:latin typeface="Cambria Math"/>
+                            </a:rPr>
+                          </m:ctrlPr>
+                        </m:funcPr>
+                        <m:fName>
+                          <m:r>
+                            <m:rPr>
+                              <m:sty m:val="p"/>
+                            </m:rPr>
+                            <a:rPr lang="en-US" b="0" i="0" smtClean="0">
+                              <a:latin typeface="Cambria Math"/>
+                            </a:rPr>
+                            <m:t>Pr</m:t>
+                          </m:r>
+                        </m:fName>
+                        <m:e>
+                          <m:d>
+                            <m:dPr>
+                              <m:begChr m:val="["/>
+                              <m:endChr m:val="]"/>
+                              <m:ctrlPr>
+                                <a:rPr lang="en-US" b="0" i="1" smtClean="0">
+                                  <a:latin typeface="Cambria Math"/>
+                                </a:rPr>
+                              </m:ctrlPr>
+                            </m:dPr>
+                            <m:e>
+                              <m:sSub>
+                                <m:sSubPr>
+                                  <m:ctrlPr>
+                                    <a:rPr lang="en-US" b="0" i="1" smtClean="0">
+                                      <a:latin typeface="Cambria Math"/>
+                                    </a:rPr>
+                                  </m:ctrlPr>
+                                </m:sSubPr>
+                                <m:e>
+                                  <m:d>
+                                    <m:dPr>
+                                      <m:begChr m:val="|"/>
+                                      <m:endChr m:val="|"/>
+                                      <m:ctrlPr>
+                                        <a:rPr lang="en-US" b="0" i="1" smtClean="0">
+                                          <a:latin typeface="Cambria Math"/>
+                                        </a:rPr>
+                                      </m:ctrlPr>
+                                    </m:dPr>
+                                    <m:e>
+                                      <m:d>
+                                        <m:dPr>
+                                          <m:begChr m:val="|"/>
+                                          <m:endChr m:val="|"/>
+                                          <m:ctrlPr>
+                                            <a:rPr lang="en-US" b="0" i="1" smtClean="0">
+                                              <a:latin typeface="Cambria Math"/>
+                                            </a:rPr>
+                                          </m:ctrlPr>
+                                        </m:dPr>
+                                        <m:e>
+                                          <m:sSub>
+                                            <m:sSubPr>
+                                              <m:ctrlPr>
+                                                <a:rPr lang="en-US" b="0" i="1" smtClean="0">
+                                                  <a:latin typeface="Cambria Math"/>
+                                                </a:rPr>
+                                              </m:ctrlPr>
+                                            </m:sSubPr>
+                                            <m:e>
+                                              <m:r>
+                                                <a:rPr lang="en-US" b="0" i="1" smtClean="0">
+                                                  <a:latin typeface="Cambria Math"/>
+                                                </a:rPr>
+                                                <m:t>𝐼</m:t>
+                                              </m:r>
+                                            </m:e>
+                                            <m:sub>
+                                              <m:r>
+                                                <a:rPr lang="en-US" b="0" i="1" smtClean="0">
+                                                  <a:latin typeface="Cambria Math"/>
+                                                </a:rPr>
+                                                <m:t>𝑘</m:t>
+                                              </m:r>
+                                            </m:sub>
+                                          </m:sSub>
+                                          <m:r>
+                                            <a:rPr lang="en-US" b="0" i="1" smtClean="0">
+                                              <a:latin typeface="Cambria Math"/>
+                                            </a:rPr>
+                                            <m:t>−</m:t>
+                                          </m:r>
+                                          <m:sSup>
+                                            <m:sSupPr>
+                                              <m:ctrlPr>
+                                                <a:rPr lang="en-US" b="0" i="1" smtClean="0">
+                                                  <a:latin typeface="Cambria Math"/>
+                                                </a:rPr>
+                                              </m:ctrlPr>
+                                            </m:sSupPr>
+                                            <m:e>
+                                              <m:r>
+                                                <a:rPr lang="en-US" b="0" i="1" smtClean="0">
+                                                  <a:latin typeface="Cambria Math"/>
+                                                </a:rPr>
+                                                <m:t>𝑍</m:t>
+                                              </m:r>
+                                            </m:e>
+                                            <m:sup>
+                                              <m:r>
+                                                <a:rPr lang="en-US" b="0" i="1" smtClean="0">
+                                                  <a:latin typeface="Cambria Math"/>
+                                                </a:rPr>
+                                                <m:t>𝑇</m:t>
+                                              </m:r>
+                                            </m:sup>
+                                          </m:sSup>
+                                          <m:r>
+                                            <m:rPr>
+                                              <m:sty m:val="p"/>
+                                            </m:rPr>
+                                            <a:rPr lang="en-US" b="0" i="0" smtClean="0">
+                                              <a:latin typeface="Cambria Math"/>
+                                            </a:rPr>
+                                            <m:t>Ω</m:t>
+                                          </m:r>
+                                          <m:r>
+                                            <a:rPr lang="en-US" b="0" i="1" smtClean="0">
+                                              <a:latin typeface="Cambria Math"/>
+                                            </a:rPr>
+                                            <m:t>𝐷</m:t>
+                                          </m:r>
+                                          <m:sSup>
+                                            <m:sSupPr>
+                                              <m:ctrlPr>
+                                                <a:rPr lang="en-US" b="0" i="1" smtClean="0">
+                                                  <a:latin typeface="Cambria Math"/>
+                                                </a:rPr>
+                                              </m:ctrlPr>
+                                            </m:sSupPr>
+                                            <m:e>
+                                              <m:r>
+                                                <a:rPr lang="en-US" b="0" i="1" smtClean="0">
+                                                  <a:latin typeface="Cambria Math"/>
+                                                </a:rPr>
+                                                <m:t>𝐷</m:t>
+                                              </m:r>
+                                            </m:e>
+                                            <m:sup>
+                                              <m:r>
+                                                <a:rPr lang="en-US" b="0" i="1" smtClean="0">
+                                                  <a:latin typeface="Cambria Math"/>
+                                                </a:rPr>
+                                                <m:t>𝑇</m:t>
+                                              </m:r>
+                                            </m:sup>
+                                          </m:sSup>
+                                          <m:sSup>
+                                            <m:sSupPr>
+                                              <m:ctrlPr>
+                                                <a:rPr lang="en-US" b="0" i="1" smtClean="0">
+                                                  <a:latin typeface="Cambria Math"/>
+                                                </a:rPr>
+                                              </m:ctrlPr>
+                                            </m:sSupPr>
+                                            <m:e>
+                                              <m:r>
+                                                <m:rPr>
+                                                  <m:sty m:val="p"/>
+                                                </m:rPr>
+                                                <a:rPr lang="en-US" b="0" i="0" smtClean="0">
+                                                  <a:latin typeface="Cambria Math"/>
+                                                </a:rPr>
+                                                <m:t>Ω</m:t>
+                                              </m:r>
+                                            </m:e>
+                                            <m:sup>
+                                              <m:r>
+                                                <a:rPr lang="en-US" b="0" i="1" smtClean="0">
+                                                  <a:latin typeface="Cambria Math"/>
+                                                </a:rPr>
+                                                <m:t>𝑇</m:t>
+                                              </m:r>
+                                            </m:sup>
+                                          </m:sSup>
+                                          <m:r>
+                                            <a:rPr lang="en-US" b="0" i="1" smtClean="0">
+                                              <a:latin typeface="Cambria Math"/>
+                                            </a:rPr>
+                                            <m:t>𝑍</m:t>
+                                          </m:r>
+                                        </m:e>
+                                      </m:d>
+                                    </m:e>
+                                  </m:d>
+                                </m:e>
+                                <m:sub>
+                                  <m:r>
+                                    <a:rPr lang="en-US" b="0" i="1" smtClean="0">
+                                      <a:latin typeface="Cambria Math"/>
+                                    </a:rPr>
+                                    <m:t>2</m:t>
+                                  </m:r>
+                                </m:sub>
+                              </m:sSub>
+                              <m:r>
+                                <a:rPr lang="en-US" b="0" i="1" smtClean="0">
+                                  <a:latin typeface="Cambria Math"/>
+                                </a:rPr>
+                                <m:t>&gt;</m:t>
+                              </m:r>
+                              <m:r>
+                                <a:rPr lang="en-US" b="0" i="1" smtClean="0">
+                                  <a:latin typeface="Cambria Math"/>
+                                </a:rPr>
+                                <m:t>𝜖</m:t>
+                              </m:r>
+                            </m:e>
+                          </m:d>
+                        </m:e>
+                      </m:func>
+                      <m:r>
+                        <a:rPr lang="en-US" b="0" i="1" smtClean="0">
+                          <a:latin typeface="Cambria Math"/>
+                        </a:rPr>
+                        <m:t>≤</m:t>
+                      </m:r>
+                      <m:r>
+                        <a:rPr lang="en-US" b="0" i="1" smtClean="0">
+                          <a:latin typeface="Cambria Math"/>
+                        </a:rPr>
+                        <m:t>𝛿</m:t>
+                      </m:r>
+                    </m:oMath>
+                  </m:oMathPara>
+                </a14:m>
+                <a:endParaRPr lang="en-US" dirty="0" smtClean="0"/>
+              </a:p>
+            </p:txBody>
+          </p:sp>
+        </mc:Choice>
+        <mc:Fallback xmlns="">
+          <p:sp>
+            <p:nvSpPr>
+              <p:cNvPr id="3" name="Content Placeholder 2"/>
+              <p:cNvSpPr>
+                <a:spLocks noGrp="1" noRot="1" noChangeAspect="1" noMove="1" noResize="1" noEditPoints="1" noAdjustHandles="1" noChangeArrowheads="1" noChangeShapeType="1" noTextEdit="1"/>
+              </p:cNvSpPr>
+              <p:nvPr>
+                <p:ph idx="1"/>
+              </p:nvPr>
+            </p:nvSpPr>
+            <p:spPr>
+              <a:xfrm>
+                <a:off x="457200" y="1371600"/>
+                <a:ext cx="8229600" cy="5486400"/>
+              </a:xfrm>
+              <a:blipFill rotWithShape="1">
+                <a:blip r:embed="rId2"/>
+                <a:stretch>
+                  <a:fillRect l="-815"/>
+                </a:stretch>
+              </a:blipFill>
+            </p:spPr>
+            <p:txBody>
+              <a:bodyPr/>
+              <a:lstStyle/>
+              <a:p>
+                <a:r>
+                  <a:rPr lang="en-US">
+                    <a:noFill/>
+                  </a:rPr>
+                  <a:t> </a:t>
+                </a:r>
+              </a:p>
+            </p:txBody>
+          </p:sp>
+        </mc:Fallback>
+      </mc:AlternateContent>
+    </p:spTree>
+    <p:extLst>
+      <p:ext uri="{BB962C8B-B14F-4D97-AF65-F5344CB8AC3E}">
+        <p14:creationId xmlns:p14="http://schemas.microsoft.com/office/powerpoint/2010/main" val="1007192391"/>
+      </p:ext>
+    </p:extLst>
+  </p:cSld>
+  <p:clrMapOvr>
+    <a:masterClrMapping/>
+  </p:clrMapOvr>
+  <p:timing>
+    <p:tnLst>
+      <p:par>
+        <p:cTn id="1" dur="indefinite" restart="never" nodeType="tmRoot">
+          <p:childTnLst>
+            <p:seq concurrent="1" nextAc="seek">
+              <p:cTn id="2" dur="indefinite" nodeType="mainSeq">
+                <p:childTnLst>
+                  <p:par>
+                    <p:cTn id="3" fill="hold">
+                      <p:stCondLst>
+                        <p:cond delay="indefinite"/>
+                      </p:stCondLst>
+                      <p:childTnLst>
+                        <p:par>
+                          <p:cTn id="4" fill="hold">
+                            <p:stCondLst>
+                              <p:cond delay="0"/>
+                            </p:stCondLst>
+                            <p:childTnLst>
+                              <p:par>
+                                <p:cTn id="5" presetID="1" presetClass="entr" presetSubtype="0" fill="hold" grpId="0" nodeType="clickEffect">
+                                  <p:stCondLst>
+                                    <p:cond delay="0"/>
+                                  </p:stCondLst>
+                                  <p:childTnLst>
+                                    <p:set>
+                                      <p:cBhvr>
+                                        <p:cTn id="6" dur="1" fill="hold">
+                                          <p:stCondLst>
+                                            <p:cond delay="0"/>
+                                          </p:stCondLst>
+                                        </p:cTn>
+                                        <p:tgtEl>
+                                          <p:spTgt spid="3">
+                                            <p:txEl>
+                                              <p:pRg st="0" end="0"/>
+                                            </p:txEl>
+                                          </p:spTgt>
+                                        </p:tgtEl>
+                                        <p:attrNameLst>
+                                          <p:attrName>style.visibility</p:attrName>
+                                        </p:attrNameLst>
+                                      </p:cBhvr>
+                                      <p:to>
+                                        <p:strVal val="visible"/>
+                                      </p:to>
+                                    </p:set>
+                                  </p:childTnLst>
+                                </p:cTn>
+                              </p:par>
+                            </p:childTnLst>
+                          </p:cTn>
+                        </p:par>
+                      </p:childTnLst>
+                    </p:cTn>
+                  </p:par>
+                  <p:par>
+                    <p:cTn id="7" fill="hold">
+                      <p:stCondLst>
+                        <p:cond delay="indefinite"/>
+                      </p:stCondLst>
+                      <p:childTnLst>
+                        <p:par>
+                          <p:cTn id="8" fill="hold">
+                            <p:stCondLst>
+                              <p:cond delay="0"/>
+                            </p:stCondLst>
+                            <p:childTnLst>
+                              <p:par>
+                                <p:cTn id="9" presetID="1" presetClass="entr" presetSubtype="0" fill="hold" grpId="0" nodeType="clickEffect">
+                                  <p:stCondLst>
+                                    <p:cond delay="0"/>
+                                  </p:stCondLst>
+                                  <p:childTnLst>
+                                    <p:set>
+                                      <p:cBhvr>
+                                        <p:cTn id="10" dur="1" fill="hold">
+                                          <p:stCondLst>
+                                            <p:cond delay="0"/>
+                                          </p:stCondLst>
+                                        </p:cTn>
+                                        <p:tgtEl>
+                                          <p:spTgt spid="3">
+                                            <p:txEl>
+                                              <p:pRg st="1" end="1"/>
+                                            </p:txEl>
+                                          </p:spTgt>
+                                        </p:tgtEl>
+                                        <p:attrNameLst>
+                                          <p:attrName>style.visibility</p:attrName>
+                                        </p:attrNameLst>
+                                      </p:cBhvr>
+                                      <p:to>
+                                        <p:strVal val="visible"/>
+                                      </p:to>
+                                    </p:set>
+                                  </p:childTnLst>
+                                </p:cTn>
+                              </p:par>
+                            </p:childTnLst>
+                          </p:cTn>
+                        </p:par>
+                      </p:childTnLst>
+                    </p:cTn>
+                  </p:par>
+                  <p:par>
+                    <p:cTn id="11" fill="hold">
+                      <p:stCondLst>
+                        <p:cond delay="indefinite"/>
+                      </p:stCondLst>
+                      <p:childTnLst>
+                        <p:par>
+                          <p:cTn id="12" fill="hold">
+                            <p:stCondLst>
+                              <p:cond delay="0"/>
+                            </p:stCondLst>
+                            <p:childTnLst>
+                              <p:par>
+                                <p:cTn id="13" presetID="1" presetClass="entr" presetSubtype="0" fill="hold" grpId="0" nodeType="clickEffect">
+                                  <p:stCondLst>
+                                    <p:cond delay="0"/>
+                                  </p:stCondLst>
+                                  <p:childTnLst>
+                                    <p:set>
+                                      <p:cBhvr>
+                                        <p:cTn id="14" dur="1" fill="hold">
+                                          <p:stCondLst>
+                                            <p:cond delay="0"/>
+                                          </p:stCondLst>
+                                        </p:cTn>
+                                        <p:tgtEl>
+                                          <p:spTgt spid="3">
+                                            <p:txEl>
+                                              <p:pRg st="2" end="2"/>
+                                            </p:txEl>
+                                          </p:spTgt>
+                                        </p:tgtEl>
+                                        <p:attrNameLst>
+                                          <p:attrName>style.visibility</p:attrName>
+                                        </p:attrNameLst>
+                                      </p:cBhvr>
+                                      <p:to>
+                                        <p:strVal val="visible"/>
+                                      </p:to>
+                                    </p:set>
+                                  </p:childTnLst>
+                                </p:cTn>
+                              </p:par>
+                            </p:childTnLst>
+                          </p:cTn>
+                        </p:par>
+                      </p:childTnLst>
+                    </p:cTn>
+                  </p:par>
+                  <p:par>
+                    <p:cTn id="15" fill="hold">
+                      <p:stCondLst>
+                        <p:cond delay="indefinite"/>
+                      </p:stCondLst>
+                      <p:childTnLst>
+                        <p:par>
+                          <p:cTn id="16" fill="hold">
+                            <p:stCondLst>
+                              <p:cond delay="0"/>
+                            </p:stCondLst>
+                            <p:childTnLst>
+                              <p:par>
+                                <p:cTn id="17" presetID="1" presetClass="entr" presetSubtype="0" fill="hold" grpId="0" nodeType="clickEffect">
+                                  <p:stCondLst>
+                                    <p:cond delay="0"/>
+                                  </p:stCondLst>
+                                  <p:childTnLst>
+                                    <p:set>
+                                      <p:cBhvr>
+                                        <p:cTn id="18" dur="1" fill="hold">
+                                          <p:stCondLst>
+                                            <p:cond delay="0"/>
+                                          </p:stCondLst>
+                                        </p:cTn>
+                                        <p:tgtEl>
+                                          <p:spTgt spid="3">
+                                            <p:txEl>
+                                              <p:pRg st="3" end="3"/>
+                                            </p:txEl>
+                                          </p:spTgt>
+                                        </p:tgtEl>
+                                        <p:attrNameLst>
+                                          <p:attrName>style.visibility</p:attrName>
+                                        </p:attrNameLst>
+                                      </p:cBhvr>
+                                      <p:to>
+                                        <p:strVal val="visible"/>
+                                      </p:to>
+                                    </p:set>
+                                  </p:childTnLst>
+                                </p:cTn>
+                              </p:par>
+                            </p:childTnLst>
+                          </p:cTn>
+                        </p:par>
+                      </p:childTnLst>
+                    </p:cTn>
+                  </p:par>
+                  <p:par>
+                    <p:cTn id="19" fill="hold">
+                      <p:stCondLst>
+                        <p:cond delay="indefinite"/>
+                      </p:stCondLst>
+                      <p:childTnLst>
+                        <p:par>
+                          <p:cTn id="20" fill="hold">
+                            <p:stCondLst>
+                              <p:cond delay="0"/>
+                            </p:stCondLst>
+                            <p:childTnLst>
+                              <p:par>
+                                <p:cTn id="21" presetID="1" presetClass="entr" presetSubtype="0" fill="hold" grpId="0" nodeType="clickEffect">
+                                  <p:stCondLst>
+                                    <p:cond delay="0"/>
+                                  </p:stCondLst>
+                                  <p:childTnLst>
+                                    <p:set>
+                                      <p:cBhvr>
+                                        <p:cTn id="22" dur="1" fill="hold">
+                                          <p:stCondLst>
+                                            <p:cond delay="0"/>
+                                          </p:stCondLst>
+                                        </p:cTn>
+                                        <p:tgtEl>
+                                          <p:spTgt spid="3">
+                                            <p:txEl>
+                                              <p:pRg st="4" end="4"/>
+                                            </p:txEl>
+                                          </p:spTgt>
+                                        </p:tgtEl>
+                                        <p:attrNameLst>
+                                          <p:attrName>style.visibility</p:attrName>
+                                        </p:attrNameLst>
+                                      </p:cBhvr>
+                                      <p:to>
+                                        <p:strVal val="visible"/>
+                                      </p:to>
+                                    </p:set>
+                                  </p:childTnLst>
+                                </p:cTn>
+                              </p:par>
+                            </p:childTnLst>
+                          </p:cTn>
+                        </p:par>
+                      </p:childTnLst>
+                    </p:cTn>
+                  </p:par>
+                  <p:par>
+                    <p:cTn id="23" fill="hold">
+                      <p:stCondLst>
+                        <p:cond delay="indefinite"/>
+                      </p:stCondLst>
+                      <p:childTnLst>
+                        <p:par>
+                          <p:cTn id="24" fill="hold">
+                            <p:stCondLst>
+                              <p:cond delay="0"/>
+                            </p:stCondLst>
+                            <p:childTnLst>
+                              <p:par>
+                                <p:cTn id="25" presetID="1" presetClass="entr" presetSubtype="0" fill="hold" grpId="0" nodeType="clickEffect">
+                                  <p:stCondLst>
+                                    <p:cond delay="0"/>
+                                  </p:stCondLst>
+                                  <p:childTnLst>
+                                    <p:set>
+                                      <p:cBhvr>
+                                        <p:cTn id="26" dur="1" fill="hold">
+                                          <p:stCondLst>
+                                            <p:cond delay="0"/>
+                                          </p:stCondLst>
+                                        </p:cTn>
+                                        <p:tgtEl>
+                                          <p:spTgt spid="3">
+                                            <p:txEl>
+                                              <p:pRg st="5" end="5"/>
+                                            </p:txEl>
+                                          </p:spTgt>
+                                        </p:tgtEl>
+                                        <p:attrNameLst>
+                                          <p:attrName>style.visibility</p:attrName>
+                                        </p:attrNameLst>
+                                      </p:cBhvr>
+                                      <p:to>
+                                        <p:strVal val="visible"/>
+                                      </p:to>
+                                    </p:set>
+                                  </p:childTnLst>
+                                </p:cTn>
+                              </p:par>
+                            </p:childTnLst>
+                          </p:cTn>
+                        </p:par>
+                      </p:childTnLst>
+                    </p:cTn>
+                  </p:par>
+                  <p:par>
+                    <p:cTn id="27" fill="hold">
+                      <p:stCondLst>
+                        <p:cond delay="indefinite"/>
+                      </p:stCondLst>
+                      <p:childTnLst>
+                        <p:par>
+                          <p:cTn id="28" fill="hold">
+                            <p:stCondLst>
+                              <p:cond delay="0"/>
+                            </p:stCondLst>
+                            <p:childTnLst>
+                              <p:par>
+                                <p:cTn id="29" presetID="1" presetClass="entr" presetSubtype="0" fill="hold" grpId="0" nodeType="clickEffect">
+                                  <p:stCondLst>
+                                    <p:cond delay="0"/>
+                                  </p:stCondLst>
+                                  <p:childTnLst>
+                                    <p:set>
+                                      <p:cBhvr>
+                                        <p:cTn id="30" dur="1" fill="hold">
+                                          <p:stCondLst>
+                                            <p:cond delay="0"/>
+                                          </p:stCondLst>
+                                        </p:cTn>
+                                        <p:tgtEl>
+                                          <p:spTgt spid="3">
+                                            <p:txEl>
+                                              <p:pRg st="6" end="6"/>
+                                            </p:txEl>
+                                          </p:spTgt>
+                                        </p:tgtEl>
+                                        <p:attrNameLst>
+                                          <p:attrName>style.visibility</p:attrName>
+                                        </p:attrNameLst>
+                                      </p:cBhvr>
+                                      <p:to>
+                                        <p:strVal val="visible"/>
+                                      </p:to>
+                                    </p:set>
+                                  </p:childTnLst>
+                                </p:cTn>
+                              </p:par>
+                            </p:childTnLst>
+                          </p:cTn>
+                        </p:par>
+                      </p:childTnLst>
+                    </p:cTn>
+                  </p:par>
+                  <p:par>
+                    <p:cTn id="31" fill="hold">
+                      <p:stCondLst>
+                        <p:cond delay="indefinite"/>
+                      </p:stCondLst>
+                      <p:childTnLst>
+                        <p:par>
+                          <p:cTn id="32" fill="hold">
+                            <p:stCondLst>
+                              <p:cond delay="0"/>
+                            </p:stCondLst>
+                            <p:childTnLst>
+                              <p:par>
+                                <p:cTn id="33" presetID="1" presetClass="entr" presetSubtype="0" fill="hold" grpId="0" nodeType="clickEffect">
+                                  <p:stCondLst>
+                                    <p:cond delay="0"/>
+                                  </p:stCondLst>
+                                  <p:childTnLst>
+                                    <p:set>
+                                      <p:cBhvr>
+                                        <p:cTn id="34" dur="1" fill="hold">
+                                          <p:stCondLst>
+                                            <p:cond delay="0"/>
+                                          </p:stCondLst>
+                                        </p:cTn>
+                                        <p:tgtEl>
+                                          <p:spTgt spid="3">
+                                            <p:txEl>
+                                              <p:pRg st="7" end="7"/>
+                                            </p:txEl>
+                                          </p:spTgt>
+                                        </p:tgtEl>
+                                        <p:attrNameLst>
+                                          <p:attrName>style.visibility</p:attrName>
+                                        </p:attrNameLst>
+                                      </p:cBhvr>
+                                      <p:to>
+                                        <p:strVal val="visible"/>
+                                      </p:to>
+                                    </p:set>
+                                  </p:childTnLst>
+                                </p:cTn>
+                              </p:par>
+                            </p:childTnLst>
+                          </p:cTn>
+                        </p:par>
+                      </p:childTnLst>
+                    </p:cTn>
+                  </p:par>
+                </p:childTnLst>
+              </p:cTn>
+              <p:prevCondLst>
+                <p:cond evt="onPrev" delay="0">
+                  <p:tgtEl>
+                    <p:sldTgt/>
+                  </p:tgtEl>
+                </p:cond>
+              </p:prevCondLst>
+              <p:nextCondLst>
+                <p:cond evt="onNext" delay="0">
+                  <p:tgtEl>
+                    <p:sldTgt/>
+                  </p:tgtEl>
+                </p:cond>
+              </p:nextCondLst>
+            </p:seq>
+          </p:childTnLst>
+        </p:cTn>
+      </p:par>
+    </p:tnLst>
+    <p:bldLst>
+      <p:bldP spid="3" grpId="0" build="p"/>
+    </p:bldLst>
+  </p:timing>
+</p:sld>
+</file>
+
+<file path=ppt/slides/slide15.xml><?xml version="1.0" encoding="utf-8"?>
+<p:sld xmlns:a="http://schemas.openxmlformats.org/drawingml/2006/main" xmlns:r="http://schemas.openxmlformats.org/officeDocument/2006/relationships" xmlns:p="http://schemas.openxmlformats.org/presentationml/2006/main">
+  <p:cSld>
+    <p:spTree>
+      <p:nvGrpSpPr>
+        <p:cNvPr id="1" name=""/>
+        <p:cNvGrpSpPr/>
+        <p:nvPr/>
+      </p:nvGrpSpPr>
+      <p:grpSpPr>
+        <a:xfrm>
+          <a:off x="0" y="0"/>
+          <a:ext cx="0" cy="0"/>
+          <a:chOff x="0" y="0"/>
+          <a:chExt cx="0" cy="0"/>
+        </a:xfrm>
+      </p:grpSpPr>
+      <p:sp>
+        <p:nvSpPr>
+          <p:cNvPr id="2" name="Title 1"/>
+          <p:cNvSpPr>
+            <a:spLocks noGrp="1"/>
+          </p:cNvSpPr>
+          <p:nvPr>
+            <p:ph type="title"/>
+          </p:nvPr>
+        </p:nvSpPr>
+        <p:spPr/>
+        <p:txBody>
+          <a:bodyPr/>
+          <a:lstStyle/>
+          <a:p>
+            <a:r>
+              <a:rPr lang="en-US" dirty="0" smtClean="0">
+                <a:solidFill>
+                  <a:srgbClr val="0070C0"/>
+                </a:solidFill>
+              </a:rPr>
+              <a:t>LSS as a Subspace Embedding</a:t>
+            </a:r>
+            <a:endParaRPr lang="en-US" dirty="0">
+              <a:solidFill>
+                <a:srgbClr val="0070C0"/>
+              </a:solidFill>
+            </a:endParaRPr>
+          </a:p>
+        </p:txBody>
+      </p:sp>
+      <mc:AlternateContent xmlns:mc="http://schemas.openxmlformats.org/markup-compatibility/2006" xmlns:a14="http://schemas.microsoft.com/office/drawing/2010/main">
+        <mc:Choice Requires="a14">
+          <p:sp>
+            <p:nvSpPr>
+              <p:cNvPr id="3" name="Content Placeholder 2"/>
+              <p:cNvSpPr>
+                <a:spLocks noGrp="1"/>
+              </p:cNvSpPr>
+              <p:nvPr>
+                <p:ph idx="1"/>
+              </p:nvPr>
+            </p:nvSpPr>
+            <p:spPr/>
+            <p:txBody>
+              <a:bodyPr/>
+              <a:lstStyle/>
+              <a:p>
+                <a14:m>
+                  <m:oMath xmlns:m="http://schemas.openxmlformats.org/officeDocument/2006/math">
+                    <m:r>
+                      <a:rPr lang="en-US" b="0" i="1" smtClean="0">
+                        <a:latin typeface="Cambria Math"/>
+                      </a:rPr>
+                      <m:t>𝐴</m:t>
+                    </m:r>
+                    <m:r>
+                      <a:rPr lang="en-US" b="0" i="1" smtClean="0">
+                        <a:latin typeface="Cambria Math"/>
+                      </a:rPr>
+                      <m:t>=</m:t>
+                    </m:r>
+                    <m:r>
+                      <a:rPr lang="en-US" b="0" i="1" smtClean="0">
+                        <a:latin typeface="Cambria Math"/>
+                      </a:rPr>
+                      <m:t>𝑍</m:t>
+                    </m:r>
+                    <m:r>
+                      <m:rPr>
+                        <m:sty m:val="p"/>
+                      </m:rPr>
+                      <a:rPr lang="en-US" b="0" i="0" smtClean="0">
+                        <a:latin typeface="Cambria Math"/>
+                      </a:rPr>
+                      <m:t>Σ</m:t>
+                    </m:r>
+                    <m:sSup>
+                      <m:sSupPr>
+                        <m:ctrlPr>
+                          <a:rPr lang="en-US" b="0" i="1" smtClean="0">
+                            <a:latin typeface="Cambria Math"/>
+                          </a:rPr>
+                        </m:ctrlPr>
+                      </m:sSupPr>
+                      <m:e>
+                        <m:r>
+                          <a:rPr lang="en-US" b="0" i="1" smtClean="0">
+                            <a:latin typeface="Cambria Math"/>
+                          </a:rPr>
+                          <m:t>𝑉</m:t>
+                        </m:r>
+                      </m:e>
+                      <m:sup>
+                        <m:r>
+                          <a:rPr lang="en-US" b="0" i="1" smtClean="0">
+                            <a:latin typeface="Cambria Math"/>
+                          </a:rPr>
+                          <m:t>𝑇</m:t>
+                        </m:r>
+                      </m:sup>
+                    </m:sSup>
+                  </m:oMath>
+                </a14:m>
+                <a:r>
+                  <a:rPr lang="en-US" dirty="0" smtClean="0"/>
+                  <a:t> (SVD of </a:t>
+                </a:r>
+                <a14:m>
+                  <m:oMath xmlns:m="http://schemas.openxmlformats.org/officeDocument/2006/math">
+                    <m:r>
+                      <a:rPr lang="en-US" i="1" dirty="0" smtClean="0">
+                        <a:latin typeface="Cambria Math"/>
+                      </a:rPr>
+                      <m:t>𝐴</m:t>
+                    </m:r>
+                  </m:oMath>
+                </a14:m>
+                <a:r>
+                  <a:rPr lang="en-US" dirty="0" smtClean="0"/>
+                  <a:t>)</a:t>
+                </a:r>
+              </a:p>
+              <a:p>
+                <a14:m>
+                  <m:oMath xmlns:m="http://schemas.openxmlformats.org/officeDocument/2006/math">
+                    <m:sSub>
+                      <m:sSubPr>
+                        <m:ctrlPr>
+                          <a:rPr lang="en-US" b="0" i="1" smtClean="0">
+                            <a:latin typeface="Cambria Math"/>
+                          </a:rPr>
+                        </m:ctrlPr>
+                      </m:sSubPr>
+                      <m:e>
+                        <m:d>
+                          <m:dPr>
+                            <m:begChr m:val="|"/>
+                            <m:endChr m:val="|"/>
+                            <m:ctrlPr>
+                              <a:rPr lang="en-US" b="0" i="1" smtClean="0">
+                                <a:latin typeface="Cambria Math"/>
+                              </a:rPr>
+                            </m:ctrlPr>
+                          </m:dPr>
+                          <m:e>
+                            <m:d>
+                              <m:dPr>
+                                <m:begChr m:val="|"/>
+                                <m:endChr m:val="|"/>
+                                <m:ctrlPr>
+                                  <a:rPr lang="en-US" b="0" i="1" smtClean="0">
+                                    <a:latin typeface="Cambria Math"/>
+                                  </a:rPr>
+                                </m:ctrlPr>
+                              </m:dPr>
+                              <m:e>
+                                <m:sSup>
+                                  <m:sSupPr>
+                                    <m:ctrlPr>
+                                      <a:rPr lang="en-US" b="0" i="1" smtClean="0">
+                                        <a:latin typeface="Cambria Math"/>
+                                      </a:rPr>
+                                    </m:ctrlPr>
+                                  </m:sSupPr>
+                                  <m:e>
+                                    <m:r>
+                                      <a:rPr lang="en-US" b="0" i="1" smtClean="0">
+                                        <a:latin typeface="Cambria Math"/>
+                                      </a:rPr>
+                                      <m:t>𝐷</m:t>
+                                    </m:r>
+                                  </m:e>
+                                  <m:sup>
+                                    <m:r>
+                                      <a:rPr lang="en-US" b="0" i="1" smtClean="0">
+                                        <a:latin typeface="Cambria Math"/>
+                                      </a:rPr>
+                                      <m:t>𝑇</m:t>
+                                    </m:r>
+                                  </m:sup>
+                                </m:sSup>
+                                <m:sSup>
+                                  <m:sSupPr>
+                                    <m:ctrlPr>
+                                      <a:rPr lang="en-US" b="0" i="1" smtClean="0">
+                                        <a:latin typeface="Cambria Math"/>
+                                      </a:rPr>
+                                    </m:ctrlPr>
+                                  </m:sSupPr>
+                                  <m:e>
+                                    <m:r>
+                                      <m:rPr>
+                                        <m:sty m:val="p"/>
+                                      </m:rPr>
+                                      <a:rPr lang="en-US" b="0" i="0" smtClean="0">
+                                        <a:latin typeface="Cambria Math"/>
+                                      </a:rPr>
+                                      <m:t>Ω</m:t>
+                                    </m:r>
+                                  </m:e>
+                                  <m:sup>
+                                    <m:r>
+                                      <a:rPr lang="en-US" b="0" i="1" smtClean="0">
+                                        <a:latin typeface="Cambria Math"/>
+                                      </a:rPr>
+                                      <m:t>𝑇</m:t>
+                                    </m:r>
+                                  </m:sup>
+                                </m:sSup>
+                                <m:r>
+                                  <a:rPr lang="en-US" b="0" i="1" smtClean="0">
+                                    <a:latin typeface="Cambria Math"/>
+                                  </a:rPr>
+                                  <m:t>𝐴𝑥</m:t>
+                                </m:r>
+                              </m:e>
+                            </m:d>
+                          </m:e>
+                        </m:d>
+                      </m:e>
+                      <m:sub>
+                        <m:r>
+                          <a:rPr lang="en-US" b="0" i="1" smtClean="0">
+                            <a:latin typeface="Cambria Math"/>
+                          </a:rPr>
+                          <m:t>2</m:t>
+                        </m:r>
+                      </m:sub>
+                    </m:sSub>
+                    <m:r>
+                      <a:rPr lang="en-US" b="0" i="1" smtClean="0">
+                        <a:latin typeface="Cambria Math"/>
+                      </a:rPr>
+                      <m:t>=</m:t>
+                    </m:r>
+                  </m:oMath>
+                </a14:m>
+                <a:endParaRPr lang="en-US" b="0" i="1" dirty="0" smtClean="0">
+                  <a:latin typeface="Cambria Math"/>
+                </a:endParaRPr>
+              </a:p>
+              <a:p>
+                <a:pPr marL="0" indent="0">
+                  <a:buNone/>
+                </a:pPr>
+                <a:r>
+                  <a:rPr lang="en-US" b="0" dirty="0" smtClean="0"/>
+                  <a:t>=</a:t>
+                </a:r>
+                <a14:m>
+                  <m:oMath xmlns:m="http://schemas.openxmlformats.org/officeDocument/2006/math">
+                    <m:d>
+                      <m:dPr>
+                        <m:ctrlPr>
+                          <a:rPr lang="en-US" b="0" i="1" smtClean="0">
+                            <a:latin typeface="Cambria Math"/>
+                          </a:rPr>
+                        </m:ctrlPr>
+                      </m:dPr>
+                      <m:e>
+                        <m:r>
+                          <a:rPr lang="en-US" b="0" i="1" smtClean="0">
+                            <a:latin typeface="Cambria Math"/>
+                          </a:rPr>
+                          <m:t>1±</m:t>
+                        </m:r>
+                        <m:r>
+                          <a:rPr lang="en-US" b="0" i="1" smtClean="0">
+                            <a:latin typeface="Cambria Math"/>
+                          </a:rPr>
+                          <m:t>𝜖</m:t>
+                        </m:r>
+                      </m:e>
+                    </m:d>
+                    <m:sSub>
+                      <m:sSubPr>
+                        <m:ctrlPr>
+                          <a:rPr lang="en-US" b="0" i="1" smtClean="0">
+                            <a:latin typeface="Cambria Math"/>
+                          </a:rPr>
+                        </m:ctrlPr>
+                      </m:sSubPr>
+                      <m:e>
+                        <m:d>
+                          <m:dPr>
+                            <m:begChr m:val="|"/>
+                            <m:endChr m:val="|"/>
+                            <m:ctrlPr>
+                              <a:rPr lang="en-US" b="0" i="1" smtClean="0">
+                                <a:latin typeface="Cambria Math"/>
+                              </a:rPr>
+                            </m:ctrlPr>
+                          </m:dPr>
+                          <m:e>
+                            <m:d>
+                              <m:dPr>
+                                <m:begChr m:val="|"/>
+                                <m:endChr m:val="|"/>
+                                <m:ctrlPr>
+                                  <a:rPr lang="en-US" b="0" i="1" smtClean="0">
+                                    <a:latin typeface="Cambria Math"/>
+                                  </a:rPr>
+                                </m:ctrlPr>
+                              </m:dPr>
+                              <m:e>
+                                <m:r>
+                                  <m:rPr>
+                                    <m:sty m:val="p"/>
+                                  </m:rPr>
+                                  <a:rPr lang="en-US" b="0" i="0" smtClean="0">
+                                    <a:latin typeface="Cambria Math"/>
+                                  </a:rPr>
+                                  <m:t>Σ</m:t>
+                                </m:r>
+                                <m:sSup>
+                                  <m:sSupPr>
+                                    <m:ctrlPr>
+                                      <a:rPr lang="en-US" b="0" i="1" smtClean="0">
+                                        <a:latin typeface="Cambria Math"/>
+                                      </a:rPr>
+                                    </m:ctrlPr>
+                                  </m:sSupPr>
+                                  <m:e>
+                                    <m:r>
+                                      <a:rPr lang="en-US" b="0" i="1" smtClean="0">
+                                        <a:latin typeface="Cambria Math"/>
+                                      </a:rPr>
+                                      <m:t>𝑉</m:t>
+                                    </m:r>
+                                  </m:e>
+                                  <m:sup>
+                                    <m:r>
+                                      <a:rPr lang="en-US" b="0" i="1" smtClean="0">
+                                        <a:latin typeface="Cambria Math"/>
+                                      </a:rPr>
+                                      <m:t>𝑇</m:t>
+                                    </m:r>
+                                  </m:sup>
+                                </m:sSup>
+                                <m:r>
+                                  <a:rPr lang="en-US" b="0" i="1" smtClean="0">
+                                    <a:latin typeface="Cambria Math"/>
+                                  </a:rPr>
+                                  <m:t>𝑥</m:t>
+                                </m:r>
+                              </m:e>
+                            </m:d>
+                          </m:e>
+                        </m:d>
+                      </m:e>
+                      <m:sub>
+                        <m:r>
+                          <a:rPr lang="en-US" b="0" i="1" smtClean="0">
+                            <a:latin typeface="Cambria Math"/>
+                          </a:rPr>
+                          <m:t>2</m:t>
+                        </m:r>
+                      </m:sub>
+                    </m:sSub>
+                    <m:r>
+                      <a:rPr lang="en-US" b="0" i="1" smtClean="0">
+                        <a:latin typeface="Cambria Math"/>
+                      </a:rPr>
+                      <m:t> </m:t>
+                    </m:r>
+                  </m:oMath>
+                </a14:m>
+                <a:r>
+                  <a:rPr lang="en-US" b="0" dirty="0" smtClean="0"/>
+                  <a:t> (all sing. values up to </a:t>
+                </a:r>
+                <a14:m>
+                  <m:oMath xmlns:m="http://schemas.openxmlformats.org/officeDocument/2006/math">
+                    <m:r>
+                      <a:rPr lang="en-US" b="0" i="1" smtClean="0">
+                        <a:latin typeface="Cambria Math"/>
+                      </a:rPr>
+                      <m:t>1±</m:t>
+                    </m:r>
+                    <m:r>
+                      <a:rPr lang="en-US" b="0" i="1" smtClean="0">
+                        <a:latin typeface="Cambria Math"/>
+                      </a:rPr>
+                      <m:t>𝜖</m:t>
+                    </m:r>
+                  </m:oMath>
+                </a14:m>
+                <a:r>
+                  <a:rPr lang="en-US" b="0" dirty="0" smtClean="0"/>
+                  <a:t>)</a:t>
+                </a:r>
+              </a:p>
+              <a:p>
+                <a:pPr marL="0" indent="0">
+                  <a:buNone/>
+                </a:pPr>
+                <a:r>
+                  <a:rPr lang="en-US" b="0" dirty="0" smtClean="0"/>
+                  <a:t>=</a:t>
+                </a:r>
+                <a14:m>
+                  <m:oMath xmlns:m="http://schemas.openxmlformats.org/officeDocument/2006/math">
+                    <m:d>
+                      <m:dPr>
+                        <m:ctrlPr>
+                          <a:rPr lang="en-US" b="0" i="1" smtClean="0">
+                            <a:latin typeface="Cambria Math"/>
+                          </a:rPr>
+                        </m:ctrlPr>
+                      </m:dPr>
+                      <m:e>
+                        <m:r>
+                          <a:rPr lang="en-US" b="0" i="1" smtClean="0">
+                            <a:latin typeface="Cambria Math"/>
+                          </a:rPr>
+                          <m:t>1±</m:t>
+                        </m:r>
+                        <m:r>
+                          <a:rPr lang="en-US" b="0" i="1" smtClean="0">
+                            <a:latin typeface="Cambria Math"/>
+                          </a:rPr>
+                          <m:t>𝜖</m:t>
+                        </m:r>
+                      </m:e>
+                    </m:d>
+                    <m:sSub>
+                      <m:sSubPr>
+                        <m:ctrlPr>
+                          <a:rPr lang="en-US" b="0" i="1" smtClean="0">
+                            <a:latin typeface="Cambria Math"/>
+                          </a:rPr>
+                        </m:ctrlPr>
+                      </m:sSubPr>
+                      <m:e>
+                        <m:d>
+                          <m:dPr>
+                            <m:begChr m:val="|"/>
+                            <m:endChr m:val="|"/>
+                            <m:ctrlPr>
+                              <a:rPr lang="en-US" b="0" i="1" smtClean="0">
+                                <a:latin typeface="Cambria Math"/>
+                              </a:rPr>
+                            </m:ctrlPr>
+                          </m:dPr>
+                          <m:e>
+                            <m:d>
+                              <m:dPr>
+                                <m:begChr m:val="|"/>
+                                <m:endChr m:val="|"/>
+                                <m:ctrlPr>
+                                  <a:rPr lang="en-US" b="0" i="1" smtClean="0">
+                                    <a:latin typeface="Cambria Math"/>
+                                  </a:rPr>
+                                </m:ctrlPr>
+                              </m:dPr>
+                              <m:e>
+                                <m:r>
+                                  <a:rPr lang="en-US" b="0" i="1" smtClean="0">
+                                    <a:latin typeface="Cambria Math"/>
+                                  </a:rPr>
+                                  <m:t>𝐴𝑥</m:t>
+                                </m:r>
+                              </m:e>
+                            </m:d>
+                          </m:e>
+                        </m:d>
+                      </m:e>
+                      <m:sub>
+                        <m:r>
+                          <a:rPr lang="en-US" b="0" i="1" smtClean="0">
+                            <a:latin typeface="Cambria Math"/>
+                          </a:rPr>
+                          <m:t>2</m:t>
+                        </m:r>
+                      </m:sub>
+                    </m:sSub>
+                  </m:oMath>
+                </a14:m>
+                <a:r>
+                  <a:rPr lang="en-US" b="0" dirty="0" smtClean="0"/>
+                  <a:t>  (</a:t>
+                </a:r>
+                <a14:m>
+                  <m:oMath xmlns:m="http://schemas.openxmlformats.org/officeDocument/2006/math">
+                    <m:sSub>
+                      <m:sSubPr>
+                        <m:ctrlPr>
+                          <a:rPr lang="en-US" b="0" i="1" dirty="0" smtClean="0">
+                            <a:latin typeface="Cambria Math"/>
+                          </a:rPr>
+                        </m:ctrlPr>
+                      </m:sSubPr>
+                      <m:e>
+                        <m:d>
+                          <m:dPr>
+                            <m:begChr m:val="|"/>
+                            <m:endChr m:val="|"/>
+                            <m:ctrlPr>
+                              <a:rPr lang="en-US" b="0" i="1" dirty="0" smtClean="0">
+                                <a:latin typeface="Cambria Math"/>
+                              </a:rPr>
+                            </m:ctrlPr>
+                          </m:dPr>
+                          <m:e>
+                            <m:d>
+                              <m:dPr>
+                                <m:begChr m:val="|"/>
+                                <m:endChr m:val="|"/>
+                                <m:ctrlPr>
+                                  <a:rPr lang="en-US" b="0" i="1" dirty="0" smtClean="0">
+                                    <a:latin typeface="Cambria Math"/>
+                                  </a:rPr>
+                                </m:ctrlPr>
+                              </m:dPr>
+                              <m:e>
+                                <m:r>
+                                  <a:rPr lang="en-US" b="0" i="1" dirty="0" smtClean="0">
+                                    <a:latin typeface="Cambria Math"/>
+                                  </a:rPr>
+                                  <m:t>𝑍𝑦</m:t>
+                                </m:r>
+                              </m:e>
+                            </m:d>
+                          </m:e>
+                        </m:d>
+                      </m:e>
+                      <m:sub>
+                        <m:r>
+                          <a:rPr lang="en-US" b="0" i="1" dirty="0" smtClean="0">
+                            <a:latin typeface="Cambria Math"/>
+                          </a:rPr>
+                          <m:t>2</m:t>
+                        </m:r>
+                      </m:sub>
+                    </m:sSub>
+                    <m:r>
+                      <a:rPr lang="en-US" b="0" i="1" dirty="0" smtClean="0">
+                        <a:latin typeface="Cambria Math"/>
+                      </a:rPr>
+                      <m:t>=</m:t>
+                    </m:r>
+                    <m:sSub>
+                      <m:sSubPr>
+                        <m:ctrlPr>
+                          <a:rPr lang="en-US" b="0" i="1" dirty="0" smtClean="0">
+                            <a:latin typeface="Cambria Math"/>
+                          </a:rPr>
+                        </m:ctrlPr>
+                      </m:sSubPr>
+                      <m:e>
+                        <m:d>
+                          <m:dPr>
+                            <m:begChr m:val="|"/>
+                            <m:endChr m:val="|"/>
+                            <m:ctrlPr>
+                              <a:rPr lang="en-US" b="0" i="1" dirty="0" smtClean="0">
+                                <a:latin typeface="Cambria Math"/>
+                              </a:rPr>
+                            </m:ctrlPr>
+                          </m:dPr>
+                          <m:e>
+                            <m:d>
+                              <m:dPr>
+                                <m:begChr m:val="|"/>
+                                <m:endChr m:val="|"/>
+                                <m:ctrlPr>
+                                  <a:rPr lang="en-US" b="0" i="1" dirty="0" smtClean="0">
+                                    <a:latin typeface="Cambria Math"/>
+                                  </a:rPr>
+                                </m:ctrlPr>
+                              </m:dPr>
+                              <m:e>
+                                <m:r>
+                                  <a:rPr lang="en-US" b="0" i="1" dirty="0" smtClean="0">
+                                    <a:latin typeface="Cambria Math"/>
+                                  </a:rPr>
+                                  <m:t>𝑦</m:t>
+                                </m:r>
+                              </m:e>
+                            </m:d>
+                          </m:e>
+                        </m:d>
+                      </m:e>
+                      <m:sub>
+                        <m:r>
+                          <a:rPr lang="en-US" b="0" i="1" dirty="0" smtClean="0">
+                            <a:latin typeface="Cambria Math"/>
+                          </a:rPr>
+                          <m:t>2</m:t>
+                        </m:r>
+                      </m:sub>
+                    </m:sSub>
+                  </m:oMath>
+                </a14:m>
+                <a:r>
+                  <a:rPr lang="en-US" b="0" dirty="0" smtClean="0"/>
+                  <a:t>)</a:t>
+                </a:r>
+              </a:p>
+              <a:p>
+                <a:r>
+                  <a:rPr lang="en-US" b="0" dirty="0" smtClean="0"/>
+                  <a:t>How to compute </a:t>
+                </a:r>
+                <a14:m>
+                  <m:oMath xmlns:m="http://schemas.openxmlformats.org/officeDocument/2006/math">
+                    <m:r>
+                      <a:rPr lang="en-US" b="0" i="1" smtClean="0">
+                        <a:latin typeface="Cambria Math"/>
+                      </a:rPr>
+                      <m:t>𝑞</m:t>
+                    </m:r>
+                  </m:oMath>
+                </a14:m>
+                <a:r>
+                  <a:rPr lang="en-US" b="0" dirty="0" smtClean="0"/>
+                  <a:t> in O(</a:t>
+                </a:r>
+                <a14:m>
+                  <m:oMath xmlns:m="http://schemas.openxmlformats.org/officeDocument/2006/math">
+                    <m:r>
+                      <a:rPr lang="en-US" b="0" i="1" smtClean="0">
+                        <a:latin typeface="Cambria Math"/>
+                      </a:rPr>
+                      <m:t>𝑛𝑛𝑧</m:t>
+                    </m:r>
+                    <m:d>
+                      <m:dPr>
+                        <m:ctrlPr>
+                          <a:rPr lang="en-US" b="0" i="1" smtClean="0">
+                            <a:latin typeface="Cambria Math"/>
+                          </a:rPr>
+                        </m:ctrlPr>
+                      </m:dPr>
+                      <m:e>
+                        <m:r>
+                          <a:rPr lang="en-US" b="0" i="1" smtClean="0">
+                            <a:latin typeface="Cambria Math"/>
+                          </a:rPr>
+                          <m:t>𝐴</m:t>
+                        </m:r>
+                      </m:e>
+                    </m:d>
+                    <m:func>
+                      <m:funcPr>
+                        <m:ctrlPr>
+                          <a:rPr lang="en-US" b="0" i="1" smtClean="0">
+                            <a:latin typeface="Cambria Math"/>
+                          </a:rPr>
+                        </m:ctrlPr>
+                      </m:funcPr>
+                      <m:fName>
+                        <m:r>
+                          <m:rPr>
+                            <m:sty m:val="p"/>
+                          </m:rPr>
+                          <a:rPr lang="en-US" b="0" i="0" smtClean="0">
+                            <a:latin typeface="Cambria Math"/>
+                          </a:rPr>
+                          <m:t>log</m:t>
+                        </m:r>
+                      </m:fName>
+                      <m:e>
+                        <m:r>
+                          <a:rPr lang="en-US" b="0" i="1" smtClean="0">
+                            <a:latin typeface="Cambria Math"/>
+                          </a:rPr>
+                          <m:t>𝑛</m:t>
+                        </m:r>
+                        <m:r>
+                          <a:rPr lang="en-US" b="0" i="1" smtClean="0">
+                            <a:latin typeface="Cambria Math"/>
+                          </a:rPr>
+                          <m:t>+</m:t>
+                        </m:r>
+                        <m:r>
+                          <a:rPr lang="en-US" b="0" i="1" smtClean="0">
+                            <a:latin typeface="Cambria Math"/>
+                          </a:rPr>
+                          <m:t>𝑝𝑜𝑙𝑦</m:t>
+                        </m:r>
+                        <m:r>
+                          <a:rPr lang="en-US" b="0" i="1" smtClean="0">
+                            <a:latin typeface="Cambria Math"/>
+                          </a:rPr>
+                          <m:t>(</m:t>
+                        </m:r>
+                        <m:r>
+                          <a:rPr lang="en-US" b="0" i="1" smtClean="0">
+                            <a:latin typeface="Cambria Math"/>
+                          </a:rPr>
+                          <m:t>𝑘</m:t>
+                        </m:r>
+                        <m:r>
+                          <a:rPr lang="en-US" b="0" i="1" smtClean="0">
+                            <a:latin typeface="Cambria Math"/>
+                          </a:rPr>
+                          <m:t>))</m:t>
+                        </m:r>
+                      </m:e>
+                    </m:func>
+                  </m:oMath>
+                </a14:m>
+                <a:r>
+                  <a:rPr lang="en-US" b="0" dirty="0" smtClean="0"/>
+                  <a:t> time?</a:t>
+                </a:r>
+              </a:p>
+              <a:p>
+                <a:endParaRPr lang="en-US" b="0" dirty="0" smtClean="0"/>
+              </a:p>
+            </p:txBody>
+          </p:sp>
+        </mc:Choice>
+        <mc:Fallback xmlns="">
+          <p:sp>
+            <p:nvSpPr>
+              <p:cNvPr id="3" name="Content Placeholder 2"/>
+              <p:cNvSpPr>
+                <a:spLocks noGrp="1" noRot="1" noChangeAspect="1" noMove="1" noResize="1" noEditPoints="1" noAdjustHandles="1" noChangeArrowheads="1" noChangeShapeType="1" noTextEdit="1"/>
+              </p:cNvSpPr>
+              <p:nvPr>
+                <p:ph idx="1"/>
+              </p:nvPr>
+            </p:nvSpPr>
+            <p:spPr>
+              <a:blipFill rotWithShape="1">
+                <a:blip r:embed="rId2"/>
+                <a:stretch>
+                  <a:fillRect l="-1852" t="-1617"/>
+                </a:stretch>
+              </a:blipFill>
+            </p:spPr>
+            <p:txBody>
+              <a:bodyPr/>
+              <a:lstStyle/>
+              <a:p>
+                <a:r>
+                  <a:rPr lang="en-US">
+                    <a:noFill/>
+                  </a:rPr>
+                  <a:t> </a:t>
+                </a:r>
+              </a:p>
+            </p:txBody>
+          </p:sp>
+        </mc:Fallback>
+      </mc:AlternateContent>
+    </p:spTree>
+    <p:extLst>
+      <p:ext uri="{BB962C8B-B14F-4D97-AF65-F5344CB8AC3E}">
+        <p14:creationId xmlns:p14="http://schemas.microsoft.com/office/powerpoint/2010/main" val="1091715483"/>
+      </p:ext>
+    </p:extLst>
+  </p:cSld>
+  <p:clrMapOvr>
+    <a:masterClrMapping/>
+  </p:clrMapOvr>
+  <p:timing>
+    <p:tnLst>
+      <p:par>
+        <p:cTn id="1" dur="indefinite" restart="never" nodeType="tmRoot">
+          <p:childTnLst>
+            <p:seq concurrent="1" nextAc="seek">
+              <p:cTn id="2" dur="indefinite" nodeType="mainSeq">
+                <p:childTnLst>
+                  <p:par>
+                    <p:cTn id="3" fill="hold">
+                      <p:stCondLst>
+                        <p:cond delay="indefinite"/>
+                      </p:stCondLst>
+                      <p:childTnLst>
+                        <p:par>
+                          <p:cTn id="4" fill="hold">
+                            <p:stCondLst>
+                              <p:cond delay="0"/>
+                            </p:stCondLst>
+                            <p:childTnLst>
+                              <p:par>
+                                <p:cTn id="5" presetID="1" presetClass="entr" presetSubtype="0" fill="hold" grpId="0" nodeType="clickEffect">
+                                  <p:stCondLst>
+                                    <p:cond delay="0"/>
+                                  </p:stCondLst>
+                                  <p:childTnLst>
+                                    <p:set>
+                                      <p:cBhvr>
+                                        <p:cTn id="6" dur="1" fill="hold">
+                                          <p:stCondLst>
+                                            <p:cond delay="0"/>
+                                          </p:stCondLst>
+                                        </p:cTn>
+                                        <p:tgtEl>
+                                          <p:spTgt spid="3">
+                                            <p:txEl>
+                                              <p:pRg st="0" end="0"/>
+                                            </p:txEl>
+                                          </p:spTgt>
+                                        </p:tgtEl>
+                                        <p:attrNameLst>
+                                          <p:attrName>style.visibility</p:attrName>
+                                        </p:attrNameLst>
+                                      </p:cBhvr>
+                                      <p:to>
+                                        <p:strVal val="visible"/>
+                                      </p:to>
+                                    </p:set>
+                                  </p:childTnLst>
+                                </p:cTn>
+                              </p:par>
+                            </p:childTnLst>
+                          </p:cTn>
+                        </p:par>
+                      </p:childTnLst>
+                    </p:cTn>
+                  </p:par>
+                  <p:par>
+                    <p:cTn id="7" fill="hold">
+                      <p:stCondLst>
+                        <p:cond delay="indefinite"/>
+                      </p:stCondLst>
+                      <p:childTnLst>
+                        <p:par>
+                          <p:cTn id="8" fill="hold">
+                            <p:stCondLst>
+                              <p:cond delay="0"/>
+                            </p:stCondLst>
+                            <p:childTnLst>
+                              <p:par>
+                                <p:cTn id="9" presetID="1" presetClass="entr" presetSubtype="0" fill="hold" grpId="0" nodeType="clickEffect">
+                                  <p:stCondLst>
+                                    <p:cond delay="0"/>
+                                  </p:stCondLst>
+                                  <p:childTnLst>
+                                    <p:set>
+                                      <p:cBhvr>
+                                        <p:cTn id="10" dur="1" fill="hold">
+                                          <p:stCondLst>
+                                            <p:cond delay="0"/>
+                                          </p:stCondLst>
+                                        </p:cTn>
+                                        <p:tgtEl>
+                                          <p:spTgt spid="3">
+                                            <p:txEl>
+                                              <p:pRg st="1" end="1"/>
+                                            </p:txEl>
+                                          </p:spTgt>
+                                        </p:tgtEl>
+                                        <p:attrNameLst>
+                                          <p:attrName>style.visibility</p:attrName>
+                                        </p:attrNameLst>
+                                      </p:cBhvr>
+                                      <p:to>
+                                        <p:strVal val="visible"/>
+                                      </p:to>
+                                    </p:set>
+                                  </p:childTnLst>
+                                </p:cTn>
+                              </p:par>
+                            </p:childTnLst>
+                          </p:cTn>
+                        </p:par>
+                      </p:childTnLst>
+                    </p:cTn>
+                  </p:par>
+                  <p:par>
+                    <p:cTn id="11" fill="hold">
+                      <p:stCondLst>
+                        <p:cond delay="indefinite"/>
+                      </p:stCondLst>
+                      <p:childTnLst>
+                        <p:par>
+                          <p:cTn id="12" fill="hold">
+                            <p:stCondLst>
+                              <p:cond delay="0"/>
+                            </p:stCondLst>
+                            <p:childTnLst>
+                              <p:par>
+                                <p:cTn id="13" presetID="1" presetClass="entr" presetSubtype="0" fill="hold" grpId="0" nodeType="clickEffect">
+                                  <p:stCondLst>
+                                    <p:cond delay="0"/>
+                                  </p:stCondLst>
+                                  <p:childTnLst>
+                                    <p:set>
+                                      <p:cBhvr>
+                                        <p:cTn id="14" dur="1" fill="hold">
+                                          <p:stCondLst>
+                                            <p:cond delay="0"/>
+                                          </p:stCondLst>
+                                        </p:cTn>
+                                        <p:tgtEl>
+                                          <p:spTgt spid="3">
+                                            <p:txEl>
+                                              <p:pRg st="2" end="2"/>
+                                            </p:txEl>
+                                          </p:spTgt>
+                                        </p:tgtEl>
+                                        <p:attrNameLst>
+                                          <p:attrName>style.visibility</p:attrName>
+                                        </p:attrNameLst>
+                                      </p:cBhvr>
+                                      <p:to>
+                                        <p:strVal val="visible"/>
+                                      </p:to>
+                                    </p:set>
+                                  </p:childTnLst>
+                                </p:cTn>
+                              </p:par>
+                            </p:childTnLst>
+                          </p:cTn>
+                        </p:par>
+                      </p:childTnLst>
+                    </p:cTn>
+                  </p:par>
+                  <p:par>
+                    <p:cTn id="15" fill="hold">
+                      <p:stCondLst>
+                        <p:cond delay="indefinite"/>
+                      </p:stCondLst>
+                      <p:childTnLst>
+                        <p:par>
+                          <p:cTn id="16" fill="hold">
+                            <p:stCondLst>
+                              <p:cond delay="0"/>
+                            </p:stCondLst>
+                            <p:childTnLst>
+                              <p:par>
+                                <p:cTn id="17" presetID="1" presetClass="entr" presetSubtype="0" fill="hold" grpId="0" nodeType="clickEffect">
+                                  <p:stCondLst>
+                                    <p:cond delay="0"/>
+                                  </p:stCondLst>
+                                  <p:childTnLst>
+                                    <p:set>
+                                      <p:cBhvr>
+                                        <p:cTn id="18" dur="1" fill="hold">
+                                          <p:stCondLst>
+                                            <p:cond delay="0"/>
+                                          </p:stCondLst>
+                                        </p:cTn>
+                                        <p:tgtEl>
+                                          <p:spTgt spid="3">
+                                            <p:txEl>
+                                              <p:pRg st="3" end="3"/>
+                                            </p:txEl>
+                                          </p:spTgt>
+                                        </p:tgtEl>
+                                        <p:attrNameLst>
+                                          <p:attrName>style.visibility</p:attrName>
+                                        </p:attrNameLst>
+                                      </p:cBhvr>
+                                      <p:to>
+                                        <p:strVal val="visible"/>
+                                      </p:to>
+                                    </p:set>
+                                  </p:childTnLst>
+                                </p:cTn>
+                              </p:par>
+                            </p:childTnLst>
+                          </p:cTn>
+                        </p:par>
+                      </p:childTnLst>
+                    </p:cTn>
+                  </p:par>
+                  <p:par>
+                    <p:cTn id="19" fill="hold">
+                      <p:stCondLst>
+                        <p:cond delay="indefinite"/>
+                      </p:stCondLst>
+                      <p:childTnLst>
+                        <p:par>
+                          <p:cTn id="20" fill="hold">
+                            <p:stCondLst>
+                              <p:cond delay="0"/>
+                            </p:stCondLst>
+                            <p:childTnLst>
+                              <p:par>
+                                <p:cTn id="21" presetID="1" presetClass="entr" presetSubtype="0" fill="hold" grpId="0" nodeType="clickEffect">
+                                  <p:stCondLst>
+                                    <p:cond delay="0"/>
+                                  </p:stCondLst>
+                                  <p:childTnLst>
+                                    <p:set>
+                                      <p:cBhvr>
+                                        <p:cTn id="22" dur="1" fill="hold">
+                                          <p:stCondLst>
+                                            <p:cond delay="0"/>
+                                          </p:stCondLst>
+                                        </p:cTn>
+                                        <p:tgtEl>
+                                          <p:spTgt spid="3">
+                                            <p:txEl>
+                                              <p:pRg st="4" end="4"/>
+                                            </p:txEl>
+                                          </p:spTgt>
+                                        </p:tgtEl>
+                                        <p:attrNameLst>
+                                          <p:attrName>style.visibility</p:attrName>
+                                        </p:attrNameLst>
+                                      </p:cBhvr>
+                                      <p:to>
+                                        <p:strVal val="visible"/>
+                                      </p:to>
+                                    </p:set>
+                                  </p:childTnLst>
+                                </p:cTn>
+                              </p:par>
+                            </p:childTnLst>
+                          </p:cTn>
+                        </p:par>
+                      </p:childTnLst>
+                    </p:cTn>
+                  </p:par>
+                </p:childTnLst>
+              </p:cTn>
+              <p:prevCondLst>
+                <p:cond evt="onPrev" delay="0">
+                  <p:tgtEl>
+                    <p:sldTgt/>
+                  </p:tgtEl>
+                </p:cond>
+              </p:prevCondLst>
+              <p:nextCondLst>
+                <p:cond evt="onNext" delay="0">
+                  <p:tgtEl>
+                    <p:sldTgt/>
+                  </p:tgtEl>
+                </p:cond>
+              </p:nextCondLst>
+            </p:seq>
+          </p:childTnLst>
+        </p:cTn>
+      </p:par>
+    </p:tnLst>
+    <p:bldLst>
+      <p:bldP spid="3" grpId="0" build="p"/>
+    </p:bldLst>
+  </p:timing>
+</p:sld>
+</file>
+
 <file path=ppt/slides/slide2.xml><?xml version="1.0" encoding="utf-8"?>
 <p:sld xmlns:a="http://schemas.openxmlformats.org/drawingml/2006/main" xmlns:r="http://schemas.openxmlformats.org/officeDocument/2006/relationships" xmlns:p="http://schemas.openxmlformats.org/presentationml/2006/main">
   <p:cSld>
@@ -3405,8 +11961,8 @@
           </a:p>
         </p:txBody>
       </p:sp>
-      <mc:AlternateContent xmlns:mc="http://schemas.openxmlformats.org/markup-compatibility/2006">
-        <mc:Choice xmlns:a14="http://schemas.microsoft.com/office/drawing/2010/main" Requires="a14">
+      <mc:AlternateContent xmlns:mc="http://schemas.openxmlformats.org/markup-compatibility/2006" xmlns:a14="http://schemas.microsoft.com/office/drawing/2010/main">
+        <mc:Choice Requires="a14">
           <p:sp>
             <p:nvSpPr>
               <p:cNvPr id="3" name="Content Placeholder 2"/>
@@ -3605,7 +12161,7 @@
                     <m:sSup>
                       <m:sSupPr>
                         <m:ctrlPr>
-                          <a:rPr lang="en-US" b="1" i="0" smtClean="0">
+                          <a:rPr lang="en-US" b="1" i="1" smtClean="0">
                             <a:latin typeface="Cambria Math"/>
                           </a:rPr>
                         </m:ctrlPr>
@@ -3918,7 +12474,7 @@
                         <m:d>
                           <m:dPr>
                             <m:ctrlPr>
-                              <a:rPr lang="en-US" b="0" i="0" smtClean="0">
+                              <a:rPr lang="en-US" b="0" i="1" smtClean="0">
                                 <a:latin typeface="Cambria Math"/>
                               </a:rPr>
                             </m:ctrlPr>
@@ -4068,7 +12624,7 @@
             </p:txBody>
           </p:sp>
         </mc:Choice>
-        <mc:Fallback>
+        <mc:Fallback xmlns="">
           <p:sp>
             <p:nvSpPr>
               <p:cNvPr id="3" name="Content Placeholder 2"/>
@@ -4558,8 +13114,8 @@
           </a:p>
         </p:txBody>
       </p:sp>
-      <mc:AlternateContent xmlns:mc="http://schemas.openxmlformats.org/markup-compatibility/2006">
-        <mc:Choice xmlns:a14="http://schemas.microsoft.com/office/drawing/2010/main" Requires="a14">
+      <mc:AlternateContent xmlns:mc="http://schemas.openxmlformats.org/markup-compatibility/2006" xmlns:a14="http://schemas.microsoft.com/office/drawing/2010/main">
+        <mc:Choice Requires="a14">
           <p:sp>
             <p:nvSpPr>
               <p:cNvPr id="3" name="Content Placeholder 2"/>
@@ -5255,7 +13811,7 @@
             </p:txBody>
           </p:sp>
         </mc:Choice>
-        <mc:Fallback>
+        <mc:Fallback xmlns="">
           <p:sp>
             <p:nvSpPr>
               <p:cNvPr id="3" name="Content Placeholder 2"/>
@@ -5751,8 +14307,8 @@
           </a:p>
         </p:txBody>
       </p:sp>
-      <mc:AlternateContent xmlns:mc="http://schemas.openxmlformats.org/markup-compatibility/2006">
-        <mc:Choice xmlns:a14="http://schemas.microsoft.com/office/drawing/2010/main" Requires="a14">
+      <mc:AlternateContent xmlns:mc="http://schemas.openxmlformats.org/markup-compatibility/2006" xmlns:a14="http://schemas.microsoft.com/office/drawing/2010/main">
+        <mc:Choice Requires="a14">
           <p:sp>
             <p:nvSpPr>
               <p:cNvPr id="3" name="Content Placeholder 2"/>
@@ -6481,7 +15037,7 @@
             </p:txBody>
           </p:sp>
         </mc:Choice>
-        <mc:Fallback>
+        <mc:Fallback xmlns="">
           <p:sp>
             <p:nvSpPr>
               <p:cNvPr id="3" name="Content Placeholder 2"/>
@@ -6974,8 +15530,8 @@
           <a:chExt cx="0" cy="0"/>
         </a:xfrm>
       </p:grpSpPr>
-      <mc:AlternateContent xmlns:mc="http://schemas.openxmlformats.org/markup-compatibility/2006">
-        <mc:Choice xmlns:a14="http://schemas.microsoft.com/office/drawing/2010/main" Requires="a14">
+      <mc:AlternateContent xmlns:mc="http://schemas.openxmlformats.org/markup-compatibility/2006" xmlns:a14="http://schemas.microsoft.com/office/drawing/2010/main">
+        <mc:Choice Requires="a14">
           <p:sp>
             <p:nvSpPr>
               <p:cNvPr id="2" name="Title 1"/>
@@ -7067,7 +15623,7 @@
             </p:txBody>
           </p:sp>
         </mc:Choice>
-        <mc:Fallback>
+        <mc:Fallback xmlns="">
           <p:sp>
             <p:nvSpPr>
               <p:cNvPr id="2" name="Title 1"/>
@@ -7101,8 +15657,8 @@
           </p:sp>
         </mc:Fallback>
       </mc:AlternateContent>
-      <mc:AlternateContent xmlns:mc="http://schemas.openxmlformats.org/markup-compatibility/2006">
-        <mc:Choice xmlns:a14="http://schemas.microsoft.com/office/drawing/2010/main" Requires="a14">
+      <mc:AlternateContent xmlns:mc="http://schemas.openxmlformats.org/markup-compatibility/2006" xmlns:a14="http://schemas.microsoft.com/office/drawing/2010/main">
+        <mc:Choice Requires="a14">
           <p:sp>
             <p:nvSpPr>
               <p:cNvPr id="3" name="Content Placeholder 2"/>
@@ -8813,7 +17369,7 @@
             </p:txBody>
           </p:sp>
         </mc:Choice>
-        <mc:Fallback>
+        <mc:Fallback xmlns="">
           <p:sp>
             <p:nvSpPr>
               <p:cNvPr id="3" name="Content Placeholder 2"/>
@@ -9386,8 +17942,8 @@
           </a:p>
         </p:txBody>
       </p:sp>
-      <mc:AlternateContent xmlns:mc="http://schemas.openxmlformats.org/markup-compatibility/2006">
-        <mc:Choice xmlns:a14="http://schemas.microsoft.com/office/drawing/2010/main" Requires="a14">
+      <mc:AlternateContent xmlns:mc="http://schemas.openxmlformats.org/markup-compatibility/2006" xmlns:a14="http://schemas.microsoft.com/office/drawing/2010/main">
+        <mc:Choice Requires="a14">
           <p:sp>
             <p:nvSpPr>
               <p:cNvPr id="3" name="Content Placeholder 2"/>
@@ -10490,7 +19046,7 @@
             </p:txBody>
           </p:sp>
         </mc:Choice>
-        <mc:Fallback>
+        <mc:Fallback xmlns="">
           <p:sp>
             <p:nvSpPr>
               <p:cNvPr id="3" name="Content Placeholder 2"/>
@@ -11014,8 +19570,8 @@
           </a:p>
         </p:txBody>
       </p:sp>
-      <mc:AlternateContent xmlns:mc="http://schemas.openxmlformats.org/markup-compatibility/2006">
-        <mc:Choice xmlns:a14="http://schemas.microsoft.com/office/drawing/2010/main" Requires="a14">
+      <mc:AlternateContent xmlns:mc="http://schemas.openxmlformats.org/markup-compatibility/2006" xmlns:a14="http://schemas.microsoft.com/office/drawing/2010/main">
+        <mc:Choice Requires="a14">
           <p:sp>
             <p:nvSpPr>
               <p:cNvPr id="3" name="Content Placeholder 2"/>
@@ -11291,11 +19847,7 @@
                 </a14:m>
                 <a:r>
                   <a:rPr lang="en-US" dirty="0" smtClean="0"/>
-                  <a:t> </a:t>
-                </a:r>
-                <a:r>
-                  <a:rPr lang="en-US" dirty="0" smtClean="0"/>
-                  <a:t>is a multiple of a vector in </a:t>
+                  <a:t> is a multiple of a vector in </a:t>
                 </a:r>
                 <a14:m>
                   <m:oMath xmlns:m="http://schemas.openxmlformats.org/officeDocument/2006/math">
@@ -11533,7 +20085,9 @@
                           </m:dPr>
                           <m:e>
                             <m:r>
-                              <a:rPr lang="en-US"/>
+                              <a:rPr lang="en-US">
+                                <a:latin typeface="Cambria Math"/>
+                              </a:rPr>
                               <m:t>​</m:t>
                             </m:r>
                           </m:e>
@@ -11824,7 +20378,7 @@
                             <m:begChr m:val="|"/>
                             <m:endChr m:val="|"/>
                             <m:ctrlPr>
-                              <a:rPr lang="en-US" b="0" i="0" smtClean="0">
+                              <a:rPr lang="en-US" b="0" i="1" smtClean="0">
                                 <a:latin typeface="Cambria Math"/>
                               </a:rPr>
                             </m:ctrlPr>
@@ -11834,7 +20388,7 @@
                               <m:dPr>
                                 <m:begChr m:val="|"/>
                                 <m:ctrlPr>
-                                  <a:rPr lang="en-US" b="0" i="0" smtClean="0">
+                                  <a:rPr lang="en-US" b="0" i="1" smtClean="0">
                                     <a:latin typeface="Cambria Math"/>
                                   </a:rPr>
                                 </m:ctrlPr>
@@ -13006,7 +21560,7 @@
             </p:txBody>
           </p:sp>
         </mc:Choice>
-        <mc:Fallback>
+        <mc:Fallback xmlns="">
           <p:sp>
             <p:nvSpPr>
               <p:cNvPr id="3" name="Content Placeholder 2"/>
@@ -13481,8 +22035,8 @@
           </a:p>
         </p:txBody>
       </p:sp>
-      <mc:AlternateContent xmlns:mc="http://schemas.openxmlformats.org/markup-compatibility/2006">
-        <mc:Choice xmlns:a14="http://schemas.microsoft.com/office/drawing/2010/main" Requires="a14">
+      <mc:AlternateContent xmlns:mc="http://schemas.openxmlformats.org/markup-compatibility/2006" xmlns:a14="http://schemas.microsoft.com/office/drawing/2010/main">
+        <mc:Choice Requires="a14">
           <p:sp>
             <p:nvSpPr>
               <p:cNvPr id="3" name="Content Placeholder 2"/>
@@ -13796,13 +22350,8 @@
                 </a14:m>
                 <a:r>
                   <a:rPr lang="en-US" dirty="0" smtClean="0"/>
-                  <a:t> around the origin contains </a:t>
+                  <a:t> around the origin contains all balls</a:t>
                 </a:r>
-                <a:r>
-                  <a:rPr lang="en-US" smtClean="0"/>
-                  <a:t>all balls</a:t>
-                </a:r>
-                <a:endParaRPr lang="en-US" dirty="0" smtClean="0"/>
               </a:p>
               <a:p>
                 <a:r>
@@ -14145,7 +22694,7 @@
             </p:txBody>
           </p:sp>
         </mc:Choice>
-        <mc:Fallback>
+        <mc:Fallback xmlns="">
           <p:sp>
             <p:nvSpPr>
               <p:cNvPr id="3" name="Content Placeholder 2"/>
@@ -14620,8 +23169,8 @@
           </a:p>
         </p:txBody>
       </p:sp>
-      <mc:AlternateContent xmlns:mc="http://schemas.openxmlformats.org/markup-compatibility/2006">
-        <mc:Choice xmlns:a14="http://schemas.microsoft.com/office/drawing/2010/main" Requires="a14">
+      <mc:AlternateContent xmlns:mc="http://schemas.openxmlformats.org/markup-compatibility/2006" xmlns:a14="http://schemas.microsoft.com/office/drawing/2010/main">
+        <mc:Choice Requires="a14">
           <p:sp>
             <p:nvSpPr>
               <p:cNvPr id="3" name="Content Placeholder 2"/>
@@ -14679,13 +23228,7 @@
                           <a:rPr lang="en-US" b="0" i="1" smtClean="0">
                             <a:latin typeface="Cambria Math"/>
                           </a:rPr>
-                          <m:t>𝑛</m:t>
-                        </m:r>
-                        <m:r>
-                          <a:rPr lang="en-US" b="0" i="1" smtClean="0">
-                            <a:latin typeface="Cambria Math"/>
-                          </a:rPr>
-                          <m:t>𝑛𝑧</m:t>
+                          <m:t>𝑛𝑛𝑧</m:t>
                         </m:r>
                         <m:d>
                           <m:dPr>
@@ -14841,7 +23384,7 @@
             </p:txBody>
           </p:sp>
         </mc:Choice>
-        <mc:Fallback>
+        <mc:Fallback xmlns="">
           <p:sp>
             <p:nvSpPr>
               <p:cNvPr id="3" name="Content Placeholder 2"/>

--- a/big-data/lecture07.pptx
+++ b/big-data/lecture07.pptx
@@ -20,6 +20,13 @@
     <p:sldId id="272" r:id="rId14"/>
     <p:sldId id="270" r:id="rId15"/>
     <p:sldId id="268" r:id="rId16"/>
+    <p:sldId id="275" r:id="rId17"/>
+    <p:sldId id="273" r:id="rId18"/>
+    <p:sldId id="274" r:id="rId19"/>
+    <p:sldId id="277" r:id="rId20"/>
+    <p:sldId id="276" r:id="rId21"/>
+    <p:sldId id="279" r:id="rId22"/>
+    <p:sldId id="278" r:id="rId23"/>
   </p:sldIdLst>
   <p:sldSz cx="9144000" cy="6858000" type="screen4x3"/>
   <p:notesSz cx="6858000" cy="9144000"/>
@@ -5396,7 +5403,13 @@
                       <a:rPr lang="en-US" b="0" i="1" smtClean="0">
                         <a:latin typeface="Cambria Math"/>
                       </a:rPr>
-                      <m:t>&gt;144</m:t>
+                      <m:t>&gt;</m:t>
+                    </m:r>
+                    <m:r>
+                      <a:rPr lang="en-US" b="0" i="1" smtClean="0">
+                        <a:latin typeface="Cambria Math"/>
+                      </a:rPr>
+                      <m:t>144</m:t>
                     </m:r>
                     <m:r>
                       <a:rPr lang="en-US" b="0" i="1" smtClean="0">
@@ -5620,7 +5633,13 @@
                       <a:rPr lang="en-US" b="0" i="1" smtClean="0">
                         <a:latin typeface="Cambria Math"/>
                       </a:rPr>
-                      <m:t>1−</m:t>
+                      <m:t>1</m:t>
+                    </m:r>
+                    <m:r>
+                      <a:rPr lang="en-US" b="0" i="1" smtClean="0">
+                        <a:latin typeface="Cambria Math"/>
+                      </a:rPr>
+                      <m:t>−</m:t>
                     </m:r>
                     <m:r>
                       <a:rPr lang="en-US" b="0" i="1" smtClean="0">
@@ -5652,7 +5671,13 @@
                         <a:rPr lang="en-US" b="0" i="1" smtClean="0">
                           <a:latin typeface="Cambria Math"/>
                         </a:rPr>
-                        <m:t>1−</m:t>
+                        <m:t>1</m:t>
+                      </m:r>
+                      <m:r>
+                        <a:rPr lang="en-US" b="0" i="1" smtClean="0">
+                          <a:latin typeface="Cambria Math"/>
+                        </a:rPr>
+                        <m:t>−</m:t>
                       </m:r>
                       <m:r>
                         <a:rPr lang="en-US" b="0" i="1" smtClean="0">
@@ -5773,7 +5798,19 @@
                         <a:rPr lang="en-US" b="0" i="1" smtClean="0">
                           <a:latin typeface="Cambria Math"/>
                         </a:rPr>
-                        <m:t>≤1+</m:t>
+                        <m:t>≤</m:t>
+                      </m:r>
+                      <m:r>
+                        <a:rPr lang="en-US" b="0" i="1" smtClean="0">
+                          <a:latin typeface="Cambria Math"/>
+                        </a:rPr>
+                        <m:t>1</m:t>
+                      </m:r>
+                      <m:r>
+                        <a:rPr lang="en-US" b="0" i="1" smtClean="0">
+                          <a:latin typeface="Cambria Math"/>
+                        </a:rPr>
+                        <m:t>+</m:t>
                       </m:r>
                       <m:r>
                         <a:rPr lang="en-US" b="0" i="1" smtClean="0">
@@ -5971,7 +6008,19 @@
                       <a:rPr lang="en-US" b="0" i="1" smtClean="0">
                         <a:latin typeface="Cambria Math"/>
                       </a:rPr>
-                      <m:t>=0, </m:t>
+                      <m:t>=</m:t>
+                    </m:r>
+                    <m:r>
+                      <a:rPr lang="en-US" b="0" i="1" smtClean="0">
+                        <a:latin typeface="Cambria Math"/>
+                      </a:rPr>
+                      <m:t>0</m:t>
+                    </m:r>
+                    <m:r>
+                      <a:rPr lang="en-US" b="0" i="1" smtClean="0">
+                        <a:latin typeface="Cambria Math"/>
+                      </a:rPr>
+                      <m:t>, </m:t>
                     </m:r>
                     <m:sSub>
                       <m:sSubPr>
@@ -6235,7 +6284,13 @@
                           <a:rPr lang="en-US" b="0" i="1" smtClean="0">
                             <a:latin typeface="Cambria Math"/>
                           </a:rPr>
-                          <m:t>=1</m:t>
+                          <m:t>=</m:t>
+                        </m:r>
+                        <m:r>
+                          <a:rPr lang="en-US" b="0" i="1" smtClean="0">
+                            <a:latin typeface="Cambria Math"/>
+                          </a:rPr>
+                          <m:t>1</m:t>
                         </m:r>
                       </m:sub>
                       <m:sup>
@@ -6292,7 +6347,19 @@
                       <a:rPr lang="en-US" b="0" i="1" smtClean="0">
                         <a:latin typeface="Cambria Math"/>
                       </a:rPr>
-                      <m:t>&gt;0:</m:t>
+                      <m:t>&gt;</m:t>
+                    </m:r>
+                    <m:r>
+                      <a:rPr lang="en-US" b="0" i="1" smtClean="0">
+                        <a:latin typeface="Cambria Math"/>
+                      </a:rPr>
+                      <m:t>0</m:t>
+                    </m:r>
+                    <m:r>
+                      <a:rPr lang="en-US" b="0" i="1" smtClean="0">
+                        <a:latin typeface="Cambria Math"/>
+                      </a:rPr>
+                      <m:t>:</m:t>
                     </m:r>
                   </m:oMath>
                 </a14:m>
@@ -6410,7 +6477,13 @@
                         <a:rPr lang="en-US" b="0" i="1" smtClean="0">
                           <a:latin typeface="Cambria Math"/>
                         </a:rPr>
-                        <m:t>≤2</m:t>
+                        <m:t>≤</m:t>
+                      </m:r>
+                      <m:r>
+                        <a:rPr lang="en-US" b="0" i="1" smtClean="0">
+                          <a:latin typeface="Cambria Math"/>
+                        </a:rPr>
+                        <m:t>2</m:t>
                       </m:r>
                       <m:r>
                         <a:rPr lang="en-US" b="0" i="1" smtClean="0">
@@ -11913,6 +11986,6962 @@
 </p:sld>
 </file>
 
+<file path=ppt/slides/slide16.xml><?xml version="1.0" encoding="utf-8"?>
+<p:sld xmlns:a="http://schemas.openxmlformats.org/drawingml/2006/main" xmlns:r="http://schemas.openxmlformats.org/officeDocument/2006/relationships" xmlns:p="http://schemas.openxmlformats.org/presentationml/2006/main">
+  <p:cSld>
+    <p:spTree>
+      <p:nvGrpSpPr>
+        <p:cNvPr id="1" name=""/>
+        <p:cNvGrpSpPr/>
+        <p:nvPr/>
+      </p:nvGrpSpPr>
+      <p:grpSpPr>
+        <a:xfrm>
+          <a:off x="0" y="0"/>
+          <a:ext cx="0" cy="0"/>
+          <a:chOff x="0" y="0"/>
+          <a:chExt cx="0" cy="0"/>
+        </a:xfrm>
+      </p:grpSpPr>
+      <p:sp>
+        <p:nvSpPr>
+          <p:cNvPr id="2" name="Title 1"/>
+          <p:cNvSpPr>
+            <a:spLocks noGrp="1"/>
+          </p:cNvSpPr>
+          <p:nvPr>
+            <p:ph type="title"/>
+          </p:nvPr>
+        </p:nvSpPr>
+        <p:spPr/>
+        <p:txBody>
+          <a:bodyPr>
+            <a:normAutofit/>
+          </a:bodyPr>
+          <a:lstStyle/>
+          <a:p>
+            <a:r>
+              <a:rPr lang="en-US" dirty="0">
+                <a:solidFill>
+                  <a:srgbClr val="0070C0"/>
+                </a:solidFill>
+              </a:rPr>
+              <a:t>Thin Singular Value </a:t>
+            </a:r>
+            <a:r>
+              <a:rPr lang="en-US" dirty="0" smtClean="0">
+                <a:solidFill>
+                  <a:srgbClr val="0070C0"/>
+                </a:solidFill>
+              </a:rPr>
+              <a:t>Decomposition</a:t>
+            </a:r>
+            <a:endParaRPr lang="en-US" dirty="0">
+              <a:solidFill>
+                <a:srgbClr val="0070C0"/>
+              </a:solidFill>
+            </a:endParaRPr>
+          </a:p>
+        </p:txBody>
+      </p:sp>
+      <mc:AlternateContent xmlns:mc="http://schemas.openxmlformats.org/markup-compatibility/2006">
+        <mc:Choice xmlns:a14="http://schemas.microsoft.com/office/drawing/2010/main" Requires="a14">
+          <p:sp>
+            <p:nvSpPr>
+              <p:cNvPr id="3" name="Content Placeholder 2"/>
+              <p:cNvSpPr>
+                <a:spLocks noGrp="1"/>
+              </p:cNvSpPr>
+              <p:nvPr>
+                <p:ph idx="1"/>
+              </p:nvPr>
+            </p:nvSpPr>
+            <p:spPr>
+              <a:xfrm>
+                <a:off x="304800" y="1371600"/>
+                <a:ext cx="8305800" cy="5181600"/>
+              </a:xfrm>
+            </p:spPr>
+            <p:txBody>
+              <a:bodyPr>
+                <a:normAutofit fontScale="85000" lnSpcReduction="10000"/>
+              </a:bodyPr>
+              <a:lstStyle/>
+              <a:p>
+                <a14:m>
+                  <m:oMath xmlns:m="http://schemas.openxmlformats.org/officeDocument/2006/math">
+                    <m:r>
+                      <a:rPr lang="en-US" b="1" i="1">
+                        <a:latin typeface="Cambria Math"/>
+                      </a:rPr>
+                      <m:t>𝑨</m:t>
+                    </m:r>
+                    <m:r>
+                      <a:rPr lang="en-US" i="1">
+                        <a:latin typeface="Cambria Math"/>
+                      </a:rPr>
+                      <m:t>∈ </m:t>
+                    </m:r>
+                    <m:sSup>
+                      <m:sSupPr>
+                        <m:ctrlPr>
+                          <a:rPr lang="en-US" i="1">
+                            <a:latin typeface="Cambria Math"/>
+                            <a:ea typeface="Cambria Math"/>
+                          </a:rPr>
+                        </m:ctrlPr>
+                      </m:sSupPr>
+                      <m:e>
+                        <m:r>
+                          <a:rPr lang="en-US" i="1">
+                            <a:latin typeface="Cambria Math"/>
+                            <a:ea typeface="Cambria Math"/>
+                          </a:rPr>
+                          <m:t>ℝ</m:t>
+                        </m:r>
+                      </m:e>
+                      <m:sup>
+                        <m:r>
+                          <a:rPr lang="en-US" i="1">
+                            <a:latin typeface="Cambria Math"/>
+                            <a:ea typeface="Cambria Math"/>
+                          </a:rPr>
+                          <m:t>𝑛</m:t>
+                        </m:r>
+                        <m:r>
+                          <a:rPr lang="en-US" i="1">
+                            <a:latin typeface="Cambria Math"/>
+                            <a:ea typeface="Cambria Math"/>
+                          </a:rPr>
+                          <m:t>×</m:t>
+                        </m:r>
+                        <m:r>
+                          <a:rPr lang="en-US" i="1">
+                            <a:latin typeface="Cambria Math"/>
+                            <a:ea typeface="Cambria Math"/>
+                          </a:rPr>
+                          <m:t>𝑑</m:t>
+                        </m:r>
+                      </m:sup>
+                    </m:sSup>
+                  </m:oMath>
+                </a14:m>
+                <a:r>
+                  <a:rPr lang="en-US" dirty="0"/>
+                  <a:t>, </a:t>
+                </a:r>
+                <a14:m>
+                  <m:oMath xmlns:m="http://schemas.openxmlformats.org/officeDocument/2006/math">
+                    <m:r>
+                      <a:rPr lang="en-US" b="1" i="1" dirty="0">
+                        <a:latin typeface="Cambria Math"/>
+                      </a:rPr>
+                      <m:t>𝑼</m:t>
+                    </m:r>
+                    <m:r>
+                      <a:rPr lang="en-US" i="1" dirty="0">
+                        <a:latin typeface="Cambria Math"/>
+                      </a:rPr>
+                      <m:t>∈</m:t>
+                    </m:r>
+                    <m:sSup>
+                      <m:sSupPr>
+                        <m:ctrlPr>
+                          <a:rPr lang="en-US" i="1">
+                            <a:latin typeface="Cambria Math"/>
+                            <a:ea typeface="Cambria Math"/>
+                          </a:rPr>
+                        </m:ctrlPr>
+                      </m:sSupPr>
+                      <m:e>
+                        <m:r>
+                          <a:rPr lang="en-US" i="1">
+                            <a:latin typeface="Cambria Math"/>
+                            <a:ea typeface="Cambria Math"/>
+                          </a:rPr>
+                          <m:t>ℝ</m:t>
+                        </m:r>
+                      </m:e>
+                      <m:sup>
+                        <m:r>
+                          <a:rPr lang="en-US" i="1">
+                            <a:latin typeface="Cambria Math"/>
+                            <a:ea typeface="Cambria Math"/>
+                          </a:rPr>
+                          <m:t>𝑛</m:t>
+                        </m:r>
+                        <m:r>
+                          <a:rPr lang="en-US" i="1">
+                            <a:latin typeface="Cambria Math"/>
+                            <a:ea typeface="Cambria Math"/>
+                          </a:rPr>
+                          <m:t>×</m:t>
+                        </m:r>
+                        <m:r>
+                          <a:rPr lang="en-US" i="1">
+                            <a:latin typeface="Cambria Math"/>
+                            <a:ea typeface="Cambria Math"/>
+                          </a:rPr>
+                          <m:t>𝑑</m:t>
+                        </m:r>
+                      </m:sup>
+                    </m:sSup>
+                  </m:oMath>
+                </a14:m>
+                <a:r>
+                  <a:rPr lang="en-US" dirty="0"/>
+                  <a:t>, </a:t>
+                </a:r>
+                <a14:m>
+                  <m:oMath xmlns:m="http://schemas.openxmlformats.org/officeDocument/2006/math">
+                    <m:r>
+                      <a:rPr lang="en-US" b="1" i="1" dirty="0">
+                        <a:latin typeface="Cambria Math"/>
+                      </a:rPr>
+                      <m:t>𝚺</m:t>
+                    </m:r>
+                    <m:r>
+                      <a:rPr lang="en-US" i="1" dirty="0">
+                        <a:latin typeface="Cambria Math"/>
+                      </a:rPr>
+                      <m:t>∈</m:t>
+                    </m:r>
+                    <m:sSup>
+                      <m:sSupPr>
+                        <m:ctrlPr>
+                          <a:rPr lang="en-US" i="1">
+                            <a:latin typeface="Cambria Math"/>
+                            <a:ea typeface="Cambria Math"/>
+                          </a:rPr>
+                        </m:ctrlPr>
+                      </m:sSupPr>
+                      <m:e>
+                        <m:r>
+                          <a:rPr lang="en-US" i="1">
+                            <a:latin typeface="Cambria Math"/>
+                            <a:ea typeface="Cambria Math"/>
+                          </a:rPr>
+                          <m:t>ℝ</m:t>
+                        </m:r>
+                      </m:e>
+                      <m:sup>
+                        <m:r>
+                          <a:rPr lang="en-US" i="1">
+                            <a:latin typeface="Cambria Math"/>
+                            <a:ea typeface="Cambria Math"/>
+                          </a:rPr>
+                          <m:t>𝑑</m:t>
+                        </m:r>
+                        <m:r>
+                          <a:rPr lang="en-US" i="1">
+                            <a:latin typeface="Cambria Math"/>
+                            <a:ea typeface="Cambria Math"/>
+                          </a:rPr>
+                          <m:t>×</m:t>
+                        </m:r>
+                        <m:r>
+                          <a:rPr lang="en-US" i="1">
+                            <a:latin typeface="Cambria Math"/>
+                            <a:ea typeface="Cambria Math"/>
+                          </a:rPr>
+                          <m:t>𝑑</m:t>
+                        </m:r>
+                      </m:sup>
+                    </m:sSup>
+                    <m:r>
+                      <a:rPr lang="en-US" i="1">
+                        <a:latin typeface="Cambria Math"/>
+                        <a:ea typeface="Cambria Math"/>
+                      </a:rPr>
+                      <m:t>,  </m:t>
+                    </m:r>
+                    <m:r>
+                      <a:rPr lang="en-US" b="1" i="1">
+                        <a:latin typeface="Cambria Math"/>
+                        <a:ea typeface="Cambria Math"/>
+                      </a:rPr>
+                      <m:t>𝑽</m:t>
+                    </m:r>
+                    <m:r>
+                      <a:rPr lang="en-US" i="1">
+                        <a:latin typeface="Cambria Math"/>
+                        <a:ea typeface="Cambria Math"/>
+                      </a:rPr>
+                      <m:t>∈</m:t>
+                    </m:r>
+                    <m:sSup>
+                      <m:sSupPr>
+                        <m:ctrlPr>
+                          <a:rPr lang="en-US" i="1">
+                            <a:latin typeface="Cambria Math"/>
+                            <a:ea typeface="Cambria Math"/>
+                          </a:rPr>
+                        </m:ctrlPr>
+                      </m:sSupPr>
+                      <m:e>
+                        <m:r>
+                          <a:rPr lang="en-US" i="1">
+                            <a:latin typeface="Cambria Math"/>
+                            <a:ea typeface="Cambria Math"/>
+                          </a:rPr>
+                          <m:t>ℝ</m:t>
+                        </m:r>
+                      </m:e>
+                      <m:sup>
+                        <m:r>
+                          <a:rPr lang="en-US" i="1">
+                            <a:latin typeface="Cambria Math"/>
+                            <a:ea typeface="Cambria Math"/>
+                          </a:rPr>
+                          <m:t>𝑑</m:t>
+                        </m:r>
+                        <m:r>
+                          <a:rPr lang="en-US" i="1">
+                            <a:latin typeface="Cambria Math"/>
+                            <a:ea typeface="Cambria Math"/>
+                          </a:rPr>
+                          <m:t>×</m:t>
+                        </m:r>
+                        <m:r>
+                          <a:rPr lang="en-US" i="1">
+                            <a:latin typeface="Cambria Math"/>
+                            <a:ea typeface="Cambria Math"/>
+                          </a:rPr>
+                          <m:t>𝑑</m:t>
+                        </m:r>
+                      </m:sup>
+                    </m:sSup>
+                  </m:oMath>
+                </a14:m>
+                <a:endParaRPr lang="en-US" b="1" i="1" dirty="0" smtClean="0">
+                  <a:latin typeface="Cambria Math"/>
+                </a:endParaRPr>
+              </a:p>
+              <a:p>
+                <a14:m>
+                  <m:oMath xmlns:m="http://schemas.openxmlformats.org/officeDocument/2006/math">
+                    <m:r>
+                      <a:rPr lang="en-US" b="1" i="1" dirty="0" smtClean="0">
+                        <a:latin typeface="Cambria Math"/>
+                      </a:rPr>
+                      <m:t>𝑨</m:t>
+                    </m:r>
+                    <m:r>
+                      <a:rPr lang="en-US" i="1" dirty="0" smtClean="0">
+                        <a:latin typeface="Cambria Math"/>
+                      </a:rPr>
+                      <m:t> =</m:t>
+                    </m:r>
+                    <m:r>
+                      <a:rPr lang="en-US" b="1" i="1" dirty="0" smtClean="0">
+                        <a:latin typeface="Cambria Math"/>
+                      </a:rPr>
+                      <m:t>𝑼</m:t>
+                    </m:r>
+                    <m:r>
+                      <a:rPr lang="en-US" b="0" i="1" dirty="0" smtClean="0">
+                        <a:latin typeface="Cambria Math"/>
+                      </a:rPr>
+                      <m:t> </m:t>
+                    </m:r>
+                    <m:r>
+                      <a:rPr lang="en-US" b="1" i="0" dirty="0" smtClean="0">
+                        <a:latin typeface="Cambria Math"/>
+                      </a:rPr>
+                      <m:t>𝚺</m:t>
+                    </m:r>
+                    <m:r>
+                      <a:rPr lang="en-US" b="0" i="1" dirty="0" smtClean="0">
+                        <a:latin typeface="Cambria Math"/>
+                      </a:rPr>
+                      <m:t> </m:t>
+                    </m:r>
+                    <m:sSup>
+                      <m:sSupPr>
+                        <m:ctrlPr>
+                          <a:rPr lang="en-US" b="0" i="1" dirty="0" smtClean="0">
+                            <a:latin typeface="Cambria Math"/>
+                          </a:rPr>
+                        </m:ctrlPr>
+                      </m:sSupPr>
+                      <m:e>
+                        <m:r>
+                          <a:rPr lang="en-US" b="1" i="1" dirty="0" smtClean="0">
+                            <a:latin typeface="Cambria Math"/>
+                          </a:rPr>
+                          <m:t>𝑽</m:t>
+                        </m:r>
+                      </m:e>
+                      <m:sup>
+                        <m:r>
+                          <a:rPr lang="en-US" b="0" i="1" dirty="0" smtClean="0">
+                            <a:latin typeface="Cambria Math"/>
+                          </a:rPr>
+                          <m:t>𝑇</m:t>
+                        </m:r>
+                      </m:sup>
+                    </m:sSup>
+                  </m:oMath>
+                </a14:m>
+                <a:r>
+                  <a:rPr lang="en-US" dirty="0" smtClean="0"/>
+                  <a:t> (computed in </a:t>
+                </a:r>
+                <a14:m>
+                  <m:oMath xmlns:m="http://schemas.openxmlformats.org/officeDocument/2006/math">
+                    <m:r>
+                      <a:rPr lang="en-US" b="0" i="1" smtClean="0">
+                        <a:latin typeface="Cambria Math"/>
+                      </a:rPr>
+                      <m:t>𝑂</m:t>
+                    </m:r>
+                    <m:r>
+                      <a:rPr lang="en-US" b="0" i="1" smtClean="0">
+                        <a:latin typeface="Cambria Math"/>
+                      </a:rPr>
+                      <m:t>(</m:t>
+                    </m:r>
+                    <m:r>
+                      <a:rPr lang="en-US" b="0" i="1" smtClean="0">
+                        <a:latin typeface="Cambria Math"/>
+                      </a:rPr>
+                      <m:t>𝑛</m:t>
+                    </m:r>
+                    <m:r>
+                      <a:rPr lang="en-US" b="0" i="1" smtClean="0">
+                        <a:latin typeface="Cambria Math"/>
+                      </a:rPr>
+                      <m:t> </m:t>
+                    </m:r>
+                    <m:sSup>
+                      <m:sSupPr>
+                        <m:ctrlPr>
+                          <a:rPr lang="en-US" b="0" i="1" smtClean="0">
+                            <a:latin typeface="Cambria Math"/>
+                          </a:rPr>
+                        </m:ctrlPr>
+                      </m:sSupPr>
+                      <m:e>
+                        <m:r>
+                          <a:rPr lang="en-US" b="0" i="1" smtClean="0">
+                            <a:latin typeface="Cambria Math"/>
+                          </a:rPr>
+                          <m:t>𝑑</m:t>
+                        </m:r>
+                      </m:e>
+                      <m:sup>
+                        <m:r>
+                          <a:rPr lang="en-US" b="0" i="1" smtClean="0">
+                            <a:latin typeface="Cambria Math"/>
+                          </a:rPr>
+                          <m:t>2</m:t>
+                        </m:r>
+                      </m:sup>
+                    </m:sSup>
+                    <m:r>
+                      <a:rPr lang="en-US" b="0" i="1" smtClean="0">
+                        <a:latin typeface="Cambria Math"/>
+                      </a:rPr>
+                      <m:t>)</m:t>
+                    </m:r>
+                  </m:oMath>
+                </a14:m>
+                <a:r>
+                  <a:rPr lang="en-US" dirty="0" smtClean="0"/>
+                  <a:t>) time </a:t>
+                </a:r>
+              </a:p>
+              <a:p>
+                <a14:m>
+                  <m:oMath xmlns:m="http://schemas.openxmlformats.org/officeDocument/2006/math">
+                    <m:r>
+                      <a:rPr lang="en-US" b="1" i="1" dirty="0">
+                        <a:latin typeface="Cambria Math"/>
+                      </a:rPr>
+                      <m:t>𝑼</m:t>
+                    </m:r>
+                  </m:oMath>
+                </a14:m>
+                <a:r>
+                  <a:rPr lang="en-US" b="1" dirty="0" smtClean="0"/>
+                  <a:t> </a:t>
+                </a:r>
+                <a:r>
+                  <a:rPr lang="en-US" dirty="0" smtClean="0"/>
+                  <a:t>has orthonormal columns, </a:t>
+                </a:r>
+                <a14:m>
+                  <m:oMath xmlns:m="http://schemas.openxmlformats.org/officeDocument/2006/math">
+                    <m:r>
+                      <a:rPr lang="en-US" b="1" i="1" dirty="0">
+                        <a:latin typeface="Cambria Math"/>
+                      </a:rPr>
+                      <m:t>𝚺</m:t>
+                    </m:r>
+                  </m:oMath>
+                </a14:m>
+                <a:r>
+                  <a:rPr lang="en-US" dirty="0" smtClean="0"/>
+                  <a:t> is diagonal, </a:t>
+                </a:r>
+                <a14:m>
+                  <m:oMath xmlns:m="http://schemas.openxmlformats.org/officeDocument/2006/math">
+                    <m:r>
+                      <a:rPr lang="en-US" b="1" i="1" smtClean="0">
+                        <a:latin typeface="Cambria Math"/>
+                      </a:rPr>
+                      <m:t>𝑽</m:t>
+                    </m:r>
+                  </m:oMath>
+                </a14:m>
+                <a:r>
+                  <a:rPr lang="en-US" dirty="0" smtClean="0"/>
+                  <a:t> is unitary (</a:t>
+                </a:r>
+                <a14:m>
+                  <m:oMath xmlns:m="http://schemas.openxmlformats.org/officeDocument/2006/math">
+                    <m:sSup>
+                      <m:sSupPr>
+                        <m:ctrlPr>
+                          <a:rPr lang="en-US" b="1" i="1" smtClean="0">
+                            <a:latin typeface="Cambria Math"/>
+                          </a:rPr>
+                        </m:ctrlPr>
+                      </m:sSupPr>
+                      <m:e>
+                        <m:r>
+                          <a:rPr lang="en-US" b="1" i="1">
+                            <a:latin typeface="Cambria Math"/>
+                          </a:rPr>
+                          <m:t>𝑽</m:t>
+                        </m:r>
+                      </m:e>
+                      <m:sup>
+                        <m:r>
+                          <a:rPr lang="en-US" b="1" i="1" smtClean="0">
+                            <a:latin typeface="Cambria Math"/>
+                          </a:rPr>
+                          <m:t>𝑻</m:t>
+                        </m:r>
+                      </m:sup>
+                    </m:sSup>
+                    <m:r>
+                      <a:rPr lang="en-US" b="1" i="1" smtClean="0">
+                        <a:latin typeface="Cambria Math"/>
+                      </a:rPr>
+                      <m:t>𝑽</m:t>
+                    </m:r>
+                    <m:r>
+                      <a:rPr lang="en-US" b="1" i="1" smtClean="0">
+                        <a:latin typeface="Cambria Math"/>
+                      </a:rPr>
+                      <m:t>=</m:t>
+                    </m:r>
+                    <m:r>
+                      <a:rPr lang="en-US" b="1" i="1" smtClean="0">
+                        <a:latin typeface="Cambria Math"/>
+                      </a:rPr>
+                      <m:t>𝑽</m:t>
+                    </m:r>
+                    <m:sSup>
+                      <m:sSupPr>
+                        <m:ctrlPr>
+                          <a:rPr lang="en-US" b="1" i="1" smtClean="0">
+                            <a:latin typeface="Cambria Math"/>
+                          </a:rPr>
+                        </m:ctrlPr>
+                      </m:sSupPr>
+                      <m:e>
+                        <m:r>
+                          <a:rPr lang="en-US" b="1" i="1" smtClean="0">
+                            <a:latin typeface="Cambria Math"/>
+                          </a:rPr>
+                          <m:t>𝑽</m:t>
+                        </m:r>
+                      </m:e>
+                      <m:sup>
+                        <m:r>
+                          <a:rPr lang="en-US" b="1" i="1" smtClean="0">
+                            <a:latin typeface="Cambria Math"/>
+                          </a:rPr>
+                          <m:t>𝑻</m:t>
+                        </m:r>
+                      </m:sup>
+                    </m:sSup>
+                    <m:r>
+                      <a:rPr lang="en-US" b="1" i="1" smtClean="0">
+                        <a:latin typeface="Cambria Math"/>
+                      </a:rPr>
+                      <m:t>=</m:t>
+                    </m:r>
+                    <m:r>
+                      <a:rPr lang="en-US" b="1" i="1" smtClean="0">
+                        <a:latin typeface="Cambria Math"/>
+                      </a:rPr>
+                      <m:t>𝑰</m:t>
+                    </m:r>
+                  </m:oMath>
+                </a14:m>
+                <a:r>
+                  <a:rPr lang="en-US" dirty="0" smtClean="0"/>
+                  <a:t>) </a:t>
+                </a:r>
+              </a:p>
+              <a:p>
+                <a14:m>
+                  <m:oMath xmlns:m="http://schemas.openxmlformats.org/officeDocument/2006/math">
+                    <m:sSub>
+                      <m:sSubPr>
+                        <m:ctrlPr>
+                          <a:rPr lang="en-US" b="1" i="1" dirty="0" smtClean="0">
+                            <a:latin typeface="Cambria Math"/>
+                          </a:rPr>
+                        </m:ctrlPr>
+                      </m:sSubPr>
+                      <m:e>
+                        <m:r>
+                          <a:rPr lang="en-US" b="1" i="1" dirty="0">
+                            <a:latin typeface="Cambria Math"/>
+                          </a:rPr>
+                          <m:t>𝚺</m:t>
+                        </m:r>
+                      </m:e>
+                      <m:sub>
+                        <m:r>
+                          <a:rPr lang="en-US" b="1" i="1" dirty="0" smtClean="0">
+                            <a:latin typeface="Cambria Math"/>
+                          </a:rPr>
+                          <m:t>𝒊𝒊</m:t>
+                        </m:r>
+                      </m:sub>
+                    </m:sSub>
+                    <m:r>
+                      <a:rPr lang="en-US" b="1" i="1" dirty="0" smtClean="0">
+                        <a:latin typeface="Cambria Math"/>
+                      </a:rPr>
+                      <m:t>=</m:t>
+                    </m:r>
+                    <m:sSub>
+                      <m:sSubPr>
+                        <m:ctrlPr>
+                          <a:rPr lang="en-US" b="1" i="1" dirty="0" smtClean="0">
+                            <a:latin typeface="Cambria Math"/>
+                          </a:rPr>
+                        </m:ctrlPr>
+                      </m:sSubPr>
+                      <m:e>
+                        <m:r>
+                          <a:rPr lang="en-US" b="1" i="1" dirty="0" smtClean="0">
+                            <a:latin typeface="Cambria Math"/>
+                          </a:rPr>
+                          <m:t>𝝈</m:t>
+                        </m:r>
+                      </m:e>
+                      <m:sub>
+                        <m:r>
+                          <a:rPr lang="en-US" b="1" i="1" dirty="0" smtClean="0">
+                            <a:latin typeface="Cambria Math"/>
+                          </a:rPr>
+                          <m:t>𝒊</m:t>
+                        </m:r>
+                      </m:sub>
+                    </m:sSub>
+                  </m:oMath>
+                </a14:m>
+                <a:r>
+                  <a:rPr lang="en-US" dirty="0" smtClean="0"/>
+                  <a:t> is the </a:t>
+                </a:r>
+                <a14:m>
+                  <m:oMath xmlns:m="http://schemas.openxmlformats.org/officeDocument/2006/math">
+                    <m:r>
+                      <a:rPr lang="en-US" b="1" i="1" smtClean="0">
+                        <a:latin typeface="Cambria Math"/>
+                      </a:rPr>
+                      <m:t>𝒊</m:t>
+                    </m:r>
+                  </m:oMath>
+                </a14:m>
+                <a:r>
+                  <a:rPr lang="en-US" dirty="0" smtClean="0"/>
+                  <a:t>-</a:t>
+                </a:r>
+                <a:r>
+                  <a:rPr lang="en-US" dirty="0" err="1" smtClean="0"/>
+                  <a:t>th</a:t>
+                </a:r>
+                <a:r>
+                  <a:rPr lang="en-US" b="1" dirty="0" smtClean="0"/>
+                  <a:t> </a:t>
+                </a:r>
+                <a:r>
+                  <a:rPr lang="en-US" dirty="0" smtClean="0"/>
+                  <a:t>singular value</a:t>
+                </a:r>
+              </a:p>
+              <a:p>
+                <a14:m>
+                  <m:oMath xmlns:m="http://schemas.openxmlformats.org/officeDocument/2006/math">
+                    <m:sSub>
+                      <m:sSubPr>
+                        <m:ctrlPr>
+                          <a:rPr lang="en-US" b="1" i="1" smtClean="0">
+                            <a:latin typeface="Cambria Math"/>
+                          </a:rPr>
+                        </m:ctrlPr>
+                      </m:sSubPr>
+                      <m:e>
+                        <m:r>
+                          <a:rPr lang="en-US" b="1" i="1" smtClean="0">
+                            <a:latin typeface="Cambria Math"/>
+                          </a:rPr>
+                          <m:t>𝒗</m:t>
+                        </m:r>
+                      </m:e>
+                      <m:sub>
+                        <m:r>
+                          <a:rPr lang="en-US" b="1" i="1" smtClean="0">
+                            <a:latin typeface="Cambria Math"/>
+                          </a:rPr>
+                          <m:t>𝒊</m:t>
+                        </m:r>
+                      </m:sub>
+                    </m:sSub>
+                    <m:r>
+                      <a:rPr lang="en-US" b="1" i="1" smtClean="0">
+                        <a:latin typeface="Cambria Math"/>
+                      </a:rPr>
+                      <m:t>= </m:t>
+                    </m:r>
+                  </m:oMath>
+                </a14:m>
+                <a:r>
+                  <a:rPr lang="en-US" dirty="0" smtClean="0"/>
+                  <a:t>i-</a:t>
+                </a:r>
+                <a:r>
+                  <a:rPr lang="en-US" dirty="0" err="1" smtClean="0"/>
+                  <a:t>th</a:t>
+                </a:r>
+                <a:r>
+                  <a:rPr lang="en-US" dirty="0" smtClean="0"/>
+                  <a:t> column of </a:t>
+                </a:r>
+                <a14:m>
+                  <m:oMath xmlns:m="http://schemas.openxmlformats.org/officeDocument/2006/math">
+                    <m:r>
+                      <a:rPr lang="en-US" b="1" i="1" smtClean="0">
+                        <a:latin typeface="Cambria Math"/>
+                      </a:rPr>
+                      <m:t>𝑽</m:t>
+                    </m:r>
+                  </m:oMath>
+                </a14:m>
+                <a:r>
+                  <a:rPr lang="en-US" dirty="0" smtClean="0"/>
+                  <a:t> is the i-</a:t>
+                </a:r>
+                <a:r>
+                  <a:rPr lang="en-US" dirty="0" err="1" smtClean="0"/>
+                  <a:t>th</a:t>
+                </a:r>
+                <a:r>
+                  <a:rPr lang="en-US" dirty="0" smtClean="0"/>
+                  <a:t> right singular vector:</a:t>
+                </a:r>
+              </a:p>
+              <a:p>
+                <a:pPr marL="0" indent="0">
+                  <a:buNone/>
+                </a:pPr>
+                <a14:m>
+                  <m:oMathPara xmlns:m="http://schemas.openxmlformats.org/officeDocument/2006/math">
+                    <m:oMathParaPr>
+                      <m:jc m:val="centerGroup"/>
+                    </m:oMathParaPr>
+                    <m:oMath xmlns:m="http://schemas.openxmlformats.org/officeDocument/2006/math">
+                      <m:sSub>
+                        <m:sSubPr>
+                          <m:ctrlPr>
+                            <a:rPr lang="en-US" b="0" i="0" dirty="0" smtClean="0">
+                              <a:latin typeface="Cambria Math"/>
+                            </a:rPr>
+                          </m:ctrlPr>
+                        </m:sSubPr>
+                        <m:e>
+                          <m:d>
+                            <m:dPr>
+                              <m:begChr m:val="|"/>
+                              <m:endChr m:val="|"/>
+                              <m:ctrlPr>
+                                <a:rPr lang="en-US" b="1" i="1" dirty="0" smtClean="0">
+                                  <a:latin typeface="Cambria Math"/>
+                                </a:rPr>
+                              </m:ctrlPr>
+                            </m:dPr>
+                            <m:e>
+                              <m:d>
+                                <m:dPr>
+                                  <m:begChr m:val="|"/>
+                                  <m:endChr m:val="|"/>
+                                  <m:ctrlPr>
+                                    <a:rPr lang="en-US" b="1" i="1" dirty="0" smtClean="0">
+                                      <a:latin typeface="Cambria Math"/>
+                                    </a:rPr>
+                                  </m:ctrlPr>
+                                </m:dPr>
+                                <m:e>
+                                  <m:r>
+                                    <a:rPr lang="en-US" b="1" i="1" dirty="0">
+                                      <a:latin typeface="Cambria Math"/>
+                                    </a:rPr>
+                                    <m:t>𝑨</m:t>
+                                  </m:r>
+                                  <m:sSub>
+                                    <m:sSubPr>
+                                      <m:ctrlPr>
+                                        <a:rPr lang="en-US" b="1" i="1" dirty="0" smtClean="0">
+                                          <a:latin typeface="Cambria Math"/>
+                                        </a:rPr>
+                                      </m:ctrlPr>
+                                    </m:sSubPr>
+                                    <m:e>
+                                      <m:r>
+                                        <a:rPr lang="en-US" b="1" i="1" dirty="0" smtClean="0">
+                                          <a:latin typeface="Cambria Math"/>
+                                        </a:rPr>
+                                        <m:t>𝒗</m:t>
+                                      </m:r>
+                                    </m:e>
+                                    <m:sub>
+                                      <m:r>
+                                        <a:rPr lang="en-US" b="1" i="1" dirty="0" smtClean="0">
+                                          <a:latin typeface="Cambria Math"/>
+                                        </a:rPr>
+                                        <m:t>𝒊</m:t>
+                                      </m:r>
+                                    </m:sub>
+                                  </m:sSub>
+                                </m:e>
+                              </m:d>
+                            </m:e>
+                          </m:d>
+                        </m:e>
+                        <m:sub>
+                          <m:r>
+                            <a:rPr lang="en-US" b="0" i="0" dirty="0" smtClean="0">
+                              <a:latin typeface="Cambria Math"/>
+                            </a:rPr>
+                            <m:t>2</m:t>
+                          </m:r>
+                        </m:sub>
+                      </m:sSub>
+                      <m:r>
+                        <a:rPr lang="en-US" b="0" i="0" dirty="0" smtClean="0">
+                          <a:latin typeface="Cambria Math"/>
+                        </a:rPr>
+                        <m:t>=</m:t>
+                      </m:r>
+                      <m:sSub>
+                        <m:sSubPr>
+                          <m:ctrlPr>
+                            <a:rPr lang="en-US" b="0" i="1" dirty="0" smtClean="0">
+                              <a:latin typeface="Cambria Math"/>
+                            </a:rPr>
+                          </m:ctrlPr>
+                        </m:sSubPr>
+                        <m:e>
+                          <m:d>
+                            <m:dPr>
+                              <m:begChr m:val="|"/>
+                              <m:endChr m:val="|"/>
+                              <m:ctrlPr>
+                                <a:rPr lang="en-US" b="0" i="0" dirty="0" smtClean="0">
+                                  <a:latin typeface="Cambria Math"/>
+                                </a:rPr>
+                              </m:ctrlPr>
+                            </m:dPr>
+                            <m:e>
+                              <m:d>
+                                <m:dPr>
+                                  <m:begChr m:val="|"/>
+                                  <m:endChr m:val="|"/>
+                                  <m:ctrlPr>
+                                    <a:rPr lang="en-US" b="0" i="0" dirty="0" smtClean="0">
+                                      <a:latin typeface="Cambria Math"/>
+                                    </a:rPr>
+                                  </m:ctrlPr>
+                                </m:dPr>
+                                <m:e>
+                                  <m:r>
+                                    <a:rPr lang="en-US" b="1" i="1" dirty="0">
+                                      <a:latin typeface="Cambria Math"/>
+                                    </a:rPr>
+                                    <m:t>𝑼</m:t>
+                                  </m:r>
+                                  <m:r>
+                                    <a:rPr lang="en-US" i="1" dirty="0">
+                                      <a:latin typeface="Cambria Math"/>
+                                    </a:rPr>
+                                    <m:t> </m:t>
+                                  </m:r>
+                                  <m:r>
+                                    <a:rPr lang="en-US" b="1" dirty="0">
+                                      <a:latin typeface="Cambria Math"/>
+                                    </a:rPr>
+                                    <m:t>𝚺</m:t>
+                                  </m:r>
+                                  <m:r>
+                                    <a:rPr lang="en-US" i="1" dirty="0">
+                                      <a:latin typeface="Cambria Math"/>
+                                    </a:rPr>
+                                    <m:t> </m:t>
+                                  </m:r>
+                                  <m:sSup>
+                                    <m:sSupPr>
+                                      <m:ctrlPr>
+                                        <a:rPr lang="en-US" i="1" dirty="0">
+                                          <a:latin typeface="Cambria Math"/>
+                                        </a:rPr>
+                                      </m:ctrlPr>
+                                    </m:sSupPr>
+                                    <m:e>
+                                      <m:r>
+                                        <a:rPr lang="en-US" b="1" i="1" dirty="0">
+                                          <a:latin typeface="Cambria Math"/>
+                                        </a:rPr>
+                                        <m:t>𝑽</m:t>
+                                      </m:r>
+                                    </m:e>
+                                    <m:sup>
+                                      <m:r>
+                                        <a:rPr lang="en-US" i="1" dirty="0">
+                                          <a:latin typeface="Cambria Math"/>
+                                        </a:rPr>
+                                        <m:t>𝑇</m:t>
+                                      </m:r>
+                                    </m:sup>
+                                  </m:sSup>
+                                  <m:sSub>
+                                    <m:sSubPr>
+                                      <m:ctrlPr>
+                                        <a:rPr lang="en-US" b="1" i="1" dirty="0" smtClean="0">
+                                          <a:latin typeface="Cambria Math"/>
+                                        </a:rPr>
+                                      </m:ctrlPr>
+                                    </m:sSubPr>
+                                    <m:e>
+                                      <m:r>
+                                        <a:rPr lang="en-US" b="1" i="1" dirty="0" smtClean="0">
+                                          <a:latin typeface="Cambria Math"/>
+                                        </a:rPr>
+                                        <m:t>𝒗</m:t>
+                                      </m:r>
+                                    </m:e>
+                                    <m:sub>
+                                      <m:r>
+                                        <a:rPr lang="en-US" b="1" i="1" dirty="0" smtClean="0">
+                                          <a:latin typeface="Cambria Math"/>
+                                        </a:rPr>
+                                        <m:t>𝒊</m:t>
+                                      </m:r>
+                                    </m:sub>
+                                  </m:sSub>
+                                </m:e>
+                              </m:d>
+                            </m:e>
+                          </m:d>
+                        </m:e>
+                        <m:sub>
+                          <m:r>
+                            <a:rPr lang="en-US" b="0" i="1" dirty="0" smtClean="0">
+                              <a:latin typeface="Cambria Math"/>
+                            </a:rPr>
+                            <m:t>2</m:t>
+                          </m:r>
+                        </m:sub>
+                      </m:sSub>
+                      <m:r>
+                        <a:rPr lang="en-US" b="0" i="1" dirty="0" smtClean="0">
+                          <a:latin typeface="Cambria Math"/>
+                        </a:rPr>
+                        <m:t>=</m:t>
+                      </m:r>
+                      <m:sSub>
+                        <m:sSubPr>
+                          <m:ctrlPr>
+                            <a:rPr lang="en-US" b="1" i="0" dirty="0" smtClean="0">
+                              <a:latin typeface="Cambria Math"/>
+                            </a:rPr>
+                          </m:ctrlPr>
+                        </m:sSubPr>
+                        <m:e>
+                          <m:d>
+                            <m:dPr>
+                              <m:begChr m:val="|"/>
+                              <m:endChr m:val="|"/>
+                              <m:ctrlPr>
+                                <a:rPr lang="en-US" b="1" i="1" dirty="0" smtClean="0">
+                                  <a:latin typeface="Cambria Math"/>
+                                </a:rPr>
+                              </m:ctrlPr>
+                            </m:dPr>
+                            <m:e>
+                              <m:d>
+                                <m:dPr>
+                                  <m:begChr m:val="|"/>
+                                  <m:endChr m:val="|"/>
+                                  <m:ctrlPr>
+                                    <a:rPr lang="en-US" b="1" i="1" dirty="0" smtClean="0">
+                                      <a:latin typeface="Cambria Math"/>
+                                    </a:rPr>
+                                  </m:ctrlPr>
+                                </m:dPr>
+                                <m:e>
+                                  <m:r>
+                                    <a:rPr lang="en-US" b="1" i="1" dirty="0">
+                                      <a:latin typeface="Cambria Math"/>
+                                    </a:rPr>
+                                    <m:t>𝑼</m:t>
+                                  </m:r>
+                                  <m:r>
+                                    <a:rPr lang="en-US" i="1" dirty="0">
+                                      <a:latin typeface="Cambria Math"/>
+                                    </a:rPr>
+                                    <m:t> </m:t>
+                                  </m:r>
+                                  <m:r>
+                                    <a:rPr lang="en-US" b="1" dirty="0">
+                                      <a:latin typeface="Cambria Math"/>
+                                    </a:rPr>
+                                    <m:t>𝚺</m:t>
+                                  </m:r>
+                                  <m:r>
+                                    <a:rPr lang="en-US" b="1" i="0" dirty="0" smtClean="0">
+                                      <a:latin typeface="Cambria Math"/>
+                                    </a:rPr>
+                                    <m:t> </m:t>
+                                  </m:r>
+                                  <m:sSubSup>
+                                    <m:sSubSupPr>
+                                      <m:ctrlPr>
+                                        <a:rPr lang="en-US" b="1" i="0" dirty="0" smtClean="0">
+                                          <a:latin typeface="Cambria Math"/>
+                                        </a:rPr>
+                                      </m:ctrlPr>
+                                    </m:sSubSupPr>
+                                    <m:e>
+                                      <m:r>
+                                        <a:rPr lang="en-US" b="1" i="0" dirty="0" smtClean="0">
+                                          <a:latin typeface="Cambria Math"/>
+                                        </a:rPr>
+                                        <m:t>𝐞</m:t>
+                                      </m:r>
+                                    </m:e>
+                                    <m:sub>
+                                      <m:r>
+                                        <a:rPr lang="en-US" b="1" i="0" dirty="0" smtClean="0">
+                                          <a:latin typeface="Cambria Math"/>
+                                        </a:rPr>
+                                        <m:t>𝐢</m:t>
+                                      </m:r>
+                                    </m:sub>
+                                    <m:sup>
+                                      <m:r>
+                                        <a:rPr lang="en-US" b="1" i="0" dirty="0" smtClean="0">
+                                          <a:latin typeface="Cambria Math"/>
+                                        </a:rPr>
+                                        <m:t>𝐓</m:t>
+                                      </m:r>
+                                    </m:sup>
+                                  </m:sSubSup>
+                                </m:e>
+                              </m:d>
+                            </m:e>
+                          </m:d>
+                        </m:e>
+                        <m:sub>
+                          <m:r>
+                            <a:rPr lang="en-US" b="1" i="0" dirty="0" smtClean="0">
+                              <a:latin typeface="Cambria Math"/>
+                            </a:rPr>
+                            <m:t>𝟐</m:t>
+                          </m:r>
+                        </m:sub>
+                      </m:sSub>
+                      <m:r>
+                        <a:rPr lang="en-US" b="1" i="0" dirty="0" smtClean="0">
+                          <a:latin typeface="Cambria Math"/>
+                        </a:rPr>
+                        <m:t>=</m:t>
+                      </m:r>
+                      <m:sSub>
+                        <m:sSubPr>
+                          <m:ctrlPr>
+                            <a:rPr lang="en-US" b="1" i="1" dirty="0" smtClean="0">
+                              <a:latin typeface="Cambria Math"/>
+                            </a:rPr>
+                          </m:ctrlPr>
+                        </m:sSubPr>
+                        <m:e>
+                          <m:r>
+                            <a:rPr lang="en-US" b="1" i="1" dirty="0" smtClean="0">
+                              <a:latin typeface="Cambria Math"/>
+                            </a:rPr>
+                            <m:t>𝝈</m:t>
+                          </m:r>
+                        </m:e>
+                        <m:sub>
+                          <m:r>
+                            <a:rPr lang="en-US" b="1" i="1" dirty="0" smtClean="0">
+                              <a:latin typeface="Cambria Math"/>
+                            </a:rPr>
+                            <m:t>𝒊</m:t>
+                          </m:r>
+                        </m:sub>
+                      </m:sSub>
+                      <m:d>
+                        <m:dPr>
+                          <m:begChr m:val="|"/>
+                          <m:endChr m:val="|"/>
+                          <m:ctrlPr>
+                            <a:rPr lang="en-US" b="1" i="1" dirty="0">
+                              <a:latin typeface="Cambria Math"/>
+                            </a:rPr>
+                          </m:ctrlPr>
+                        </m:dPr>
+                        <m:e>
+                          <m:d>
+                            <m:dPr>
+                              <m:begChr m:val="|"/>
+                              <m:endChr m:val="|"/>
+                              <m:ctrlPr>
+                                <a:rPr lang="en-US" b="1" i="1" dirty="0">
+                                  <a:latin typeface="Cambria Math"/>
+                                </a:rPr>
+                              </m:ctrlPr>
+                            </m:dPr>
+                            <m:e>
+                              <m:r>
+                                <a:rPr lang="en-US" b="1" i="1" dirty="0">
+                                  <a:latin typeface="Cambria Math"/>
+                                </a:rPr>
+                                <m:t>𝑼</m:t>
+                              </m:r>
+                              <m:r>
+                                <a:rPr lang="en-US" i="1" dirty="0">
+                                  <a:latin typeface="Cambria Math"/>
+                                </a:rPr>
+                                <m:t> </m:t>
+                              </m:r>
+                              <m:sSubSup>
+                                <m:sSubSupPr>
+                                  <m:ctrlPr>
+                                    <a:rPr lang="en-US" b="1" i="1" dirty="0">
+                                      <a:latin typeface="Cambria Math"/>
+                                    </a:rPr>
+                                  </m:ctrlPr>
+                                </m:sSubSupPr>
+                                <m:e>
+                                  <m:r>
+                                    <a:rPr lang="en-US" b="1" dirty="0">
+                                      <a:latin typeface="Cambria Math"/>
+                                    </a:rPr>
+                                    <m:t>𝐞</m:t>
+                                  </m:r>
+                                </m:e>
+                                <m:sub>
+                                  <m:r>
+                                    <a:rPr lang="en-US" b="1" dirty="0">
+                                      <a:latin typeface="Cambria Math"/>
+                                    </a:rPr>
+                                    <m:t>𝐢</m:t>
+                                  </m:r>
+                                </m:sub>
+                                <m:sup>
+                                  <m:r>
+                                    <a:rPr lang="en-US" b="1" dirty="0">
+                                      <a:latin typeface="Cambria Math"/>
+                                    </a:rPr>
+                                    <m:t>𝐓</m:t>
+                                  </m:r>
+                                </m:sup>
+                              </m:sSubSup>
+                            </m:e>
+                          </m:d>
+                        </m:e>
+                      </m:d>
+                      <m:r>
+                        <a:rPr lang="en-US" b="1" i="1" dirty="0" smtClean="0">
+                          <a:latin typeface="Cambria Math"/>
+                        </a:rPr>
+                        <m:t>=</m:t>
+                      </m:r>
+                      <m:sSub>
+                        <m:sSubPr>
+                          <m:ctrlPr>
+                            <a:rPr lang="en-US" b="1" i="1" dirty="0">
+                              <a:latin typeface="Cambria Math"/>
+                            </a:rPr>
+                          </m:ctrlPr>
+                        </m:sSubPr>
+                        <m:e>
+                          <m:r>
+                            <a:rPr lang="en-US" b="1" i="1" dirty="0">
+                              <a:latin typeface="Cambria Math"/>
+                            </a:rPr>
+                            <m:t>𝝈</m:t>
+                          </m:r>
+                        </m:e>
+                        <m:sub>
+                          <m:r>
+                            <a:rPr lang="en-US" b="1" i="1" dirty="0">
+                              <a:latin typeface="Cambria Math"/>
+                            </a:rPr>
+                            <m:t>𝒊</m:t>
+                          </m:r>
+                        </m:sub>
+                      </m:sSub>
+                    </m:oMath>
+                  </m:oMathPara>
+                </a14:m>
+                <a:endParaRPr lang="en-US" dirty="0" smtClean="0"/>
+              </a:p>
+              <a:p>
+                <a:r>
+                  <a:rPr lang="en-US" dirty="0" smtClean="0"/>
+                  <a:t>Moore-Penrose </a:t>
+                </a:r>
+                <a:r>
+                  <a:rPr lang="en-US" dirty="0" err="1" smtClean="0"/>
+                  <a:t>pseudoinverse</a:t>
+                </a:r>
+                <a:r>
+                  <a:rPr lang="en-US" dirty="0" smtClean="0"/>
+                  <a:t> :</a:t>
+                </a:r>
+                <a:endParaRPr lang="en-US" b="1" i="1" dirty="0" smtClean="0">
+                  <a:latin typeface="Cambria Math"/>
+                </a:endParaRPr>
+              </a:p>
+              <a:p>
+                <a:pPr marL="0" indent="0">
+                  <a:buNone/>
+                </a:pPr>
+                <a14:m>
+                  <m:oMathPara xmlns:m="http://schemas.openxmlformats.org/officeDocument/2006/math">
+                    <m:oMathParaPr>
+                      <m:jc m:val="centerGroup"/>
+                    </m:oMathParaPr>
+                    <m:oMath xmlns:m="http://schemas.openxmlformats.org/officeDocument/2006/math">
+                      <m:sSup>
+                        <m:sSupPr>
+                          <m:ctrlPr>
+                            <a:rPr lang="en-US" b="1" i="1" smtClean="0">
+                              <a:latin typeface="Cambria Math"/>
+                            </a:rPr>
+                          </m:ctrlPr>
+                        </m:sSupPr>
+                        <m:e>
+                          <m:r>
+                            <a:rPr lang="en-US" b="1" i="1" smtClean="0">
+                              <a:latin typeface="Cambria Math"/>
+                            </a:rPr>
+                            <m:t>𝑨</m:t>
+                          </m:r>
+                        </m:e>
+                        <m:sup>
+                          <m:r>
+                            <a:rPr lang="en-US" b="1" i="1" smtClean="0">
+                              <a:latin typeface="Cambria Math"/>
+                            </a:rPr>
+                            <m:t>+</m:t>
+                          </m:r>
+                        </m:sup>
+                      </m:sSup>
+                      <m:r>
+                        <a:rPr lang="en-US" b="1" i="1" smtClean="0">
+                          <a:latin typeface="Cambria Math"/>
+                        </a:rPr>
+                        <m:t>=</m:t>
+                      </m:r>
+                      <m:sSup>
+                        <m:sSupPr>
+                          <m:ctrlPr>
+                            <a:rPr lang="en-US" b="1" i="1">
+                              <a:latin typeface="Cambria Math"/>
+                            </a:rPr>
+                          </m:ctrlPr>
+                        </m:sSupPr>
+                        <m:e>
+                          <m:d>
+                            <m:dPr>
+                              <m:ctrlPr>
+                                <a:rPr lang="en-US" i="1">
+                                  <a:latin typeface="Cambria Math"/>
+                                </a:rPr>
+                              </m:ctrlPr>
+                            </m:dPr>
+                            <m:e>
+                              <m:sSup>
+                                <m:sSupPr>
+                                  <m:ctrlPr>
+                                    <a:rPr lang="en-US" i="1">
+                                      <a:latin typeface="Cambria Math"/>
+                                    </a:rPr>
+                                  </m:ctrlPr>
+                                </m:sSupPr>
+                                <m:e>
+                                  <m:r>
+                                    <a:rPr lang="en-US" b="1" i="1">
+                                      <a:latin typeface="Cambria Math"/>
+                                    </a:rPr>
+                                    <m:t>𝑨</m:t>
+                                  </m:r>
+                                </m:e>
+                                <m:sup>
+                                  <m:r>
+                                    <a:rPr lang="en-US" i="1">
+                                      <a:latin typeface="Cambria Math"/>
+                                    </a:rPr>
+                                    <m:t>𝑇</m:t>
+                                  </m:r>
+                                </m:sup>
+                              </m:sSup>
+                              <m:r>
+                                <a:rPr lang="en-US" b="1" i="1">
+                                  <a:latin typeface="Cambria Math"/>
+                                </a:rPr>
+                                <m:t>𝑨</m:t>
+                              </m:r>
+                            </m:e>
+                          </m:d>
+                        </m:e>
+                        <m:sup>
+                          <m:r>
+                            <a:rPr lang="en-US" i="1">
+                              <a:latin typeface="Cambria Math"/>
+                            </a:rPr>
+                            <m:t>−1</m:t>
+                          </m:r>
+                        </m:sup>
+                      </m:sSup>
+                      <m:sSup>
+                        <m:sSupPr>
+                          <m:ctrlPr>
+                            <a:rPr lang="en-US" b="1" i="1">
+                              <a:latin typeface="Cambria Math"/>
+                            </a:rPr>
+                          </m:ctrlPr>
+                        </m:sSupPr>
+                        <m:e>
+                          <m:r>
+                            <a:rPr lang="en-US" b="1" i="1">
+                              <a:latin typeface="Cambria Math"/>
+                            </a:rPr>
+                            <m:t>𝑨</m:t>
+                          </m:r>
+                        </m:e>
+                        <m:sup>
+                          <m:r>
+                            <a:rPr lang="en-US" i="1">
+                              <a:latin typeface="Cambria Math"/>
+                            </a:rPr>
+                            <m:t>𝑇</m:t>
+                          </m:r>
+                        </m:sup>
+                      </m:sSup>
+                      <m:r>
+                        <a:rPr lang="en-US" b="1" i="1" smtClean="0">
+                          <a:latin typeface="Cambria Math"/>
+                        </a:rPr>
+                        <m:t>=</m:t>
+                      </m:r>
+                      <m:r>
+                        <a:rPr lang="en-US" b="1" i="1" smtClean="0">
+                          <a:latin typeface="Cambria Math"/>
+                        </a:rPr>
+                        <m:t>𝑽</m:t>
+                      </m:r>
+                      <m:sSup>
+                        <m:sSupPr>
+                          <m:ctrlPr>
+                            <a:rPr lang="en-US" b="1" i="1" smtClean="0">
+                              <a:latin typeface="Cambria Math"/>
+                            </a:rPr>
+                          </m:ctrlPr>
+                        </m:sSupPr>
+                        <m:e>
+                          <m:r>
+                            <a:rPr lang="en-US" b="1" i="0" smtClean="0">
+                              <a:latin typeface="Cambria Math"/>
+                            </a:rPr>
+                            <m:t>𝚺</m:t>
+                          </m:r>
+                        </m:e>
+                        <m:sup>
+                          <m:r>
+                            <a:rPr lang="en-US" b="1" i="1" smtClean="0">
+                              <a:latin typeface="Cambria Math"/>
+                            </a:rPr>
+                            <m:t>−</m:t>
+                          </m:r>
+                          <m:r>
+                            <a:rPr lang="en-US" b="1" i="1" smtClean="0">
+                              <a:latin typeface="Cambria Math"/>
+                            </a:rPr>
+                            <m:t>𝟏</m:t>
+                          </m:r>
+                        </m:sup>
+                      </m:sSup>
+                      <m:sSup>
+                        <m:sSupPr>
+                          <m:ctrlPr>
+                            <a:rPr lang="en-US" b="1" i="1" smtClean="0">
+                              <a:latin typeface="Cambria Math"/>
+                            </a:rPr>
+                          </m:ctrlPr>
+                        </m:sSupPr>
+                        <m:e>
+                          <m:r>
+                            <a:rPr lang="en-US" b="1" i="1" smtClean="0">
+                              <a:latin typeface="Cambria Math"/>
+                            </a:rPr>
+                            <m:t>𝑼</m:t>
+                          </m:r>
+                        </m:e>
+                        <m:sup>
+                          <m:r>
+                            <a:rPr lang="en-US" b="1" i="1" smtClean="0">
+                              <a:latin typeface="Cambria Math"/>
+                            </a:rPr>
+                            <m:t>𝑻</m:t>
+                          </m:r>
+                        </m:sup>
+                      </m:sSup>
+                    </m:oMath>
+                  </m:oMathPara>
+                </a14:m>
+                <a:endParaRPr lang="en-US" b="1" dirty="0" smtClean="0"/>
+              </a:p>
+              <a:p>
+                <a:r>
+                  <a:rPr lang="en-US" dirty="0" smtClean="0"/>
+                  <a:t>Least squares solution: </a:t>
+                </a:r>
+                <a14:m>
+                  <m:oMath xmlns:m="http://schemas.openxmlformats.org/officeDocument/2006/math">
+                    <m:sSup>
+                      <m:sSupPr>
+                        <m:ctrlPr>
+                          <a:rPr lang="en-US" b="1" i="1" smtClean="0">
+                            <a:latin typeface="Cambria Math"/>
+                          </a:rPr>
+                        </m:ctrlPr>
+                      </m:sSupPr>
+                      <m:e>
+                        <m:r>
+                          <a:rPr lang="en-US" b="1" i="1" smtClean="0">
+                            <a:latin typeface="Cambria Math"/>
+                          </a:rPr>
+                          <m:t>𝒙</m:t>
+                        </m:r>
+                      </m:e>
+                      <m:sup>
+                        <m:r>
+                          <a:rPr lang="en-US" b="1" i="1" smtClean="0">
+                            <a:latin typeface="Cambria Math"/>
+                          </a:rPr>
+                          <m:t>∗</m:t>
+                        </m:r>
+                      </m:sup>
+                    </m:sSup>
+                    <m:r>
+                      <a:rPr lang="en-US" b="1" i="1" smtClean="0">
+                        <a:latin typeface="Cambria Math"/>
+                      </a:rPr>
+                      <m:t>=</m:t>
+                    </m:r>
+                  </m:oMath>
+                </a14:m>
+                <a:r>
+                  <a:rPr lang="en-US" b="1" dirty="0" smtClean="0"/>
+                  <a:t> </a:t>
+                </a:r>
+                <a14:m>
+                  <m:oMath xmlns:m="http://schemas.openxmlformats.org/officeDocument/2006/math">
+                    <m:sSup>
+                      <m:sSupPr>
+                        <m:ctrlPr>
+                          <a:rPr lang="en-US" b="1" i="1">
+                            <a:latin typeface="Cambria Math"/>
+                          </a:rPr>
+                        </m:ctrlPr>
+                      </m:sSupPr>
+                      <m:e>
+                        <m:r>
+                          <a:rPr lang="en-US" b="1" i="1">
+                            <a:latin typeface="Cambria Math"/>
+                          </a:rPr>
+                          <m:t>𝑨</m:t>
+                        </m:r>
+                      </m:e>
+                      <m:sup>
+                        <m:r>
+                          <a:rPr lang="en-US" b="1" i="1">
+                            <a:latin typeface="Cambria Math"/>
+                          </a:rPr>
+                          <m:t>+</m:t>
+                        </m:r>
+                      </m:sup>
+                    </m:sSup>
+                    <m:r>
+                      <a:rPr lang="en-US" b="1" i="1" dirty="0" smtClean="0">
+                        <a:latin typeface="Cambria Math"/>
+                      </a:rPr>
+                      <m:t>𝒃</m:t>
+                    </m:r>
+                    <m:r>
+                      <a:rPr lang="en-US" b="1" i="1" dirty="0" smtClean="0">
+                        <a:latin typeface="Cambria Math"/>
+                      </a:rPr>
+                      <m:t>=</m:t>
+                    </m:r>
+                    <m:r>
+                      <a:rPr lang="en-US" b="1" i="1">
+                        <a:latin typeface="Cambria Math"/>
+                      </a:rPr>
+                      <m:t>𝑽</m:t>
+                    </m:r>
+                    <m:sSup>
+                      <m:sSupPr>
+                        <m:ctrlPr>
+                          <a:rPr lang="en-US" b="1" i="1">
+                            <a:latin typeface="Cambria Math"/>
+                          </a:rPr>
+                        </m:ctrlPr>
+                      </m:sSupPr>
+                      <m:e>
+                        <m:r>
+                          <a:rPr lang="en-US" b="1">
+                            <a:latin typeface="Cambria Math"/>
+                          </a:rPr>
+                          <m:t>𝚺</m:t>
+                        </m:r>
+                      </m:e>
+                      <m:sup>
+                        <m:r>
+                          <a:rPr lang="en-US" b="1" i="1">
+                            <a:latin typeface="Cambria Math"/>
+                          </a:rPr>
+                          <m:t>−</m:t>
+                        </m:r>
+                        <m:r>
+                          <a:rPr lang="en-US" b="1" i="1">
+                            <a:latin typeface="Cambria Math"/>
+                          </a:rPr>
+                          <m:t>𝟏</m:t>
+                        </m:r>
+                      </m:sup>
+                    </m:sSup>
+                    <m:sSup>
+                      <m:sSupPr>
+                        <m:ctrlPr>
+                          <a:rPr lang="en-US" b="1" i="1">
+                            <a:latin typeface="Cambria Math"/>
+                          </a:rPr>
+                        </m:ctrlPr>
+                      </m:sSupPr>
+                      <m:e>
+                        <m:r>
+                          <a:rPr lang="en-US" b="1" i="1">
+                            <a:latin typeface="Cambria Math"/>
+                          </a:rPr>
+                          <m:t>𝑼</m:t>
+                        </m:r>
+                      </m:e>
+                      <m:sup>
+                        <m:r>
+                          <a:rPr lang="en-US" b="1" i="1">
+                            <a:latin typeface="Cambria Math"/>
+                          </a:rPr>
+                          <m:t>𝑻</m:t>
+                        </m:r>
+                      </m:sup>
+                    </m:sSup>
+                    <m:r>
+                      <a:rPr lang="en-US" b="1" i="1" smtClean="0">
+                        <a:latin typeface="Cambria Math"/>
+                      </a:rPr>
+                      <m:t>𝒃</m:t>
+                    </m:r>
+                  </m:oMath>
+                </a14:m>
+                <a:endParaRPr lang="en-US" b="1" dirty="0" smtClean="0"/>
+              </a:p>
+              <a:p>
+                <a:endParaRPr lang="en-US" b="1" dirty="0" smtClean="0"/>
+              </a:p>
+              <a:p>
+                <a:pPr marL="0" indent="0">
+                  <a:buNone/>
+                </a:pPr>
+                <a:endParaRPr lang="en-US" dirty="0" smtClean="0"/>
+              </a:p>
+              <a:p>
+                <a:endParaRPr lang="en-US" dirty="0" smtClean="0"/>
+              </a:p>
+              <a:p>
+                <a:pPr marL="0" indent="0">
+                  <a:buNone/>
+                </a:pPr>
+                <a:endParaRPr lang="en-US" dirty="0" smtClean="0"/>
+              </a:p>
+              <a:p>
+                <a:endParaRPr lang="en-US" dirty="0" smtClean="0"/>
+              </a:p>
+              <a:p>
+                <a:pPr marL="457200" lvl="1" indent="0">
+                  <a:buNone/>
+                </a:pPr>
+                <a:endParaRPr lang="en-US" dirty="0" smtClean="0"/>
+              </a:p>
+            </p:txBody>
+          </p:sp>
+        </mc:Choice>
+        <mc:Fallback>
+          <p:sp>
+            <p:nvSpPr>
+              <p:cNvPr id="3" name="Content Placeholder 2"/>
+              <p:cNvSpPr>
+                <a:spLocks noGrp="1" noRot="1" noChangeAspect="1" noMove="1" noResize="1" noEditPoints="1" noAdjustHandles="1" noChangeArrowheads="1" noChangeShapeType="1" noTextEdit="1"/>
+              </p:cNvSpPr>
+              <p:nvPr>
+                <p:ph idx="1"/>
+              </p:nvPr>
+            </p:nvSpPr>
+            <p:spPr>
+              <a:xfrm>
+                <a:off x="304800" y="1371600"/>
+                <a:ext cx="8305800" cy="5181600"/>
+              </a:xfrm>
+              <a:blipFill rotWithShape="1">
+                <a:blip r:embed="rId2"/>
+                <a:stretch>
+                  <a:fillRect l="-1174" t="-1647" b="-941"/>
+                </a:stretch>
+              </a:blipFill>
+            </p:spPr>
+            <p:txBody>
+              <a:bodyPr/>
+              <a:lstStyle/>
+              <a:p>
+                <a:r>
+                  <a:rPr lang="en-US">
+                    <a:noFill/>
+                  </a:rPr>
+                  <a:t> </a:t>
+                </a:r>
+              </a:p>
+            </p:txBody>
+          </p:sp>
+        </mc:Fallback>
+      </mc:AlternateContent>
+    </p:spTree>
+    <p:extLst>
+      <p:ext uri="{BB962C8B-B14F-4D97-AF65-F5344CB8AC3E}">
+        <p14:creationId xmlns:p14="http://schemas.microsoft.com/office/powerpoint/2010/main" val="3518965115"/>
+      </p:ext>
+    </p:extLst>
+  </p:cSld>
+  <p:clrMapOvr>
+    <a:masterClrMapping/>
+  </p:clrMapOvr>
+  <p:timing>
+    <p:tnLst>
+      <p:par>
+        <p:cTn id="1" dur="indefinite" restart="never" nodeType="tmRoot">
+          <p:childTnLst>
+            <p:seq concurrent="1" nextAc="seek">
+              <p:cTn id="2" dur="indefinite" nodeType="mainSeq">
+                <p:childTnLst>
+                  <p:par>
+                    <p:cTn id="3" fill="hold">
+                      <p:stCondLst>
+                        <p:cond delay="indefinite"/>
+                      </p:stCondLst>
+                      <p:childTnLst>
+                        <p:par>
+                          <p:cTn id="4" fill="hold">
+                            <p:stCondLst>
+                              <p:cond delay="0"/>
+                            </p:stCondLst>
+                            <p:childTnLst>
+                              <p:par>
+                                <p:cTn id="5" presetID="1" presetClass="entr" presetSubtype="0" fill="hold" grpId="0" nodeType="clickEffect">
+                                  <p:stCondLst>
+                                    <p:cond delay="0"/>
+                                  </p:stCondLst>
+                                  <p:childTnLst>
+                                    <p:set>
+                                      <p:cBhvr>
+                                        <p:cTn id="6" dur="1" fill="hold">
+                                          <p:stCondLst>
+                                            <p:cond delay="0"/>
+                                          </p:stCondLst>
+                                        </p:cTn>
+                                        <p:tgtEl>
+                                          <p:spTgt spid="3">
+                                            <p:txEl>
+                                              <p:pRg st="0" end="0"/>
+                                            </p:txEl>
+                                          </p:spTgt>
+                                        </p:tgtEl>
+                                        <p:attrNameLst>
+                                          <p:attrName>style.visibility</p:attrName>
+                                        </p:attrNameLst>
+                                      </p:cBhvr>
+                                      <p:to>
+                                        <p:strVal val="visible"/>
+                                      </p:to>
+                                    </p:set>
+                                  </p:childTnLst>
+                                </p:cTn>
+                              </p:par>
+                            </p:childTnLst>
+                          </p:cTn>
+                        </p:par>
+                      </p:childTnLst>
+                    </p:cTn>
+                  </p:par>
+                  <p:par>
+                    <p:cTn id="7" fill="hold">
+                      <p:stCondLst>
+                        <p:cond delay="indefinite"/>
+                      </p:stCondLst>
+                      <p:childTnLst>
+                        <p:par>
+                          <p:cTn id="8" fill="hold">
+                            <p:stCondLst>
+                              <p:cond delay="0"/>
+                            </p:stCondLst>
+                            <p:childTnLst>
+                              <p:par>
+                                <p:cTn id="9" presetID="1" presetClass="entr" presetSubtype="0" fill="hold" grpId="0" nodeType="clickEffect">
+                                  <p:stCondLst>
+                                    <p:cond delay="0"/>
+                                  </p:stCondLst>
+                                  <p:childTnLst>
+                                    <p:set>
+                                      <p:cBhvr>
+                                        <p:cTn id="10" dur="1" fill="hold">
+                                          <p:stCondLst>
+                                            <p:cond delay="0"/>
+                                          </p:stCondLst>
+                                        </p:cTn>
+                                        <p:tgtEl>
+                                          <p:spTgt spid="3">
+                                            <p:txEl>
+                                              <p:pRg st="1" end="1"/>
+                                            </p:txEl>
+                                          </p:spTgt>
+                                        </p:tgtEl>
+                                        <p:attrNameLst>
+                                          <p:attrName>style.visibility</p:attrName>
+                                        </p:attrNameLst>
+                                      </p:cBhvr>
+                                      <p:to>
+                                        <p:strVal val="visible"/>
+                                      </p:to>
+                                    </p:set>
+                                  </p:childTnLst>
+                                </p:cTn>
+                              </p:par>
+                            </p:childTnLst>
+                          </p:cTn>
+                        </p:par>
+                      </p:childTnLst>
+                    </p:cTn>
+                  </p:par>
+                  <p:par>
+                    <p:cTn id="11" fill="hold">
+                      <p:stCondLst>
+                        <p:cond delay="indefinite"/>
+                      </p:stCondLst>
+                      <p:childTnLst>
+                        <p:par>
+                          <p:cTn id="12" fill="hold">
+                            <p:stCondLst>
+                              <p:cond delay="0"/>
+                            </p:stCondLst>
+                            <p:childTnLst>
+                              <p:par>
+                                <p:cTn id="13" presetID="1" presetClass="entr" presetSubtype="0" fill="hold" grpId="0" nodeType="clickEffect">
+                                  <p:stCondLst>
+                                    <p:cond delay="0"/>
+                                  </p:stCondLst>
+                                  <p:childTnLst>
+                                    <p:set>
+                                      <p:cBhvr>
+                                        <p:cTn id="14" dur="1" fill="hold">
+                                          <p:stCondLst>
+                                            <p:cond delay="0"/>
+                                          </p:stCondLst>
+                                        </p:cTn>
+                                        <p:tgtEl>
+                                          <p:spTgt spid="3">
+                                            <p:txEl>
+                                              <p:pRg st="2" end="2"/>
+                                            </p:txEl>
+                                          </p:spTgt>
+                                        </p:tgtEl>
+                                        <p:attrNameLst>
+                                          <p:attrName>style.visibility</p:attrName>
+                                        </p:attrNameLst>
+                                      </p:cBhvr>
+                                      <p:to>
+                                        <p:strVal val="visible"/>
+                                      </p:to>
+                                    </p:set>
+                                  </p:childTnLst>
+                                </p:cTn>
+                              </p:par>
+                            </p:childTnLst>
+                          </p:cTn>
+                        </p:par>
+                      </p:childTnLst>
+                    </p:cTn>
+                  </p:par>
+                  <p:par>
+                    <p:cTn id="15" fill="hold">
+                      <p:stCondLst>
+                        <p:cond delay="indefinite"/>
+                      </p:stCondLst>
+                      <p:childTnLst>
+                        <p:par>
+                          <p:cTn id="16" fill="hold">
+                            <p:stCondLst>
+                              <p:cond delay="0"/>
+                            </p:stCondLst>
+                            <p:childTnLst>
+                              <p:par>
+                                <p:cTn id="17" presetID="1" presetClass="entr" presetSubtype="0" fill="hold" grpId="0" nodeType="clickEffect">
+                                  <p:stCondLst>
+                                    <p:cond delay="0"/>
+                                  </p:stCondLst>
+                                  <p:childTnLst>
+                                    <p:set>
+                                      <p:cBhvr>
+                                        <p:cTn id="18" dur="1" fill="hold">
+                                          <p:stCondLst>
+                                            <p:cond delay="0"/>
+                                          </p:stCondLst>
+                                        </p:cTn>
+                                        <p:tgtEl>
+                                          <p:spTgt spid="3">
+                                            <p:txEl>
+                                              <p:pRg st="3" end="3"/>
+                                            </p:txEl>
+                                          </p:spTgt>
+                                        </p:tgtEl>
+                                        <p:attrNameLst>
+                                          <p:attrName>style.visibility</p:attrName>
+                                        </p:attrNameLst>
+                                      </p:cBhvr>
+                                      <p:to>
+                                        <p:strVal val="visible"/>
+                                      </p:to>
+                                    </p:set>
+                                  </p:childTnLst>
+                                </p:cTn>
+                              </p:par>
+                            </p:childTnLst>
+                          </p:cTn>
+                        </p:par>
+                      </p:childTnLst>
+                    </p:cTn>
+                  </p:par>
+                  <p:par>
+                    <p:cTn id="19" fill="hold">
+                      <p:stCondLst>
+                        <p:cond delay="indefinite"/>
+                      </p:stCondLst>
+                      <p:childTnLst>
+                        <p:par>
+                          <p:cTn id="20" fill="hold">
+                            <p:stCondLst>
+                              <p:cond delay="0"/>
+                            </p:stCondLst>
+                            <p:childTnLst>
+                              <p:par>
+                                <p:cTn id="21" presetID="1" presetClass="entr" presetSubtype="0" fill="hold" grpId="0" nodeType="clickEffect">
+                                  <p:stCondLst>
+                                    <p:cond delay="0"/>
+                                  </p:stCondLst>
+                                  <p:childTnLst>
+                                    <p:set>
+                                      <p:cBhvr>
+                                        <p:cTn id="22" dur="1" fill="hold">
+                                          <p:stCondLst>
+                                            <p:cond delay="0"/>
+                                          </p:stCondLst>
+                                        </p:cTn>
+                                        <p:tgtEl>
+                                          <p:spTgt spid="3">
+                                            <p:txEl>
+                                              <p:pRg st="4" end="4"/>
+                                            </p:txEl>
+                                          </p:spTgt>
+                                        </p:tgtEl>
+                                        <p:attrNameLst>
+                                          <p:attrName>style.visibility</p:attrName>
+                                        </p:attrNameLst>
+                                      </p:cBhvr>
+                                      <p:to>
+                                        <p:strVal val="visible"/>
+                                      </p:to>
+                                    </p:set>
+                                  </p:childTnLst>
+                                </p:cTn>
+                              </p:par>
+                            </p:childTnLst>
+                          </p:cTn>
+                        </p:par>
+                      </p:childTnLst>
+                    </p:cTn>
+                  </p:par>
+                  <p:par>
+                    <p:cTn id="23" fill="hold">
+                      <p:stCondLst>
+                        <p:cond delay="indefinite"/>
+                      </p:stCondLst>
+                      <p:childTnLst>
+                        <p:par>
+                          <p:cTn id="24" fill="hold">
+                            <p:stCondLst>
+                              <p:cond delay="0"/>
+                            </p:stCondLst>
+                            <p:childTnLst>
+                              <p:par>
+                                <p:cTn id="25" presetID="1" presetClass="entr" presetSubtype="0" fill="hold" grpId="0" nodeType="clickEffect">
+                                  <p:stCondLst>
+                                    <p:cond delay="0"/>
+                                  </p:stCondLst>
+                                  <p:childTnLst>
+                                    <p:set>
+                                      <p:cBhvr>
+                                        <p:cTn id="26" dur="1" fill="hold">
+                                          <p:stCondLst>
+                                            <p:cond delay="0"/>
+                                          </p:stCondLst>
+                                        </p:cTn>
+                                        <p:tgtEl>
+                                          <p:spTgt spid="3">
+                                            <p:txEl>
+                                              <p:pRg st="5" end="5"/>
+                                            </p:txEl>
+                                          </p:spTgt>
+                                        </p:tgtEl>
+                                        <p:attrNameLst>
+                                          <p:attrName>style.visibility</p:attrName>
+                                        </p:attrNameLst>
+                                      </p:cBhvr>
+                                      <p:to>
+                                        <p:strVal val="visible"/>
+                                      </p:to>
+                                    </p:set>
+                                  </p:childTnLst>
+                                </p:cTn>
+                              </p:par>
+                            </p:childTnLst>
+                          </p:cTn>
+                        </p:par>
+                      </p:childTnLst>
+                    </p:cTn>
+                  </p:par>
+                  <p:par>
+                    <p:cTn id="27" fill="hold">
+                      <p:stCondLst>
+                        <p:cond delay="indefinite"/>
+                      </p:stCondLst>
+                      <p:childTnLst>
+                        <p:par>
+                          <p:cTn id="28" fill="hold">
+                            <p:stCondLst>
+                              <p:cond delay="0"/>
+                            </p:stCondLst>
+                            <p:childTnLst>
+                              <p:par>
+                                <p:cTn id="29" presetID="1" presetClass="entr" presetSubtype="0" fill="hold" grpId="0" nodeType="clickEffect">
+                                  <p:stCondLst>
+                                    <p:cond delay="0"/>
+                                  </p:stCondLst>
+                                  <p:childTnLst>
+                                    <p:set>
+                                      <p:cBhvr>
+                                        <p:cTn id="30" dur="1" fill="hold">
+                                          <p:stCondLst>
+                                            <p:cond delay="0"/>
+                                          </p:stCondLst>
+                                        </p:cTn>
+                                        <p:tgtEl>
+                                          <p:spTgt spid="3">
+                                            <p:txEl>
+                                              <p:pRg st="6" end="6"/>
+                                            </p:txEl>
+                                          </p:spTgt>
+                                        </p:tgtEl>
+                                        <p:attrNameLst>
+                                          <p:attrName>style.visibility</p:attrName>
+                                        </p:attrNameLst>
+                                      </p:cBhvr>
+                                      <p:to>
+                                        <p:strVal val="visible"/>
+                                      </p:to>
+                                    </p:set>
+                                  </p:childTnLst>
+                                </p:cTn>
+                              </p:par>
+                            </p:childTnLst>
+                          </p:cTn>
+                        </p:par>
+                      </p:childTnLst>
+                    </p:cTn>
+                  </p:par>
+                  <p:par>
+                    <p:cTn id="31" fill="hold">
+                      <p:stCondLst>
+                        <p:cond delay="indefinite"/>
+                      </p:stCondLst>
+                      <p:childTnLst>
+                        <p:par>
+                          <p:cTn id="32" fill="hold">
+                            <p:stCondLst>
+                              <p:cond delay="0"/>
+                            </p:stCondLst>
+                            <p:childTnLst>
+                              <p:par>
+                                <p:cTn id="33" presetID="1" presetClass="entr" presetSubtype="0" fill="hold" grpId="0" nodeType="clickEffect">
+                                  <p:stCondLst>
+                                    <p:cond delay="0"/>
+                                  </p:stCondLst>
+                                  <p:childTnLst>
+                                    <p:set>
+                                      <p:cBhvr>
+                                        <p:cTn id="34" dur="1" fill="hold">
+                                          <p:stCondLst>
+                                            <p:cond delay="0"/>
+                                          </p:stCondLst>
+                                        </p:cTn>
+                                        <p:tgtEl>
+                                          <p:spTgt spid="3">
+                                            <p:txEl>
+                                              <p:pRg st="7" end="7"/>
+                                            </p:txEl>
+                                          </p:spTgt>
+                                        </p:tgtEl>
+                                        <p:attrNameLst>
+                                          <p:attrName>style.visibility</p:attrName>
+                                        </p:attrNameLst>
+                                      </p:cBhvr>
+                                      <p:to>
+                                        <p:strVal val="visible"/>
+                                      </p:to>
+                                    </p:set>
+                                  </p:childTnLst>
+                                </p:cTn>
+                              </p:par>
+                            </p:childTnLst>
+                          </p:cTn>
+                        </p:par>
+                      </p:childTnLst>
+                    </p:cTn>
+                  </p:par>
+                  <p:par>
+                    <p:cTn id="35" fill="hold">
+                      <p:stCondLst>
+                        <p:cond delay="indefinite"/>
+                      </p:stCondLst>
+                      <p:childTnLst>
+                        <p:par>
+                          <p:cTn id="36" fill="hold">
+                            <p:stCondLst>
+                              <p:cond delay="0"/>
+                            </p:stCondLst>
+                            <p:childTnLst>
+                              <p:par>
+                                <p:cTn id="37" presetID="1" presetClass="entr" presetSubtype="0" fill="hold" grpId="0" nodeType="clickEffect">
+                                  <p:stCondLst>
+                                    <p:cond delay="0"/>
+                                  </p:stCondLst>
+                                  <p:childTnLst>
+                                    <p:set>
+                                      <p:cBhvr>
+                                        <p:cTn id="38" dur="1" fill="hold">
+                                          <p:stCondLst>
+                                            <p:cond delay="0"/>
+                                          </p:stCondLst>
+                                        </p:cTn>
+                                        <p:tgtEl>
+                                          <p:spTgt spid="3">
+                                            <p:txEl>
+                                              <p:pRg st="8" end="8"/>
+                                            </p:txEl>
+                                          </p:spTgt>
+                                        </p:tgtEl>
+                                        <p:attrNameLst>
+                                          <p:attrName>style.visibility</p:attrName>
+                                        </p:attrNameLst>
+                                      </p:cBhvr>
+                                      <p:to>
+                                        <p:strVal val="visible"/>
+                                      </p:to>
+                                    </p:set>
+                                  </p:childTnLst>
+                                </p:cTn>
+                              </p:par>
+                            </p:childTnLst>
+                          </p:cTn>
+                        </p:par>
+                      </p:childTnLst>
+                    </p:cTn>
+                  </p:par>
+                </p:childTnLst>
+              </p:cTn>
+              <p:prevCondLst>
+                <p:cond evt="onPrev" delay="0">
+                  <p:tgtEl>
+                    <p:sldTgt/>
+                  </p:tgtEl>
+                </p:cond>
+              </p:prevCondLst>
+              <p:nextCondLst>
+                <p:cond evt="onNext" delay="0">
+                  <p:tgtEl>
+                    <p:sldTgt/>
+                  </p:tgtEl>
+                </p:cond>
+              </p:nextCondLst>
+            </p:seq>
+          </p:childTnLst>
+        </p:cTn>
+      </p:par>
+    </p:tnLst>
+    <p:bldLst>
+      <p:bldP spid="3" grpId="0" build="p"/>
+    </p:bldLst>
+  </p:timing>
+</p:sld>
+</file>
+
+<file path=ppt/slides/slide17.xml><?xml version="1.0" encoding="utf-8"?>
+<p:sld xmlns:a="http://schemas.openxmlformats.org/drawingml/2006/main" xmlns:r="http://schemas.openxmlformats.org/officeDocument/2006/relationships" xmlns:p="http://schemas.openxmlformats.org/presentationml/2006/main">
+  <p:cSld>
+    <p:spTree>
+      <p:nvGrpSpPr>
+        <p:cNvPr id="1" name=""/>
+        <p:cNvGrpSpPr/>
+        <p:nvPr/>
+      </p:nvGrpSpPr>
+      <p:grpSpPr>
+        <a:xfrm>
+          <a:off x="0" y="0"/>
+          <a:ext cx="0" cy="0"/>
+          <a:chOff x="0" y="0"/>
+          <a:chExt cx="0" cy="0"/>
+        </a:xfrm>
+      </p:grpSpPr>
+      <p:sp>
+        <p:nvSpPr>
+          <p:cNvPr id="2" name="Title 1"/>
+          <p:cNvSpPr>
+            <a:spLocks noGrp="1"/>
+          </p:cNvSpPr>
+          <p:nvPr>
+            <p:ph type="title"/>
+          </p:nvPr>
+        </p:nvSpPr>
+        <p:spPr/>
+        <p:txBody>
+          <a:bodyPr>
+            <a:normAutofit/>
+          </a:bodyPr>
+          <a:lstStyle/>
+          <a:p>
+            <a:r>
+              <a:rPr lang="en-US" dirty="0" smtClean="0">
+                <a:solidFill>
+                  <a:srgbClr val="0070C0"/>
+                </a:solidFill>
+              </a:rPr>
+              <a:t>Approximating Leverage Scores</a:t>
+            </a:r>
+            <a:endParaRPr lang="en-US" dirty="0">
+              <a:solidFill>
+                <a:srgbClr val="0070C0"/>
+              </a:solidFill>
+            </a:endParaRPr>
+          </a:p>
+        </p:txBody>
+      </p:sp>
+      <mc:AlternateContent xmlns:mc="http://schemas.openxmlformats.org/markup-compatibility/2006">
+        <mc:Choice xmlns:a14="http://schemas.microsoft.com/office/drawing/2010/main" Requires="a14">
+          <p:sp>
+            <p:nvSpPr>
+              <p:cNvPr id="3" name="Content Placeholder 2"/>
+              <p:cNvSpPr>
+                <a:spLocks noGrp="1"/>
+              </p:cNvSpPr>
+              <p:nvPr>
+                <p:ph idx="1"/>
+              </p:nvPr>
+            </p:nvSpPr>
+            <p:spPr>
+              <a:xfrm>
+                <a:off x="228600" y="1600200"/>
+                <a:ext cx="8763000" cy="5029200"/>
+              </a:xfrm>
+            </p:spPr>
+            <p:txBody>
+              <a:bodyPr>
+                <a:normAutofit fontScale="77500" lnSpcReduction="20000"/>
+              </a:bodyPr>
+              <a:lstStyle/>
+              <a:p>
+                <a:r>
+                  <a:rPr lang="en-US" b="1" dirty="0" smtClean="0"/>
+                  <a:t>Thm. </a:t>
+                </a:r>
+                <a:r>
+                  <a:rPr lang="en-US" b="0" dirty="0" smtClean="0"/>
+                  <a:t>A constant-approx. </a:t>
+                </a:r>
+                <a:r>
+                  <a:rPr lang="en-US" dirty="0" smtClean="0"/>
+                  <a:t>leverage score distribution for </a:t>
+                </a:r>
+                <a14:m>
+                  <m:oMath xmlns:m="http://schemas.openxmlformats.org/officeDocument/2006/math">
+                    <m:r>
+                      <a:rPr lang="en-US" b="0" i="1" smtClean="0">
+                        <a:latin typeface="Cambria Math"/>
+                      </a:rPr>
+                      <m:t>𝐴</m:t>
+                    </m:r>
+                    <m:r>
+                      <a:rPr lang="en-US" b="0" i="1" smtClean="0">
+                        <a:latin typeface="Cambria Math"/>
+                      </a:rPr>
+                      <m:t>∈</m:t>
+                    </m:r>
+                    <m:sSup>
+                      <m:sSupPr>
+                        <m:ctrlPr>
+                          <a:rPr lang="en-US" b="0" i="1" smtClean="0">
+                            <a:latin typeface="Cambria Math"/>
+                            <a:ea typeface="Cambria Math"/>
+                          </a:rPr>
+                        </m:ctrlPr>
+                      </m:sSupPr>
+                      <m:e>
+                        <m:r>
+                          <a:rPr lang="en-US" b="0" i="1" smtClean="0">
+                            <a:latin typeface="Cambria Math"/>
+                            <a:ea typeface="Cambria Math"/>
+                          </a:rPr>
+                          <m:t>ℝ</m:t>
+                        </m:r>
+                      </m:e>
+                      <m:sup>
+                        <m:r>
+                          <a:rPr lang="en-US" b="0" i="1" smtClean="0">
+                            <a:latin typeface="Cambria Math"/>
+                            <a:ea typeface="Cambria Math"/>
+                          </a:rPr>
+                          <m:t>𝑛</m:t>
+                        </m:r>
+                        <m:r>
+                          <a:rPr lang="en-US" b="0" i="1" smtClean="0">
+                            <a:latin typeface="Cambria Math"/>
+                            <a:ea typeface="Cambria Math"/>
+                          </a:rPr>
+                          <m:t>×</m:t>
+                        </m:r>
+                        <m:r>
+                          <a:rPr lang="en-US" b="0" i="1" smtClean="0">
+                            <a:latin typeface="Cambria Math"/>
+                            <a:ea typeface="Cambria Math"/>
+                          </a:rPr>
+                          <m:t>𝑑</m:t>
+                        </m:r>
+                      </m:sup>
+                    </m:sSup>
+                  </m:oMath>
+                </a14:m>
+                <a:r>
+                  <a:rPr lang="en-US" dirty="0" smtClean="0"/>
+                  <a:t> can be computed with constant prob. in </a:t>
+                </a:r>
+                <a14:m>
+                  <m:oMath xmlns:m="http://schemas.openxmlformats.org/officeDocument/2006/math">
+                    <m:r>
+                      <a:rPr lang="en-US" b="0" i="1" smtClean="0">
+                        <a:latin typeface="Cambria Math"/>
+                      </a:rPr>
+                      <m:t>𝑂</m:t>
+                    </m:r>
+                    <m:d>
+                      <m:dPr>
+                        <m:ctrlPr>
+                          <a:rPr lang="en-US" b="0" i="1" smtClean="0">
+                            <a:latin typeface="Cambria Math"/>
+                          </a:rPr>
+                        </m:ctrlPr>
+                      </m:dPr>
+                      <m:e>
+                        <m:r>
+                          <a:rPr lang="en-US" b="0" i="1" smtClean="0">
+                            <a:latin typeface="Cambria Math"/>
+                          </a:rPr>
+                          <m:t>𝑛𝑛𝑧</m:t>
+                        </m:r>
+                        <m:d>
+                          <m:dPr>
+                            <m:ctrlPr>
+                              <a:rPr lang="en-US" b="0" i="1" smtClean="0">
+                                <a:latin typeface="Cambria Math"/>
+                              </a:rPr>
+                            </m:ctrlPr>
+                          </m:dPr>
+                          <m:e>
+                            <m:r>
+                              <a:rPr lang="en-US" b="0" i="1" smtClean="0">
+                                <a:latin typeface="Cambria Math"/>
+                              </a:rPr>
+                              <m:t>𝐴</m:t>
+                            </m:r>
+                          </m:e>
+                        </m:d>
+                        <m:func>
+                          <m:funcPr>
+                            <m:ctrlPr>
+                              <a:rPr lang="en-US" b="0" i="1" smtClean="0">
+                                <a:latin typeface="Cambria Math"/>
+                              </a:rPr>
+                            </m:ctrlPr>
+                          </m:funcPr>
+                          <m:fName>
+                            <m:r>
+                              <m:rPr>
+                                <m:sty m:val="p"/>
+                              </m:rPr>
+                              <a:rPr lang="en-US" b="0" i="0" smtClean="0">
+                                <a:latin typeface="Cambria Math"/>
+                              </a:rPr>
+                              <m:t>log</m:t>
+                            </m:r>
+                          </m:fName>
+                          <m:e>
+                            <m:r>
+                              <a:rPr lang="en-US" b="0" i="1" smtClean="0">
+                                <a:latin typeface="Cambria Math"/>
+                              </a:rPr>
+                              <m:t>𝑛</m:t>
+                            </m:r>
+                          </m:e>
+                        </m:func>
+                        <m:r>
+                          <a:rPr lang="en-US" b="0" i="1" smtClean="0">
+                            <a:latin typeface="Cambria Math"/>
+                          </a:rPr>
+                          <m:t>+</m:t>
+                        </m:r>
+                        <m:r>
+                          <a:rPr lang="en-US" b="0" i="1" smtClean="0">
+                            <a:latin typeface="Cambria Math"/>
+                          </a:rPr>
+                          <m:t>𝑝𝑜𝑙𝑦</m:t>
+                        </m:r>
+                        <m:r>
+                          <a:rPr lang="en-US" b="0" i="1" smtClean="0">
+                            <a:latin typeface="Cambria Math"/>
+                          </a:rPr>
+                          <m:t>(</m:t>
+                        </m:r>
+                        <m:r>
+                          <a:rPr lang="en-US" b="0" i="1" smtClean="0">
+                            <a:latin typeface="Cambria Math"/>
+                          </a:rPr>
+                          <m:t>𝑑</m:t>
+                        </m:r>
+                        <m:r>
+                          <a:rPr lang="en-US" b="0" i="1" smtClean="0">
+                            <a:latin typeface="Cambria Math"/>
+                          </a:rPr>
+                          <m:t>)</m:t>
+                        </m:r>
+                      </m:e>
+                    </m:d>
+                  </m:oMath>
+                </a14:m>
+                <a:r>
+                  <a:rPr lang="en-US" dirty="0" smtClean="0"/>
+                  <a:t> time</a:t>
+                </a:r>
+              </a:p>
+              <a:p>
+                <a:r>
+                  <a:rPr lang="en-US" b="1" dirty="0" smtClean="0"/>
+                  <a:t>S </a:t>
+                </a:r>
+                <a:r>
+                  <a:rPr lang="en-US" dirty="0" smtClean="0"/>
+                  <a:t>= sparse embedding matrix with </a:t>
+                </a:r>
+                <a14:m>
+                  <m:oMath xmlns:m="http://schemas.openxmlformats.org/officeDocument/2006/math">
+                    <m:r>
+                      <a:rPr lang="en-US" b="0" i="1" smtClean="0">
+                        <a:latin typeface="Cambria Math"/>
+                      </a:rPr>
+                      <m:t>𝑟</m:t>
+                    </m:r>
+                    <m:r>
+                      <a:rPr lang="en-US" b="0" i="1" smtClean="0">
+                        <a:latin typeface="Cambria Math"/>
+                      </a:rPr>
+                      <m:t>=</m:t>
+                    </m:r>
+                    <m:r>
+                      <a:rPr lang="en-US" b="0" i="1" smtClean="0">
+                        <a:latin typeface="Cambria Math"/>
+                      </a:rPr>
+                      <m:t>𝑂</m:t>
+                    </m:r>
+                    <m:r>
+                      <a:rPr lang="en-US" b="0" i="1" smtClean="0">
+                        <a:latin typeface="Cambria Math"/>
+                      </a:rPr>
+                      <m:t>(</m:t>
+                    </m:r>
+                    <m:sSup>
+                      <m:sSupPr>
+                        <m:ctrlPr>
+                          <a:rPr lang="en-US" b="0" i="1" smtClean="0">
+                            <a:latin typeface="Cambria Math"/>
+                          </a:rPr>
+                        </m:ctrlPr>
+                      </m:sSupPr>
+                      <m:e>
+                        <m:r>
+                          <a:rPr lang="en-US" b="0" i="1" smtClean="0">
+                            <a:latin typeface="Cambria Math"/>
+                          </a:rPr>
+                          <m:t>𝑑</m:t>
+                        </m:r>
+                      </m:e>
+                      <m:sup>
+                        <m:r>
+                          <a:rPr lang="en-US" b="0" i="1" smtClean="0">
+                            <a:latin typeface="Cambria Math"/>
+                          </a:rPr>
+                          <m:t>2</m:t>
+                        </m:r>
+                      </m:sup>
+                    </m:sSup>
+                    <m:r>
+                      <a:rPr lang="en-US" b="0" i="1" smtClean="0">
+                        <a:latin typeface="Cambria Math"/>
+                      </a:rPr>
+                      <m:t>/</m:t>
+                    </m:r>
+                    <m:sSup>
+                      <m:sSupPr>
+                        <m:ctrlPr>
+                          <a:rPr lang="en-US" b="0" i="1" smtClean="0">
+                            <a:latin typeface="Cambria Math"/>
+                          </a:rPr>
+                        </m:ctrlPr>
+                      </m:sSupPr>
+                      <m:e>
+                        <m:r>
+                          <a:rPr lang="en-US" b="0" i="1" smtClean="0">
+                            <a:latin typeface="Cambria Math"/>
+                          </a:rPr>
+                          <m:t>𝛾</m:t>
+                        </m:r>
+                      </m:e>
+                      <m:sup>
+                        <m:r>
+                          <a:rPr lang="en-US" b="0" i="1" smtClean="0">
+                            <a:latin typeface="Cambria Math"/>
+                          </a:rPr>
+                          <m:t>2</m:t>
+                        </m:r>
+                      </m:sup>
+                    </m:sSup>
+                    <m:r>
+                      <a:rPr lang="en-US" b="0" i="1" smtClean="0">
+                        <a:latin typeface="Cambria Math"/>
+                      </a:rPr>
+                      <m:t>)</m:t>
+                    </m:r>
+                  </m:oMath>
+                </a14:m>
+                <a:r>
+                  <a:rPr lang="en-US" b="1" dirty="0" smtClean="0"/>
+                  <a:t> </a:t>
+                </a:r>
+                <a:r>
+                  <a:rPr lang="en-US" dirty="0" smtClean="0"/>
+                  <a:t>rows for constant </a:t>
+                </a:r>
+                <a14:m>
+                  <m:oMath xmlns:m="http://schemas.openxmlformats.org/officeDocument/2006/math">
+                    <m:r>
+                      <a:rPr lang="en-US" b="0" i="1" smtClean="0">
+                        <a:latin typeface="Cambria Math"/>
+                      </a:rPr>
+                      <m:t>𝛾</m:t>
+                    </m:r>
+                  </m:oMath>
+                </a14:m>
+                <a:r>
+                  <a:rPr lang="en-US" b="1" dirty="0" smtClean="0"/>
+                  <a:t> </a:t>
+                </a:r>
+                <a:r>
+                  <a:rPr lang="en-US" dirty="0" smtClean="0"/>
+                  <a:t>(Count-Sketch matrix)</a:t>
+                </a:r>
+              </a:p>
+              <a:p>
+                <a:r>
+                  <a:rPr lang="en-US" dirty="0" smtClean="0"/>
+                  <a:t>One non-zero entry per column  of </a:t>
+                </a:r>
+                <a:r>
+                  <a:rPr lang="en-US" b="1" dirty="0"/>
+                  <a:t>S </a:t>
+                </a:r>
+                <a:r>
+                  <a:rPr lang="en-US" b="1" dirty="0" smtClean="0"/>
+                  <a:t> </a:t>
+                </a:r>
+                <a:r>
+                  <a:rPr lang="en-US" dirty="0" smtClean="0"/>
+                  <a:t>=&gt; </a:t>
+                </a:r>
+                <a14:m>
+                  <m:oMath xmlns:m="http://schemas.openxmlformats.org/officeDocument/2006/math">
+                    <m:r>
+                      <a:rPr lang="en-US" b="1" i="1" smtClean="0">
+                        <a:latin typeface="Cambria Math"/>
+                      </a:rPr>
+                      <m:t>𝑺𝑨</m:t>
+                    </m:r>
+                  </m:oMath>
+                </a14:m>
+                <a:r>
+                  <a:rPr lang="en-US" b="1" dirty="0" smtClean="0"/>
+                  <a:t> </a:t>
+                </a:r>
+                <a:r>
+                  <a:rPr lang="en-US" dirty="0" smtClean="0"/>
+                  <a:t>computed in </a:t>
+                </a:r>
+                <a:r>
+                  <a:rPr lang="en-US" dirty="0" err="1" smtClean="0"/>
+                  <a:t>nnz</a:t>
+                </a:r>
+                <a:r>
+                  <a:rPr lang="en-US" dirty="0" smtClean="0"/>
+                  <a:t>(A) time</a:t>
+                </a:r>
+              </a:p>
+              <a:p>
+                <a:r>
+                  <a:rPr lang="en-US" dirty="0" smtClean="0"/>
+                  <a:t>QR-factorization: </a:t>
+                </a:r>
+                <a:r>
+                  <a:rPr lang="en-US" b="1" dirty="0" smtClean="0"/>
+                  <a:t>QR = SA </a:t>
+                </a:r>
+                <a:r>
+                  <a:rPr lang="en-US" dirty="0" smtClean="0"/>
+                  <a:t>where </a:t>
+                </a:r>
+                <a:r>
+                  <a:rPr lang="en-US" b="1" dirty="0" smtClean="0"/>
+                  <a:t>Q </a:t>
+                </a:r>
+                <a:r>
+                  <a:rPr lang="en-US" dirty="0" smtClean="0"/>
+                  <a:t>has orthonormal columns, </a:t>
+                </a:r>
+                <a:r>
+                  <a:rPr lang="en-US" b="1" dirty="0" smtClean="0"/>
+                  <a:t>S </a:t>
+                </a:r>
+                <a:r>
+                  <a:rPr lang="en-US" dirty="0" smtClean="0"/>
+                  <a:t>is upper triangular</a:t>
+                </a:r>
+                <a:r>
+                  <a:rPr lang="en-US" b="1" dirty="0" smtClean="0"/>
+                  <a:t> </a:t>
+                </a:r>
+                <a:r>
+                  <a:rPr lang="en-US" dirty="0" smtClean="0"/>
+                  <a:t>(takes </a:t>
+                </a:r>
+                <a14:m>
+                  <m:oMath xmlns:m="http://schemas.openxmlformats.org/officeDocument/2006/math">
+                    <m:r>
+                      <a:rPr lang="en-US" b="0" i="1" smtClean="0">
+                        <a:latin typeface="Cambria Math"/>
+                      </a:rPr>
+                      <m:t>𝑂</m:t>
+                    </m:r>
+                    <m:r>
+                      <a:rPr lang="en-US" b="0" i="1" smtClean="0">
+                        <a:latin typeface="Cambria Math"/>
+                      </a:rPr>
+                      <m:t>(</m:t>
+                    </m:r>
+                    <m:r>
+                      <a:rPr lang="en-US" b="0" i="1" smtClean="0">
+                        <a:latin typeface="Cambria Math"/>
+                      </a:rPr>
+                      <m:t>𝑟</m:t>
+                    </m:r>
+                    <m:r>
+                      <a:rPr lang="en-US" b="0" i="1" smtClean="0">
+                        <a:latin typeface="Cambria Math"/>
+                      </a:rPr>
+                      <m:t> </m:t>
+                    </m:r>
+                    <m:sSup>
+                      <m:sSupPr>
+                        <m:ctrlPr>
+                          <a:rPr lang="en-US" b="0" i="1" smtClean="0">
+                            <a:latin typeface="Cambria Math"/>
+                          </a:rPr>
+                        </m:ctrlPr>
+                      </m:sSupPr>
+                      <m:e>
+                        <m:r>
+                          <a:rPr lang="en-US" b="0" i="1" smtClean="0">
+                            <a:latin typeface="Cambria Math"/>
+                          </a:rPr>
+                          <m:t>𝑑</m:t>
+                        </m:r>
+                      </m:e>
+                      <m:sup>
+                        <m:r>
+                          <a:rPr lang="en-US" b="0" i="1" smtClean="0">
+                            <a:latin typeface="Cambria Math"/>
+                          </a:rPr>
+                          <m:t>2</m:t>
+                        </m:r>
+                      </m:sup>
+                    </m:sSup>
+                    <m:r>
+                      <a:rPr lang="en-US" b="0" i="1" smtClean="0">
+                        <a:latin typeface="Cambria Math"/>
+                      </a:rPr>
+                      <m:t>)</m:t>
+                    </m:r>
+                  </m:oMath>
+                </a14:m>
+                <a:r>
+                  <a:rPr lang="en-US" dirty="0" smtClean="0"/>
+                  <a:t>) time using e.g. Gram-Schmidt</a:t>
+                </a:r>
+              </a:p>
+              <a:p>
+                <a14:m>
+                  <m:oMath xmlns:m="http://schemas.openxmlformats.org/officeDocument/2006/math">
+                    <m:sSub>
+                      <m:sSubPr>
+                        <m:ctrlPr>
+                          <a:rPr lang="en-US" b="0" i="1" smtClean="0">
+                            <a:latin typeface="Cambria Math"/>
+                          </a:rPr>
+                        </m:ctrlPr>
+                      </m:sSubPr>
+                      <m:e>
+                        <m:r>
+                          <a:rPr lang="en-US" b="0" i="1" smtClean="0">
+                            <a:latin typeface="Cambria Math"/>
+                          </a:rPr>
+                          <m:t>𝑞</m:t>
+                        </m:r>
+                      </m:e>
+                      <m:sub>
+                        <m:r>
+                          <a:rPr lang="en-US" b="0" i="1" smtClean="0">
+                            <a:latin typeface="Cambria Math"/>
+                          </a:rPr>
+                          <m:t>𝑖</m:t>
+                        </m:r>
+                      </m:sub>
+                    </m:sSub>
+                    <m:r>
+                      <a:rPr lang="en-US" b="0" i="1" smtClean="0">
+                        <a:latin typeface="Cambria Math"/>
+                      </a:rPr>
+                      <m:t>=</m:t>
+                    </m:r>
+                    <m:sSubSup>
+                      <m:sSubSupPr>
+                        <m:ctrlPr>
+                          <a:rPr lang="en-US" b="0" i="1" smtClean="0">
+                            <a:latin typeface="Cambria Math"/>
+                          </a:rPr>
+                        </m:ctrlPr>
+                      </m:sSubSupPr>
+                      <m:e>
+                        <m:d>
+                          <m:dPr>
+                            <m:begChr m:val="|"/>
+                            <m:endChr m:val="|"/>
+                            <m:ctrlPr>
+                              <a:rPr lang="en-US" b="0" i="1" smtClean="0">
+                                <a:latin typeface="Cambria Math"/>
+                              </a:rPr>
+                            </m:ctrlPr>
+                          </m:dPr>
+                          <m:e>
+                            <m:d>
+                              <m:dPr>
+                                <m:begChr m:val="|"/>
+                                <m:endChr m:val="|"/>
+                                <m:ctrlPr>
+                                  <a:rPr lang="en-US" b="0" i="1" smtClean="0">
+                                    <a:latin typeface="Cambria Math"/>
+                                  </a:rPr>
+                                </m:ctrlPr>
+                              </m:dPr>
+                              <m:e>
+                                <m:sSubSup>
+                                  <m:sSubSupPr>
+                                    <m:ctrlPr>
+                                      <a:rPr lang="en-US" b="0" i="1" smtClean="0">
+                                        <a:latin typeface="Cambria Math"/>
+                                      </a:rPr>
+                                    </m:ctrlPr>
+                                  </m:sSubSupPr>
+                                  <m:e>
+                                    <m:r>
+                                      <a:rPr lang="en-US" b="0" i="1" smtClean="0">
+                                        <a:latin typeface="Cambria Math"/>
+                                      </a:rPr>
+                                      <m:t>𝑒</m:t>
+                                    </m:r>
+                                  </m:e>
+                                  <m:sub>
+                                    <m:r>
+                                      <a:rPr lang="en-US" b="0" i="1" smtClean="0">
+                                        <a:latin typeface="Cambria Math"/>
+                                      </a:rPr>
+                                      <m:t>𝑖</m:t>
+                                    </m:r>
+                                  </m:sub>
+                                  <m:sup>
+                                    <m:r>
+                                      <a:rPr lang="en-US" b="0" i="1" smtClean="0">
+                                        <a:latin typeface="Cambria Math"/>
+                                      </a:rPr>
+                                      <m:t>𝑇</m:t>
+                                    </m:r>
+                                  </m:sup>
+                                </m:sSubSup>
+                                <m:r>
+                                  <a:rPr lang="en-US" b="1" i="1" smtClean="0">
+                                    <a:latin typeface="Cambria Math"/>
+                                  </a:rPr>
+                                  <m:t>𝑨</m:t>
+                                </m:r>
+                                <m:sSup>
+                                  <m:sSupPr>
+                                    <m:ctrlPr>
+                                      <a:rPr lang="en-US" b="1" i="1" smtClean="0">
+                                        <a:latin typeface="Cambria Math"/>
+                                      </a:rPr>
+                                    </m:ctrlPr>
+                                  </m:sSupPr>
+                                  <m:e>
+                                    <m:r>
+                                      <a:rPr lang="en-US" b="1" i="1" smtClean="0">
+                                        <a:latin typeface="Cambria Math"/>
+                                      </a:rPr>
+                                      <m:t>𝑹</m:t>
+                                    </m:r>
+                                  </m:e>
+                                  <m:sup>
+                                    <m:r>
+                                      <a:rPr lang="en-US" b="1" i="1" smtClean="0">
+                                        <a:latin typeface="Cambria Math"/>
+                                      </a:rPr>
+                                      <m:t>−</m:t>
+                                    </m:r>
+                                    <m:r>
+                                      <a:rPr lang="en-US" b="1" i="1" smtClean="0">
+                                        <a:latin typeface="Cambria Math"/>
+                                      </a:rPr>
+                                      <m:t>𝟏</m:t>
+                                    </m:r>
+                                  </m:sup>
+                                </m:sSup>
+                                <m:r>
+                                  <a:rPr lang="en-US" b="1" i="1" smtClean="0">
+                                    <a:latin typeface="Cambria Math"/>
+                                  </a:rPr>
+                                  <m:t>𝑮</m:t>
+                                </m:r>
+                              </m:e>
+                            </m:d>
+                          </m:e>
+                        </m:d>
+                      </m:e>
+                      <m:sub>
+                        <m:r>
+                          <a:rPr lang="en-US" b="0" i="1" smtClean="0">
+                            <a:latin typeface="Cambria Math"/>
+                          </a:rPr>
+                          <m:t>2</m:t>
+                        </m:r>
+                      </m:sub>
+                      <m:sup>
+                        <m:r>
+                          <a:rPr lang="en-US" b="0" i="1" smtClean="0">
+                            <a:latin typeface="Cambria Math"/>
+                          </a:rPr>
+                          <m:t>2</m:t>
+                        </m:r>
+                      </m:sup>
+                    </m:sSubSup>
+                  </m:oMath>
+                </a14:m>
+                <a:r>
+                  <a:rPr lang="en-US" dirty="0" smtClean="0"/>
+                  <a:t> where </a:t>
+                </a:r>
+                <a14:m>
+                  <m:oMath xmlns:m="http://schemas.openxmlformats.org/officeDocument/2006/math">
+                    <m:r>
+                      <a:rPr lang="en-US" b="1" i="1">
+                        <a:latin typeface="Cambria Math"/>
+                      </a:rPr>
+                      <m:t>𝑮</m:t>
+                    </m:r>
+                    <m:r>
+                      <a:rPr lang="en-US" b="1" i="1" smtClean="0">
+                        <a:latin typeface="Cambria Math"/>
+                      </a:rPr>
+                      <m:t>∈</m:t>
+                    </m:r>
+                    <m:sSup>
+                      <m:sSupPr>
+                        <m:ctrlPr>
+                          <a:rPr lang="en-US" b="1" i="1" smtClean="0">
+                            <a:latin typeface="Cambria Math"/>
+                            <a:ea typeface="Cambria Math"/>
+                          </a:rPr>
+                        </m:ctrlPr>
+                      </m:sSupPr>
+                      <m:e>
+                        <m:r>
+                          <a:rPr lang="en-US" b="1" i="1" smtClean="0">
+                            <a:latin typeface="Cambria Math"/>
+                            <a:ea typeface="Cambria Math"/>
+                          </a:rPr>
+                          <m:t>ℝ</m:t>
+                        </m:r>
+                      </m:e>
+                      <m:sup>
+                        <m:r>
+                          <a:rPr lang="en-US" b="0" i="1" smtClean="0">
+                            <a:latin typeface="Cambria Math"/>
+                            <a:ea typeface="Cambria Math"/>
+                          </a:rPr>
+                          <m:t>𝑘</m:t>
+                        </m:r>
+                        <m:r>
+                          <a:rPr lang="en-US" b="0" i="1" smtClean="0">
+                            <a:latin typeface="Cambria Math"/>
+                            <a:ea typeface="Cambria Math"/>
+                          </a:rPr>
+                          <m:t>×</m:t>
+                        </m:r>
+                        <m:r>
+                          <a:rPr lang="en-US" b="0" i="1" smtClean="0">
+                            <a:latin typeface="Cambria Math"/>
+                            <a:ea typeface="Cambria Math"/>
+                          </a:rPr>
+                          <m:t>𝑡</m:t>
+                        </m:r>
+                      </m:sup>
+                    </m:sSup>
+                  </m:oMath>
+                </a14:m>
+                <a:r>
+                  <a:rPr lang="en-US" dirty="0" smtClean="0"/>
+                  <a:t> is a matrix of </a:t>
+                </a:r>
+                <a:r>
+                  <a:rPr lang="en-US" dirty="0" err="1" smtClean="0"/>
+                  <a:t>i.i.d</a:t>
+                </a:r>
+                <a:r>
+                  <a:rPr lang="en-US" dirty="0" smtClean="0"/>
+                  <a:t> </a:t>
+                </a:r>
+                <a14:m>
+                  <m:oMath xmlns:m="http://schemas.openxmlformats.org/officeDocument/2006/math">
+                    <m:r>
+                      <a:rPr lang="en-US" b="0" i="1" smtClean="0">
+                        <a:latin typeface="Cambria Math"/>
+                      </a:rPr>
+                      <m:t>𝑁</m:t>
+                    </m:r>
+                    <m:r>
+                      <a:rPr lang="en-US" b="0" i="1" smtClean="0">
+                        <a:latin typeface="Cambria Math"/>
+                      </a:rPr>
+                      <m:t>(0,1/</m:t>
+                    </m:r>
+                    <m:r>
+                      <a:rPr lang="en-US" b="0" i="1" smtClean="0">
+                        <a:latin typeface="Cambria Math"/>
+                      </a:rPr>
+                      <m:t>𝑡</m:t>
+                    </m:r>
+                    <m:r>
+                      <a:rPr lang="en-US" b="0" i="1" smtClean="0">
+                        <a:latin typeface="Cambria Math"/>
+                      </a:rPr>
+                      <m:t>)</m:t>
+                    </m:r>
+                  </m:oMath>
+                </a14:m>
+                <a:r>
+                  <a:rPr lang="en-US" dirty="0" smtClean="0"/>
+                  <a:t> random variables for  </a:t>
+                </a:r>
+                <a14:m>
+                  <m:oMath xmlns:m="http://schemas.openxmlformats.org/officeDocument/2006/math">
+                    <m:r>
+                      <a:rPr lang="en-US" b="0" i="1" smtClean="0">
+                        <a:latin typeface="Cambria Math"/>
+                      </a:rPr>
+                      <m:t>𝑡</m:t>
+                    </m:r>
+                    <m:r>
+                      <a:rPr lang="en-US" b="0" i="1" smtClean="0">
+                        <a:latin typeface="Cambria Math"/>
+                      </a:rPr>
+                      <m:t>=</m:t>
+                    </m:r>
+                    <m:r>
+                      <a:rPr lang="en-US" b="0" i="1" smtClean="0">
+                        <a:latin typeface="Cambria Math"/>
+                      </a:rPr>
+                      <m:t>𝑂</m:t>
+                    </m:r>
+                    <m:d>
+                      <m:dPr>
+                        <m:ctrlPr>
+                          <a:rPr lang="en-US" b="0" i="1" smtClean="0">
+                            <a:latin typeface="Cambria Math"/>
+                          </a:rPr>
+                        </m:ctrlPr>
+                      </m:dPr>
+                      <m:e>
+                        <m:f>
+                          <m:fPr>
+                            <m:ctrlPr>
+                              <a:rPr lang="en-US" b="0" i="1" smtClean="0">
+                                <a:latin typeface="Cambria Math"/>
+                              </a:rPr>
+                            </m:ctrlPr>
+                          </m:fPr>
+                          <m:num>
+                            <m:func>
+                              <m:funcPr>
+                                <m:ctrlPr>
+                                  <a:rPr lang="en-US" b="0" i="1" smtClean="0">
+                                    <a:latin typeface="Cambria Math"/>
+                                  </a:rPr>
+                                </m:ctrlPr>
+                              </m:funcPr>
+                              <m:fName>
+                                <m:r>
+                                  <m:rPr>
+                                    <m:sty m:val="p"/>
+                                  </m:rPr>
+                                  <a:rPr lang="en-US" b="0" i="0" smtClean="0">
+                                    <a:latin typeface="Cambria Math"/>
+                                  </a:rPr>
+                                  <m:t>log</m:t>
+                                </m:r>
+                              </m:fName>
+                              <m:e>
+                                <m:r>
+                                  <a:rPr lang="en-US" b="0" i="1" smtClean="0">
+                                    <a:latin typeface="Cambria Math"/>
+                                  </a:rPr>
+                                  <m:t>𝑛</m:t>
+                                </m:r>
+                              </m:e>
+                            </m:func>
+                          </m:num>
+                          <m:den>
+                            <m:sSup>
+                              <m:sSupPr>
+                                <m:ctrlPr>
+                                  <a:rPr lang="en-US" b="0" i="1" smtClean="0">
+                                    <a:latin typeface="Cambria Math"/>
+                                  </a:rPr>
+                                </m:ctrlPr>
+                              </m:sSupPr>
+                              <m:e>
+                                <m:r>
+                                  <a:rPr lang="en-US" b="0" i="1" smtClean="0">
+                                    <a:latin typeface="Cambria Math"/>
+                                  </a:rPr>
+                                  <m:t>𝛾</m:t>
+                                </m:r>
+                              </m:e>
+                              <m:sup>
+                                <m:r>
+                                  <a:rPr lang="en-US" b="0" i="1" smtClean="0">
+                                    <a:latin typeface="Cambria Math"/>
+                                  </a:rPr>
+                                  <m:t>2</m:t>
+                                </m:r>
+                              </m:sup>
+                            </m:sSup>
+                            <m:r>
+                              <a:rPr lang="en-US" b="0" i="1" smtClean="0">
+                                <a:latin typeface="Cambria Math"/>
+                              </a:rPr>
+                              <m:t> </m:t>
+                            </m:r>
+                          </m:den>
+                        </m:f>
+                      </m:e>
+                    </m:d>
+                  </m:oMath>
+                </a14:m>
+                <a:endParaRPr lang="en-US" b="0" dirty="0" smtClean="0"/>
+              </a:p>
+              <a:p>
+                <a14:m>
+                  <m:oMath xmlns:m="http://schemas.openxmlformats.org/officeDocument/2006/math">
+                    <m:sSup>
+                      <m:sSupPr>
+                        <m:ctrlPr>
+                          <a:rPr lang="en-US" b="1" i="1">
+                            <a:latin typeface="Cambria Math"/>
+                          </a:rPr>
+                        </m:ctrlPr>
+                      </m:sSupPr>
+                      <m:e>
+                        <m:r>
+                          <a:rPr lang="en-US" b="1" i="1">
+                            <a:latin typeface="Cambria Math"/>
+                          </a:rPr>
+                          <m:t>𝑹</m:t>
+                        </m:r>
+                      </m:e>
+                      <m:sup>
+                        <m:r>
+                          <a:rPr lang="en-US" b="1" i="1">
+                            <a:latin typeface="Cambria Math"/>
+                          </a:rPr>
+                          <m:t>−</m:t>
+                        </m:r>
+                        <m:r>
+                          <a:rPr lang="en-US" b="1" i="1">
+                            <a:latin typeface="Cambria Math"/>
+                          </a:rPr>
+                          <m:t>𝟏</m:t>
+                        </m:r>
+                      </m:sup>
+                    </m:sSup>
+                    <m:r>
+                      <a:rPr lang="en-US" b="1" i="1">
+                        <a:latin typeface="Cambria Math"/>
+                      </a:rPr>
+                      <m:t>𝑮</m:t>
+                    </m:r>
+                  </m:oMath>
+                </a14:m>
+                <a:r>
+                  <a:rPr lang="en-US" b="0" dirty="0" smtClean="0"/>
+                  <a:t> in </a:t>
+                </a:r>
+                <a14:m>
+                  <m:oMath xmlns:m="http://schemas.openxmlformats.org/officeDocument/2006/math">
+                    <m:r>
+                      <a:rPr lang="en-US" b="0" i="1" smtClean="0">
+                        <a:latin typeface="Cambria Math"/>
+                      </a:rPr>
+                      <m:t>𝑂</m:t>
+                    </m:r>
+                    <m:r>
+                      <a:rPr lang="en-US" b="0" i="1" smtClean="0">
+                        <a:latin typeface="Cambria Math"/>
+                      </a:rPr>
+                      <m:t>(</m:t>
+                    </m:r>
+                    <m:sSup>
+                      <m:sSupPr>
+                        <m:ctrlPr>
+                          <a:rPr lang="en-US" b="0" i="1" smtClean="0">
+                            <a:latin typeface="Cambria Math"/>
+                          </a:rPr>
+                        </m:ctrlPr>
+                      </m:sSupPr>
+                      <m:e>
+                        <m:r>
+                          <a:rPr lang="en-US" b="0" i="1" smtClean="0">
+                            <a:latin typeface="Cambria Math"/>
+                          </a:rPr>
+                          <m:t>𝑘</m:t>
+                        </m:r>
+                      </m:e>
+                      <m:sup>
+                        <m:r>
+                          <a:rPr lang="en-US" b="0" i="1" smtClean="0">
+                            <a:latin typeface="Cambria Math"/>
+                          </a:rPr>
+                          <m:t>2</m:t>
+                        </m:r>
+                      </m:sup>
+                    </m:sSup>
+                    <m:func>
+                      <m:funcPr>
+                        <m:ctrlPr>
+                          <a:rPr lang="en-US" b="0" i="1" smtClean="0">
+                            <a:latin typeface="Cambria Math"/>
+                          </a:rPr>
+                        </m:ctrlPr>
+                      </m:funcPr>
+                      <m:fName>
+                        <m:r>
+                          <m:rPr>
+                            <m:sty m:val="p"/>
+                          </m:rPr>
+                          <a:rPr lang="en-US" b="0" i="0" smtClean="0">
+                            <a:latin typeface="Cambria Math"/>
+                          </a:rPr>
+                          <m:t>log</m:t>
+                        </m:r>
+                      </m:fName>
+                      <m:e>
+                        <m:r>
+                          <a:rPr lang="en-US" b="0" i="1" smtClean="0">
+                            <a:latin typeface="Cambria Math"/>
+                          </a:rPr>
+                          <m:t>𝑛</m:t>
+                        </m:r>
+                        <m:r>
+                          <a:rPr lang="en-US" b="0" i="1" smtClean="0">
+                            <a:latin typeface="Cambria Math"/>
+                          </a:rPr>
+                          <m:t>/</m:t>
+                        </m:r>
+                        <m:sSup>
+                          <m:sSupPr>
+                            <m:ctrlPr>
+                              <a:rPr lang="en-US" b="0" i="1" smtClean="0">
+                                <a:latin typeface="Cambria Math"/>
+                              </a:rPr>
+                            </m:ctrlPr>
+                          </m:sSupPr>
+                          <m:e>
+                            <m:r>
+                              <a:rPr lang="en-US" b="0" i="1" smtClean="0">
+                                <a:latin typeface="Cambria Math"/>
+                              </a:rPr>
+                              <m:t>𝛾</m:t>
+                            </m:r>
+                          </m:e>
+                          <m:sup>
+                            <m:r>
+                              <a:rPr lang="en-US" b="0" i="1" smtClean="0">
+                                <a:latin typeface="Cambria Math"/>
+                              </a:rPr>
+                              <m:t>2</m:t>
+                            </m:r>
+                          </m:sup>
+                        </m:sSup>
+                      </m:e>
+                    </m:func>
+                    <m:r>
+                      <a:rPr lang="en-US" b="0" i="1" smtClean="0">
+                        <a:latin typeface="Cambria Math"/>
+                      </a:rPr>
+                      <m:t>)</m:t>
+                    </m:r>
+                  </m:oMath>
+                </a14:m>
+                <a:r>
+                  <a:rPr lang="en-US" b="0" dirty="0" smtClean="0"/>
+                  <a:t>, </a:t>
+                </a:r>
+                <a14:m>
+                  <m:oMath xmlns:m="http://schemas.openxmlformats.org/officeDocument/2006/math">
+                    <m:r>
+                      <a:rPr lang="en-US" b="1" i="0" smtClean="0">
+                        <a:latin typeface="Cambria Math"/>
+                      </a:rPr>
+                      <m:t>𝐀</m:t>
+                    </m:r>
+                    <m:r>
+                      <a:rPr lang="en-US" b="1" i="0" smtClean="0">
+                        <a:latin typeface="Cambria Math"/>
+                      </a:rPr>
+                      <m:t>(</m:t>
+                    </m:r>
+                    <m:sSup>
+                      <m:sSupPr>
+                        <m:ctrlPr>
+                          <a:rPr lang="en-US" b="1" i="1">
+                            <a:latin typeface="Cambria Math"/>
+                          </a:rPr>
+                        </m:ctrlPr>
+                      </m:sSupPr>
+                      <m:e>
+                        <m:r>
+                          <a:rPr lang="en-US" b="1" i="1">
+                            <a:latin typeface="Cambria Math"/>
+                          </a:rPr>
+                          <m:t>𝑹</m:t>
+                        </m:r>
+                      </m:e>
+                      <m:sup>
+                        <m:r>
+                          <a:rPr lang="en-US" b="1" i="1">
+                            <a:latin typeface="Cambria Math"/>
+                          </a:rPr>
+                          <m:t>−</m:t>
+                        </m:r>
+                        <m:r>
+                          <a:rPr lang="en-US" b="1" i="1">
+                            <a:latin typeface="Cambria Math"/>
+                          </a:rPr>
+                          <m:t>𝟏</m:t>
+                        </m:r>
+                      </m:sup>
+                    </m:sSup>
+                    <m:r>
+                      <a:rPr lang="en-US" b="1" i="1">
+                        <a:latin typeface="Cambria Math"/>
+                      </a:rPr>
+                      <m:t>𝑮</m:t>
+                    </m:r>
+                    <m:r>
+                      <a:rPr lang="en-US" b="1" i="1" smtClean="0">
+                        <a:latin typeface="Cambria Math"/>
+                      </a:rPr>
+                      <m:t>)</m:t>
+                    </m:r>
+                  </m:oMath>
+                </a14:m>
+                <a:r>
+                  <a:rPr lang="en-US" dirty="0" smtClean="0"/>
+                  <a:t> in </a:t>
+                </a:r>
+                <a14:m>
+                  <m:oMath xmlns:m="http://schemas.openxmlformats.org/officeDocument/2006/math">
+                    <m:r>
+                      <a:rPr lang="en-US" b="0" i="1" smtClean="0">
+                        <a:latin typeface="Cambria Math"/>
+                      </a:rPr>
+                      <m:t>𝑂</m:t>
+                    </m:r>
+                    <m:r>
+                      <a:rPr lang="en-US" b="0" i="1" smtClean="0">
+                        <a:latin typeface="Cambria Math"/>
+                      </a:rPr>
+                      <m:t>(</m:t>
+                    </m:r>
+                    <m:r>
+                      <a:rPr lang="en-US" b="0" i="1" smtClean="0">
+                        <a:latin typeface="Cambria Math"/>
+                      </a:rPr>
+                      <m:t>𝑛𝑛𝑧</m:t>
+                    </m:r>
+                    <m:d>
+                      <m:dPr>
+                        <m:ctrlPr>
+                          <a:rPr lang="en-US" b="0" i="1" smtClean="0">
+                            <a:latin typeface="Cambria Math"/>
+                          </a:rPr>
+                        </m:ctrlPr>
+                      </m:dPr>
+                      <m:e>
+                        <m:r>
+                          <a:rPr lang="en-US" b="1" i="1" smtClean="0">
+                            <a:latin typeface="Cambria Math"/>
+                          </a:rPr>
+                          <m:t>𝑨</m:t>
+                        </m:r>
+                      </m:e>
+                    </m:d>
+                    <m:func>
+                      <m:funcPr>
+                        <m:ctrlPr>
+                          <a:rPr lang="en-US" b="0" i="1" smtClean="0">
+                            <a:latin typeface="Cambria Math"/>
+                          </a:rPr>
+                        </m:ctrlPr>
+                      </m:funcPr>
+                      <m:fName>
+                        <m:r>
+                          <m:rPr>
+                            <m:sty m:val="p"/>
+                          </m:rPr>
+                          <a:rPr lang="en-US" b="0" i="0" smtClean="0">
+                            <a:latin typeface="Cambria Math"/>
+                          </a:rPr>
+                          <m:t>log</m:t>
+                        </m:r>
+                      </m:fName>
+                      <m:e>
+                        <m:r>
+                          <a:rPr lang="en-US" b="0" i="1" smtClean="0">
+                            <a:latin typeface="Cambria Math"/>
+                          </a:rPr>
+                          <m:t>𝑛</m:t>
+                        </m:r>
+                      </m:e>
+                    </m:func>
+                    <m:r>
+                      <a:rPr lang="en-US" b="0" i="1" smtClean="0">
+                        <a:latin typeface="Cambria Math"/>
+                      </a:rPr>
+                      <m:t>/</m:t>
+                    </m:r>
+                    <m:sSup>
+                      <m:sSupPr>
+                        <m:ctrlPr>
+                          <a:rPr lang="en-US" b="0" i="1" smtClean="0">
+                            <a:latin typeface="Cambria Math"/>
+                          </a:rPr>
+                        </m:ctrlPr>
+                      </m:sSupPr>
+                      <m:e>
+                        <m:r>
+                          <a:rPr lang="en-US" b="0" i="1" smtClean="0">
+                            <a:latin typeface="Cambria Math"/>
+                          </a:rPr>
+                          <m:t>𝛾</m:t>
+                        </m:r>
+                      </m:e>
+                      <m:sup>
+                        <m:r>
+                          <a:rPr lang="en-US" b="0" i="1" smtClean="0">
+                            <a:latin typeface="Cambria Math"/>
+                          </a:rPr>
+                          <m:t>2</m:t>
+                        </m:r>
+                      </m:sup>
+                    </m:sSup>
+                    <m:r>
+                      <a:rPr lang="en-US" b="0" i="1" smtClean="0">
+                        <a:latin typeface="Cambria Math"/>
+                      </a:rPr>
+                      <m:t>)</m:t>
+                    </m:r>
+                  </m:oMath>
+                </a14:m>
+                <a:r>
+                  <a:rPr lang="en-US" dirty="0" smtClean="0"/>
+                  <a:t> </a:t>
+                </a:r>
+                <a:endParaRPr lang="en-US" b="0" dirty="0" smtClean="0"/>
+              </a:p>
+            </p:txBody>
+          </p:sp>
+        </mc:Choice>
+        <mc:Fallback>
+          <p:sp>
+            <p:nvSpPr>
+              <p:cNvPr id="3" name="Content Placeholder 2"/>
+              <p:cNvSpPr>
+                <a:spLocks noGrp="1" noRot="1" noChangeAspect="1" noMove="1" noResize="1" noEditPoints="1" noAdjustHandles="1" noChangeArrowheads="1" noChangeShapeType="1" noTextEdit="1"/>
+              </p:cNvSpPr>
+              <p:nvPr>
+                <p:ph idx="1"/>
+              </p:nvPr>
+            </p:nvSpPr>
+            <p:spPr>
+              <a:xfrm>
+                <a:off x="228600" y="1600200"/>
+                <a:ext cx="8763000" cy="5029200"/>
+              </a:xfrm>
+              <a:blipFill rotWithShape="1">
+                <a:blip r:embed="rId2"/>
+                <a:stretch>
+                  <a:fillRect l="-1044" t="-2182" r="-1601" b="-1091"/>
+                </a:stretch>
+              </a:blipFill>
+            </p:spPr>
+            <p:txBody>
+              <a:bodyPr/>
+              <a:lstStyle/>
+              <a:p>
+                <a:r>
+                  <a:rPr lang="en-US">
+                    <a:noFill/>
+                  </a:rPr>
+                  <a:t> </a:t>
+                </a:r>
+              </a:p>
+            </p:txBody>
+          </p:sp>
+        </mc:Fallback>
+      </mc:AlternateContent>
+    </p:spTree>
+    <p:extLst>
+      <p:ext uri="{BB962C8B-B14F-4D97-AF65-F5344CB8AC3E}">
+        <p14:creationId xmlns:p14="http://schemas.microsoft.com/office/powerpoint/2010/main" val="3534093645"/>
+      </p:ext>
+    </p:extLst>
+  </p:cSld>
+  <p:clrMapOvr>
+    <a:masterClrMapping/>
+  </p:clrMapOvr>
+  <p:timing>
+    <p:tnLst>
+      <p:par>
+        <p:cTn id="1" dur="indefinite" restart="never" nodeType="tmRoot">
+          <p:childTnLst>
+            <p:seq concurrent="1" nextAc="seek">
+              <p:cTn id="2" dur="indefinite" nodeType="mainSeq">
+                <p:childTnLst>
+                  <p:par>
+                    <p:cTn id="3" fill="hold">
+                      <p:stCondLst>
+                        <p:cond delay="indefinite"/>
+                      </p:stCondLst>
+                      <p:childTnLst>
+                        <p:par>
+                          <p:cTn id="4" fill="hold">
+                            <p:stCondLst>
+                              <p:cond delay="0"/>
+                            </p:stCondLst>
+                            <p:childTnLst>
+                              <p:par>
+                                <p:cTn id="5" presetID="1" presetClass="entr" presetSubtype="0" fill="hold" grpId="0" nodeType="clickEffect">
+                                  <p:stCondLst>
+                                    <p:cond delay="0"/>
+                                  </p:stCondLst>
+                                  <p:childTnLst>
+                                    <p:set>
+                                      <p:cBhvr>
+                                        <p:cTn id="6" dur="1" fill="hold">
+                                          <p:stCondLst>
+                                            <p:cond delay="0"/>
+                                          </p:stCondLst>
+                                        </p:cTn>
+                                        <p:tgtEl>
+                                          <p:spTgt spid="3">
+                                            <p:txEl>
+                                              <p:pRg st="0" end="0"/>
+                                            </p:txEl>
+                                          </p:spTgt>
+                                        </p:tgtEl>
+                                        <p:attrNameLst>
+                                          <p:attrName>style.visibility</p:attrName>
+                                        </p:attrNameLst>
+                                      </p:cBhvr>
+                                      <p:to>
+                                        <p:strVal val="visible"/>
+                                      </p:to>
+                                    </p:set>
+                                  </p:childTnLst>
+                                </p:cTn>
+                              </p:par>
+                            </p:childTnLst>
+                          </p:cTn>
+                        </p:par>
+                      </p:childTnLst>
+                    </p:cTn>
+                  </p:par>
+                  <p:par>
+                    <p:cTn id="7" fill="hold">
+                      <p:stCondLst>
+                        <p:cond delay="indefinite"/>
+                      </p:stCondLst>
+                      <p:childTnLst>
+                        <p:par>
+                          <p:cTn id="8" fill="hold">
+                            <p:stCondLst>
+                              <p:cond delay="0"/>
+                            </p:stCondLst>
+                            <p:childTnLst>
+                              <p:par>
+                                <p:cTn id="9" presetID="1" presetClass="entr" presetSubtype="0" fill="hold" grpId="0" nodeType="clickEffect">
+                                  <p:stCondLst>
+                                    <p:cond delay="0"/>
+                                  </p:stCondLst>
+                                  <p:childTnLst>
+                                    <p:set>
+                                      <p:cBhvr>
+                                        <p:cTn id="10" dur="1" fill="hold">
+                                          <p:stCondLst>
+                                            <p:cond delay="0"/>
+                                          </p:stCondLst>
+                                        </p:cTn>
+                                        <p:tgtEl>
+                                          <p:spTgt spid="3">
+                                            <p:txEl>
+                                              <p:pRg st="1" end="1"/>
+                                            </p:txEl>
+                                          </p:spTgt>
+                                        </p:tgtEl>
+                                        <p:attrNameLst>
+                                          <p:attrName>style.visibility</p:attrName>
+                                        </p:attrNameLst>
+                                      </p:cBhvr>
+                                      <p:to>
+                                        <p:strVal val="visible"/>
+                                      </p:to>
+                                    </p:set>
+                                  </p:childTnLst>
+                                </p:cTn>
+                              </p:par>
+                            </p:childTnLst>
+                          </p:cTn>
+                        </p:par>
+                      </p:childTnLst>
+                    </p:cTn>
+                  </p:par>
+                  <p:par>
+                    <p:cTn id="11" fill="hold">
+                      <p:stCondLst>
+                        <p:cond delay="indefinite"/>
+                      </p:stCondLst>
+                      <p:childTnLst>
+                        <p:par>
+                          <p:cTn id="12" fill="hold">
+                            <p:stCondLst>
+                              <p:cond delay="0"/>
+                            </p:stCondLst>
+                            <p:childTnLst>
+                              <p:par>
+                                <p:cTn id="13" presetID="1" presetClass="entr" presetSubtype="0" fill="hold" grpId="0" nodeType="clickEffect">
+                                  <p:stCondLst>
+                                    <p:cond delay="0"/>
+                                  </p:stCondLst>
+                                  <p:childTnLst>
+                                    <p:set>
+                                      <p:cBhvr>
+                                        <p:cTn id="14" dur="1" fill="hold">
+                                          <p:stCondLst>
+                                            <p:cond delay="0"/>
+                                          </p:stCondLst>
+                                        </p:cTn>
+                                        <p:tgtEl>
+                                          <p:spTgt spid="3">
+                                            <p:txEl>
+                                              <p:pRg st="2" end="2"/>
+                                            </p:txEl>
+                                          </p:spTgt>
+                                        </p:tgtEl>
+                                        <p:attrNameLst>
+                                          <p:attrName>style.visibility</p:attrName>
+                                        </p:attrNameLst>
+                                      </p:cBhvr>
+                                      <p:to>
+                                        <p:strVal val="visible"/>
+                                      </p:to>
+                                    </p:set>
+                                  </p:childTnLst>
+                                </p:cTn>
+                              </p:par>
+                            </p:childTnLst>
+                          </p:cTn>
+                        </p:par>
+                      </p:childTnLst>
+                    </p:cTn>
+                  </p:par>
+                  <p:par>
+                    <p:cTn id="15" fill="hold">
+                      <p:stCondLst>
+                        <p:cond delay="indefinite"/>
+                      </p:stCondLst>
+                      <p:childTnLst>
+                        <p:par>
+                          <p:cTn id="16" fill="hold">
+                            <p:stCondLst>
+                              <p:cond delay="0"/>
+                            </p:stCondLst>
+                            <p:childTnLst>
+                              <p:par>
+                                <p:cTn id="17" presetID="1" presetClass="entr" presetSubtype="0" fill="hold" grpId="0" nodeType="clickEffect">
+                                  <p:stCondLst>
+                                    <p:cond delay="0"/>
+                                  </p:stCondLst>
+                                  <p:childTnLst>
+                                    <p:set>
+                                      <p:cBhvr>
+                                        <p:cTn id="18" dur="1" fill="hold">
+                                          <p:stCondLst>
+                                            <p:cond delay="0"/>
+                                          </p:stCondLst>
+                                        </p:cTn>
+                                        <p:tgtEl>
+                                          <p:spTgt spid="3">
+                                            <p:txEl>
+                                              <p:pRg st="3" end="3"/>
+                                            </p:txEl>
+                                          </p:spTgt>
+                                        </p:tgtEl>
+                                        <p:attrNameLst>
+                                          <p:attrName>style.visibility</p:attrName>
+                                        </p:attrNameLst>
+                                      </p:cBhvr>
+                                      <p:to>
+                                        <p:strVal val="visible"/>
+                                      </p:to>
+                                    </p:set>
+                                  </p:childTnLst>
+                                </p:cTn>
+                              </p:par>
+                            </p:childTnLst>
+                          </p:cTn>
+                        </p:par>
+                      </p:childTnLst>
+                    </p:cTn>
+                  </p:par>
+                  <p:par>
+                    <p:cTn id="19" fill="hold">
+                      <p:stCondLst>
+                        <p:cond delay="indefinite"/>
+                      </p:stCondLst>
+                      <p:childTnLst>
+                        <p:par>
+                          <p:cTn id="20" fill="hold">
+                            <p:stCondLst>
+                              <p:cond delay="0"/>
+                            </p:stCondLst>
+                            <p:childTnLst>
+                              <p:par>
+                                <p:cTn id="21" presetID="1" presetClass="entr" presetSubtype="0" fill="hold" grpId="0" nodeType="clickEffect">
+                                  <p:stCondLst>
+                                    <p:cond delay="0"/>
+                                  </p:stCondLst>
+                                  <p:childTnLst>
+                                    <p:set>
+                                      <p:cBhvr>
+                                        <p:cTn id="22" dur="1" fill="hold">
+                                          <p:stCondLst>
+                                            <p:cond delay="0"/>
+                                          </p:stCondLst>
+                                        </p:cTn>
+                                        <p:tgtEl>
+                                          <p:spTgt spid="3">
+                                            <p:txEl>
+                                              <p:pRg st="4" end="4"/>
+                                            </p:txEl>
+                                          </p:spTgt>
+                                        </p:tgtEl>
+                                        <p:attrNameLst>
+                                          <p:attrName>style.visibility</p:attrName>
+                                        </p:attrNameLst>
+                                      </p:cBhvr>
+                                      <p:to>
+                                        <p:strVal val="visible"/>
+                                      </p:to>
+                                    </p:set>
+                                  </p:childTnLst>
+                                </p:cTn>
+                              </p:par>
+                            </p:childTnLst>
+                          </p:cTn>
+                        </p:par>
+                      </p:childTnLst>
+                    </p:cTn>
+                  </p:par>
+                  <p:par>
+                    <p:cTn id="23" fill="hold">
+                      <p:stCondLst>
+                        <p:cond delay="indefinite"/>
+                      </p:stCondLst>
+                      <p:childTnLst>
+                        <p:par>
+                          <p:cTn id="24" fill="hold">
+                            <p:stCondLst>
+                              <p:cond delay="0"/>
+                            </p:stCondLst>
+                            <p:childTnLst>
+                              <p:par>
+                                <p:cTn id="25" presetID="1" presetClass="entr" presetSubtype="0" fill="hold" grpId="0" nodeType="clickEffect">
+                                  <p:stCondLst>
+                                    <p:cond delay="0"/>
+                                  </p:stCondLst>
+                                  <p:childTnLst>
+                                    <p:set>
+                                      <p:cBhvr>
+                                        <p:cTn id="26" dur="1" fill="hold">
+                                          <p:stCondLst>
+                                            <p:cond delay="0"/>
+                                          </p:stCondLst>
+                                        </p:cTn>
+                                        <p:tgtEl>
+                                          <p:spTgt spid="3">
+                                            <p:txEl>
+                                              <p:pRg st="5" end="5"/>
+                                            </p:txEl>
+                                          </p:spTgt>
+                                        </p:tgtEl>
+                                        <p:attrNameLst>
+                                          <p:attrName>style.visibility</p:attrName>
+                                        </p:attrNameLst>
+                                      </p:cBhvr>
+                                      <p:to>
+                                        <p:strVal val="visible"/>
+                                      </p:to>
+                                    </p:set>
+                                  </p:childTnLst>
+                                </p:cTn>
+                              </p:par>
+                            </p:childTnLst>
+                          </p:cTn>
+                        </p:par>
+                      </p:childTnLst>
+                    </p:cTn>
+                  </p:par>
+                </p:childTnLst>
+              </p:cTn>
+              <p:prevCondLst>
+                <p:cond evt="onPrev" delay="0">
+                  <p:tgtEl>
+                    <p:sldTgt/>
+                  </p:tgtEl>
+                </p:cond>
+              </p:prevCondLst>
+              <p:nextCondLst>
+                <p:cond evt="onNext" delay="0">
+                  <p:tgtEl>
+                    <p:sldTgt/>
+                  </p:tgtEl>
+                </p:cond>
+              </p:nextCondLst>
+            </p:seq>
+          </p:childTnLst>
+        </p:cTn>
+      </p:par>
+    </p:tnLst>
+    <p:bldLst>
+      <p:bldP spid="3" grpId="0" build="p"/>
+    </p:bldLst>
+  </p:timing>
+</p:sld>
+</file>
+
+<file path=ppt/slides/slide18.xml><?xml version="1.0" encoding="utf-8"?>
+<p:sld xmlns:a="http://schemas.openxmlformats.org/drawingml/2006/main" xmlns:r="http://schemas.openxmlformats.org/officeDocument/2006/relationships" xmlns:p="http://schemas.openxmlformats.org/presentationml/2006/main">
+  <p:cSld>
+    <p:spTree>
+      <p:nvGrpSpPr>
+        <p:cNvPr id="1" name=""/>
+        <p:cNvGrpSpPr/>
+        <p:nvPr/>
+      </p:nvGrpSpPr>
+      <p:grpSpPr>
+        <a:xfrm>
+          <a:off x="0" y="0"/>
+          <a:ext cx="0" cy="0"/>
+          <a:chOff x="0" y="0"/>
+          <a:chExt cx="0" cy="0"/>
+        </a:xfrm>
+      </p:grpSpPr>
+      <p:sp>
+        <p:nvSpPr>
+          <p:cNvPr id="2" name="Title 1"/>
+          <p:cNvSpPr>
+            <a:spLocks noGrp="1"/>
+          </p:cNvSpPr>
+          <p:nvPr>
+            <p:ph type="title"/>
+          </p:nvPr>
+        </p:nvSpPr>
+        <p:spPr/>
+        <p:txBody>
+          <a:bodyPr/>
+          <a:lstStyle/>
+          <a:p>
+            <a:r>
+              <a:rPr lang="en-US" dirty="0">
+                <a:solidFill>
+                  <a:srgbClr val="0070C0"/>
+                </a:solidFill>
+              </a:rPr>
+              <a:t>Approximating Leverage Scores</a:t>
+            </a:r>
+            <a:endParaRPr lang="en-US" dirty="0"/>
+          </a:p>
+        </p:txBody>
+      </p:sp>
+      <mc:AlternateContent xmlns:mc="http://schemas.openxmlformats.org/markup-compatibility/2006">
+        <mc:Choice xmlns:a14="http://schemas.microsoft.com/office/drawing/2010/main" Requires="a14">
+          <p:sp>
+            <p:nvSpPr>
+              <p:cNvPr id="3" name="Content Placeholder 2"/>
+              <p:cNvSpPr>
+                <a:spLocks noGrp="1"/>
+              </p:cNvSpPr>
+              <p:nvPr>
+                <p:ph idx="1"/>
+              </p:nvPr>
+            </p:nvSpPr>
+            <p:spPr>
+              <a:xfrm>
+                <a:off x="457200" y="1600200"/>
+                <a:ext cx="8229600" cy="4953000"/>
+              </a:xfrm>
+            </p:spPr>
+            <p:txBody>
+              <a:bodyPr>
+                <a:normAutofit fontScale="62500" lnSpcReduction="20000"/>
+              </a:bodyPr>
+              <a:lstStyle/>
+              <a:p>
+                <a14:m>
+                  <m:oMath xmlns:m="http://schemas.openxmlformats.org/officeDocument/2006/math">
+                    <m:sSub>
+                      <m:sSubPr>
+                        <m:ctrlPr>
+                          <a:rPr lang="en-US" i="1" smtClean="0">
+                            <a:latin typeface="Cambria Math"/>
+                          </a:rPr>
+                        </m:ctrlPr>
+                      </m:sSubPr>
+                      <m:e>
+                        <m:r>
+                          <a:rPr lang="en-US" i="1">
+                            <a:latin typeface="Cambria Math"/>
+                          </a:rPr>
+                          <m:t>𝑞</m:t>
+                        </m:r>
+                      </m:e>
+                      <m:sub>
+                        <m:r>
+                          <a:rPr lang="en-US" i="1">
+                            <a:latin typeface="Cambria Math"/>
+                          </a:rPr>
+                          <m:t>𝑖</m:t>
+                        </m:r>
+                      </m:sub>
+                    </m:sSub>
+                    <m:r>
+                      <a:rPr lang="en-US" i="1">
+                        <a:latin typeface="Cambria Math"/>
+                      </a:rPr>
+                      <m:t>=</m:t>
+                    </m:r>
+                    <m:sSubSup>
+                      <m:sSubSupPr>
+                        <m:ctrlPr>
+                          <a:rPr lang="en-US" b="0" i="0" smtClean="0">
+                            <a:latin typeface="Cambria Math"/>
+                          </a:rPr>
+                        </m:ctrlPr>
+                      </m:sSubSupPr>
+                      <m:e>
+                        <m:d>
+                          <m:dPr>
+                            <m:begChr m:val="|"/>
+                            <m:endChr m:val="|"/>
+                            <m:ctrlPr>
+                              <a:rPr lang="en-US" i="1">
+                                <a:latin typeface="Cambria Math"/>
+                              </a:rPr>
+                            </m:ctrlPr>
+                          </m:dPr>
+                          <m:e>
+                            <m:d>
+                              <m:dPr>
+                                <m:begChr m:val="|"/>
+                                <m:endChr m:val="|"/>
+                                <m:ctrlPr>
+                                  <a:rPr lang="en-US" i="1">
+                                    <a:latin typeface="Cambria Math"/>
+                                  </a:rPr>
+                                </m:ctrlPr>
+                              </m:dPr>
+                              <m:e>
+                                <m:sSubSup>
+                                  <m:sSubSupPr>
+                                    <m:ctrlPr>
+                                      <a:rPr lang="en-US" i="1">
+                                        <a:latin typeface="Cambria Math"/>
+                                      </a:rPr>
+                                    </m:ctrlPr>
+                                  </m:sSubSupPr>
+                                  <m:e>
+                                    <m:r>
+                                      <a:rPr lang="en-US" i="1">
+                                        <a:latin typeface="Cambria Math"/>
+                                      </a:rPr>
+                                      <m:t>𝑒</m:t>
+                                    </m:r>
+                                  </m:e>
+                                  <m:sub>
+                                    <m:r>
+                                      <a:rPr lang="en-US" i="1">
+                                        <a:latin typeface="Cambria Math"/>
+                                      </a:rPr>
+                                      <m:t>𝑖</m:t>
+                                    </m:r>
+                                  </m:sub>
+                                  <m:sup>
+                                    <m:r>
+                                      <a:rPr lang="en-US" i="1">
+                                        <a:latin typeface="Cambria Math"/>
+                                      </a:rPr>
+                                      <m:t>𝑇</m:t>
+                                    </m:r>
+                                  </m:sup>
+                                </m:sSubSup>
+                                <m:r>
+                                  <a:rPr lang="en-US" b="1" i="1">
+                                    <a:latin typeface="Cambria Math"/>
+                                  </a:rPr>
+                                  <m:t>𝑨</m:t>
+                                </m:r>
+                                <m:sSup>
+                                  <m:sSupPr>
+                                    <m:ctrlPr>
+                                      <a:rPr lang="en-US" b="1" i="1">
+                                        <a:latin typeface="Cambria Math"/>
+                                      </a:rPr>
+                                    </m:ctrlPr>
+                                  </m:sSupPr>
+                                  <m:e>
+                                    <m:r>
+                                      <a:rPr lang="en-US" b="1" i="1">
+                                        <a:latin typeface="Cambria Math"/>
+                                      </a:rPr>
+                                      <m:t>𝑹</m:t>
+                                    </m:r>
+                                  </m:e>
+                                  <m:sup>
+                                    <m:r>
+                                      <a:rPr lang="en-US" b="1" i="1">
+                                        <a:latin typeface="Cambria Math"/>
+                                      </a:rPr>
+                                      <m:t>−</m:t>
+                                    </m:r>
+                                    <m:r>
+                                      <a:rPr lang="en-US" b="1" i="1">
+                                        <a:latin typeface="Cambria Math"/>
+                                      </a:rPr>
+                                      <m:t>𝟏</m:t>
+                                    </m:r>
+                                  </m:sup>
+                                </m:sSup>
+                                <m:r>
+                                  <a:rPr lang="en-US" b="1" i="1">
+                                    <a:latin typeface="Cambria Math"/>
+                                  </a:rPr>
+                                  <m:t>𝑮</m:t>
+                                </m:r>
+                              </m:e>
+                            </m:d>
+                          </m:e>
+                        </m:d>
+                      </m:e>
+                      <m:sub>
+                        <m:r>
+                          <a:rPr lang="en-US" b="0" i="0" smtClean="0">
+                            <a:latin typeface="Cambria Math"/>
+                          </a:rPr>
+                          <m:t>2</m:t>
+                        </m:r>
+                      </m:sub>
+                      <m:sup>
+                        <m:r>
+                          <a:rPr lang="en-US" b="0" i="0" smtClean="0">
+                            <a:latin typeface="Cambria Math"/>
+                          </a:rPr>
+                          <m:t>2</m:t>
+                        </m:r>
+                      </m:sup>
+                    </m:sSubSup>
+                    <m:r>
+                      <a:rPr lang="en-US" b="0" i="1" smtClean="0">
+                        <a:latin typeface="Cambria Math"/>
+                      </a:rPr>
+                      <m:t>≥</m:t>
+                    </m:r>
+                    <m:d>
+                      <m:dPr>
+                        <m:ctrlPr>
+                          <a:rPr lang="en-US" b="0" i="1" smtClean="0">
+                            <a:latin typeface="Cambria Math"/>
+                          </a:rPr>
+                        </m:ctrlPr>
+                      </m:dPr>
+                      <m:e>
+                        <m:r>
+                          <a:rPr lang="en-US" b="0" i="1" smtClean="0">
+                            <a:latin typeface="Cambria Math"/>
+                          </a:rPr>
+                          <m:t>1 −</m:t>
+                        </m:r>
+                        <m:r>
+                          <a:rPr lang="en-US" b="0" i="1" smtClean="0">
+                            <a:latin typeface="Cambria Math"/>
+                          </a:rPr>
+                          <m:t>𝛾</m:t>
+                        </m:r>
+                      </m:e>
+                    </m:d>
+                    <m:sSubSup>
+                      <m:sSubSupPr>
+                        <m:ctrlPr>
+                          <a:rPr lang="en-US" b="0" i="1" smtClean="0">
+                            <a:latin typeface="Cambria Math"/>
+                          </a:rPr>
+                        </m:ctrlPr>
+                      </m:sSubSupPr>
+                      <m:e>
+                        <m:d>
+                          <m:dPr>
+                            <m:begChr m:val="|"/>
+                            <m:endChr m:val="|"/>
+                            <m:ctrlPr>
+                              <a:rPr lang="en-US" b="0" i="1" smtClean="0">
+                                <a:latin typeface="Cambria Math"/>
+                              </a:rPr>
+                            </m:ctrlPr>
+                          </m:dPr>
+                          <m:e>
+                            <m:d>
+                              <m:dPr>
+                                <m:begChr m:val="|"/>
+                                <m:endChr m:val="|"/>
+                                <m:ctrlPr>
+                                  <a:rPr lang="en-US" b="0" i="1" smtClean="0">
+                                    <a:latin typeface="Cambria Math"/>
+                                  </a:rPr>
+                                </m:ctrlPr>
+                              </m:dPr>
+                              <m:e>
+                                <m:sSubSup>
+                                  <m:sSubSupPr>
+                                    <m:ctrlPr>
+                                      <a:rPr lang="en-US" i="1">
+                                        <a:latin typeface="Cambria Math"/>
+                                      </a:rPr>
+                                    </m:ctrlPr>
+                                  </m:sSubSupPr>
+                                  <m:e>
+                                    <m:r>
+                                      <a:rPr lang="en-US" i="1">
+                                        <a:latin typeface="Cambria Math"/>
+                                      </a:rPr>
+                                      <m:t>𝑒</m:t>
+                                    </m:r>
+                                  </m:e>
+                                  <m:sub>
+                                    <m:r>
+                                      <a:rPr lang="en-US" i="1">
+                                        <a:latin typeface="Cambria Math"/>
+                                      </a:rPr>
+                                      <m:t>𝑖</m:t>
+                                    </m:r>
+                                  </m:sub>
+                                  <m:sup>
+                                    <m:r>
+                                      <a:rPr lang="en-US" i="1">
+                                        <a:latin typeface="Cambria Math"/>
+                                      </a:rPr>
+                                      <m:t>𝑇</m:t>
+                                    </m:r>
+                                  </m:sup>
+                                </m:sSubSup>
+                                <m:r>
+                                  <a:rPr lang="en-US" b="1" i="1">
+                                    <a:latin typeface="Cambria Math"/>
+                                  </a:rPr>
+                                  <m:t>𝑨</m:t>
+                                </m:r>
+                                <m:sSup>
+                                  <m:sSupPr>
+                                    <m:ctrlPr>
+                                      <a:rPr lang="en-US" b="1" i="1">
+                                        <a:latin typeface="Cambria Math"/>
+                                      </a:rPr>
+                                    </m:ctrlPr>
+                                  </m:sSupPr>
+                                  <m:e>
+                                    <m:r>
+                                      <a:rPr lang="en-US" b="1" i="1">
+                                        <a:latin typeface="Cambria Math"/>
+                                      </a:rPr>
+                                      <m:t>𝑹</m:t>
+                                    </m:r>
+                                  </m:e>
+                                  <m:sup>
+                                    <m:r>
+                                      <a:rPr lang="en-US" b="1" i="1">
+                                        <a:latin typeface="Cambria Math"/>
+                                      </a:rPr>
+                                      <m:t>−</m:t>
+                                    </m:r>
+                                    <m:r>
+                                      <a:rPr lang="en-US" b="1" i="1">
+                                        <a:latin typeface="Cambria Math"/>
+                                      </a:rPr>
+                                      <m:t>𝟏</m:t>
+                                    </m:r>
+                                  </m:sup>
+                                </m:sSup>
+                              </m:e>
+                            </m:d>
+                          </m:e>
+                        </m:d>
+                      </m:e>
+                      <m:sub>
+                        <m:r>
+                          <a:rPr lang="en-US" b="0" i="1" smtClean="0">
+                            <a:latin typeface="Cambria Math"/>
+                          </a:rPr>
+                          <m:t>2</m:t>
+                        </m:r>
+                      </m:sub>
+                      <m:sup>
+                        <m:r>
+                          <a:rPr lang="en-US" b="0" i="1" smtClean="0">
+                            <a:latin typeface="Cambria Math"/>
+                          </a:rPr>
+                          <m:t>2</m:t>
+                        </m:r>
+                      </m:sup>
+                    </m:sSubSup>
+                  </m:oMath>
+                </a14:m>
+                <a:endParaRPr lang="en-US" dirty="0" smtClean="0"/>
+              </a:p>
+              <a:p>
+                <a:r>
+                  <a:rPr lang="en-US" dirty="0" smtClean="0"/>
+                  <a:t>Singular values of </a:t>
+                </a:r>
+                <a14:m>
+                  <m:oMath xmlns:m="http://schemas.openxmlformats.org/officeDocument/2006/math">
+                    <m:r>
+                      <a:rPr lang="en-US" b="1" i="1">
+                        <a:latin typeface="Cambria Math"/>
+                      </a:rPr>
+                      <m:t>𝑨</m:t>
+                    </m:r>
+                    <m:sSup>
+                      <m:sSupPr>
+                        <m:ctrlPr>
+                          <a:rPr lang="en-US" b="1" i="1">
+                            <a:latin typeface="Cambria Math"/>
+                          </a:rPr>
+                        </m:ctrlPr>
+                      </m:sSupPr>
+                      <m:e>
+                        <m:r>
+                          <a:rPr lang="en-US" b="1" i="1">
+                            <a:latin typeface="Cambria Math"/>
+                          </a:rPr>
+                          <m:t>𝑹</m:t>
+                        </m:r>
+                      </m:e>
+                      <m:sup>
+                        <m:r>
+                          <a:rPr lang="en-US" b="1" i="1">
+                            <a:latin typeface="Cambria Math"/>
+                          </a:rPr>
+                          <m:t>−</m:t>
+                        </m:r>
+                        <m:r>
+                          <a:rPr lang="en-US" b="1" i="1">
+                            <a:latin typeface="Cambria Math"/>
+                          </a:rPr>
+                          <m:t>𝟏</m:t>
+                        </m:r>
+                      </m:sup>
+                    </m:sSup>
+                    <m:r>
+                      <a:rPr lang="en-US" b="1" i="1" smtClean="0">
+                        <a:latin typeface="Cambria Math"/>
+                      </a:rPr>
+                      <m:t>∈</m:t>
+                    </m:r>
+                    <m:d>
+                      <m:dPr>
+                        <m:begChr m:val="["/>
+                        <m:endChr m:val="]"/>
+                        <m:ctrlPr>
+                          <a:rPr lang="en-US" b="0" i="1" smtClean="0">
+                            <a:latin typeface="Cambria Math"/>
+                          </a:rPr>
+                        </m:ctrlPr>
+                      </m:dPr>
+                      <m:e>
+                        <m:r>
+                          <a:rPr lang="en-US" b="0" i="1" smtClean="0">
+                            <a:latin typeface="Cambria Math"/>
+                          </a:rPr>
+                          <m:t>1 −</m:t>
+                        </m:r>
+                        <m:r>
+                          <a:rPr lang="en-US" b="0" i="1" smtClean="0">
+                            <a:latin typeface="Cambria Math"/>
+                          </a:rPr>
+                          <m:t>𝛾</m:t>
+                        </m:r>
+                        <m:r>
+                          <a:rPr lang="en-US" b="0" i="1" smtClean="0">
+                            <a:latin typeface="Cambria Math"/>
+                          </a:rPr>
+                          <m:t>, 1+</m:t>
+                        </m:r>
+                        <m:r>
+                          <a:rPr lang="en-US" b="0" i="1" smtClean="0">
+                            <a:latin typeface="Cambria Math"/>
+                          </a:rPr>
+                          <m:t>𝛾</m:t>
+                        </m:r>
+                      </m:e>
+                    </m:d>
+                  </m:oMath>
+                </a14:m>
+                <a:endParaRPr lang="en-US" b="0" dirty="0" smtClean="0"/>
+              </a:p>
+              <a:p>
+                <a:pPr marL="0" indent="0">
+                  <a:buNone/>
+                </a:pPr>
+                <a14:m>
+                  <m:oMathPara xmlns:m="http://schemas.openxmlformats.org/officeDocument/2006/math">
+                    <m:oMathParaPr>
+                      <m:jc m:val="centerGroup"/>
+                    </m:oMathParaPr>
+                    <m:oMath xmlns:m="http://schemas.openxmlformats.org/officeDocument/2006/math">
+                      <m:sSubSup>
+                        <m:sSubSupPr>
+                          <m:ctrlPr>
+                            <a:rPr lang="en-US" b="0" i="1" smtClean="0">
+                              <a:latin typeface="Cambria Math"/>
+                            </a:rPr>
+                          </m:ctrlPr>
+                        </m:sSubSupPr>
+                        <m:e>
+                          <m:d>
+                            <m:dPr>
+                              <m:begChr m:val="|"/>
+                              <m:endChr m:val="|"/>
+                              <m:ctrlPr>
+                                <a:rPr lang="en-US" b="0" i="1" smtClean="0">
+                                  <a:latin typeface="Cambria Math"/>
+                                </a:rPr>
+                              </m:ctrlPr>
+                            </m:dPr>
+                            <m:e>
+                              <m:d>
+                                <m:dPr>
+                                  <m:begChr m:val="|"/>
+                                  <m:endChr m:val="|"/>
+                                  <m:ctrlPr>
+                                    <a:rPr lang="en-US" b="0" i="1" smtClean="0">
+                                      <a:latin typeface="Cambria Math"/>
+                                    </a:rPr>
+                                  </m:ctrlPr>
+                                </m:dPr>
+                                <m:e>
+                                  <m:r>
+                                    <a:rPr lang="en-US" b="1" i="1" smtClean="0">
+                                      <a:latin typeface="Cambria Math"/>
+                                    </a:rPr>
+                                    <m:t>𝑨</m:t>
+                                  </m:r>
+                                  <m:sSup>
+                                    <m:sSupPr>
+                                      <m:ctrlPr>
+                                        <a:rPr lang="en-US" b="1" i="1" smtClean="0">
+                                          <a:latin typeface="Cambria Math"/>
+                                        </a:rPr>
+                                      </m:ctrlPr>
+                                    </m:sSupPr>
+                                    <m:e>
+                                      <m:r>
+                                        <a:rPr lang="en-US" b="1" i="1" smtClean="0">
+                                          <a:latin typeface="Cambria Math"/>
+                                        </a:rPr>
+                                        <m:t>𝑹</m:t>
+                                      </m:r>
+                                    </m:e>
+                                    <m:sup>
+                                      <m:r>
+                                        <a:rPr lang="en-US" b="1" i="1" smtClean="0">
+                                          <a:latin typeface="Cambria Math"/>
+                                        </a:rPr>
+                                        <m:t>−</m:t>
+                                      </m:r>
+                                      <m:r>
+                                        <a:rPr lang="en-US" b="1" i="1" smtClean="0">
+                                          <a:latin typeface="Cambria Math"/>
+                                        </a:rPr>
+                                        <m:t>𝟏</m:t>
+                                      </m:r>
+                                    </m:sup>
+                                  </m:sSup>
+                                  <m:r>
+                                    <a:rPr lang="en-US" b="1" i="1" smtClean="0">
+                                      <a:latin typeface="Cambria Math"/>
+                                    </a:rPr>
+                                    <m:t>𝒙</m:t>
+                                  </m:r>
+                                </m:e>
+                              </m:d>
+                            </m:e>
+                          </m:d>
+                        </m:e>
+                        <m:sub>
+                          <m:r>
+                            <a:rPr lang="en-US" b="0" i="1" smtClean="0">
+                              <a:latin typeface="Cambria Math"/>
+                            </a:rPr>
+                            <m:t>2</m:t>
+                          </m:r>
+                        </m:sub>
+                        <m:sup>
+                          <m:r>
+                            <a:rPr lang="en-US" b="0" i="1" smtClean="0">
+                              <a:latin typeface="Cambria Math"/>
+                            </a:rPr>
+                            <m:t>2</m:t>
+                          </m:r>
+                        </m:sup>
+                      </m:sSubSup>
+                      <m:r>
+                        <a:rPr lang="en-US" b="0" i="1" smtClean="0">
+                          <a:latin typeface="Cambria Math"/>
+                        </a:rPr>
+                        <m:t>=</m:t>
+                      </m:r>
+                      <m:d>
+                        <m:dPr>
+                          <m:ctrlPr>
+                            <a:rPr lang="en-US" b="0" i="1" smtClean="0">
+                              <a:latin typeface="Cambria Math"/>
+                            </a:rPr>
+                          </m:ctrlPr>
+                        </m:dPr>
+                        <m:e>
+                          <m:r>
+                            <a:rPr lang="en-US" b="0" i="1" smtClean="0">
+                              <a:latin typeface="Cambria Math"/>
+                            </a:rPr>
+                            <m:t>1±</m:t>
+                          </m:r>
+                          <m:r>
+                            <a:rPr lang="en-US" b="0" i="1" smtClean="0">
+                              <a:latin typeface="Cambria Math"/>
+                            </a:rPr>
+                            <m:t>𝛾</m:t>
+                          </m:r>
+                        </m:e>
+                      </m:d>
+                      <m:sSubSup>
+                        <m:sSubSupPr>
+                          <m:ctrlPr>
+                            <a:rPr lang="en-US" i="1">
+                              <a:latin typeface="Cambria Math"/>
+                            </a:rPr>
+                          </m:ctrlPr>
+                        </m:sSubSupPr>
+                        <m:e>
+                          <m:d>
+                            <m:dPr>
+                              <m:begChr m:val="|"/>
+                              <m:endChr m:val="|"/>
+                              <m:ctrlPr>
+                                <a:rPr lang="en-US" i="1">
+                                  <a:latin typeface="Cambria Math"/>
+                                </a:rPr>
+                              </m:ctrlPr>
+                            </m:dPr>
+                            <m:e>
+                              <m:d>
+                                <m:dPr>
+                                  <m:begChr m:val="|"/>
+                                  <m:endChr m:val="|"/>
+                                  <m:ctrlPr>
+                                    <a:rPr lang="en-US" i="1">
+                                      <a:latin typeface="Cambria Math"/>
+                                    </a:rPr>
+                                  </m:ctrlPr>
+                                </m:dPr>
+                                <m:e>
+                                  <m:r>
+                                    <a:rPr lang="en-US" b="1" i="1" smtClean="0">
+                                      <a:latin typeface="Cambria Math"/>
+                                    </a:rPr>
+                                    <m:t>𝑺</m:t>
+                                  </m:r>
+                                  <m:r>
+                                    <a:rPr lang="en-US" b="1" i="1">
+                                      <a:latin typeface="Cambria Math"/>
+                                    </a:rPr>
+                                    <m:t>𝑨</m:t>
+                                  </m:r>
+                                  <m:sSup>
+                                    <m:sSupPr>
+                                      <m:ctrlPr>
+                                        <a:rPr lang="en-US" b="1" i="1">
+                                          <a:latin typeface="Cambria Math"/>
+                                        </a:rPr>
+                                      </m:ctrlPr>
+                                    </m:sSupPr>
+                                    <m:e>
+                                      <m:r>
+                                        <a:rPr lang="en-US" b="1" i="1">
+                                          <a:latin typeface="Cambria Math"/>
+                                        </a:rPr>
+                                        <m:t>𝑹</m:t>
+                                      </m:r>
+                                    </m:e>
+                                    <m:sup>
+                                      <m:r>
+                                        <a:rPr lang="en-US" b="1" i="1">
+                                          <a:latin typeface="Cambria Math"/>
+                                        </a:rPr>
+                                        <m:t>−</m:t>
+                                      </m:r>
+                                      <m:r>
+                                        <a:rPr lang="en-US" b="1" i="1">
+                                          <a:latin typeface="Cambria Math"/>
+                                        </a:rPr>
+                                        <m:t>𝟏</m:t>
+                                      </m:r>
+                                    </m:sup>
+                                  </m:sSup>
+                                  <m:r>
+                                    <a:rPr lang="en-US" b="1" i="1">
+                                      <a:latin typeface="Cambria Math"/>
+                                    </a:rPr>
+                                    <m:t>𝒙</m:t>
+                                  </m:r>
+                                </m:e>
+                              </m:d>
+                            </m:e>
+                          </m:d>
+                        </m:e>
+                        <m:sub>
+                          <m:r>
+                            <a:rPr lang="en-US" i="1">
+                              <a:latin typeface="Cambria Math"/>
+                            </a:rPr>
+                            <m:t>2</m:t>
+                          </m:r>
+                        </m:sub>
+                        <m:sup>
+                          <m:r>
+                            <a:rPr lang="en-US" i="1">
+                              <a:latin typeface="Cambria Math"/>
+                            </a:rPr>
+                            <m:t>2</m:t>
+                          </m:r>
+                        </m:sup>
+                      </m:sSubSup>
+                    </m:oMath>
+                  </m:oMathPara>
+                </a14:m>
+                <a:endParaRPr lang="en-US" dirty="0" smtClean="0"/>
+              </a:p>
+              <a:p>
+                <a:pPr marL="0" indent="0">
+                  <a:buNone/>
+                </a:pPr>
+                <a14:m>
+                  <m:oMathPara xmlns:m="http://schemas.openxmlformats.org/officeDocument/2006/math">
+                    <m:oMathParaPr>
+                      <m:jc m:val="centerGroup"/>
+                    </m:oMathParaPr>
+                    <m:oMath xmlns:m="http://schemas.openxmlformats.org/officeDocument/2006/math">
+                      <m:r>
+                        <a:rPr lang="en-US" b="0" i="1" smtClean="0">
+                          <a:latin typeface="Cambria Math"/>
+                        </a:rPr>
+                        <m:t>=</m:t>
+                      </m:r>
+                      <m:d>
+                        <m:dPr>
+                          <m:ctrlPr>
+                            <a:rPr lang="en-US" i="1">
+                              <a:latin typeface="Cambria Math"/>
+                            </a:rPr>
+                          </m:ctrlPr>
+                        </m:dPr>
+                        <m:e>
+                          <m:r>
+                            <a:rPr lang="en-US" i="1">
+                              <a:latin typeface="Cambria Math"/>
+                            </a:rPr>
+                            <m:t>1±</m:t>
+                          </m:r>
+                          <m:r>
+                            <a:rPr lang="en-US" i="1">
+                              <a:latin typeface="Cambria Math"/>
+                            </a:rPr>
+                            <m:t>𝛾</m:t>
+                          </m:r>
+                        </m:e>
+                      </m:d>
+                      <m:sSubSup>
+                        <m:sSubSupPr>
+                          <m:ctrlPr>
+                            <a:rPr lang="en-US" b="0" i="0" smtClean="0">
+                              <a:latin typeface="Cambria Math"/>
+                            </a:rPr>
+                          </m:ctrlPr>
+                        </m:sSubSupPr>
+                        <m:e>
+                          <m:d>
+                            <m:dPr>
+                              <m:begChr m:val="|"/>
+                              <m:endChr m:val="|"/>
+                              <m:ctrlPr>
+                                <a:rPr lang="en-US" b="0" i="0" smtClean="0">
+                                  <a:latin typeface="Cambria Math"/>
+                                </a:rPr>
+                              </m:ctrlPr>
+                            </m:dPr>
+                            <m:e>
+                              <m:d>
+                                <m:dPr>
+                                  <m:begChr m:val="|"/>
+                                  <m:endChr m:val="|"/>
+                                  <m:ctrlPr>
+                                    <a:rPr lang="en-US" b="0" i="0" smtClean="0">
+                                      <a:latin typeface="Cambria Math"/>
+                                    </a:rPr>
+                                  </m:ctrlPr>
+                                </m:dPr>
+                                <m:e>
+                                  <m:r>
+                                    <a:rPr lang="en-US" b="1">
+                                      <a:latin typeface="Cambria Math"/>
+                                    </a:rPr>
+                                    <m:t>𝐐</m:t>
+                                  </m:r>
+                                  <m:r>
+                                    <a:rPr lang="en-US" b="0" i="0" smtClean="0">
+                                      <a:latin typeface="Cambria Math"/>
+                                    </a:rPr>
+                                    <m:t> </m:t>
+                                  </m:r>
+                                  <m:r>
+                                    <a:rPr lang="en-US" b="1" i="0" smtClean="0">
+                                      <a:latin typeface="Cambria Math"/>
+                                    </a:rPr>
+                                    <m:t>𝐱</m:t>
+                                  </m:r>
+                                </m:e>
+                              </m:d>
+                            </m:e>
+                          </m:d>
+                        </m:e>
+                        <m:sub>
+                          <m:r>
+                            <a:rPr lang="en-US" b="0" i="0" smtClean="0">
+                              <a:latin typeface="Cambria Math"/>
+                            </a:rPr>
+                            <m:t>2</m:t>
+                          </m:r>
+                        </m:sub>
+                        <m:sup>
+                          <m:r>
+                            <a:rPr lang="en-US" b="0" i="0" smtClean="0">
+                              <a:latin typeface="Cambria Math"/>
+                            </a:rPr>
+                            <m:t>2</m:t>
+                          </m:r>
+                        </m:sup>
+                      </m:sSubSup>
+                    </m:oMath>
+                  </m:oMathPara>
+                </a14:m>
+                <a:endParaRPr lang="en-US" b="0" dirty="0" smtClean="0"/>
+              </a:p>
+              <a:p>
+                <a:pPr marL="0" indent="0">
+                  <a:buNone/>
+                </a:pPr>
+                <a14:m>
+                  <m:oMathPara xmlns:m="http://schemas.openxmlformats.org/officeDocument/2006/math">
+                    <m:oMathParaPr>
+                      <m:jc m:val="centerGroup"/>
+                    </m:oMathParaPr>
+                    <m:oMath xmlns:m="http://schemas.openxmlformats.org/officeDocument/2006/math">
+                      <m:r>
+                        <a:rPr lang="en-US" b="0" i="1" smtClean="0">
+                          <a:latin typeface="Cambria Math"/>
+                        </a:rPr>
+                        <m:t>=(1±</m:t>
+                      </m:r>
+                      <m:r>
+                        <a:rPr lang="en-US" b="0" i="1" smtClean="0">
+                          <a:latin typeface="Cambria Math"/>
+                        </a:rPr>
+                        <m:t>𝛾</m:t>
+                      </m:r>
+                      <m:r>
+                        <a:rPr lang="en-US" b="0" i="1" smtClean="0">
+                          <a:latin typeface="Cambria Math"/>
+                        </a:rPr>
+                        <m:t>)</m:t>
+                      </m:r>
+                      <m:sSubSup>
+                        <m:sSubSupPr>
+                          <m:ctrlPr>
+                            <a:rPr lang="en-US" i="1">
+                              <a:latin typeface="Cambria Math"/>
+                            </a:rPr>
+                          </m:ctrlPr>
+                        </m:sSubSupPr>
+                        <m:e>
+                          <m:d>
+                            <m:dPr>
+                              <m:begChr m:val="|"/>
+                              <m:endChr m:val="|"/>
+                              <m:ctrlPr>
+                                <a:rPr lang="en-US" i="1">
+                                  <a:latin typeface="Cambria Math"/>
+                                </a:rPr>
+                              </m:ctrlPr>
+                            </m:dPr>
+                            <m:e>
+                              <m:d>
+                                <m:dPr>
+                                  <m:begChr m:val="|"/>
+                                  <m:endChr m:val="|"/>
+                                  <m:ctrlPr>
+                                    <a:rPr lang="en-US" i="1">
+                                      <a:latin typeface="Cambria Math"/>
+                                    </a:rPr>
+                                  </m:ctrlPr>
+                                </m:dPr>
+                                <m:e>
+                                  <m:r>
+                                    <a:rPr lang="en-US" b="1">
+                                      <a:latin typeface="Cambria Math"/>
+                                    </a:rPr>
+                                    <m:t>𝐱</m:t>
+                                  </m:r>
+                                </m:e>
+                              </m:d>
+                            </m:e>
+                          </m:d>
+                        </m:e>
+                        <m:sub>
+                          <m:r>
+                            <a:rPr lang="en-US">
+                              <a:latin typeface="Cambria Math"/>
+                            </a:rPr>
+                            <m:t>2</m:t>
+                          </m:r>
+                        </m:sub>
+                        <m:sup>
+                          <m:r>
+                            <a:rPr lang="en-US">
+                              <a:latin typeface="Cambria Math"/>
+                            </a:rPr>
+                            <m:t>2</m:t>
+                          </m:r>
+                        </m:sup>
+                      </m:sSubSup>
+                    </m:oMath>
+                  </m:oMathPara>
+                </a14:m>
+                <a:endParaRPr lang="en-US" dirty="0" smtClean="0"/>
+              </a:p>
+              <a:p>
+                <a14:m>
+                  <m:oMath xmlns:m="http://schemas.openxmlformats.org/officeDocument/2006/math">
+                    <m:r>
+                      <a:rPr lang="en-US" b="1" i="1" smtClean="0">
+                        <a:latin typeface="Cambria Math"/>
+                      </a:rPr>
+                      <m:t>𝑼</m:t>
+                    </m:r>
+                    <m:r>
+                      <a:rPr lang="en-US" b="1" i="1" smtClean="0">
+                        <a:latin typeface="Cambria Math"/>
+                      </a:rPr>
+                      <m:t>=</m:t>
+                    </m:r>
+                    <m:r>
+                      <a:rPr lang="en-US" b="1" i="1" smtClean="0">
+                        <a:latin typeface="Cambria Math"/>
+                      </a:rPr>
+                      <m:t>𝑨</m:t>
+                    </m:r>
+                    <m:sSup>
+                      <m:sSupPr>
+                        <m:ctrlPr>
+                          <a:rPr lang="en-US" b="1" i="1" smtClean="0">
+                            <a:latin typeface="Cambria Math"/>
+                          </a:rPr>
+                        </m:ctrlPr>
+                      </m:sSupPr>
+                      <m:e>
+                        <m:r>
+                          <a:rPr lang="en-US" b="1" i="1" smtClean="0">
+                            <a:latin typeface="Cambria Math"/>
+                          </a:rPr>
+                          <m:t>𝑹</m:t>
+                        </m:r>
+                      </m:e>
+                      <m:sup>
+                        <m:r>
+                          <a:rPr lang="en-US" b="1" i="1" smtClean="0">
+                            <a:latin typeface="Cambria Math"/>
+                          </a:rPr>
+                          <m:t>−</m:t>
+                        </m:r>
+                        <m:r>
+                          <a:rPr lang="en-US" b="1" i="1" smtClean="0">
+                            <a:latin typeface="Cambria Math"/>
+                          </a:rPr>
+                          <m:t>𝟏</m:t>
+                        </m:r>
+                      </m:sup>
+                    </m:sSup>
+                    <m:r>
+                      <a:rPr lang="en-US" b="1" i="1" smtClean="0">
+                        <a:latin typeface="Cambria Math"/>
+                      </a:rPr>
+                      <m:t>𝑻</m:t>
+                    </m:r>
+                  </m:oMath>
+                </a14:m>
+                <a:r>
+                  <a:rPr lang="en-US" b="1" dirty="0" smtClean="0"/>
+                  <a:t> </a:t>
+                </a:r>
+                <a:r>
+                  <a:rPr lang="en-US" dirty="0" smtClean="0"/>
+                  <a:t>=  </a:t>
+                </a:r>
+                <a:r>
+                  <a:rPr lang="en-US" dirty="0" err="1" smtClean="0"/>
+                  <a:t>o.n.b</a:t>
+                </a:r>
+                <a:r>
+                  <a:rPr lang="en-US" dirty="0" smtClean="0"/>
+                  <a:t>. for the column space of </a:t>
+                </a:r>
+                <a14:m>
+                  <m:oMath xmlns:m="http://schemas.openxmlformats.org/officeDocument/2006/math">
+                    <m:r>
+                      <a:rPr lang="en-US" i="1" dirty="0" smtClean="0">
+                        <a:latin typeface="Cambria Math"/>
+                      </a:rPr>
+                      <m:t>𝐴</m:t>
+                    </m:r>
+                  </m:oMath>
+                </a14:m>
+                <a:endParaRPr lang="en-US" dirty="0" smtClean="0"/>
+              </a:p>
+              <a:p>
+                <a:r>
+                  <a:rPr lang="en-US" dirty="0" smtClean="0"/>
+                  <a:t>Singular values of </a:t>
+                </a:r>
+                <a14:m>
+                  <m:oMath xmlns:m="http://schemas.openxmlformats.org/officeDocument/2006/math">
+                    <m:r>
+                      <a:rPr lang="en-US" b="1" i="1">
+                        <a:latin typeface="Cambria Math"/>
+                      </a:rPr>
+                      <m:t>𝑻</m:t>
+                    </m:r>
+                  </m:oMath>
+                </a14:m>
+                <a:r>
+                  <a:rPr lang="en-US" dirty="0" smtClean="0"/>
+                  <a:t> are </a:t>
+                </a:r>
+                <a14:m>
+                  <m:oMath xmlns:m="http://schemas.openxmlformats.org/officeDocument/2006/math">
+                    <m:r>
+                      <a:rPr lang="en-US" i="1" smtClean="0">
+                        <a:latin typeface="Cambria Math"/>
+                      </a:rPr>
+                      <m:t>∈</m:t>
+                    </m:r>
+                    <m:r>
+                      <a:rPr lang="en-US" b="0" i="1" smtClean="0">
+                        <a:latin typeface="Cambria Math"/>
+                      </a:rPr>
+                      <m:t>[</m:t>
+                    </m:r>
+                    <m:r>
+                      <a:rPr lang="en-US" b="0" i="1" smtClean="0">
+                        <a:latin typeface="Cambria Math"/>
+                      </a:rPr>
+                      <m:t>1−2</m:t>
+                    </m:r>
+                    <m:r>
+                      <a:rPr lang="en-US" b="0" i="1" smtClean="0">
+                        <a:latin typeface="Cambria Math"/>
+                      </a:rPr>
+                      <m:t>𝛾</m:t>
+                    </m:r>
+                  </m:oMath>
+                </a14:m>
+                <a:r>
+                  <a:rPr lang="en-US" dirty="0" smtClean="0"/>
+                  <a:t>, 1 + 2</a:t>
+                </a:r>
+                <a14:m>
+                  <m:oMath xmlns:m="http://schemas.openxmlformats.org/officeDocument/2006/math">
+                    <m:r>
+                      <a:rPr lang="en-US" b="0" i="1" smtClean="0">
+                        <a:latin typeface="Cambria Math"/>
+                      </a:rPr>
+                      <m:t>𝛾</m:t>
+                    </m:r>
+                  </m:oMath>
+                </a14:m>
+                <a:r>
+                  <a:rPr lang="en-US" dirty="0" smtClean="0"/>
+                  <a:t>], otherwise </a:t>
+                </a:r>
+                <a14:m>
+                  <m:oMath xmlns:m="http://schemas.openxmlformats.org/officeDocument/2006/math">
+                    <m:sSubSup>
+                      <m:sSubSupPr>
+                        <m:ctrlPr>
+                          <a:rPr lang="en-US" b="0" i="1" smtClean="0">
+                            <a:latin typeface="Cambria Math"/>
+                          </a:rPr>
+                        </m:ctrlPr>
+                      </m:sSubSupPr>
+                      <m:e>
+                        <m:d>
+                          <m:dPr>
+                            <m:begChr m:val="|"/>
+                            <m:endChr m:val="|"/>
+                            <m:ctrlPr>
+                              <a:rPr lang="en-US" b="0" i="1" smtClean="0">
+                                <a:latin typeface="Cambria Math"/>
+                              </a:rPr>
+                            </m:ctrlPr>
+                          </m:dPr>
+                          <m:e>
+                            <m:d>
+                              <m:dPr>
+                                <m:begChr m:val="|"/>
+                                <m:endChr m:val="|"/>
+                                <m:ctrlPr>
+                                  <a:rPr lang="en-US" b="0" i="1" smtClean="0">
+                                    <a:latin typeface="Cambria Math"/>
+                                  </a:rPr>
+                                </m:ctrlPr>
+                              </m:dPr>
+                              <m:e>
+                                <m:r>
+                                  <a:rPr lang="en-US" b="1" i="1" smtClean="0">
+                                    <a:latin typeface="Cambria Math"/>
+                                  </a:rPr>
+                                  <m:t>𝑨</m:t>
+                                </m:r>
+                                <m:sSup>
+                                  <m:sSupPr>
+                                    <m:ctrlPr>
+                                      <a:rPr lang="en-US" b="1" i="1" smtClean="0">
+                                        <a:latin typeface="Cambria Math"/>
+                                      </a:rPr>
+                                    </m:ctrlPr>
+                                  </m:sSupPr>
+                                  <m:e>
+                                    <m:r>
+                                      <a:rPr lang="en-US" b="1" i="1" smtClean="0">
+                                        <a:latin typeface="Cambria Math"/>
+                                      </a:rPr>
+                                      <m:t>𝑹</m:t>
+                                    </m:r>
+                                  </m:e>
+                                  <m:sup>
+                                    <m:r>
+                                      <a:rPr lang="en-US" b="1" i="1" smtClean="0">
+                                        <a:latin typeface="Cambria Math"/>
+                                      </a:rPr>
+                                      <m:t>−</m:t>
+                                    </m:r>
+                                    <m:r>
+                                      <a:rPr lang="en-US" b="1" i="1" smtClean="0">
+                                        <a:latin typeface="Cambria Math"/>
+                                      </a:rPr>
+                                      <m:t>𝟏</m:t>
+                                    </m:r>
+                                  </m:sup>
+                                </m:sSup>
+                                <m:r>
+                                  <a:rPr lang="en-US" b="1" i="1" smtClean="0">
+                                    <a:latin typeface="Cambria Math"/>
+                                  </a:rPr>
+                                  <m:t>𝑻𝒗</m:t>
+                                </m:r>
+                              </m:e>
+                            </m:d>
+                          </m:e>
+                        </m:d>
+                      </m:e>
+                      <m:sub>
+                        <m:r>
+                          <a:rPr lang="en-US" b="0" i="1" smtClean="0">
+                            <a:latin typeface="Cambria Math"/>
+                          </a:rPr>
+                          <m:t>2</m:t>
+                        </m:r>
+                      </m:sub>
+                      <m:sup>
+                        <m:r>
+                          <a:rPr lang="en-US" b="0" i="1" smtClean="0">
+                            <a:latin typeface="Cambria Math"/>
+                          </a:rPr>
+                          <m:t>2</m:t>
+                        </m:r>
+                      </m:sup>
+                    </m:sSubSup>
+                    <m:r>
+                      <a:rPr lang="en-US" b="0" i="1" smtClean="0">
+                        <a:latin typeface="Cambria Math"/>
+                      </a:rPr>
+                      <m:t>≤</m:t>
+                    </m:r>
+                    <m:d>
+                      <m:dPr>
+                        <m:ctrlPr>
+                          <a:rPr lang="en-US" b="0" i="1" smtClean="0">
+                            <a:latin typeface="Cambria Math"/>
+                          </a:rPr>
+                        </m:ctrlPr>
+                      </m:dPr>
+                      <m:e>
+                        <m:r>
+                          <a:rPr lang="en-US" b="0" i="1" smtClean="0">
+                            <a:latin typeface="Cambria Math"/>
+                          </a:rPr>
+                          <m:t>1 −2</m:t>
+                        </m:r>
+                        <m:r>
+                          <a:rPr lang="en-US" b="0" i="1" smtClean="0">
+                            <a:latin typeface="Cambria Math"/>
+                          </a:rPr>
+                          <m:t>𝛾</m:t>
+                        </m:r>
+                      </m:e>
+                    </m:d>
+                    <m:d>
+                      <m:dPr>
+                        <m:ctrlPr>
+                          <a:rPr lang="en-US" b="0" i="1" smtClean="0">
+                            <a:latin typeface="Cambria Math"/>
+                          </a:rPr>
+                        </m:ctrlPr>
+                      </m:dPr>
+                      <m:e>
+                        <m:r>
+                          <a:rPr lang="en-US" b="0" i="1" smtClean="0">
+                            <a:latin typeface="Cambria Math"/>
+                          </a:rPr>
+                          <m:t>1+</m:t>
+                        </m:r>
+                        <m:r>
+                          <a:rPr lang="en-US" b="0" i="1" smtClean="0">
+                            <a:latin typeface="Cambria Math"/>
+                          </a:rPr>
+                          <m:t>𝛾</m:t>
+                        </m:r>
+                      </m:e>
+                    </m:d>
+                    <m:r>
+                      <a:rPr lang="en-US" b="0" i="1" smtClean="0">
+                        <a:latin typeface="Cambria Math"/>
+                      </a:rPr>
+                      <m:t>&lt;1 </m:t>
+                    </m:r>
+                  </m:oMath>
+                </a14:m>
+                <a:r>
+                  <a:rPr lang="en-US" dirty="0" smtClean="0"/>
+                  <a:t>but </a:t>
+                </a:r>
+                <a14:m>
+                  <m:oMath xmlns:m="http://schemas.openxmlformats.org/officeDocument/2006/math">
+                    <m:sSubSup>
+                      <m:sSubSupPr>
+                        <m:ctrlPr>
+                          <a:rPr lang="en-US" i="1">
+                            <a:latin typeface="Cambria Math"/>
+                          </a:rPr>
+                        </m:ctrlPr>
+                      </m:sSubSupPr>
+                      <m:e>
+                        <m:d>
+                          <m:dPr>
+                            <m:begChr m:val="|"/>
+                            <m:endChr m:val="|"/>
+                            <m:ctrlPr>
+                              <a:rPr lang="en-US" i="1">
+                                <a:latin typeface="Cambria Math"/>
+                              </a:rPr>
+                            </m:ctrlPr>
+                          </m:dPr>
+                          <m:e>
+                            <m:d>
+                              <m:dPr>
+                                <m:begChr m:val="|"/>
+                                <m:endChr m:val="|"/>
+                                <m:ctrlPr>
+                                  <a:rPr lang="en-US" i="1">
+                                    <a:latin typeface="Cambria Math"/>
+                                  </a:rPr>
+                                </m:ctrlPr>
+                              </m:dPr>
+                              <m:e>
+                                <m:r>
+                                  <a:rPr lang="en-US" b="1" i="1">
+                                    <a:latin typeface="Cambria Math"/>
+                                  </a:rPr>
+                                  <m:t>𝑨</m:t>
+                                </m:r>
+                                <m:sSup>
+                                  <m:sSupPr>
+                                    <m:ctrlPr>
+                                      <a:rPr lang="en-US" b="1" i="1">
+                                        <a:latin typeface="Cambria Math"/>
+                                      </a:rPr>
+                                    </m:ctrlPr>
+                                  </m:sSupPr>
+                                  <m:e>
+                                    <m:r>
+                                      <a:rPr lang="en-US" b="1" i="1">
+                                        <a:latin typeface="Cambria Math"/>
+                                      </a:rPr>
+                                      <m:t>𝑹</m:t>
+                                    </m:r>
+                                  </m:e>
+                                  <m:sup>
+                                    <m:r>
+                                      <a:rPr lang="en-US" b="1" i="1">
+                                        <a:latin typeface="Cambria Math"/>
+                                      </a:rPr>
+                                      <m:t>−</m:t>
+                                    </m:r>
+                                    <m:r>
+                                      <a:rPr lang="en-US" b="1" i="1">
+                                        <a:latin typeface="Cambria Math"/>
+                                      </a:rPr>
+                                      <m:t>𝟏</m:t>
+                                    </m:r>
+                                  </m:sup>
+                                </m:sSup>
+                                <m:r>
+                                  <a:rPr lang="en-US" b="1" i="1">
+                                    <a:latin typeface="Cambria Math"/>
+                                  </a:rPr>
+                                  <m:t>𝑻𝒗</m:t>
+                                </m:r>
+                              </m:e>
+                            </m:d>
+                          </m:e>
+                        </m:d>
+                      </m:e>
+                      <m:sub>
+                        <m:r>
+                          <a:rPr lang="en-US" i="1">
+                            <a:latin typeface="Cambria Math"/>
+                          </a:rPr>
+                          <m:t>2</m:t>
+                        </m:r>
+                      </m:sub>
+                      <m:sup>
+                        <m:r>
+                          <a:rPr lang="en-US" i="1">
+                            <a:latin typeface="Cambria Math"/>
+                          </a:rPr>
+                          <m:t>2</m:t>
+                        </m:r>
+                      </m:sup>
+                    </m:sSubSup>
+                    <m:r>
+                      <a:rPr lang="en-US" b="0" i="1" smtClean="0">
+                        <a:latin typeface="Cambria Math"/>
+                      </a:rPr>
+                      <m:t>=</m:t>
+                    </m:r>
+                    <m:sSubSup>
+                      <m:sSubSupPr>
+                        <m:ctrlPr>
+                          <a:rPr lang="en-US" b="0" i="1" smtClean="0">
+                            <a:latin typeface="Cambria Math"/>
+                          </a:rPr>
+                        </m:ctrlPr>
+                      </m:sSubSupPr>
+                      <m:e>
+                        <m:d>
+                          <m:dPr>
+                            <m:begChr m:val="|"/>
+                            <m:endChr m:val="|"/>
+                            <m:ctrlPr>
+                              <a:rPr lang="en-US" b="0" i="1" smtClean="0">
+                                <a:latin typeface="Cambria Math"/>
+                              </a:rPr>
+                            </m:ctrlPr>
+                          </m:dPr>
+                          <m:e>
+                            <m:d>
+                              <m:dPr>
+                                <m:begChr m:val="|"/>
+                                <m:endChr m:val="|"/>
+                                <m:ctrlPr>
+                                  <a:rPr lang="en-US" b="0" i="1" smtClean="0">
+                                    <a:latin typeface="Cambria Math"/>
+                                  </a:rPr>
+                                </m:ctrlPr>
+                              </m:dPr>
+                              <m:e>
+                                <m:r>
+                                  <a:rPr lang="en-US" b="1" i="1" smtClean="0">
+                                    <a:latin typeface="Cambria Math"/>
+                                  </a:rPr>
+                                  <m:t>𝑼𝒗</m:t>
+                                </m:r>
+                              </m:e>
+                            </m:d>
+                          </m:e>
+                        </m:d>
+                      </m:e>
+                      <m:sub>
+                        <m:r>
+                          <a:rPr lang="en-US" b="0" i="1" smtClean="0">
+                            <a:latin typeface="Cambria Math"/>
+                          </a:rPr>
+                          <m:t>2</m:t>
+                        </m:r>
+                      </m:sub>
+                      <m:sup>
+                        <m:r>
+                          <a:rPr lang="en-US" b="0" i="1" smtClean="0">
+                            <a:latin typeface="Cambria Math"/>
+                          </a:rPr>
+                          <m:t>2</m:t>
+                        </m:r>
+                      </m:sup>
+                    </m:sSubSup>
+                    <m:r>
+                      <a:rPr lang="en-US" b="0" i="1" smtClean="0">
+                        <a:latin typeface="Cambria Math"/>
+                      </a:rPr>
+                      <m:t>=1</m:t>
+                    </m:r>
+                  </m:oMath>
+                </a14:m>
+                <a:endParaRPr lang="en-US" b="0" dirty="0" smtClean="0"/>
+              </a:p>
+              <a:p>
+                <a14:m>
+                  <m:oMath xmlns:m="http://schemas.openxmlformats.org/officeDocument/2006/math">
+                    <m:sSubSup>
+                      <m:sSubSupPr>
+                        <m:ctrlPr>
+                          <a:rPr lang="en-US" i="1">
+                            <a:latin typeface="Cambria Math"/>
+                          </a:rPr>
+                        </m:ctrlPr>
+                      </m:sSubSupPr>
+                      <m:e>
+                        <m:d>
+                          <m:dPr>
+                            <m:begChr m:val="|"/>
+                            <m:endChr m:val="|"/>
+                            <m:ctrlPr>
+                              <a:rPr lang="en-US" i="1">
+                                <a:latin typeface="Cambria Math"/>
+                              </a:rPr>
+                            </m:ctrlPr>
+                          </m:dPr>
+                          <m:e>
+                            <m:d>
+                              <m:dPr>
+                                <m:begChr m:val="|"/>
+                                <m:endChr m:val="|"/>
+                                <m:ctrlPr>
+                                  <a:rPr lang="en-US" i="1">
+                                    <a:latin typeface="Cambria Math"/>
+                                  </a:rPr>
+                                </m:ctrlPr>
+                              </m:dPr>
+                              <m:e>
+                                <m:sSubSup>
+                                  <m:sSubSupPr>
+                                    <m:ctrlPr>
+                                      <a:rPr lang="en-US" i="1">
+                                        <a:latin typeface="Cambria Math"/>
+                                      </a:rPr>
+                                    </m:ctrlPr>
+                                  </m:sSubSupPr>
+                                  <m:e>
+                                    <m:r>
+                                      <a:rPr lang="en-US" i="1">
+                                        <a:latin typeface="Cambria Math"/>
+                                      </a:rPr>
+                                      <m:t>𝑒</m:t>
+                                    </m:r>
+                                  </m:e>
+                                  <m:sub>
+                                    <m:r>
+                                      <a:rPr lang="en-US" i="1">
+                                        <a:latin typeface="Cambria Math"/>
+                                      </a:rPr>
+                                      <m:t>𝑖</m:t>
+                                    </m:r>
+                                  </m:sub>
+                                  <m:sup>
+                                    <m:r>
+                                      <a:rPr lang="en-US" i="1">
+                                        <a:latin typeface="Cambria Math"/>
+                                      </a:rPr>
+                                      <m:t>𝑇</m:t>
+                                    </m:r>
+                                  </m:sup>
+                                </m:sSubSup>
+                                <m:r>
+                                  <a:rPr lang="en-US" b="1" i="1">
+                                    <a:latin typeface="Cambria Math"/>
+                                  </a:rPr>
+                                  <m:t>𝑨</m:t>
+                                </m:r>
+                                <m:sSup>
+                                  <m:sSupPr>
+                                    <m:ctrlPr>
+                                      <a:rPr lang="en-US" b="1" i="1">
+                                        <a:latin typeface="Cambria Math"/>
+                                      </a:rPr>
+                                    </m:ctrlPr>
+                                  </m:sSupPr>
+                                  <m:e>
+                                    <m:r>
+                                      <a:rPr lang="en-US" b="1" i="1">
+                                        <a:latin typeface="Cambria Math"/>
+                                      </a:rPr>
+                                      <m:t>𝑹</m:t>
+                                    </m:r>
+                                  </m:e>
+                                  <m:sup>
+                                    <m:r>
+                                      <a:rPr lang="en-US" b="1" i="1">
+                                        <a:latin typeface="Cambria Math"/>
+                                      </a:rPr>
+                                      <m:t>−</m:t>
+                                    </m:r>
+                                    <m:r>
+                                      <a:rPr lang="en-US" b="1" i="1">
+                                        <a:latin typeface="Cambria Math"/>
+                                      </a:rPr>
+                                      <m:t>𝟏</m:t>
+                                    </m:r>
+                                  </m:sup>
+                                </m:sSup>
+                              </m:e>
+                            </m:d>
+                          </m:e>
+                        </m:d>
+                      </m:e>
+                      <m:sub>
+                        <m:r>
+                          <a:rPr lang="en-US" i="1">
+                            <a:latin typeface="Cambria Math"/>
+                          </a:rPr>
+                          <m:t>2</m:t>
+                        </m:r>
+                      </m:sub>
+                      <m:sup>
+                        <m:r>
+                          <a:rPr lang="en-US" i="1">
+                            <a:latin typeface="Cambria Math"/>
+                          </a:rPr>
+                          <m:t>2</m:t>
+                        </m:r>
+                      </m:sup>
+                    </m:sSubSup>
+                    <m:r>
+                      <a:rPr lang="en-US" b="0" i="1" smtClean="0">
+                        <a:latin typeface="Cambria Math"/>
+                      </a:rPr>
+                      <m:t>=</m:t>
+                    </m:r>
+                    <m:sSubSup>
+                      <m:sSubSupPr>
+                        <m:ctrlPr>
+                          <a:rPr lang="en-US" i="1">
+                            <a:latin typeface="Cambria Math"/>
+                          </a:rPr>
+                        </m:ctrlPr>
+                      </m:sSubSupPr>
+                      <m:e>
+                        <m:d>
+                          <m:dPr>
+                            <m:begChr m:val="|"/>
+                            <m:endChr m:val="|"/>
+                            <m:ctrlPr>
+                              <a:rPr lang="en-US" i="1">
+                                <a:latin typeface="Cambria Math"/>
+                              </a:rPr>
+                            </m:ctrlPr>
+                          </m:dPr>
+                          <m:e>
+                            <m:d>
+                              <m:dPr>
+                                <m:begChr m:val="|"/>
+                                <m:endChr m:val="|"/>
+                                <m:ctrlPr>
+                                  <a:rPr lang="en-US" i="1">
+                                    <a:latin typeface="Cambria Math"/>
+                                  </a:rPr>
+                                </m:ctrlPr>
+                              </m:dPr>
+                              <m:e>
+                                <m:sSubSup>
+                                  <m:sSubSupPr>
+                                    <m:ctrlPr>
+                                      <a:rPr lang="en-US" i="1">
+                                        <a:latin typeface="Cambria Math"/>
+                                      </a:rPr>
+                                    </m:ctrlPr>
+                                  </m:sSubSupPr>
+                                  <m:e>
+                                    <m:r>
+                                      <a:rPr lang="en-US" i="1">
+                                        <a:latin typeface="Cambria Math"/>
+                                      </a:rPr>
+                                      <m:t>𝑒</m:t>
+                                    </m:r>
+                                  </m:e>
+                                  <m:sub>
+                                    <m:r>
+                                      <a:rPr lang="en-US" i="1">
+                                        <a:latin typeface="Cambria Math"/>
+                                      </a:rPr>
+                                      <m:t>𝑖</m:t>
+                                    </m:r>
+                                  </m:sub>
+                                  <m:sup>
+                                    <m:r>
+                                      <a:rPr lang="en-US" i="1">
+                                        <a:latin typeface="Cambria Math"/>
+                                      </a:rPr>
+                                      <m:t>𝑇</m:t>
+                                    </m:r>
+                                  </m:sup>
+                                </m:sSubSup>
+                                <m:r>
+                                  <a:rPr lang="en-US" b="1" i="1" smtClean="0">
+                                    <a:latin typeface="Cambria Math"/>
+                                  </a:rPr>
+                                  <m:t>𝑼</m:t>
+                                </m:r>
+                                <m:sSup>
+                                  <m:sSupPr>
+                                    <m:ctrlPr>
+                                      <a:rPr lang="en-US" b="1" i="1" smtClean="0">
+                                        <a:latin typeface="Cambria Math"/>
+                                      </a:rPr>
+                                    </m:ctrlPr>
+                                  </m:sSupPr>
+                                  <m:e>
+                                    <m:r>
+                                      <a:rPr lang="en-US" b="1" i="1" smtClean="0">
+                                        <a:latin typeface="Cambria Math"/>
+                                      </a:rPr>
+                                      <m:t>𝑻</m:t>
+                                    </m:r>
+                                  </m:e>
+                                  <m:sup>
+                                    <m:r>
+                                      <a:rPr lang="en-US" b="1" i="1" smtClean="0">
+                                        <a:latin typeface="Cambria Math"/>
+                                      </a:rPr>
+                                      <m:t>−</m:t>
+                                    </m:r>
+                                    <m:r>
+                                      <a:rPr lang="en-US" b="1" i="1" smtClean="0">
+                                        <a:latin typeface="Cambria Math"/>
+                                      </a:rPr>
+                                      <m:t>𝟏</m:t>
+                                    </m:r>
+                                  </m:sup>
+                                </m:sSup>
+                              </m:e>
+                            </m:d>
+                          </m:e>
+                        </m:d>
+                      </m:e>
+                      <m:sub>
+                        <m:r>
+                          <a:rPr lang="en-US" i="1">
+                            <a:latin typeface="Cambria Math"/>
+                          </a:rPr>
+                          <m:t>2</m:t>
+                        </m:r>
+                      </m:sub>
+                      <m:sup>
+                        <m:r>
+                          <a:rPr lang="en-US" i="1">
+                            <a:latin typeface="Cambria Math"/>
+                          </a:rPr>
+                          <m:t>2</m:t>
+                        </m:r>
+                      </m:sup>
+                    </m:sSubSup>
+                    <m:r>
+                      <a:rPr lang="en-US" b="0" i="1" smtClean="0">
+                        <a:latin typeface="Cambria Math"/>
+                      </a:rPr>
+                      <m:t>≥</m:t>
+                    </m:r>
+                    <m:d>
+                      <m:dPr>
+                        <m:ctrlPr>
+                          <a:rPr lang="en-US" b="0" i="1" smtClean="0">
+                            <a:latin typeface="Cambria Math"/>
+                          </a:rPr>
+                        </m:ctrlPr>
+                      </m:dPr>
+                      <m:e>
+                        <m:r>
+                          <a:rPr lang="en-US" b="0" i="1" smtClean="0">
+                            <a:latin typeface="Cambria Math"/>
+                          </a:rPr>
+                          <m:t>1 −2</m:t>
+                        </m:r>
+                        <m:r>
+                          <a:rPr lang="en-US" b="0" i="1" smtClean="0">
+                            <a:latin typeface="Cambria Math"/>
+                          </a:rPr>
+                          <m:t>𝛾</m:t>
+                        </m:r>
+                      </m:e>
+                    </m:d>
+                    <m:sSubSup>
+                      <m:sSubSupPr>
+                        <m:ctrlPr>
+                          <a:rPr lang="en-US" b="0" i="1" smtClean="0">
+                            <a:latin typeface="Cambria Math"/>
+                          </a:rPr>
+                        </m:ctrlPr>
+                      </m:sSubSupPr>
+                      <m:e>
+                        <m:d>
+                          <m:dPr>
+                            <m:begChr m:val="|"/>
+                            <m:endChr m:val="|"/>
+                            <m:ctrlPr>
+                              <a:rPr lang="en-US" b="0" i="1" smtClean="0">
+                                <a:latin typeface="Cambria Math"/>
+                              </a:rPr>
+                            </m:ctrlPr>
+                          </m:dPr>
+                          <m:e>
+                            <m:d>
+                              <m:dPr>
+                                <m:begChr m:val="|"/>
+                                <m:endChr m:val="|"/>
+                                <m:ctrlPr>
+                                  <a:rPr lang="en-US" b="0" i="1" smtClean="0">
+                                    <a:latin typeface="Cambria Math"/>
+                                  </a:rPr>
+                                </m:ctrlPr>
+                              </m:dPr>
+                              <m:e>
+                                <m:sSubSup>
+                                  <m:sSubSupPr>
+                                    <m:ctrlPr>
+                                      <a:rPr lang="en-US" b="0" i="1" smtClean="0">
+                                        <a:latin typeface="Cambria Math"/>
+                                      </a:rPr>
+                                    </m:ctrlPr>
+                                  </m:sSubSupPr>
+                                  <m:e>
+                                    <m:r>
+                                      <a:rPr lang="en-US" b="0" i="1" smtClean="0">
+                                        <a:latin typeface="Cambria Math"/>
+                                      </a:rPr>
+                                      <m:t>𝑒</m:t>
+                                    </m:r>
+                                  </m:e>
+                                  <m:sub>
+                                    <m:r>
+                                      <a:rPr lang="en-US" b="0" i="1" smtClean="0">
+                                        <a:latin typeface="Cambria Math"/>
+                                      </a:rPr>
+                                      <m:t>𝑖</m:t>
+                                    </m:r>
+                                  </m:sub>
+                                  <m:sup>
+                                    <m:r>
+                                      <a:rPr lang="en-US" b="0" i="1" smtClean="0">
+                                        <a:latin typeface="Cambria Math"/>
+                                      </a:rPr>
+                                      <m:t>𝑇</m:t>
+                                    </m:r>
+                                  </m:sup>
+                                </m:sSubSup>
+                                <m:r>
+                                  <a:rPr lang="en-US" b="1" i="1" smtClean="0">
+                                    <a:latin typeface="Cambria Math"/>
+                                  </a:rPr>
+                                  <m:t>𝑼</m:t>
+                                </m:r>
+                              </m:e>
+                            </m:d>
+                          </m:e>
+                        </m:d>
+                      </m:e>
+                      <m:sub>
+                        <m:r>
+                          <a:rPr lang="en-US" b="0" i="1" smtClean="0">
+                            <a:latin typeface="Cambria Math"/>
+                          </a:rPr>
+                          <m:t>2</m:t>
+                        </m:r>
+                      </m:sub>
+                      <m:sup>
+                        <m:r>
+                          <a:rPr lang="en-US" b="0" i="1" smtClean="0">
+                            <a:latin typeface="Cambria Math"/>
+                          </a:rPr>
+                          <m:t>2</m:t>
+                        </m:r>
+                      </m:sup>
+                    </m:sSubSup>
+                    <m:r>
+                      <a:rPr lang="en-US" b="0" i="1" smtClean="0">
+                        <a:latin typeface="Cambria Math"/>
+                      </a:rPr>
+                      <m:t>=</m:t>
+                    </m:r>
+                    <m:d>
+                      <m:dPr>
+                        <m:ctrlPr>
+                          <a:rPr lang="en-US" b="0" i="1" smtClean="0">
+                            <a:latin typeface="Cambria Math"/>
+                          </a:rPr>
+                        </m:ctrlPr>
+                      </m:dPr>
+                      <m:e>
+                        <m:r>
+                          <a:rPr lang="en-US" b="0" i="1" smtClean="0">
+                            <a:latin typeface="Cambria Math"/>
+                          </a:rPr>
+                          <m:t>1 −2</m:t>
+                        </m:r>
+                        <m:r>
+                          <a:rPr lang="en-US" b="0" i="1" smtClean="0">
+                            <a:latin typeface="Cambria Math"/>
+                          </a:rPr>
+                          <m:t>𝛾</m:t>
+                        </m:r>
+                      </m:e>
+                    </m:d>
+                    <m:sSub>
+                      <m:sSubPr>
+                        <m:ctrlPr>
+                          <a:rPr lang="en-US" b="0" i="1" smtClean="0">
+                            <a:latin typeface="Cambria Math"/>
+                          </a:rPr>
+                        </m:ctrlPr>
+                      </m:sSubPr>
+                      <m:e>
+                        <m:r>
+                          <a:rPr lang="en-US" b="0" i="1" smtClean="0">
+                            <a:latin typeface="Cambria Math"/>
+                          </a:rPr>
+                          <m:t>𝑝</m:t>
+                        </m:r>
+                      </m:e>
+                      <m:sub>
+                        <m:r>
+                          <a:rPr lang="en-US" b="0" i="1" smtClean="0">
+                            <a:latin typeface="Cambria Math"/>
+                          </a:rPr>
+                          <m:t>𝑖</m:t>
+                        </m:r>
+                      </m:sub>
+                    </m:sSub>
+                  </m:oMath>
+                </a14:m>
+                <a:endParaRPr lang="en-US" b="0" dirty="0" smtClean="0"/>
+              </a:p>
+              <a:p>
+                <a:r>
+                  <a:rPr lang="en-US" dirty="0" smtClean="0"/>
+                  <a:t>Thus, </a:t>
+                </a:r>
+                <a14:m>
+                  <m:oMath xmlns:m="http://schemas.openxmlformats.org/officeDocument/2006/math">
+                    <m:sSub>
+                      <m:sSubPr>
+                        <m:ctrlPr>
+                          <a:rPr lang="en-US" b="0" i="1" smtClean="0">
+                            <a:latin typeface="Cambria Math"/>
+                          </a:rPr>
+                        </m:ctrlPr>
+                      </m:sSubPr>
+                      <m:e>
+                        <m:r>
+                          <a:rPr lang="en-US" b="0" i="1" smtClean="0">
+                            <a:latin typeface="Cambria Math"/>
+                          </a:rPr>
+                          <m:t>𝑞</m:t>
+                        </m:r>
+                      </m:e>
+                      <m:sub>
+                        <m:r>
+                          <a:rPr lang="en-US" b="0" i="1" smtClean="0">
+                            <a:latin typeface="Cambria Math"/>
+                          </a:rPr>
+                          <m:t>𝑖</m:t>
+                        </m:r>
+                      </m:sub>
+                    </m:sSub>
+                    <m:r>
+                      <a:rPr lang="en-US" b="0" i="1" smtClean="0">
+                        <a:latin typeface="Cambria Math"/>
+                      </a:rPr>
+                      <m:t>≥</m:t>
+                    </m:r>
+                    <m:d>
+                      <m:dPr>
+                        <m:ctrlPr>
+                          <a:rPr lang="en-US" b="0" i="1" smtClean="0">
+                            <a:latin typeface="Cambria Math"/>
+                          </a:rPr>
+                        </m:ctrlPr>
+                      </m:dPr>
+                      <m:e>
+                        <m:r>
+                          <a:rPr lang="en-US" b="0" i="1" smtClean="0">
+                            <a:latin typeface="Cambria Math"/>
+                          </a:rPr>
+                          <m:t>1 −</m:t>
+                        </m:r>
+                        <m:r>
+                          <a:rPr lang="en-US" b="0" i="1" smtClean="0">
+                            <a:latin typeface="Cambria Math"/>
+                          </a:rPr>
+                          <m:t>𝛾</m:t>
+                        </m:r>
+                      </m:e>
+                    </m:d>
+                    <m:d>
+                      <m:dPr>
+                        <m:ctrlPr>
+                          <a:rPr lang="en-US" b="0" i="1" smtClean="0">
+                            <a:latin typeface="Cambria Math"/>
+                          </a:rPr>
+                        </m:ctrlPr>
+                      </m:dPr>
+                      <m:e>
+                        <m:r>
+                          <a:rPr lang="en-US" b="0" i="1" smtClean="0">
+                            <a:latin typeface="Cambria Math"/>
+                          </a:rPr>
+                          <m:t>1 −2 </m:t>
+                        </m:r>
+                        <m:r>
+                          <a:rPr lang="en-US" b="0" i="1" smtClean="0">
+                            <a:latin typeface="Cambria Math"/>
+                          </a:rPr>
+                          <m:t>𝛾</m:t>
+                        </m:r>
+                      </m:e>
+                    </m:d>
+                    <m:sSub>
+                      <m:sSubPr>
+                        <m:ctrlPr>
+                          <a:rPr lang="en-US" b="0" i="1" smtClean="0">
+                            <a:latin typeface="Cambria Math"/>
+                          </a:rPr>
+                        </m:ctrlPr>
+                      </m:sSubPr>
+                      <m:e>
+                        <m:r>
+                          <a:rPr lang="en-US" b="0" i="1" smtClean="0">
+                            <a:latin typeface="Cambria Math"/>
+                          </a:rPr>
+                          <m:t>𝑝</m:t>
+                        </m:r>
+                      </m:e>
+                      <m:sub>
+                        <m:r>
+                          <a:rPr lang="en-US" b="0" i="1" smtClean="0">
+                            <a:latin typeface="Cambria Math"/>
+                          </a:rPr>
+                          <m:t>𝑖</m:t>
+                        </m:r>
+                      </m:sub>
+                    </m:sSub>
+                  </m:oMath>
+                </a14:m>
+                <a:endParaRPr lang="en-US" dirty="0" smtClean="0"/>
+              </a:p>
+              <a:p>
+                <a:endParaRPr lang="en-US" dirty="0" smtClean="0"/>
+              </a:p>
+              <a:p>
+                <a:endParaRPr lang="en-US" b="1" dirty="0" smtClean="0"/>
+              </a:p>
+              <a:p>
+                <a:endParaRPr lang="en-US" dirty="0"/>
+              </a:p>
+            </p:txBody>
+          </p:sp>
+        </mc:Choice>
+        <mc:Fallback>
+          <p:sp>
+            <p:nvSpPr>
+              <p:cNvPr id="3" name="Content Placeholder 2"/>
+              <p:cNvSpPr>
+                <a:spLocks noGrp="1" noRot="1" noChangeAspect="1" noMove="1" noResize="1" noEditPoints="1" noAdjustHandles="1" noChangeArrowheads="1" noChangeShapeType="1" noTextEdit="1"/>
+              </p:cNvSpPr>
+              <p:nvPr>
+                <p:ph idx="1"/>
+              </p:nvPr>
+            </p:nvSpPr>
+            <p:spPr>
+              <a:xfrm>
+                <a:off x="457200" y="1600200"/>
+                <a:ext cx="8229600" cy="4953000"/>
+              </a:xfrm>
+              <a:blipFill rotWithShape="1">
+                <a:blip r:embed="rId2"/>
+                <a:stretch>
+                  <a:fillRect l="-593"/>
+                </a:stretch>
+              </a:blipFill>
+            </p:spPr>
+            <p:txBody>
+              <a:bodyPr/>
+              <a:lstStyle/>
+              <a:p>
+                <a:r>
+                  <a:rPr lang="en-US">
+                    <a:noFill/>
+                  </a:rPr>
+                  <a:t> </a:t>
+                </a:r>
+              </a:p>
+            </p:txBody>
+          </p:sp>
+        </mc:Fallback>
+      </mc:AlternateContent>
+    </p:spTree>
+    <p:extLst>
+      <p:ext uri="{BB962C8B-B14F-4D97-AF65-F5344CB8AC3E}">
+        <p14:creationId xmlns:p14="http://schemas.microsoft.com/office/powerpoint/2010/main" val="2492798210"/>
+      </p:ext>
+    </p:extLst>
+  </p:cSld>
+  <p:clrMapOvr>
+    <a:masterClrMapping/>
+  </p:clrMapOvr>
+  <p:timing>
+    <p:tnLst>
+      <p:par>
+        <p:cTn id="1" dur="indefinite" restart="never" nodeType="tmRoot">
+          <p:childTnLst>
+            <p:seq concurrent="1" nextAc="seek">
+              <p:cTn id="2" dur="indefinite" nodeType="mainSeq">
+                <p:childTnLst>
+                  <p:par>
+                    <p:cTn id="3" fill="hold">
+                      <p:stCondLst>
+                        <p:cond delay="indefinite"/>
+                      </p:stCondLst>
+                      <p:childTnLst>
+                        <p:par>
+                          <p:cTn id="4" fill="hold">
+                            <p:stCondLst>
+                              <p:cond delay="0"/>
+                            </p:stCondLst>
+                            <p:childTnLst>
+                              <p:par>
+                                <p:cTn id="5" presetID="1" presetClass="entr" presetSubtype="0" fill="hold" grpId="0" nodeType="clickEffect">
+                                  <p:stCondLst>
+                                    <p:cond delay="0"/>
+                                  </p:stCondLst>
+                                  <p:childTnLst>
+                                    <p:set>
+                                      <p:cBhvr>
+                                        <p:cTn id="6" dur="1" fill="hold">
+                                          <p:stCondLst>
+                                            <p:cond delay="0"/>
+                                          </p:stCondLst>
+                                        </p:cTn>
+                                        <p:tgtEl>
+                                          <p:spTgt spid="3">
+                                            <p:txEl>
+                                              <p:pRg st="0" end="0"/>
+                                            </p:txEl>
+                                          </p:spTgt>
+                                        </p:tgtEl>
+                                        <p:attrNameLst>
+                                          <p:attrName>style.visibility</p:attrName>
+                                        </p:attrNameLst>
+                                      </p:cBhvr>
+                                      <p:to>
+                                        <p:strVal val="visible"/>
+                                      </p:to>
+                                    </p:set>
+                                  </p:childTnLst>
+                                </p:cTn>
+                              </p:par>
+                            </p:childTnLst>
+                          </p:cTn>
+                        </p:par>
+                      </p:childTnLst>
+                    </p:cTn>
+                  </p:par>
+                  <p:par>
+                    <p:cTn id="7" fill="hold">
+                      <p:stCondLst>
+                        <p:cond delay="indefinite"/>
+                      </p:stCondLst>
+                      <p:childTnLst>
+                        <p:par>
+                          <p:cTn id="8" fill="hold">
+                            <p:stCondLst>
+                              <p:cond delay="0"/>
+                            </p:stCondLst>
+                            <p:childTnLst>
+                              <p:par>
+                                <p:cTn id="9" presetID="1" presetClass="entr" presetSubtype="0" fill="hold" grpId="0" nodeType="clickEffect">
+                                  <p:stCondLst>
+                                    <p:cond delay="0"/>
+                                  </p:stCondLst>
+                                  <p:childTnLst>
+                                    <p:set>
+                                      <p:cBhvr>
+                                        <p:cTn id="10" dur="1" fill="hold">
+                                          <p:stCondLst>
+                                            <p:cond delay="0"/>
+                                          </p:stCondLst>
+                                        </p:cTn>
+                                        <p:tgtEl>
+                                          <p:spTgt spid="3">
+                                            <p:txEl>
+                                              <p:pRg st="1" end="1"/>
+                                            </p:txEl>
+                                          </p:spTgt>
+                                        </p:tgtEl>
+                                        <p:attrNameLst>
+                                          <p:attrName>style.visibility</p:attrName>
+                                        </p:attrNameLst>
+                                      </p:cBhvr>
+                                      <p:to>
+                                        <p:strVal val="visible"/>
+                                      </p:to>
+                                    </p:set>
+                                  </p:childTnLst>
+                                </p:cTn>
+                              </p:par>
+                            </p:childTnLst>
+                          </p:cTn>
+                        </p:par>
+                      </p:childTnLst>
+                    </p:cTn>
+                  </p:par>
+                  <p:par>
+                    <p:cTn id="11" fill="hold">
+                      <p:stCondLst>
+                        <p:cond delay="indefinite"/>
+                      </p:stCondLst>
+                      <p:childTnLst>
+                        <p:par>
+                          <p:cTn id="12" fill="hold">
+                            <p:stCondLst>
+                              <p:cond delay="0"/>
+                            </p:stCondLst>
+                            <p:childTnLst>
+                              <p:par>
+                                <p:cTn id="13" presetID="1" presetClass="entr" presetSubtype="0" fill="hold" grpId="0" nodeType="clickEffect">
+                                  <p:stCondLst>
+                                    <p:cond delay="0"/>
+                                  </p:stCondLst>
+                                  <p:childTnLst>
+                                    <p:set>
+                                      <p:cBhvr>
+                                        <p:cTn id="14" dur="1" fill="hold">
+                                          <p:stCondLst>
+                                            <p:cond delay="0"/>
+                                          </p:stCondLst>
+                                        </p:cTn>
+                                        <p:tgtEl>
+                                          <p:spTgt spid="3">
+                                            <p:txEl>
+                                              <p:pRg st="2" end="2"/>
+                                            </p:txEl>
+                                          </p:spTgt>
+                                        </p:tgtEl>
+                                        <p:attrNameLst>
+                                          <p:attrName>style.visibility</p:attrName>
+                                        </p:attrNameLst>
+                                      </p:cBhvr>
+                                      <p:to>
+                                        <p:strVal val="visible"/>
+                                      </p:to>
+                                    </p:set>
+                                  </p:childTnLst>
+                                </p:cTn>
+                              </p:par>
+                            </p:childTnLst>
+                          </p:cTn>
+                        </p:par>
+                      </p:childTnLst>
+                    </p:cTn>
+                  </p:par>
+                  <p:par>
+                    <p:cTn id="15" fill="hold">
+                      <p:stCondLst>
+                        <p:cond delay="indefinite"/>
+                      </p:stCondLst>
+                      <p:childTnLst>
+                        <p:par>
+                          <p:cTn id="16" fill="hold">
+                            <p:stCondLst>
+                              <p:cond delay="0"/>
+                            </p:stCondLst>
+                            <p:childTnLst>
+                              <p:par>
+                                <p:cTn id="17" presetID="1" presetClass="entr" presetSubtype="0" fill="hold" grpId="0" nodeType="clickEffect">
+                                  <p:stCondLst>
+                                    <p:cond delay="0"/>
+                                  </p:stCondLst>
+                                  <p:childTnLst>
+                                    <p:set>
+                                      <p:cBhvr>
+                                        <p:cTn id="18" dur="1" fill="hold">
+                                          <p:stCondLst>
+                                            <p:cond delay="0"/>
+                                          </p:stCondLst>
+                                        </p:cTn>
+                                        <p:tgtEl>
+                                          <p:spTgt spid="3">
+                                            <p:txEl>
+                                              <p:pRg st="3" end="3"/>
+                                            </p:txEl>
+                                          </p:spTgt>
+                                        </p:tgtEl>
+                                        <p:attrNameLst>
+                                          <p:attrName>style.visibility</p:attrName>
+                                        </p:attrNameLst>
+                                      </p:cBhvr>
+                                      <p:to>
+                                        <p:strVal val="visible"/>
+                                      </p:to>
+                                    </p:set>
+                                  </p:childTnLst>
+                                </p:cTn>
+                              </p:par>
+                            </p:childTnLst>
+                          </p:cTn>
+                        </p:par>
+                      </p:childTnLst>
+                    </p:cTn>
+                  </p:par>
+                  <p:par>
+                    <p:cTn id="19" fill="hold">
+                      <p:stCondLst>
+                        <p:cond delay="indefinite"/>
+                      </p:stCondLst>
+                      <p:childTnLst>
+                        <p:par>
+                          <p:cTn id="20" fill="hold">
+                            <p:stCondLst>
+                              <p:cond delay="0"/>
+                            </p:stCondLst>
+                            <p:childTnLst>
+                              <p:par>
+                                <p:cTn id="21" presetID="1" presetClass="entr" presetSubtype="0" fill="hold" grpId="0" nodeType="clickEffect">
+                                  <p:stCondLst>
+                                    <p:cond delay="0"/>
+                                  </p:stCondLst>
+                                  <p:childTnLst>
+                                    <p:set>
+                                      <p:cBhvr>
+                                        <p:cTn id="22" dur="1" fill="hold">
+                                          <p:stCondLst>
+                                            <p:cond delay="0"/>
+                                          </p:stCondLst>
+                                        </p:cTn>
+                                        <p:tgtEl>
+                                          <p:spTgt spid="3">
+                                            <p:txEl>
+                                              <p:pRg st="4" end="4"/>
+                                            </p:txEl>
+                                          </p:spTgt>
+                                        </p:tgtEl>
+                                        <p:attrNameLst>
+                                          <p:attrName>style.visibility</p:attrName>
+                                        </p:attrNameLst>
+                                      </p:cBhvr>
+                                      <p:to>
+                                        <p:strVal val="visible"/>
+                                      </p:to>
+                                    </p:set>
+                                  </p:childTnLst>
+                                </p:cTn>
+                              </p:par>
+                            </p:childTnLst>
+                          </p:cTn>
+                        </p:par>
+                      </p:childTnLst>
+                    </p:cTn>
+                  </p:par>
+                  <p:par>
+                    <p:cTn id="23" fill="hold">
+                      <p:stCondLst>
+                        <p:cond delay="indefinite"/>
+                      </p:stCondLst>
+                      <p:childTnLst>
+                        <p:par>
+                          <p:cTn id="24" fill="hold">
+                            <p:stCondLst>
+                              <p:cond delay="0"/>
+                            </p:stCondLst>
+                            <p:childTnLst>
+                              <p:par>
+                                <p:cTn id="25" presetID="1" presetClass="entr" presetSubtype="0" fill="hold" grpId="0" nodeType="clickEffect">
+                                  <p:stCondLst>
+                                    <p:cond delay="0"/>
+                                  </p:stCondLst>
+                                  <p:childTnLst>
+                                    <p:set>
+                                      <p:cBhvr>
+                                        <p:cTn id="26" dur="1" fill="hold">
+                                          <p:stCondLst>
+                                            <p:cond delay="0"/>
+                                          </p:stCondLst>
+                                        </p:cTn>
+                                        <p:tgtEl>
+                                          <p:spTgt spid="3">
+                                            <p:txEl>
+                                              <p:pRg st="5" end="5"/>
+                                            </p:txEl>
+                                          </p:spTgt>
+                                        </p:tgtEl>
+                                        <p:attrNameLst>
+                                          <p:attrName>style.visibility</p:attrName>
+                                        </p:attrNameLst>
+                                      </p:cBhvr>
+                                      <p:to>
+                                        <p:strVal val="visible"/>
+                                      </p:to>
+                                    </p:set>
+                                  </p:childTnLst>
+                                </p:cTn>
+                              </p:par>
+                            </p:childTnLst>
+                          </p:cTn>
+                        </p:par>
+                      </p:childTnLst>
+                    </p:cTn>
+                  </p:par>
+                  <p:par>
+                    <p:cTn id="27" fill="hold">
+                      <p:stCondLst>
+                        <p:cond delay="indefinite"/>
+                      </p:stCondLst>
+                      <p:childTnLst>
+                        <p:par>
+                          <p:cTn id="28" fill="hold">
+                            <p:stCondLst>
+                              <p:cond delay="0"/>
+                            </p:stCondLst>
+                            <p:childTnLst>
+                              <p:par>
+                                <p:cTn id="29" presetID="1" presetClass="entr" presetSubtype="0" fill="hold" grpId="0" nodeType="clickEffect">
+                                  <p:stCondLst>
+                                    <p:cond delay="0"/>
+                                  </p:stCondLst>
+                                  <p:childTnLst>
+                                    <p:set>
+                                      <p:cBhvr>
+                                        <p:cTn id="30" dur="1" fill="hold">
+                                          <p:stCondLst>
+                                            <p:cond delay="0"/>
+                                          </p:stCondLst>
+                                        </p:cTn>
+                                        <p:tgtEl>
+                                          <p:spTgt spid="3">
+                                            <p:txEl>
+                                              <p:pRg st="6" end="6"/>
+                                            </p:txEl>
+                                          </p:spTgt>
+                                        </p:tgtEl>
+                                        <p:attrNameLst>
+                                          <p:attrName>style.visibility</p:attrName>
+                                        </p:attrNameLst>
+                                      </p:cBhvr>
+                                      <p:to>
+                                        <p:strVal val="visible"/>
+                                      </p:to>
+                                    </p:set>
+                                  </p:childTnLst>
+                                </p:cTn>
+                              </p:par>
+                            </p:childTnLst>
+                          </p:cTn>
+                        </p:par>
+                      </p:childTnLst>
+                    </p:cTn>
+                  </p:par>
+                  <p:par>
+                    <p:cTn id="31" fill="hold">
+                      <p:stCondLst>
+                        <p:cond delay="indefinite"/>
+                      </p:stCondLst>
+                      <p:childTnLst>
+                        <p:par>
+                          <p:cTn id="32" fill="hold">
+                            <p:stCondLst>
+                              <p:cond delay="0"/>
+                            </p:stCondLst>
+                            <p:childTnLst>
+                              <p:par>
+                                <p:cTn id="33" presetID="1" presetClass="entr" presetSubtype="0" fill="hold" grpId="0" nodeType="clickEffect">
+                                  <p:stCondLst>
+                                    <p:cond delay="0"/>
+                                  </p:stCondLst>
+                                  <p:childTnLst>
+                                    <p:set>
+                                      <p:cBhvr>
+                                        <p:cTn id="34" dur="1" fill="hold">
+                                          <p:stCondLst>
+                                            <p:cond delay="0"/>
+                                          </p:stCondLst>
+                                        </p:cTn>
+                                        <p:tgtEl>
+                                          <p:spTgt spid="3">
+                                            <p:txEl>
+                                              <p:pRg st="7" end="7"/>
+                                            </p:txEl>
+                                          </p:spTgt>
+                                        </p:tgtEl>
+                                        <p:attrNameLst>
+                                          <p:attrName>style.visibility</p:attrName>
+                                        </p:attrNameLst>
+                                      </p:cBhvr>
+                                      <p:to>
+                                        <p:strVal val="visible"/>
+                                      </p:to>
+                                    </p:set>
+                                  </p:childTnLst>
+                                </p:cTn>
+                              </p:par>
+                            </p:childTnLst>
+                          </p:cTn>
+                        </p:par>
+                      </p:childTnLst>
+                    </p:cTn>
+                  </p:par>
+                  <p:par>
+                    <p:cTn id="35" fill="hold">
+                      <p:stCondLst>
+                        <p:cond delay="indefinite"/>
+                      </p:stCondLst>
+                      <p:childTnLst>
+                        <p:par>
+                          <p:cTn id="36" fill="hold">
+                            <p:stCondLst>
+                              <p:cond delay="0"/>
+                            </p:stCondLst>
+                            <p:childTnLst>
+                              <p:par>
+                                <p:cTn id="37" presetID="1" presetClass="entr" presetSubtype="0" fill="hold" grpId="0" nodeType="clickEffect">
+                                  <p:stCondLst>
+                                    <p:cond delay="0"/>
+                                  </p:stCondLst>
+                                  <p:childTnLst>
+                                    <p:set>
+                                      <p:cBhvr>
+                                        <p:cTn id="38" dur="1" fill="hold">
+                                          <p:stCondLst>
+                                            <p:cond delay="0"/>
+                                          </p:stCondLst>
+                                        </p:cTn>
+                                        <p:tgtEl>
+                                          <p:spTgt spid="3">
+                                            <p:txEl>
+                                              <p:pRg st="8" end="8"/>
+                                            </p:txEl>
+                                          </p:spTgt>
+                                        </p:tgtEl>
+                                        <p:attrNameLst>
+                                          <p:attrName>style.visibility</p:attrName>
+                                        </p:attrNameLst>
+                                      </p:cBhvr>
+                                      <p:to>
+                                        <p:strVal val="visible"/>
+                                      </p:to>
+                                    </p:set>
+                                  </p:childTnLst>
+                                </p:cTn>
+                              </p:par>
+                            </p:childTnLst>
+                          </p:cTn>
+                        </p:par>
+                      </p:childTnLst>
+                    </p:cTn>
+                  </p:par>
+                </p:childTnLst>
+              </p:cTn>
+              <p:prevCondLst>
+                <p:cond evt="onPrev" delay="0">
+                  <p:tgtEl>
+                    <p:sldTgt/>
+                  </p:tgtEl>
+                </p:cond>
+              </p:prevCondLst>
+              <p:nextCondLst>
+                <p:cond evt="onNext" delay="0">
+                  <p:tgtEl>
+                    <p:sldTgt/>
+                  </p:tgtEl>
+                </p:cond>
+              </p:nextCondLst>
+            </p:seq>
+          </p:childTnLst>
+        </p:cTn>
+      </p:par>
+    </p:tnLst>
+    <p:bldLst>
+      <p:bldP spid="3" grpId="0" build="p"/>
+    </p:bldLst>
+  </p:timing>
+</p:sld>
+</file>
+
+<file path=ppt/slides/slide19.xml><?xml version="1.0" encoding="utf-8"?>
+<p:sld xmlns:a="http://schemas.openxmlformats.org/drawingml/2006/main" xmlns:r="http://schemas.openxmlformats.org/officeDocument/2006/relationships" xmlns:p="http://schemas.openxmlformats.org/presentationml/2006/main">
+  <p:cSld>
+    <p:spTree>
+      <p:nvGrpSpPr>
+        <p:cNvPr id="1" name=""/>
+        <p:cNvGrpSpPr/>
+        <p:nvPr/>
+      </p:nvGrpSpPr>
+      <p:grpSpPr>
+        <a:xfrm>
+          <a:off x="0" y="0"/>
+          <a:ext cx="0" cy="0"/>
+          <a:chOff x="0" y="0"/>
+          <a:chExt cx="0" cy="0"/>
+        </a:xfrm>
+      </p:grpSpPr>
+      <p:sp>
+        <p:nvSpPr>
+          <p:cNvPr id="2" name="Title 1"/>
+          <p:cNvSpPr>
+            <a:spLocks noGrp="1"/>
+          </p:cNvSpPr>
+          <p:nvPr>
+            <p:ph type="title"/>
+          </p:nvPr>
+        </p:nvSpPr>
+        <p:spPr/>
+        <p:txBody>
+          <a:bodyPr/>
+          <a:lstStyle/>
+          <a:p>
+            <a:r>
+              <a:rPr lang="en-US" dirty="0" smtClean="0">
+                <a:solidFill>
+                  <a:srgbClr val="0070C0"/>
+                </a:solidFill>
+              </a:rPr>
+              <a:t>Least Squares Regression</a:t>
+            </a:r>
+            <a:endParaRPr lang="en-US" dirty="0">
+              <a:solidFill>
+                <a:srgbClr val="0070C0"/>
+              </a:solidFill>
+            </a:endParaRPr>
+          </a:p>
+        </p:txBody>
+      </p:sp>
+      <mc:AlternateContent xmlns:mc="http://schemas.openxmlformats.org/markup-compatibility/2006">
+        <mc:Choice xmlns:a14="http://schemas.microsoft.com/office/drawing/2010/main" Requires="a14">
+          <p:sp>
+            <p:nvSpPr>
+              <p:cNvPr id="3" name="Content Placeholder 2"/>
+              <p:cNvSpPr>
+                <a:spLocks noGrp="1"/>
+              </p:cNvSpPr>
+              <p:nvPr>
+                <p:ph idx="1"/>
+              </p:nvPr>
+            </p:nvSpPr>
+            <p:spPr/>
+            <p:txBody>
+              <a:bodyPr/>
+              <a:lstStyle/>
+              <a:p>
+                <a:r>
+                  <a:rPr lang="en-US" dirty="0" smtClean="0"/>
+                  <a:t>Dimension </a:t>
+                </a:r>
+                <a14:m>
+                  <m:oMath xmlns:m="http://schemas.openxmlformats.org/officeDocument/2006/math">
+                    <m:acc>
+                      <m:accPr>
+                        <m:chr m:val="̃"/>
+                        <m:ctrlPr>
+                          <a:rPr lang="en-US" b="0" i="1" smtClean="0">
+                            <a:latin typeface="Cambria Math"/>
+                          </a:rPr>
+                        </m:ctrlPr>
+                      </m:accPr>
+                      <m:e>
+                        <m:r>
+                          <a:rPr lang="en-US" i="1">
+                            <a:latin typeface="Cambria Math"/>
+                          </a:rPr>
+                          <m:t>𝑂</m:t>
+                        </m:r>
+                      </m:e>
+                    </m:acc>
+                    <m:r>
+                      <a:rPr lang="en-US" b="0" i="1" smtClean="0">
+                        <a:latin typeface="Cambria Math"/>
+                      </a:rPr>
+                      <m:t> (</m:t>
+                    </m:r>
+                    <m:sSup>
+                      <m:sSupPr>
+                        <m:ctrlPr>
+                          <a:rPr lang="en-US" b="0" i="1" smtClean="0">
+                            <a:latin typeface="Cambria Math"/>
+                          </a:rPr>
+                        </m:ctrlPr>
+                      </m:sSupPr>
+                      <m:e>
+                        <m:r>
+                          <a:rPr lang="en-US" b="0" i="1" smtClean="0">
+                            <a:latin typeface="Cambria Math"/>
+                          </a:rPr>
+                          <m:t>𝑑</m:t>
+                        </m:r>
+                      </m:e>
+                      <m:sup>
+                        <m:r>
+                          <a:rPr lang="en-US" b="0" i="1" smtClean="0">
+                            <a:latin typeface="Cambria Math"/>
+                          </a:rPr>
+                          <m:t>2</m:t>
+                        </m:r>
+                      </m:sup>
+                    </m:sSup>
+                    <m:r>
+                      <a:rPr lang="en-US" b="0" i="1" smtClean="0">
+                        <a:latin typeface="Cambria Math"/>
+                      </a:rPr>
+                      <m:t>/</m:t>
+                    </m:r>
+                    <m:sSup>
+                      <m:sSupPr>
+                        <m:ctrlPr>
+                          <a:rPr lang="en-US" b="0" i="1" smtClean="0">
+                            <a:latin typeface="Cambria Math"/>
+                          </a:rPr>
+                        </m:ctrlPr>
+                      </m:sSupPr>
+                      <m:e>
+                        <m:r>
+                          <a:rPr lang="en-US" b="0" i="1" smtClean="0">
+                            <a:latin typeface="Cambria Math"/>
+                          </a:rPr>
+                          <m:t>𝜖</m:t>
+                        </m:r>
+                      </m:e>
+                      <m:sup>
+                        <m:r>
+                          <a:rPr lang="en-US" b="0" i="1" smtClean="0">
+                            <a:latin typeface="Cambria Math"/>
+                          </a:rPr>
+                          <m:t>2</m:t>
+                        </m:r>
+                      </m:sup>
+                    </m:sSup>
+                    <m:r>
+                      <a:rPr lang="en-US" b="0" i="1" smtClean="0">
+                        <a:latin typeface="Cambria Math"/>
+                      </a:rPr>
+                      <m:t>)</m:t>
+                    </m:r>
+                  </m:oMath>
+                </a14:m>
+                <a:r>
+                  <a:rPr lang="en-US" dirty="0" smtClean="0"/>
+                  <a:t> can be reduced to </a:t>
+                </a:r>
+                <a14:m>
+                  <m:oMath xmlns:m="http://schemas.openxmlformats.org/officeDocument/2006/math">
+                    <m:r>
+                      <a:rPr lang="en-US" b="0" i="1" smtClean="0">
+                        <a:latin typeface="Cambria Math"/>
+                      </a:rPr>
+                      <m:t>𝑂</m:t>
+                    </m:r>
+                    <m:d>
+                      <m:dPr>
+                        <m:ctrlPr>
+                          <a:rPr lang="en-US" b="0" i="1" smtClean="0">
+                            <a:latin typeface="Cambria Math"/>
+                          </a:rPr>
+                        </m:ctrlPr>
+                      </m:dPr>
+                      <m:e>
+                        <m:f>
+                          <m:fPr>
+                            <m:ctrlPr>
+                              <a:rPr lang="en-US" b="0" i="1" smtClean="0">
+                                <a:latin typeface="Cambria Math"/>
+                              </a:rPr>
+                            </m:ctrlPr>
+                          </m:fPr>
+                          <m:num>
+                            <m:r>
+                              <a:rPr lang="en-US" b="0" i="1" smtClean="0">
+                                <a:latin typeface="Cambria Math"/>
+                              </a:rPr>
+                              <m:t>𝑑</m:t>
+                            </m:r>
+                          </m:num>
+                          <m:den>
+                            <m:sSup>
+                              <m:sSupPr>
+                                <m:ctrlPr>
+                                  <a:rPr lang="en-US" b="0" i="1" smtClean="0">
+                                    <a:latin typeface="Cambria Math"/>
+                                  </a:rPr>
+                                </m:ctrlPr>
+                              </m:sSupPr>
+                              <m:e>
+                                <m:r>
+                                  <a:rPr lang="en-US" b="0" i="1" smtClean="0">
+                                    <a:latin typeface="Cambria Math"/>
+                                  </a:rPr>
+                                  <m:t>𝜖</m:t>
+                                </m:r>
+                              </m:e>
+                              <m:sup>
+                                <m:r>
+                                  <a:rPr lang="en-US" b="0" i="1" smtClean="0">
+                                    <a:latin typeface="Cambria Math"/>
+                                  </a:rPr>
+                                  <m:t>2</m:t>
+                                </m:r>
+                              </m:sup>
+                            </m:sSup>
+                          </m:den>
+                        </m:f>
+                      </m:e>
+                    </m:d>
+                  </m:oMath>
+                </a14:m>
+                <a:r>
+                  <a:rPr lang="en-US" dirty="0" smtClean="0"/>
+                  <a:t> by using sketch matrix </a:t>
+                </a:r>
+                <a14:m>
+                  <m:oMath xmlns:m="http://schemas.openxmlformats.org/officeDocument/2006/math">
+                    <m:sSup>
+                      <m:sSupPr>
+                        <m:ctrlPr>
+                          <a:rPr lang="en-US" b="1" i="1" smtClean="0">
+                            <a:latin typeface="Cambria Math"/>
+                          </a:rPr>
+                        </m:ctrlPr>
+                      </m:sSupPr>
+                      <m:e>
+                        <m:r>
+                          <a:rPr lang="en-US" b="1" i="1" smtClean="0">
+                            <a:latin typeface="Cambria Math"/>
+                          </a:rPr>
+                          <m:t>𝑺</m:t>
+                        </m:r>
+                      </m:e>
+                      <m:sup>
+                        <m:r>
+                          <a:rPr lang="en-US" b="1" i="1" smtClean="0">
+                            <a:latin typeface="Cambria Math"/>
+                          </a:rPr>
+                          <m:t>′′</m:t>
+                        </m:r>
+                      </m:sup>
+                    </m:sSup>
+                    <m:r>
+                      <a:rPr lang="en-US" b="0" i="1" smtClean="0">
+                        <a:latin typeface="Cambria Math"/>
+                      </a:rPr>
+                      <m:t>=</m:t>
+                    </m:r>
+                    <m:sSup>
+                      <m:sSupPr>
+                        <m:ctrlPr>
+                          <a:rPr lang="en-US" b="1" i="1" smtClean="0">
+                            <a:latin typeface="Cambria Math"/>
+                          </a:rPr>
+                        </m:ctrlPr>
+                      </m:sSupPr>
+                      <m:e>
+                        <m:r>
+                          <a:rPr lang="en-US" b="1" i="1" smtClean="0">
+                            <a:latin typeface="Cambria Math"/>
+                          </a:rPr>
+                          <m:t>𝑺</m:t>
+                        </m:r>
+                      </m:e>
+                      <m:sup>
+                        <m:r>
+                          <a:rPr lang="en-US" b="1" i="1" smtClean="0">
+                            <a:latin typeface="Cambria Math"/>
+                          </a:rPr>
+                          <m:t>′</m:t>
+                        </m:r>
+                      </m:sup>
+                    </m:sSup>
+                    <m:r>
+                      <a:rPr lang="en-US" b="1" i="1" smtClean="0">
+                        <a:latin typeface="Cambria Math"/>
+                      </a:rPr>
+                      <m:t>𝑺</m:t>
+                    </m:r>
+                  </m:oMath>
+                </a14:m>
+                <a:r>
+                  <a:rPr lang="en-US" dirty="0" smtClean="0"/>
+                  <a:t> where</a:t>
+                </a:r>
+                <a14:m>
+                  <m:oMath xmlns:m="http://schemas.openxmlformats.org/officeDocument/2006/math">
+                    <m:r>
+                      <a:rPr lang="en-US" b="0" i="0" smtClean="0">
+                        <a:latin typeface="Cambria Math"/>
+                      </a:rPr>
+                      <m:t> </m:t>
+                    </m:r>
+                    <m:r>
+                      <a:rPr lang="en-US" b="1" i="1">
+                        <a:latin typeface="Cambria Math"/>
+                      </a:rPr>
+                      <m:t>𝑺</m:t>
+                    </m:r>
+                    <m:r>
+                      <a:rPr lang="en-US" b="1" i="1" smtClean="0">
+                        <a:latin typeface="Cambria Math"/>
+                      </a:rPr>
+                      <m:t>′</m:t>
+                    </m:r>
+                  </m:oMath>
+                </a14:m>
+                <a:r>
+                  <a:rPr lang="en-US" dirty="0" smtClean="0"/>
+                  <a:t> is a dense OSS</a:t>
+                </a:r>
+              </a:p>
+              <a:p>
+                <a:r>
+                  <a:rPr lang="en-US" dirty="0" smtClean="0"/>
+                  <a:t>Instead of using leverage scores we could just use </a:t>
+                </a:r>
+                <a14:m>
+                  <m:oMath xmlns:m="http://schemas.openxmlformats.org/officeDocument/2006/math">
+                    <m:sSup>
+                      <m:sSupPr>
+                        <m:ctrlPr>
+                          <a:rPr lang="en-US" b="1" i="1">
+                            <a:latin typeface="Cambria Math"/>
+                          </a:rPr>
+                        </m:ctrlPr>
+                      </m:sSupPr>
+                      <m:e>
+                        <m:r>
+                          <a:rPr lang="en-US" b="1" i="1">
+                            <a:latin typeface="Cambria Math"/>
+                          </a:rPr>
+                          <m:t>𝑺</m:t>
+                        </m:r>
+                      </m:e>
+                      <m:sup>
+                        <m:r>
+                          <a:rPr lang="en-US" b="1" i="1">
+                            <a:latin typeface="Cambria Math"/>
+                          </a:rPr>
+                          <m:t>′′</m:t>
+                        </m:r>
+                      </m:sup>
+                    </m:sSup>
+                  </m:oMath>
+                </a14:m>
+                <a:r>
+                  <a:rPr lang="en-US" dirty="0" smtClean="0"/>
+                  <a:t> as OSS and solve LSR in </a:t>
+                </a:r>
+                <a14:m>
+                  <m:oMath xmlns:m="http://schemas.openxmlformats.org/officeDocument/2006/math">
+                    <m:r>
+                      <a:rPr lang="en-US" b="0" i="1" smtClean="0">
+                        <a:latin typeface="Cambria Math"/>
+                      </a:rPr>
+                      <m:t>𝑂</m:t>
+                    </m:r>
+                    <m:r>
+                      <a:rPr lang="en-US" b="0" i="1" smtClean="0">
+                        <a:latin typeface="Cambria Math"/>
+                      </a:rPr>
+                      <m:t>(</m:t>
+                    </m:r>
+                    <m:r>
+                      <a:rPr lang="en-US" b="0" i="1" smtClean="0">
+                        <a:latin typeface="Cambria Math"/>
+                      </a:rPr>
+                      <m:t>𝑛𝑛𝑧</m:t>
+                    </m:r>
+                    <m:d>
+                      <m:dPr>
+                        <m:ctrlPr>
+                          <a:rPr lang="en-US" b="0" i="1" smtClean="0">
+                            <a:latin typeface="Cambria Math"/>
+                          </a:rPr>
+                        </m:ctrlPr>
+                      </m:dPr>
+                      <m:e>
+                        <m:r>
+                          <a:rPr lang="en-US" b="0" i="1" smtClean="0">
+                            <a:latin typeface="Cambria Math"/>
+                          </a:rPr>
+                          <m:t>𝐴</m:t>
+                        </m:r>
+                      </m:e>
+                    </m:d>
+                    <m:r>
+                      <a:rPr lang="en-US" b="0" i="1" smtClean="0">
+                        <a:latin typeface="Cambria Math"/>
+                      </a:rPr>
+                      <m:t> +</m:t>
+                    </m:r>
+                    <m:r>
+                      <a:rPr lang="en-US" b="0" i="1" smtClean="0">
+                        <a:latin typeface="Cambria Math"/>
+                      </a:rPr>
+                      <m:t>𝑝𝑜𝑙𝑦</m:t>
+                    </m:r>
+                    <m:r>
+                      <a:rPr lang="en-US" b="0" i="1" smtClean="0">
+                        <a:latin typeface="Cambria Math"/>
+                      </a:rPr>
+                      <m:t>(</m:t>
+                    </m:r>
+                    <m:r>
+                      <a:rPr lang="en-US" b="0" i="1" smtClean="0">
+                        <a:latin typeface="Cambria Math"/>
+                      </a:rPr>
+                      <m:t>𝑑</m:t>
+                    </m:r>
+                    <m:r>
+                      <a:rPr lang="en-US" b="0" i="1" smtClean="0">
+                        <a:latin typeface="Cambria Math"/>
+                      </a:rPr>
+                      <m:t>/</m:t>
+                    </m:r>
+                    <m:r>
+                      <a:rPr lang="en-US" b="0" i="1" smtClean="0">
+                        <a:latin typeface="Cambria Math"/>
+                      </a:rPr>
+                      <m:t>𝜖</m:t>
+                    </m:r>
+                    <m:r>
+                      <a:rPr lang="en-US" b="0" i="1" smtClean="0">
+                        <a:latin typeface="Cambria Math"/>
+                      </a:rPr>
+                      <m:t>))</m:t>
+                    </m:r>
+                  </m:oMath>
+                </a14:m>
+                <a:r>
+                  <a:rPr lang="en-US" dirty="0" smtClean="0"/>
+                  <a:t> time </a:t>
+                </a:r>
+              </a:p>
+              <a:p>
+                <a:r>
+                  <a:rPr lang="en-US" dirty="0"/>
+                  <a:t>Skylark: </a:t>
+                </a:r>
+                <a:r>
+                  <a:rPr lang="en-US" dirty="0" smtClean="0">
+                    <a:hlinkClick r:id="rId2"/>
+                  </a:rPr>
+                  <a:t>https://github.com/xdata-skylark/libskylark</a:t>
+                </a:r>
+                <a:endParaRPr lang="en-US" dirty="0"/>
+              </a:p>
+            </p:txBody>
+          </p:sp>
+        </mc:Choice>
+        <mc:Fallback>
+          <p:sp>
+            <p:nvSpPr>
+              <p:cNvPr id="3" name="Content Placeholder 2"/>
+              <p:cNvSpPr>
+                <a:spLocks noGrp="1" noRot="1" noChangeAspect="1" noMove="1" noResize="1" noEditPoints="1" noAdjustHandles="1" noChangeArrowheads="1" noChangeShapeType="1" noTextEdit="1"/>
+              </p:cNvSpPr>
+              <p:nvPr>
+                <p:ph idx="1"/>
+              </p:nvPr>
+            </p:nvSpPr>
+            <p:spPr>
+              <a:blipFill rotWithShape="1">
+                <a:blip r:embed="rId3"/>
+                <a:stretch>
+                  <a:fillRect l="-1630" t="-1348" r="-444" b="-2561"/>
+                </a:stretch>
+              </a:blipFill>
+            </p:spPr>
+            <p:txBody>
+              <a:bodyPr/>
+              <a:lstStyle/>
+              <a:p>
+                <a:r>
+                  <a:rPr lang="en-US">
+                    <a:noFill/>
+                  </a:rPr>
+                  <a:t> </a:t>
+                </a:r>
+              </a:p>
+            </p:txBody>
+          </p:sp>
+        </mc:Fallback>
+      </mc:AlternateContent>
+    </p:spTree>
+    <p:extLst>
+      <p:ext uri="{BB962C8B-B14F-4D97-AF65-F5344CB8AC3E}">
+        <p14:creationId xmlns:p14="http://schemas.microsoft.com/office/powerpoint/2010/main" val="2893528443"/>
+      </p:ext>
+    </p:extLst>
+  </p:cSld>
+  <p:clrMapOvr>
+    <a:masterClrMapping/>
+  </p:clrMapOvr>
+  <p:timing>
+    <p:tnLst>
+      <p:par>
+        <p:cTn id="1" dur="indefinite" restart="never" nodeType="tmRoot">
+          <p:childTnLst>
+            <p:seq concurrent="1" nextAc="seek">
+              <p:cTn id="2" dur="indefinite" nodeType="mainSeq">
+                <p:childTnLst>
+                  <p:par>
+                    <p:cTn id="3" fill="hold">
+                      <p:stCondLst>
+                        <p:cond delay="indefinite"/>
+                      </p:stCondLst>
+                      <p:childTnLst>
+                        <p:par>
+                          <p:cTn id="4" fill="hold">
+                            <p:stCondLst>
+                              <p:cond delay="0"/>
+                            </p:stCondLst>
+                            <p:childTnLst>
+                              <p:par>
+                                <p:cTn id="5" presetID="1" presetClass="entr" presetSubtype="0" fill="hold" grpId="0" nodeType="clickEffect">
+                                  <p:stCondLst>
+                                    <p:cond delay="0"/>
+                                  </p:stCondLst>
+                                  <p:childTnLst>
+                                    <p:set>
+                                      <p:cBhvr>
+                                        <p:cTn id="6" dur="1" fill="hold">
+                                          <p:stCondLst>
+                                            <p:cond delay="0"/>
+                                          </p:stCondLst>
+                                        </p:cTn>
+                                        <p:tgtEl>
+                                          <p:spTgt spid="3">
+                                            <p:txEl>
+                                              <p:pRg st="0" end="0"/>
+                                            </p:txEl>
+                                          </p:spTgt>
+                                        </p:tgtEl>
+                                        <p:attrNameLst>
+                                          <p:attrName>style.visibility</p:attrName>
+                                        </p:attrNameLst>
+                                      </p:cBhvr>
+                                      <p:to>
+                                        <p:strVal val="visible"/>
+                                      </p:to>
+                                    </p:set>
+                                  </p:childTnLst>
+                                </p:cTn>
+                              </p:par>
+                            </p:childTnLst>
+                          </p:cTn>
+                        </p:par>
+                      </p:childTnLst>
+                    </p:cTn>
+                  </p:par>
+                  <p:par>
+                    <p:cTn id="7" fill="hold">
+                      <p:stCondLst>
+                        <p:cond delay="indefinite"/>
+                      </p:stCondLst>
+                      <p:childTnLst>
+                        <p:par>
+                          <p:cTn id="8" fill="hold">
+                            <p:stCondLst>
+                              <p:cond delay="0"/>
+                            </p:stCondLst>
+                            <p:childTnLst>
+                              <p:par>
+                                <p:cTn id="9" presetID="1" presetClass="entr" presetSubtype="0" fill="hold" grpId="0" nodeType="clickEffect">
+                                  <p:stCondLst>
+                                    <p:cond delay="0"/>
+                                  </p:stCondLst>
+                                  <p:childTnLst>
+                                    <p:set>
+                                      <p:cBhvr>
+                                        <p:cTn id="10" dur="1" fill="hold">
+                                          <p:stCondLst>
+                                            <p:cond delay="0"/>
+                                          </p:stCondLst>
+                                        </p:cTn>
+                                        <p:tgtEl>
+                                          <p:spTgt spid="3">
+                                            <p:txEl>
+                                              <p:pRg st="1" end="1"/>
+                                            </p:txEl>
+                                          </p:spTgt>
+                                        </p:tgtEl>
+                                        <p:attrNameLst>
+                                          <p:attrName>style.visibility</p:attrName>
+                                        </p:attrNameLst>
+                                      </p:cBhvr>
+                                      <p:to>
+                                        <p:strVal val="visible"/>
+                                      </p:to>
+                                    </p:set>
+                                  </p:childTnLst>
+                                </p:cTn>
+                              </p:par>
+                            </p:childTnLst>
+                          </p:cTn>
+                        </p:par>
+                      </p:childTnLst>
+                    </p:cTn>
+                  </p:par>
+                  <p:par>
+                    <p:cTn id="11" fill="hold">
+                      <p:stCondLst>
+                        <p:cond delay="indefinite"/>
+                      </p:stCondLst>
+                      <p:childTnLst>
+                        <p:par>
+                          <p:cTn id="12" fill="hold">
+                            <p:stCondLst>
+                              <p:cond delay="0"/>
+                            </p:stCondLst>
+                            <p:childTnLst>
+                              <p:par>
+                                <p:cTn id="13" presetID="1" presetClass="entr" presetSubtype="0" fill="hold" grpId="0" nodeType="clickEffect">
+                                  <p:stCondLst>
+                                    <p:cond delay="0"/>
+                                  </p:stCondLst>
+                                  <p:childTnLst>
+                                    <p:set>
+                                      <p:cBhvr>
+                                        <p:cTn id="14" dur="1" fill="hold">
+                                          <p:stCondLst>
+                                            <p:cond delay="0"/>
+                                          </p:stCondLst>
+                                        </p:cTn>
+                                        <p:tgtEl>
+                                          <p:spTgt spid="3">
+                                            <p:txEl>
+                                              <p:pRg st="2" end="2"/>
+                                            </p:txEl>
+                                          </p:spTgt>
+                                        </p:tgtEl>
+                                        <p:attrNameLst>
+                                          <p:attrName>style.visibility</p:attrName>
+                                        </p:attrNameLst>
+                                      </p:cBhvr>
+                                      <p:to>
+                                        <p:strVal val="visible"/>
+                                      </p:to>
+                                    </p:set>
+                                  </p:childTnLst>
+                                </p:cTn>
+                              </p:par>
+                            </p:childTnLst>
+                          </p:cTn>
+                        </p:par>
+                      </p:childTnLst>
+                    </p:cTn>
+                  </p:par>
+                </p:childTnLst>
+              </p:cTn>
+              <p:prevCondLst>
+                <p:cond evt="onPrev" delay="0">
+                  <p:tgtEl>
+                    <p:sldTgt/>
+                  </p:tgtEl>
+                </p:cond>
+              </p:prevCondLst>
+              <p:nextCondLst>
+                <p:cond evt="onNext" delay="0">
+                  <p:tgtEl>
+                    <p:sldTgt/>
+                  </p:tgtEl>
+                </p:cond>
+              </p:nextCondLst>
+            </p:seq>
+          </p:childTnLst>
+        </p:cTn>
+      </p:par>
+    </p:tnLst>
+    <p:bldLst>
+      <p:bldP spid="3" grpId="0" build="p"/>
+    </p:bldLst>
+  </p:timing>
+</p:sld>
+</file>
+
 <file path=ppt/slides/slide2.xml><?xml version="1.0" encoding="utf-8"?>
 <p:sld xmlns:a="http://schemas.openxmlformats.org/drawingml/2006/main" xmlns:r="http://schemas.openxmlformats.org/officeDocument/2006/relationships" xmlns:p="http://schemas.openxmlformats.org/presentationml/2006/main">
   <p:cSld>
@@ -13060,6 +20089,1548 @@
     <p:bldLst>
       <p:bldP spid="3" grpId="0" build="p"/>
     </p:bldLst>
+  </p:timing>
+</p:sld>
+</file>
+
+<file path=ppt/slides/slide20.xml><?xml version="1.0" encoding="utf-8"?>
+<p:sld xmlns:a="http://schemas.openxmlformats.org/drawingml/2006/main" xmlns:r="http://schemas.openxmlformats.org/officeDocument/2006/relationships" xmlns:p="http://schemas.openxmlformats.org/presentationml/2006/main">
+  <p:cSld>
+    <p:spTree>
+      <p:nvGrpSpPr>
+        <p:cNvPr id="1" name=""/>
+        <p:cNvGrpSpPr/>
+        <p:nvPr/>
+      </p:nvGrpSpPr>
+      <p:grpSpPr>
+        <a:xfrm>
+          <a:off x="0" y="0"/>
+          <a:ext cx="0" cy="0"/>
+          <a:chOff x="0" y="0"/>
+          <a:chExt cx="0" cy="0"/>
+        </a:xfrm>
+      </p:grpSpPr>
+      <mc:AlternateContent xmlns:mc="http://schemas.openxmlformats.org/markup-compatibility/2006">
+        <mc:Choice xmlns:a14="http://schemas.microsoft.com/office/drawing/2010/main" Requires="a14">
+          <p:sp>
+            <p:nvSpPr>
+              <p:cNvPr id="2" name="Title 1"/>
+              <p:cNvSpPr>
+                <a:spLocks noGrp="1"/>
+              </p:cNvSpPr>
+              <p:nvPr>
+                <p:ph type="title"/>
+              </p:nvPr>
+            </p:nvSpPr>
+            <p:spPr/>
+            <p:txBody>
+              <a:bodyPr/>
+              <a:lstStyle/>
+              <a:p>
+                <a14:m>
+                  <m:oMath xmlns:m="http://schemas.openxmlformats.org/officeDocument/2006/math">
+                    <m:sSub>
+                      <m:sSubPr>
+                        <m:ctrlPr>
+                          <a:rPr lang="en-US" b="0" i="1" smtClean="0">
+                            <a:solidFill>
+                              <a:srgbClr val="0070C0"/>
+                            </a:solidFill>
+                            <a:latin typeface="Cambria Math"/>
+                          </a:rPr>
+                        </m:ctrlPr>
+                      </m:sSubPr>
+                      <m:e>
+                        <m:r>
+                          <a:rPr lang="en-US" b="0" i="1" smtClean="0">
+                            <a:solidFill>
+                              <a:srgbClr val="0070C0"/>
+                            </a:solidFill>
+                            <a:latin typeface="Cambria Math"/>
+                          </a:rPr>
+                          <m:t>𝐿</m:t>
+                        </m:r>
+                      </m:e>
+                      <m:sub>
+                        <m:r>
+                          <a:rPr lang="en-US" b="0" i="1" smtClean="0">
+                            <a:solidFill>
+                              <a:srgbClr val="0070C0"/>
+                            </a:solidFill>
+                            <a:latin typeface="Cambria Math"/>
+                          </a:rPr>
+                          <m:t>1</m:t>
+                        </m:r>
+                      </m:sub>
+                    </m:sSub>
+                  </m:oMath>
+                </a14:m>
+                <a:r>
+                  <a:rPr lang="en-US" dirty="0" smtClean="0">
+                    <a:solidFill>
+                      <a:srgbClr val="0070C0"/>
+                    </a:solidFill>
+                  </a:rPr>
+                  <a:t>-regression</a:t>
+                </a:r>
+                <a:endParaRPr lang="en-US" dirty="0"/>
+              </a:p>
+            </p:txBody>
+          </p:sp>
+        </mc:Choice>
+        <mc:Fallback>
+          <p:sp>
+            <p:nvSpPr>
+              <p:cNvPr id="2" name="Title 1"/>
+              <p:cNvSpPr>
+                <a:spLocks noGrp="1" noRot="1" noChangeAspect="1" noMove="1" noResize="1" noEditPoints="1" noAdjustHandles="1" noChangeArrowheads="1" noChangeShapeType="1" noTextEdit="1"/>
+              </p:cNvSpPr>
+              <p:nvPr>
+                <p:ph type="title"/>
+              </p:nvPr>
+            </p:nvSpPr>
+            <p:spPr>
+              <a:blipFill rotWithShape="1">
+                <a:blip r:embed="rId2"/>
+                <a:stretch>
+                  <a:fillRect b="-8511"/>
+                </a:stretch>
+              </a:blipFill>
+            </p:spPr>
+            <p:txBody>
+              <a:bodyPr/>
+              <a:lstStyle/>
+              <a:p>
+                <a:r>
+                  <a:rPr lang="en-US">
+                    <a:noFill/>
+                  </a:rPr>
+                  <a:t> </a:t>
+                </a:r>
+              </a:p>
+            </p:txBody>
+          </p:sp>
+        </mc:Fallback>
+      </mc:AlternateContent>
+      <mc:AlternateContent xmlns:mc="http://schemas.openxmlformats.org/markup-compatibility/2006">
+        <mc:Choice xmlns:a14="http://schemas.microsoft.com/office/drawing/2010/main" Requires="a14">
+          <p:sp>
+            <p:nvSpPr>
+              <p:cNvPr id="3" name="Content Placeholder 2"/>
+              <p:cNvSpPr>
+                <a:spLocks noGrp="1"/>
+              </p:cNvSpPr>
+              <p:nvPr>
+                <p:ph idx="1"/>
+              </p:nvPr>
+            </p:nvSpPr>
+            <p:spPr>
+              <a:xfrm>
+                <a:off x="457200" y="1600200"/>
+                <a:ext cx="8382000" cy="4953000"/>
+              </a:xfrm>
+            </p:spPr>
+            <p:txBody>
+              <a:bodyPr>
+                <a:normAutofit fontScale="85000" lnSpcReduction="20000"/>
+              </a:bodyPr>
+              <a:lstStyle/>
+              <a:p>
+                <a14:m>
+                  <m:oMath xmlns:m="http://schemas.openxmlformats.org/officeDocument/2006/math">
+                    <m:sSub>
+                      <m:sSubPr>
+                        <m:ctrlPr>
+                          <a:rPr lang="en-US" b="0" i="1" smtClean="0">
+                            <a:latin typeface="Cambria Math"/>
+                          </a:rPr>
+                        </m:ctrlPr>
+                      </m:sSubPr>
+                      <m:e>
+                        <m:r>
+                          <a:rPr lang="en-US" b="0" i="1" smtClean="0">
+                            <a:latin typeface="Cambria Math"/>
+                          </a:rPr>
+                          <m:t>𝐿</m:t>
+                        </m:r>
+                      </m:e>
+                      <m:sub>
+                        <m:r>
+                          <a:rPr lang="en-US" b="0" i="1" smtClean="0">
+                            <a:latin typeface="Cambria Math"/>
+                          </a:rPr>
+                          <m:t>2</m:t>
+                        </m:r>
+                      </m:sub>
+                    </m:sSub>
+                  </m:oMath>
+                </a14:m>
+                <a:r>
+                  <a:rPr lang="en-US" dirty="0" smtClean="0"/>
+                  <a:t>-regression is too sensitive to outliers</a:t>
+                </a:r>
+                <a:endParaRPr lang="en-US" b="0" dirty="0" smtClean="0">
+                  <a:latin typeface="Cambria Math"/>
+                </a:endParaRPr>
+              </a:p>
+              <a:p>
+                <a14:m>
+                  <m:oMath xmlns:m="http://schemas.openxmlformats.org/officeDocument/2006/math">
+                    <m:limLow>
+                      <m:limLowPr>
+                        <m:ctrlPr>
+                          <a:rPr lang="en-US" b="0" i="1" smtClean="0">
+                            <a:latin typeface="Cambria Math"/>
+                          </a:rPr>
+                        </m:ctrlPr>
+                      </m:limLowPr>
+                      <m:e>
+                        <m:r>
+                          <m:rPr>
+                            <m:sty m:val="p"/>
+                          </m:rPr>
+                          <a:rPr lang="en-US" b="0" i="0" smtClean="0">
+                            <a:latin typeface="Cambria Math"/>
+                          </a:rPr>
+                          <m:t>min</m:t>
+                        </m:r>
+                      </m:e>
+                      <m:lim>
+                        <m:r>
+                          <a:rPr lang="en-US" b="0" i="1" smtClean="0">
+                            <a:latin typeface="Cambria Math"/>
+                          </a:rPr>
+                          <m:t>𝑥</m:t>
+                        </m:r>
+                      </m:lim>
+                    </m:limLow>
+                    <m:sSub>
+                      <m:sSubPr>
+                        <m:ctrlPr>
+                          <a:rPr lang="en-US" b="0" i="1" smtClean="0">
+                            <a:latin typeface="Cambria Math"/>
+                          </a:rPr>
+                        </m:ctrlPr>
+                      </m:sSubPr>
+                      <m:e>
+                        <m:d>
+                          <m:dPr>
+                            <m:begChr m:val="|"/>
+                            <m:endChr m:val="|"/>
+                            <m:ctrlPr>
+                              <a:rPr lang="en-US" b="0" i="1" smtClean="0">
+                                <a:latin typeface="Cambria Math"/>
+                              </a:rPr>
+                            </m:ctrlPr>
+                          </m:dPr>
+                          <m:e>
+                            <m:d>
+                              <m:dPr>
+                                <m:begChr m:val="|"/>
+                                <m:endChr m:val="|"/>
+                                <m:ctrlPr>
+                                  <a:rPr lang="en-US" b="0" i="1" smtClean="0">
+                                    <a:latin typeface="Cambria Math"/>
+                                  </a:rPr>
+                                </m:ctrlPr>
+                              </m:dPr>
+                              <m:e>
+                                <m:r>
+                                  <a:rPr lang="en-US" b="1" i="1" smtClean="0">
+                                    <a:latin typeface="Cambria Math"/>
+                                  </a:rPr>
+                                  <m:t>𝑨</m:t>
+                                </m:r>
+                                <m:r>
+                                  <a:rPr lang="en-US" b="0" i="1" smtClean="0">
+                                    <a:latin typeface="Cambria Math"/>
+                                  </a:rPr>
+                                  <m:t>𝑥</m:t>
+                                </m:r>
+                                <m:r>
+                                  <a:rPr lang="en-US" b="0" i="1" smtClean="0">
+                                    <a:latin typeface="Cambria Math"/>
+                                  </a:rPr>
+                                  <m:t>−</m:t>
+                                </m:r>
+                                <m:r>
+                                  <a:rPr lang="en-US" b="1" i="1" smtClean="0">
+                                    <a:latin typeface="Cambria Math"/>
+                                  </a:rPr>
+                                  <m:t>𝒃</m:t>
+                                </m:r>
+                              </m:e>
+                            </m:d>
+                          </m:e>
+                        </m:d>
+                      </m:e>
+                      <m:sub>
+                        <m:r>
+                          <a:rPr lang="en-US" b="0" i="1" smtClean="0">
+                            <a:latin typeface="Cambria Math"/>
+                          </a:rPr>
+                          <m:t>1</m:t>
+                        </m:r>
+                      </m:sub>
+                    </m:sSub>
+                    <m:r>
+                      <a:rPr lang="en-US" b="0" i="1" smtClean="0">
+                        <a:latin typeface="Cambria Math"/>
+                      </a:rPr>
+                      <m:t>=</m:t>
+                    </m:r>
+                    <m:nary>
+                      <m:naryPr>
+                        <m:chr m:val="∑"/>
+                        <m:ctrlPr>
+                          <a:rPr lang="en-US" b="0" i="1" smtClean="0">
+                            <a:latin typeface="Cambria Math"/>
+                          </a:rPr>
+                        </m:ctrlPr>
+                      </m:naryPr>
+                      <m:sub>
+                        <m:r>
+                          <a:rPr lang="en-US" b="0" i="1" smtClean="0">
+                            <a:latin typeface="Cambria Math"/>
+                          </a:rPr>
+                          <m:t>𝑖</m:t>
+                        </m:r>
+                        <m:r>
+                          <a:rPr lang="en-US" b="0" i="1" smtClean="0">
+                            <a:latin typeface="Cambria Math"/>
+                          </a:rPr>
+                          <m:t>=1</m:t>
+                        </m:r>
+                      </m:sub>
+                      <m:sup>
+                        <m:r>
+                          <a:rPr lang="en-US" b="0" i="1" smtClean="0">
+                            <a:latin typeface="Cambria Math"/>
+                          </a:rPr>
+                          <m:t>𝑛</m:t>
+                        </m:r>
+                      </m:sup>
+                      <m:e>
+                        <m:r>
+                          <a:rPr lang="en-US" b="0" i="1" smtClean="0">
+                            <a:latin typeface="Cambria Math"/>
+                          </a:rPr>
+                          <m:t>|</m:t>
+                        </m:r>
+                        <m:sSub>
+                          <m:sSubPr>
+                            <m:ctrlPr>
+                              <a:rPr lang="en-US" b="1" i="1" smtClean="0">
+                                <a:latin typeface="Cambria Math"/>
+                              </a:rPr>
+                            </m:ctrlPr>
+                          </m:sSubPr>
+                          <m:e>
+                            <m:r>
+                              <a:rPr lang="en-US" b="1" i="1" smtClean="0">
+                                <a:latin typeface="Cambria Math"/>
+                              </a:rPr>
+                              <m:t>𝒃</m:t>
+                            </m:r>
+                          </m:e>
+                          <m:sub>
+                            <m:r>
+                              <a:rPr lang="en-US" b="1" i="1" smtClean="0">
+                                <a:latin typeface="Cambria Math"/>
+                              </a:rPr>
+                              <m:t>𝒊</m:t>
+                            </m:r>
+                          </m:sub>
+                        </m:sSub>
+                        <m:r>
+                          <a:rPr lang="en-US" b="1" i="1" smtClean="0">
+                            <a:latin typeface="Cambria Math"/>
+                          </a:rPr>
+                          <m:t>−〈</m:t>
+                        </m:r>
+                        <m:sSub>
+                          <m:sSubPr>
+                            <m:ctrlPr>
+                              <a:rPr lang="en-US" b="1" i="1" smtClean="0">
+                                <a:latin typeface="Cambria Math"/>
+                              </a:rPr>
+                            </m:ctrlPr>
+                          </m:sSubPr>
+                          <m:e>
+                            <m:r>
+                              <a:rPr lang="en-US" b="1" i="1">
+                                <a:latin typeface="Cambria Math"/>
+                              </a:rPr>
+                              <m:t>𝑨</m:t>
+                            </m:r>
+                          </m:e>
+                          <m:sub>
+                            <m:r>
+                              <a:rPr lang="en-US" b="1" i="1" smtClean="0">
+                                <a:latin typeface="Cambria Math"/>
+                              </a:rPr>
+                              <m:t>𝒊</m:t>
+                            </m:r>
+                            <m:r>
+                              <a:rPr lang="en-US" b="1" i="1" smtClean="0">
+                                <a:latin typeface="Cambria Math"/>
+                              </a:rPr>
+                              <m:t>,∗</m:t>
+                            </m:r>
+                          </m:sub>
+                        </m:sSub>
+                        <m:r>
+                          <a:rPr lang="en-US" b="1" i="1" smtClean="0">
+                            <a:latin typeface="Cambria Math"/>
+                          </a:rPr>
+                          <m:t>,</m:t>
+                        </m:r>
+                        <m:r>
+                          <a:rPr lang="en-US" b="1" i="1" smtClean="0">
+                            <a:latin typeface="Cambria Math"/>
+                          </a:rPr>
+                          <m:t>𝒙</m:t>
+                        </m:r>
+                        <m:r>
+                          <a:rPr lang="en-US" b="1" i="1" smtClean="0">
+                            <a:latin typeface="Cambria Math"/>
+                          </a:rPr>
+                          <m:t>〉</m:t>
+                        </m:r>
+                        <m:r>
+                          <a:rPr lang="en-US" b="0" i="1" smtClean="0">
+                            <a:latin typeface="Cambria Math"/>
+                          </a:rPr>
+                          <m:t>|</m:t>
+                        </m:r>
+                      </m:e>
+                    </m:nary>
+                  </m:oMath>
+                </a14:m>
+                <a:endParaRPr lang="en-US" b="0" dirty="0" smtClean="0"/>
+              </a:p>
+              <a:p>
+                <a:r>
+                  <a:rPr lang="en-US" dirty="0" smtClean="0"/>
+                  <a:t>No closed-form solution</a:t>
+                </a:r>
+              </a:p>
+              <a:p>
+                <a:r>
+                  <a:rPr lang="en-US" dirty="0" smtClean="0"/>
+                  <a:t>Best running time by LP in </a:t>
+                </a:r>
+                <a14:m>
+                  <m:oMath xmlns:m="http://schemas.openxmlformats.org/officeDocument/2006/math">
+                    <m:r>
+                      <a:rPr lang="en-US" b="0" i="1" smtClean="0">
+                        <a:latin typeface="Cambria Math"/>
+                      </a:rPr>
+                      <m:t>𝑝𝑜𝑙𝑦</m:t>
+                    </m:r>
+                    <m:d>
+                      <m:dPr>
+                        <m:ctrlPr>
+                          <a:rPr lang="en-US" b="0" i="1" smtClean="0">
+                            <a:latin typeface="Cambria Math"/>
+                          </a:rPr>
+                        </m:ctrlPr>
+                      </m:dPr>
+                      <m:e>
+                        <m:r>
+                          <a:rPr lang="en-US" b="0" i="1" smtClean="0">
+                            <a:latin typeface="Cambria Math"/>
+                          </a:rPr>
+                          <m:t>𝑛</m:t>
+                        </m:r>
+                        <m:r>
+                          <a:rPr lang="en-US" b="0" i="1" smtClean="0">
+                            <a:latin typeface="Cambria Math"/>
+                          </a:rPr>
+                          <m:t>,</m:t>
+                        </m:r>
+                        <m:r>
+                          <a:rPr lang="en-US" b="0" i="1" smtClean="0">
+                            <a:latin typeface="Cambria Math"/>
+                          </a:rPr>
+                          <m:t>𝑑</m:t>
+                        </m:r>
+                      </m:e>
+                    </m:d>
+                  </m:oMath>
+                </a14:m>
+                <a:r>
+                  <a:rPr lang="en-US" dirty="0" smtClean="0"/>
+                  <a:t> time</a:t>
+                </a:r>
+              </a:p>
+              <a:p>
+                <a:r>
+                  <a:rPr lang="en-US" dirty="0" smtClean="0">
+                    <a:latin typeface="Cambria Math"/>
+                  </a:rPr>
+                  <a:t>Maximum Likelihood Estimators for noisy data:</a:t>
+                </a:r>
+              </a:p>
+              <a:p>
+                <a:pPr lvl="1"/>
+                <a14:m>
+                  <m:oMath xmlns:m="http://schemas.openxmlformats.org/officeDocument/2006/math">
+                    <m:sSub>
+                      <m:sSubPr>
+                        <m:ctrlPr>
+                          <a:rPr lang="en-US" i="1" dirty="0">
+                            <a:latin typeface="Cambria Math"/>
+                          </a:rPr>
+                        </m:ctrlPr>
+                      </m:sSubPr>
+                      <m:e>
+                        <m:r>
+                          <a:rPr lang="en-US" i="1" dirty="0">
+                            <a:latin typeface="Cambria Math"/>
+                          </a:rPr>
+                          <m:t>𝐿</m:t>
+                        </m:r>
+                      </m:e>
+                      <m:sub>
+                        <m:r>
+                          <a:rPr lang="en-US" i="1" dirty="0">
+                            <a:latin typeface="Cambria Math"/>
+                          </a:rPr>
+                          <m:t>2</m:t>
+                        </m:r>
+                      </m:sub>
+                    </m:sSub>
+                  </m:oMath>
+                </a14:m>
+                <a:r>
+                  <a:rPr lang="en-US" i="1" dirty="0">
+                    <a:latin typeface="Cambria Math"/>
+                  </a:rPr>
+                  <a:t> </a:t>
+                </a:r>
+                <a:r>
+                  <a:rPr lang="en-US" dirty="0"/>
+                  <a:t>= MLE  if noise is </a:t>
+                </a:r>
+                <a:r>
+                  <a:rPr lang="en-US" dirty="0" smtClean="0"/>
+                  <a:t>Gaussian</a:t>
+                </a:r>
+              </a:p>
+              <a:p>
+                <a:pPr lvl="1"/>
+                <a14:m>
+                  <m:oMath xmlns:m="http://schemas.openxmlformats.org/officeDocument/2006/math">
+                    <m:sSub>
+                      <m:sSubPr>
+                        <m:ctrlPr>
+                          <a:rPr lang="en-US" i="1" dirty="0">
+                            <a:latin typeface="Cambria Math"/>
+                          </a:rPr>
+                        </m:ctrlPr>
+                      </m:sSubPr>
+                      <m:e>
+                        <m:r>
+                          <a:rPr lang="en-US" i="1" dirty="0">
+                            <a:latin typeface="Cambria Math"/>
+                          </a:rPr>
+                          <m:t>𝐿</m:t>
+                        </m:r>
+                      </m:e>
+                      <m:sub>
+                        <m:r>
+                          <a:rPr lang="en-US" b="0" i="1" dirty="0" smtClean="0">
+                            <a:latin typeface="Cambria Math"/>
+                          </a:rPr>
+                          <m:t>1</m:t>
+                        </m:r>
+                      </m:sub>
+                    </m:sSub>
+                  </m:oMath>
+                </a14:m>
+                <a:r>
+                  <a:rPr lang="en-US" i="1" dirty="0">
+                    <a:latin typeface="Cambria Math"/>
+                  </a:rPr>
+                  <a:t> </a:t>
+                </a:r>
+                <a:r>
+                  <a:rPr lang="en-US" dirty="0"/>
+                  <a:t>= MLE  if noise is </a:t>
+                </a:r>
+                <a:r>
+                  <a:rPr lang="en-US" dirty="0" err="1" smtClean="0"/>
+                  <a:t>Laplacian</a:t>
+                </a:r>
+                <a:endParaRPr lang="en-US" dirty="0" smtClean="0"/>
+              </a:p>
+              <a:p>
+                <a14:m>
+                  <m:oMath xmlns:m="http://schemas.openxmlformats.org/officeDocument/2006/math">
+                    <m:sSub>
+                      <m:sSubPr>
+                        <m:ctrlPr>
+                          <a:rPr lang="en-US" b="0" i="1" smtClean="0">
+                            <a:latin typeface="Cambria Math"/>
+                          </a:rPr>
+                        </m:ctrlPr>
+                      </m:sSubPr>
+                      <m:e>
+                        <m:r>
+                          <a:rPr lang="en-US" b="0" i="1" smtClean="0">
+                            <a:latin typeface="Cambria Math"/>
+                          </a:rPr>
+                          <m:t>𝐿</m:t>
+                        </m:r>
+                      </m:e>
+                      <m:sub>
+                        <m:r>
+                          <a:rPr lang="en-US" b="0" i="1" smtClean="0">
+                            <a:latin typeface="Cambria Math"/>
+                          </a:rPr>
+                          <m:t>1</m:t>
+                        </m:r>
+                      </m:sub>
+                    </m:sSub>
+                  </m:oMath>
+                </a14:m>
+                <a:r>
+                  <a:rPr lang="en-US" dirty="0" smtClean="0"/>
+                  <a:t> subspace embedding:</a:t>
+                </a:r>
+              </a:p>
+              <a:p>
+                <a:pPr marL="0" indent="0" algn="ctr">
+                  <a:buNone/>
+                </a:pPr>
+                <a14:m>
+                  <m:oMathPara xmlns:m="http://schemas.openxmlformats.org/officeDocument/2006/math">
+                    <m:oMathParaPr>
+                      <m:jc m:val="centerGroup"/>
+                    </m:oMathParaPr>
+                    <m:oMath xmlns:m="http://schemas.openxmlformats.org/officeDocument/2006/math">
+                      <m:r>
+                        <a:rPr lang="en-US" b="0" i="1" smtClean="0">
+                          <a:latin typeface="Cambria Math"/>
+                        </a:rPr>
+                        <m:t>∀</m:t>
+                      </m:r>
+                      <m:r>
+                        <a:rPr lang="en-US" b="0" i="1" smtClean="0">
+                          <a:latin typeface="Cambria Math"/>
+                        </a:rPr>
+                        <m:t>𝑥</m:t>
+                      </m:r>
+                      <m:r>
+                        <a:rPr lang="en-US" b="0" i="1" smtClean="0">
+                          <a:latin typeface="Cambria Math"/>
+                        </a:rPr>
+                        <m:t>:  </m:t>
+                      </m:r>
+                      <m:sSubSup>
+                        <m:sSubSupPr>
+                          <m:ctrlPr>
+                            <a:rPr lang="en-US" i="1">
+                              <a:latin typeface="Cambria Math"/>
+                            </a:rPr>
+                          </m:ctrlPr>
+                        </m:sSubSupPr>
+                        <m:e>
+                          <m:d>
+                            <m:dPr>
+                              <m:begChr m:val="|"/>
+                              <m:endChr m:val="|"/>
+                              <m:ctrlPr>
+                                <a:rPr lang="en-US" i="1">
+                                  <a:latin typeface="Cambria Math"/>
+                                </a:rPr>
+                              </m:ctrlPr>
+                            </m:dPr>
+                            <m:e>
+                              <m:d>
+                                <m:dPr>
+                                  <m:begChr m:val="|"/>
+                                  <m:endChr m:val="|"/>
+                                  <m:ctrlPr>
+                                    <a:rPr lang="en-US" i="1">
+                                      <a:latin typeface="Cambria Math"/>
+                                    </a:rPr>
+                                  </m:ctrlPr>
+                                </m:dPr>
+                                <m:e>
+                                  <m:r>
+                                    <a:rPr lang="en-US" i="1">
+                                      <a:latin typeface="Cambria Math"/>
+                                    </a:rPr>
+                                    <m:t>𝑆𝐴𝑥</m:t>
+                                  </m:r>
+                                </m:e>
+                              </m:d>
+                            </m:e>
+                          </m:d>
+                        </m:e>
+                        <m:sub>
+                          <m:r>
+                            <a:rPr lang="en-US" b="0" i="1" smtClean="0">
+                              <a:latin typeface="Cambria Math"/>
+                            </a:rPr>
+                            <m:t>1</m:t>
+                          </m:r>
+                        </m:sub>
+                        <m:sup/>
+                      </m:sSubSup>
+                      <m:r>
+                        <a:rPr lang="en-US" i="1">
+                          <a:latin typeface="Cambria Math"/>
+                        </a:rPr>
+                        <m:t>=</m:t>
+                      </m:r>
+                      <m:d>
+                        <m:dPr>
+                          <m:ctrlPr>
+                            <a:rPr lang="en-US" i="1">
+                              <a:latin typeface="Cambria Math"/>
+                            </a:rPr>
+                          </m:ctrlPr>
+                        </m:dPr>
+                        <m:e>
+                          <m:r>
+                            <a:rPr lang="en-US" i="1">
+                              <a:latin typeface="Cambria Math"/>
+                            </a:rPr>
+                            <m:t>1±</m:t>
+                          </m:r>
+                          <m:r>
+                            <a:rPr lang="en-US" i="1">
+                              <a:latin typeface="Cambria Math"/>
+                            </a:rPr>
+                            <m:t>𝜖</m:t>
+                          </m:r>
+                        </m:e>
+                      </m:d>
+                      <m:sSubSup>
+                        <m:sSubSupPr>
+                          <m:ctrlPr>
+                            <a:rPr lang="en-US" i="1">
+                              <a:latin typeface="Cambria Math"/>
+                            </a:rPr>
+                          </m:ctrlPr>
+                        </m:sSubSupPr>
+                        <m:e>
+                          <m:d>
+                            <m:dPr>
+                              <m:begChr m:val="|"/>
+                              <m:endChr m:val="|"/>
+                              <m:ctrlPr>
+                                <a:rPr lang="en-US" i="1">
+                                  <a:latin typeface="Cambria Math"/>
+                                </a:rPr>
+                              </m:ctrlPr>
+                            </m:dPr>
+                            <m:e>
+                              <m:d>
+                                <m:dPr>
+                                  <m:begChr m:val="|"/>
+                                  <m:endChr m:val="|"/>
+                                  <m:ctrlPr>
+                                    <a:rPr lang="en-US" i="1">
+                                      <a:latin typeface="Cambria Math"/>
+                                    </a:rPr>
+                                  </m:ctrlPr>
+                                </m:dPr>
+                                <m:e>
+                                  <m:r>
+                                    <a:rPr lang="en-US" i="1">
+                                      <a:latin typeface="Cambria Math"/>
+                                    </a:rPr>
+                                    <m:t>𝐴𝑥</m:t>
+                                  </m:r>
+                                </m:e>
+                              </m:d>
+                            </m:e>
+                          </m:d>
+                        </m:e>
+                        <m:sub>
+                          <m:r>
+                            <a:rPr lang="en-US" b="0" i="1" smtClean="0">
+                              <a:latin typeface="Cambria Math"/>
+                            </a:rPr>
+                            <m:t>1</m:t>
+                          </m:r>
+                        </m:sub>
+                        <m:sup/>
+                      </m:sSubSup>
+                    </m:oMath>
+                  </m:oMathPara>
+                </a14:m>
+                <a:endParaRPr lang="en-US" dirty="0" smtClean="0"/>
+              </a:p>
+              <a:p>
+                <a:r>
+                  <a:rPr lang="en-US" dirty="0" smtClean="0"/>
+                  <a:t>Next time: approximate </a:t>
+                </a:r>
+                <a14:m>
+                  <m:oMath xmlns:m="http://schemas.openxmlformats.org/officeDocument/2006/math">
+                    <m:sSub>
+                      <m:sSubPr>
+                        <m:ctrlPr>
+                          <a:rPr lang="en-US" b="0" i="1" smtClean="0">
+                            <a:latin typeface="Cambria Math"/>
+                          </a:rPr>
+                        </m:ctrlPr>
+                      </m:sSubPr>
+                      <m:e>
+                        <m:r>
+                          <a:rPr lang="en-US" b="0" i="1" smtClean="0">
+                            <a:latin typeface="Cambria Math"/>
+                          </a:rPr>
+                          <m:t>𝐿</m:t>
+                        </m:r>
+                      </m:e>
+                      <m:sub>
+                        <m:r>
+                          <a:rPr lang="en-US" b="0" i="1" smtClean="0">
+                            <a:latin typeface="Cambria Math"/>
+                          </a:rPr>
+                          <m:t>1</m:t>
+                        </m:r>
+                      </m:sub>
+                    </m:sSub>
+                    <m:r>
+                      <a:rPr lang="en-US" b="0" i="0" smtClean="0">
+                        <a:latin typeface="Cambria Math"/>
+                      </a:rPr>
+                      <m:t>−</m:t>
+                    </m:r>
+                  </m:oMath>
+                </a14:m>
+                <a:r>
+                  <a:rPr lang="en-US" dirty="0" smtClean="0"/>
+                  <a:t>regression in O(n </a:t>
+                </a:r>
+                <a14:m>
+                  <m:oMath xmlns:m="http://schemas.openxmlformats.org/officeDocument/2006/math">
+                    <m:r>
+                      <a:rPr lang="en-US" b="0" i="1" smtClean="0">
+                        <a:latin typeface="Cambria Math"/>
+                      </a:rPr>
+                      <m:t>𝑝𝑜𝑙𝑦</m:t>
+                    </m:r>
+                    <m:r>
+                      <a:rPr lang="en-US" b="0" i="1" smtClean="0">
+                        <a:latin typeface="Cambria Math"/>
+                      </a:rPr>
+                      <m:t>(</m:t>
+                    </m:r>
+                    <m:r>
+                      <a:rPr lang="en-US" b="0" i="1" smtClean="0">
+                        <a:latin typeface="Cambria Math"/>
+                      </a:rPr>
+                      <m:t>𝑑</m:t>
+                    </m:r>
+                    <m:r>
+                      <a:rPr lang="en-US" b="0" i="1" smtClean="0">
+                        <a:latin typeface="Cambria Math"/>
+                      </a:rPr>
+                      <m:t>))</m:t>
+                    </m:r>
+                  </m:oMath>
+                </a14:m>
+                <a:r>
+                  <a:rPr lang="en-US" dirty="0" smtClean="0"/>
+                  <a:t> time.  </a:t>
+                </a:r>
+                <a:endParaRPr lang="en-US" dirty="0"/>
+              </a:p>
+            </p:txBody>
+          </p:sp>
+        </mc:Choice>
+        <mc:Fallback>
+          <p:sp>
+            <p:nvSpPr>
+              <p:cNvPr id="3" name="Content Placeholder 2"/>
+              <p:cNvSpPr>
+                <a:spLocks noGrp="1" noRot="1" noChangeAspect="1" noMove="1" noResize="1" noEditPoints="1" noAdjustHandles="1" noChangeArrowheads="1" noChangeShapeType="1" noTextEdit="1"/>
+              </p:cNvSpPr>
+              <p:nvPr>
+                <p:ph idx="1"/>
+              </p:nvPr>
+            </p:nvSpPr>
+            <p:spPr>
+              <a:xfrm>
+                <a:off x="457200" y="1600200"/>
+                <a:ext cx="8382000" cy="4953000"/>
+              </a:xfrm>
+              <a:blipFill rotWithShape="1">
+                <a:blip r:embed="rId3"/>
+                <a:stretch>
+                  <a:fillRect l="-1164" t="-2463"/>
+                </a:stretch>
+              </a:blipFill>
+            </p:spPr>
+            <p:txBody>
+              <a:bodyPr/>
+              <a:lstStyle/>
+              <a:p>
+                <a:r>
+                  <a:rPr lang="en-US">
+                    <a:noFill/>
+                  </a:rPr>
+                  <a:t> </a:t>
+                </a:r>
+              </a:p>
+            </p:txBody>
+          </p:sp>
+        </mc:Fallback>
+      </mc:AlternateContent>
+    </p:spTree>
+    <p:extLst>
+      <p:ext uri="{BB962C8B-B14F-4D97-AF65-F5344CB8AC3E}">
+        <p14:creationId xmlns:p14="http://schemas.microsoft.com/office/powerpoint/2010/main" val="2851757672"/>
+      </p:ext>
+    </p:extLst>
+  </p:cSld>
+  <p:clrMapOvr>
+    <a:masterClrMapping/>
+  </p:clrMapOvr>
+  <p:timing>
+    <p:tnLst>
+      <p:par>
+        <p:cTn id="1" dur="indefinite" restart="never" nodeType="tmRoot">
+          <p:childTnLst>
+            <p:seq concurrent="1" nextAc="seek">
+              <p:cTn id="2" dur="indefinite" nodeType="mainSeq">
+                <p:childTnLst>
+                  <p:par>
+                    <p:cTn id="3" fill="hold">
+                      <p:stCondLst>
+                        <p:cond delay="indefinite"/>
+                      </p:stCondLst>
+                      <p:childTnLst>
+                        <p:par>
+                          <p:cTn id="4" fill="hold">
+                            <p:stCondLst>
+                              <p:cond delay="0"/>
+                            </p:stCondLst>
+                            <p:childTnLst>
+                              <p:par>
+                                <p:cTn id="5" presetID="1" presetClass="entr" presetSubtype="0" fill="hold" grpId="0" nodeType="clickEffect">
+                                  <p:stCondLst>
+                                    <p:cond delay="0"/>
+                                  </p:stCondLst>
+                                  <p:childTnLst>
+                                    <p:set>
+                                      <p:cBhvr>
+                                        <p:cTn id="6" dur="1" fill="hold">
+                                          <p:stCondLst>
+                                            <p:cond delay="0"/>
+                                          </p:stCondLst>
+                                        </p:cTn>
+                                        <p:tgtEl>
+                                          <p:spTgt spid="3">
+                                            <p:txEl>
+                                              <p:pRg st="0" end="0"/>
+                                            </p:txEl>
+                                          </p:spTgt>
+                                        </p:tgtEl>
+                                        <p:attrNameLst>
+                                          <p:attrName>style.visibility</p:attrName>
+                                        </p:attrNameLst>
+                                      </p:cBhvr>
+                                      <p:to>
+                                        <p:strVal val="visible"/>
+                                      </p:to>
+                                    </p:set>
+                                  </p:childTnLst>
+                                </p:cTn>
+                              </p:par>
+                            </p:childTnLst>
+                          </p:cTn>
+                        </p:par>
+                      </p:childTnLst>
+                    </p:cTn>
+                  </p:par>
+                  <p:par>
+                    <p:cTn id="7" fill="hold">
+                      <p:stCondLst>
+                        <p:cond delay="indefinite"/>
+                      </p:stCondLst>
+                      <p:childTnLst>
+                        <p:par>
+                          <p:cTn id="8" fill="hold">
+                            <p:stCondLst>
+                              <p:cond delay="0"/>
+                            </p:stCondLst>
+                            <p:childTnLst>
+                              <p:par>
+                                <p:cTn id="9" presetID="1" presetClass="entr" presetSubtype="0" fill="hold" grpId="0" nodeType="clickEffect">
+                                  <p:stCondLst>
+                                    <p:cond delay="0"/>
+                                  </p:stCondLst>
+                                  <p:childTnLst>
+                                    <p:set>
+                                      <p:cBhvr>
+                                        <p:cTn id="10" dur="1" fill="hold">
+                                          <p:stCondLst>
+                                            <p:cond delay="0"/>
+                                          </p:stCondLst>
+                                        </p:cTn>
+                                        <p:tgtEl>
+                                          <p:spTgt spid="3">
+                                            <p:txEl>
+                                              <p:pRg st="1" end="1"/>
+                                            </p:txEl>
+                                          </p:spTgt>
+                                        </p:tgtEl>
+                                        <p:attrNameLst>
+                                          <p:attrName>style.visibility</p:attrName>
+                                        </p:attrNameLst>
+                                      </p:cBhvr>
+                                      <p:to>
+                                        <p:strVal val="visible"/>
+                                      </p:to>
+                                    </p:set>
+                                  </p:childTnLst>
+                                </p:cTn>
+                              </p:par>
+                            </p:childTnLst>
+                          </p:cTn>
+                        </p:par>
+                      </p:childTnLst>
+                    </p:cTn>
+                  </p:par>
+                  <p:par>
+                    <p:cTn id="11" fill="hold">
+                      <p:stCondLst>
+                        <p:cond delay="indefinite"/>
+                      </p:stCondLst>
+                      <p:childTnLst>
+                        <p:par>
+                          <p:cTn id="12" fill="hold">
+                            <p:stCondLst>
+                              <p:cond delay="0"/>
+                            </p:stCondLst>
+                            <p:childTnLst>
+                              <p:par>
+                                <p:cTn id="13" presetID="1" presetClass="entr" presetSubtype="0" fill="hold" grpId="0" nodeType="clickEffect">
+                                  <p:stCondLst>
+                                    <p:cond delay="0"/>
+                                  </p:stCondLst>
+                                  <p:childTnLst>
+                                    <p:set>
+                                      <p:cBhvr>
+                                        <p:cTn id="14" dur="1" fill="hold">
+                                          <p:stCondLst>
+                                            <p:cond delay="0"/>
+                                          </p:stCondLst>
+                                        </p:cTn>
+                                        <p:tgtEl>
+                                          <p:spTgt spid="3">
+                                            <p:txEl>
+                                              <p:pRg st="2" end="2"/>
+                                            </p:txEl>
+                                          </p:spTgt>
+                                        </p:tgtEl>
+                                        <p:attrNameLst>
+                                          <p:attrName>style.visibility</p:attrName>
+                                        </p:attrNameLst>
+                                      </p:cBhvr>
+                                      <p:to>
+                                        <p:strVal val="visible"/>
+                                      </p:to>
+                                    </p:set>
+                                  </p:childTnLst>
+                                </p:cTn>
+                              </p:par>
+                            </p:childTnLst>
+                          </p:cTn>
+                        </p:par>
+                      </p:childTnLst>
+                    </p:cTn>
+                  </p:par>
+                  <p:par>
+                    <p:cTn id="15" fill="hold">
+                      <p:stCondLst>
+                        <p:cond delay="indefinite"/>
+                      </p:stCondLst>
+                      <p:childTnLst>
+                        <p:par>
+                          <p:cTn id="16" fill="hold">
+                            <p:stCondLst>
+                              <p:cond delay="0"/>
+                            </p:stCondLst>
+                            <p:childTnLst>
+                              <p:par>
+                                <p:cTn id="17" presetID="1" presetClass="entr" presetSubtype="0" fill="hold" grpId="0" nodeType="clickEffect">
+                                  <p:stCondLst>
+                                    <p:cond delay="0"/>
+                                  </p:stCondLst>
+                                  <p:childTnLst>
+                                    <p:set>
+                                      <p:cBhvr>
+                                        <p:cTn id="18" dur="1" fill="hold">
+                                          <p:stCondLst>
+                                            <p:cond delay="0"/>
+                                          </p:stCondLst>
+                                        </p:cTn>
+                                        <p:tgtEl>
+                                          <p:spTgt spid="3">
+                                            <p:txEl>
+                                              <p:pRg st="3" end="3"/>
+                                            </p:txEl>
+                                          </p:spTgt>
+                                        </p:tgtEl>
+                                        <p:attrNameLst>
+                                          <p:attrName>style.visibility</p:attrName>
+                                        </p:attrNameLst>
+                                      </p:cBhvr>
+                                      <p:to>
+                                        <p:strVal val="visible"/>
+                                      </p:to>
+                                    </p:set>
+                                  </p:childTnLst>
+                                </p:cTn>
+                              </p:par>
+                            </p:childTnLst>
+                          </p:cTn>
+                        </p:par>
+                      </p:childTnLst>
+                    </p:cTn>
+                  </p:par>
+                  <p:par>
+                    <p:cTn id="19" fill="hold">
+                      <p:stCondLst>
+                        <p:cond delay="indefinite"/>
+                      </p:stCondLst>
+                      <p:childTnLst>
+                        <p:par>
+                          <p:cTn id="20" fill="hold">
+                            <p:stCondLst>
+                              <p:cond delay="0"/>
+                            </p:stCondLst>
+                            <p:childTnLst>
+                              <p:par>
+                                <p:cTn id="21" presetID="1" presetClass="entr" presetSubtype="0" fill="hold" grpId="0" nodeType="clickEffect">
+                                  <p:stCondLst>
+                                    <p:cond delay="0"/>
+                                  </p:stCondLst>
+                                  <p:childTnLst>
+                                    <p:set>
+                                      <p:cBhvr>
+                                        <p:cTn id="22" dur="1" fill="hold">
+                                          <p:stCondLst>
+                                            <p:cond delay="0"/>
+                                          </p:stCondLst>
+                                        </p:cTn>
+                                        <p:tgtEl>
+                                          <p:spTgt spid="3">
+                                            <p:txEl>
+                                              <p:pRg st="4" end="4"/>
+                                            </p:txEl>
+                                          </p:spTgt>
+                                        </p:tgtEl>
+                                        <p:attrNameLst>
+                                          <p:attrName>style.visibility</p:attrName>
+                                        </p:attrNameLst>
+                                      </p:cBhvr>
+                                      <p:to>
+                                        <p:strVal val="visible"/>
+                                      </p:to>
+                                    </p:set>
+                                  </p:childTnLst>
+                                </p:cTn>
+                              </p:par>
+                              <p:par>
+                                <p:cTn id="23" presetID="1" presetClass="entr" presetSubtype="0" fill="hold" grpId="0" nodeType="withEffect">
+                                  <p:stCondLst>
+                                    <p:cond delay="0"/>
+                                  </p:stCondLst>
+                                  <p:childTnLst>
+                                    <p:set>
+                                      <p:cBhvr>
+                                        <p:cTn id="24" dur="1" fill="hold">
+                                          <p:stCondLst>
+                                            <p:cond delay="0"/>
+                                          </p:stCondLst>
+                                        </p:cTn>
+                                        <p:tgtEl>
+                                          <p:spTgt spid="3">
+                                            <p:txEl>
+                                              <p:pRg st="5" end="5"/>
+                                            </p:txEl>
+                                          </p:spTgt>
+                                        </p:tgtEl>
+                                        <p:attrNameLst>
+                                          <p:attrName>style.visibility</p:attrName>
+                                        </p:attrNameLst>
+                                      </p:cBhvr>
+                                      <p:to>
+                                        <p:strVal val="visible"/>
+                                      </p:to>
+                                    </p:set>
+                                  </p:childTnLst>
+                                </p:cTn>
+                              </p:par>
+                              <p:par>
+                                <p:cTn id="25" presetID="1" presetClass="entr" presetSubtype="0" fill="hold" grpId="0" nodeType="withEffect">
+                                  <p:stCondLst>
+                                    <p:cond delay="0"/>
+                                  </p:stCondLst>
+                                  <p:childTnLst>
+                                    <p:set>
+                                      <p:cBhvr>
+                                        <p:cTn id="26" dur="1" fill="hold">
+                                          <p:stCondLst>
+                                            <p:cond delay="0"/>
+                                          </p:stCondLst>
+                                        </p:cTn>
+                                        <p:tgtEl>
+                                          <p:spTgt spid="3">
+                                            <p:txEl>
+                                              <p:pRg st="6" end="6"/>
+                                            </p:txEl>
+                                          </p:spTgt>
+                                        </p:tgtEl>
+                                        <p:attrNameLst>
+                                          <p:attrName>style.visibility</p:attrName>
+                                        </p:attrNameLst>
+                                      </p:cBhvr>
+                                      <p:to>
+                                        <p:strVal val="visible"/>
+                                      </p:to>
+                                    </p:set>
+                                  </p:childTnLst>
+                                </p:cTn>
+                              </p:par>
+                            </p:childTnLst>
+                          </p:cTn>
+                        </p:par>
+                      </p:childTnLst>
+                    </p:cTn>
+                  </p:par>
+                  <p:par>
+                    <p:cTn id="27" fill="hold">
+                      <p:stCondLst>
+                        <p:cond delay="indefinite"/>
+                      </p:stCondLst>
+                      <p:childTnLst>
+                        <p:par>
+                          <p:cTn id="28" fill="hold">
+                            <p:stCondLst>
+                              <p:cond delay="0"/>
+                            </p:stCondLst>
+                            <p:childTnLst>
+                              <p:par>
+                                <p:cTn id="29" presetID="1" presetClass="entr" presetSubtype="0" fill="hold" grpId="0" nodeType="clickEffect">
+                                  <p:stCondLst>
+                                    <p:cond delay="0"/>
+                                  </p:stCondLst>
+                                  <p:childTnLst>
+                                    <p:set>
+                                      <p:cBhvr>
+                                        <p:cTn id="30" dur="1" fill="hold">
+                                          <p:stCondLst>
+                                            <p:cond delay="0"/>
+                                          </p:stCondLst>
+                                        </p:cTn>
+                                        <p:tgtEl>
+                                          <p:spTgt spid="3">
+                                            <p:txEl>
+                                              <p:pRg st="7" end="7"/>
+                                            </p:txEl>
+                                          </p:spTgt>
+                                        </p:tgtEl>
+                                        <p:attrNameLst>
+                                          <p:attrName>style.visibility</p:attrName>
+                                        </p:attrNameLst>
+                                      </p:cBhvr>
+                                      <p:to>
+                                        <p:strVal val="visible"/>
+                                      </p:to>
+                                    </p:set>
+                                  </p:childTnLst>
+                                </p:cTn>
+                              </p:par>
+                            </p:childTnLst>
+                          </p:cTn>
+                        </p:par>
+                      </p:childTnLst>
+                    </p:cTn>
+                  </p:par>
+                  <p:par>
+                    <p:cTn id="31" fill="hold">
+                      <p:stCondLst>
+                        <p:cond delay="indefinite"/>
+                      </p:stCondLst>
+                      <p:childTnLst>
+                        <p:par>
+                          <p:cTn id="32" fill="hold">
+                            <p:stCondLst>
+                              <p:cond delay="0"/>
+                            </p:stCondLst>
+                            <p:childTnLst>
+                              <p:par>
+                                <p:cTn id="33" presetID="1" presetClass="entr" presetSubtype="0" fill="hold" grpId="0" nodeType="clickEffect">
+                                  <p:stCondLst>
+                                    <p:cond delay="0"/>
+                                  </p:stCondLst>
+                                  <p:childTnLst>
+                                    <p:set>
+                                      <p:cBhvr>
+                                        <p:cTn id="34" dur="1" fill="hold">
+                                          <p:stCondLst>
+                                            <p:cond delay="0"/>
+                                          </p:stCondLst>
+                                        </p:cTn>
+                                        <p:tgtEl>
+                                          <p:spTgt spid="3">
+                                            <p:txEl>
+                                              <p:pRg st="8" end="8"/>
+                                            </p:txEl>
+                                          </p:spTgt>
+                                        </p:tgtEl>
+                                        <p:attrNameLst>
+                                          <p:attrName>style.visibility</p:attrName>
+                                        </p:attrNameLst>
+                                      </p:cBhvr>
+                                      <p:to>
+                                        <p:strVal val="visible"/>
+                                      </p:to>
+                                    </p:set>
+                                  </p:childTnLst>
+                                </p:cTn>
+                              </p:par>
+                            </p:childTnLst>
+                          </p:cTn>
+                        </p:par>
+                      </p:childTnLst>
+                    </p:cTn>
+                  </p:par>
+                  <p:par>
+                    <p:cTn id="35" fill="hold">
+                      <p:stCondLst>
+                        <p:cond delay="indefinite"/>
+                      </p:stCondLst>
+                      <p:childTnLst>
+                        <p:par>
+                          <p:cTn id="36" fill="hold">
+                            <p:stCondLst>
+                              <p:cond delay="0"/>
+                            </p:stCondLst>
+                            <p:childTnLst>
+                              <p:par>
+                                <p:cTn id="37" presetID="1" presetClass="entr" presetSubtype="0" fill="hold" grpId="0" nodeType="clickEffect">
+                                  <p:stCondLst>
+                                    <p:cond delay="0"/>
+                                  </p:stCondLst>
+                                  <p:childTnLst>
+                                    <p:set>
+                                      <p:cBhvr>
+                                        <p:cTn id="38" dur="1" fill="hold">
+                                          <p:stCondLst>
+                                            <p:cond delay="0"/>
+                                          </p:stCondLst>
+                                        </p:cTn>
+                                        <p:tgtEl>
+                                          <p:spTgt spid="3">
+                                            <p:txEl>
+                                              <p:pRg st="9" end="9"/>
+                                            </p:txEl>
+                                          </p:spTgt>
+                                        </p:tgtEl>
+                                        <p:attrNameLst>
+                                          <p:attrName>style.visibility</p:attrName>
+                                        </p:attrNameLst>
+                                      </p:cBhvr>
+                                      <p:to>
+                                        <p:strVal val="visible"/>
+                                      </p:to>
+                                    </p:set>
+                                  </p:childTnLst>
+                                </p:cTn>
+                              </p:par>
+                            </p:childTnLst>
+                          </p:cTn>
+                        </p:par>
+                      </p:childTnLst>
+                    </p:cTn>
+                  </p:par>
+                </p:childTnLst>
+              </p:cTn>
+              <p:prevCondLst>
+                <p:cond evt="onPrev" delay="0">
+                  <p:tgtEl>
+                    <p:sldTgt/>
+                  </p:tgtEl>
+                </p:cond>
+              </p:prevCondLst>
+              <p:nextCondLst>
+                <p:cond evt="onNext" delay="0">
+                  <p:tgtEl>
+                    <p:sldTgt/>
+                  </p:tgtEl>
+                </p:cond>
+              </p:nextCondLst>
+            </p:seq>
+          </p:childTnLst>
+        </p:cTn>
+      </p:par>
+    </p:tnLst>
+    <p:bldLst>
+      <p:bldP spid="3" grpId="0" build="p"/>
+    </p:bldLst>
+  </p:timing>
+</p:sld>
+</file>
+
+<file path=ppt/slides/slide21.xml><?xml version="1.0" encoding="utf-8"?>
+<p:sld xmlns:a="http://schemas.openxmlformats.org/drawingml/2006/main" xmlns:r="http://schemas.openxmlformats.org/officeDocument/2006/relationships" xmlns:p="http://schemas.openxmlformats.org/presentationml/2006/main">
+  <p:cSld>
+    <p:spTree>
+      <p:nvGrpSpPr>
+        <p:cNvPr id="1" name=""/>
+        <p:cNvGrpSpPr/>
+        <p:nvPr/>
+      </p:nvGrpSpPr>
+      <p:grpSpPr>
+        <a:xfrm>
+          <a:off x="0" y="0"/>
+          <a:ext cx="0" cy="0"/>
+          <a:chOff x="0" y="0"/>
+          <a:chExt cx="0" cy="0"/>
+        </a:xfrm>
+      </p:grpSpPr>
+      <p:sp>
+        <p:nvSpPr>
+          <p:cNvPr id="2" name="Title 1"/>
+          <p:cNvSpPr>
+            <a:spLocks noGrp="1"/>
+          </p:cNvSpPr>
+          <p:nvPr>
+            <p:ph type="title"/>
+          </p:nvPr>
+        </p:nvSpPr>
+        <p:spPr/>
+        <p:txBody>
+          <a:bodyPr/>
+          <a:lstStyle/>
+          <a:p>
+            <a:endParaRPr lang="en-US"/>
+          </a:p>
+        </p:txBody>
+      </p:sp>
+      <p:sp>
+        <p:nvSpPr>
+          <p:cNvPr id="3" name="Content Placeholder 2"/>
+          <p:cNvSpPr>
+            <a:spLocks noGrp="1"/>
+          </p:cNvSpPr>
+          <p:nvPr>
+            <p:ph idx="1"/>
+          </p:nvPr>
+        </p:nvSpPr>
+        <p:spPr/>
+        <p:txBody>
+          <a:bodyPr/>
+          <a:lstStyle/>
+          <a:p>
+            <a:endParaRPr lang="en-US"/>
+          </a:p>
+        </p:txBody>
+      </p:sp>
+    </p:spTree>
+    <p:extLst>
+      <p:ext uri="{BB962C8B-B14F-4D97-AF65-F5344CB8AC3E}">
+        <p14:creationId xmlns:p14="http://schemas.microsoft.com/office/powerpoint/2010/main" val="2087566165"/>
+      </p:ext>
+    </p:extLst>
+  </p:cSld>
+  <p:clrMapOvr>
+    <a:masterClrMapping/>
+  </p:clrMapOvr>
+  <p:timing>
+    <p:tnLst>
+      <p:par>
+        <p:cTn id="1" dur="indefinite" restart="never" nodeType="tmRoot"/>
+      </p:par>
+    </p:tnLst>
+  </p:timing>
+</p:sld>
+</file>
+
+<file path=ppt/slides/slide22.xml><?xml version="1.0" encoding="utf-8"?>
+<p:sld xmlns:a="http://schemas.openxmlformats.org/drawingml/2006/main" xmlns:r="http://schemas.openxmlformats.org/officeDocument/2006/relationships" xmlns:p="http://schemas.openxmlformats.org/presentationml/2006/main">
+  <p:cSld>
+    <p:spTree>
+      <p:nvGrpSpPr>
+        <p:cNvPr id="1" name=""/>
+        <p:cNvGrpSpPr/>
+        <p:nvPr/>
+      </p:nvGrpSpPr>
+      <p:grpSpPr>
+        <a:xfrm>
+          <a:off x="0" y="0"/>
+          <a:ext cx="0" cy="0"/>
+          <a:chOff x="0" y="0"/>
+          <a:chExt cx="0" cy="0"/>
+        </a:xfrm>
+      </p:grpSpPr>
+      <p:sp>
+        <p:nvSpPr>
+          <p:cNvPr id="2" name="Title 1"/>
+          <p:cNvSpPr>
+            <a:spLocks noGrp="1"/>
+          </p:cNvSpPr>
+          <p:nvPr>
+            <p:ph type="title"/>
+          </p:nvPr>
+        </p:nvSpPr>
+        <p:spPr/>
+        <p:txBody>
+          <a:bodyPr/>
+          <a:lstStyle/>
+          <a:p>
+            <a:endParaRPr lang="en-US"/>
+          </a:p>
+        </p:txBody>
+      </p:sp>
+      <p:sp>
+        <p:nvSpPr>
+          <p:cNvPr id="3" name="Content Placeholder 2"/>
+          <p:cNvSpPr>
+            <a:spLocks noGrp="1"/>
+          </p:cNvSpPr>
+          <p:nvPr>
+            <p:ph idx="1"/>
+          </p:nvPr>
+        </p:nvSpPr>
+        <p:spPr/>
+        <p:txBody>
+          <a:bodyPr/>
+          <a:lstStyle/>
+          <a:p>
+            <a:endParaRPr lang="en-US"/>
+          </a:p>
+        </p:txBody>
+      </p:sp>
+    </p:spTree>
+    <p:extLst>
+      <p:ext uri="{BB962C8B-B14F-4D97-AF65-F5344CB8AC3E}">
+        <p14:creationId xmlns:p14="http://schemas.microsoft.com/office/powerpoint/2010/main" val="2620149347"/>
+      </p:ext>
+    </p:extLst>
+  </p:cSld>
+  <p:clrMapOvr>
+    <a:masterClrMapping/>
+  </p:clrMapOvr>
+  <p:timing>
+    <p:tnLst>
+      <p:par>
+        <p:cTn id="1" dur="indefinite" restart="never" nodeType="tmRoot"/>
+      </p:par>
+    </p:tnLst>
   </p:timing>
 </p:sld>
 </file>
